--- a/PortingUnity_Win8.pptx
+++ b/PortingUnity_Win8.pptx
@@ -9,11 +9,15 @@
     <p:sldId id="258" r:id="rId3"/>
     <p:sldId id="257" r:id="rId4"/>
     <p:sldId id="260" r:id="rId5"/>
-    <p:sldId id="259" r:id="rId6"/>
-    <p:sldId id="262" r:id="rId7"/>
-    <p:sldId id="261" r:id="rId8"/>
-    <p:sldId id="263" r:id="rId9"/>
-    <p:sldId id="264" r:id="rId10"/>
+    <p:sldId id="269" r:id="rId6"/>
+    <p:sldId id="268" r:id="rId7"/>
+    <p:sldId id="265" r:id="rId8"/>
+    <p:sldId id="259" r:id="rId9"/>
+    <p:sldId id="262" r:id="rId10"/>
+    <p:sldId id="261" r:id="rId11"/>
+    <p:sldId id="263" r:id="rId12"/>
+    <p:sldId id="267" r:id="rId13"/>
+    <p:sldId id="264" r:id="rId14"/>
   </p:sldIdLst>
   <p:sldSz cx="12192000" cy="6858000"/>
   <p:notesSz cx="6858000" cy="9144000"/>
@@ -112,7 +116,52 @@
       </a:defRPr>
     </a:lvl9pPr>
   </p:defaultTextStyle>
+  <p:extLst>
+    <p:ext uri="{EFAFB233-063F-42B5-8137-9DF3F51BA10A}">
+      <p15:sldGuideLst xmlns:p15="http://schemas.microsoft.com/office/powerpoint/2012/main"/>
+    </p:ext>
+  </p:extLst>
 </p:presentation>
+</file>
+
+<file path=ppt/ink/ink1.xml><?xml version="1.0" encoding="utf-8"?>
+<inkml:ink xmlns:inkml="http://www.w3.org/2003/InkML">
+  <inkml:definitions>
+    <inkml:context xml:id="ctx0">
+      <inkml:inkSource xml:id="inkSrc0">
+        <inkml:traceFormat>
+          <inkml:channel name="X" type="integer" max="23472" units="cm"/>
+          <inkml:channel name="Y" type="integer" max="13203" units="cm"/>
+          <inkml:channel name="F" type="integer" max="1023" units="dev"/>
+          <inkml:channel name="T" type="integer" max="2.14748E9" units="dev"/>
+        </inkml:traceFormat>
+        <inkml:channelProperties>
+          <inkml:channelProperty channel="X" name="resolution" value="1000.08521" units="1/cm"/>
+          <inkml:channelProperty channel="Y" name="resolution" value="1000.22729" units="1/cm"/>
+          <inkml:channelProperty channel="F" name="resolution" value="0" units="1/dev"/>
+          <inkml:channelProperty channel="T" name="resolution" value="1" units="1/dev"/>
+        </inkml:channelProperties>
+      </inkml:inkSource>
+      <inkml:timestamp xml:id="ts0" timeString="2014-05-02T21:41:48.481"/>
+    </inkml:context>
+    <inkml:brush xml:id="br0">
+      <inkml:brushProperty name="width" value="0.08333" units="cm"/>
+      <inkml:brushProperty name="height" value="0.08333" units="cm"/>
+      <inkml:brushProperty name="color" value="#ED1C24"/>
+      <inkml:brushProperty name="fitToCurve" value="1"/>
+    </inkml:brush>
+  </inkml:definitions>
+  <inkml:traceGroup>
+    <inkml:annotationXML>
+      <emma:emma xmlns:emma="http://www.w3.org/2003/04/emma" version="1.0">
+        <emma:interpretation id="{25AE5032-96F4-4DC3-AE19-5F05306FBB91}" emma:medium="tactile" emma:mode="ink">
+          <msink:context xmlns:msink="http://schemas.microsoft.com/ink/2010/main" type="inkDrawing" rotatedBoundingBox="3009,12678 12085,12450 12158,15350 3082,15578" hotPoints="12320,14167 7944,15465 3664,13880 8040,12581" semanticType="enclosure" shapeName="Ellipse"/>
+        </emma:interpretation>
+      </emma:emma>
+    </inkml:annotationXML>
+    <inkml:trace contextRef="#ctx0" brushRef="#br0">976 2221 9 0,'-4'36'86'16,"4"-36"0"-16,44 26-4 16,-2-8-60-16,10-10-6 15,26 12 4-15,3-4-1 16,23 8 5-16,8-6-2 16,14 12 2-16,6-4-2 0,18 6 1 15,18-6-3 1,25 10-1-16,23-6-2 15,26 4-1-15,30 2-4 16,31 6-4-16,25 0 1 0,19 0-6 16,17-8 3-16,0-6-6 15,1-6 3-15,1-8-4 16,-13-16 7-16,-9-14 0 16,-10-18 1-16,-13-4 4 15,-13-18-4-15,-8-8 3 16,-17-14-3-16,-17-10-1 15,-20-8-2-15,-22-4-2 16,-31-6 0-16,-29-2-4 0,-28 1 2 16,-38-3 3-1,-38-2-4-15,-42 0 2 16,-44-4-2-16,-36-4 0 0,-44 0-2 16,-32-6 1-16,-34 1-4 15,-21-3-5-15,-19 8 4 16,-16 4-1-16,-4 12-1 15,-11 8 1-15,-7 12 0 16,-18 8 2-16,-16 14 0 16,-23 10 4-16,-21 9-2 15,-25 7 1-15,-25 6 2 16,-12 4-2-16,-3 8 0 0,-5 2-3 16,15 10-1-16,13 10-1 15,15 14 0 1,21 14 1-16,16 20-1 0,9 21 2 15,1 27 2-15,4 24 5 16,9 22 0-16,13 16 6 16,24 6-3-16,30 4 8 15,43-5-1-15,55-1-3 16,66-10 4-16,72-12-3 16,78-14 2-16,70-4-5 15,75-11 4-15,65-3-9 16,54-16 5-16,63 0 2 15,57-14-3-15,41-12 2 16,92-12-7-16,-27-2-9 16,19-4-22-16,-10-16-79 15,77-2-7-15,-103-18-5 16,-43-14-7-16</inkml:trace>
+  </inkml:traceGroup>
+</inkml:ink>
 </file>
 
 <file path=ppt/slideLayouts/slideLayout1.xml><?xml version="1.0" encoding="utf-8"?>
@@ -246,7 +295,7 @@
           <a:p>
             <a:fld id="{EB741852-085B-4304-A0BB-F6C62D9D1BEF}" type="datetimeFigureOut">
               <a:rPr lang="en-AU" smtClean="0"/>
-              <a:t>19/03/2014</a:t>
+              <a:t>3/05/2014</a:t>
             </a:fld>
             <a:endParaRPr lang="en-AU"/>
           </a:p>
@@ -416,7 +465,7 @@
           <a:p>
             <a:fld id="{EB741852-085B-4304-A0BB-F6C62D9D1BEF}" type="datetimeFigureOut">
               <a:rPr lang="en-AU" smtClean="0"/>
-              <a:t>19/03/2014</a:t>
+              <a:t>3/05/2014</a:t>
             </a:fld>
             <a:endParaRPr lang="en-AU"/>
           </a:p>
@@ -596,7 +645,7 @@
           <a:p>
             <a:fld id="{EB741852-085B-4304-A0BB-F6C62D9D1BEF}" type="datetimeFigureOut">
               <a:rPr lang="en-AU" smtClean="0"/>
-              <a:t>19/03/2014</a:t>
+              <a:t>3/05/2014</a:t>
             </a:fld>
             <a:endParaRPr lang="en-AU"/>
           </a:p>
@@ -766,7 +815,7 @@
           <a:p>
             <a:fld id="{EB741852-085B-4304-A0BB-F6C62D9D1BEF}" type="datetimeFigureOut">
               <a:rPr lang="en-AU" smtClean="0"/>
-              <a:t>19/03/2014</a:t>
+              <a:t>3/05/2014</a:t>
             </a:fld>
             <a:endParaRPr lang="en-AU"/>
           </a:p>
@@ -1012,7 +1061,7 @@
           <a:p>
             <a:fld id="{EB741852-085B-4304-A0BB-F6C62D9D1BEF}" type="datetimeFigureOut">
               <a:rPr lang="en-AU" smtClean="0"/>
-              <a:t>19/03/2014</a:t>
+              <a:t>3/05/2014</a:t>
             </a:fld>
             <a:endParaRPr lang="en-AU"/>
           </a:p>
@@ -1244,7 +1293,7 @@
           <a:p>
             <a:fld id="{EB741852-085B-4304-A0BB-F6C62D9D1BEF}" type="datetimeFigureOut">
               <a:rPr lang="en-AU" smtClean="0"/>
-              <a:t>19/03/2014</a:t>
+              <a:t>3/05/2014</a:t>
             </a:fld>
             <a:endParaRPr lang="en-AU"/>
           </a:p>
@@ -1611,7 +1660,7 @@
           <a:p>
             <a:fld id="{EB741852-085B-4304-A0BB-F6C62D9D1BEF}" type="datetimeFigureOut">
               <a:rPr lang="en-AU" smtClean="0"/>
-              <a:t>19/03/2014</a:t>
+              <a:t>3/05/2014</a:t>
             </a:fld>
             <a:endParaRPr lang="en-AU"/>
           </a:p>
@@ -1729,7 +1778,7 @@
           <a:p>
             <a:fld id="{EB741852-085B-4304-A0BB-F6C62D9D1BEF}" type="datetimeFigureOut">
               <a:rPr lang="en-AU" smtClean="0"/>
-              <a:t>19/03/2014</a:t>
+              <a:t>3/05/2014</a:t>
             </a:fld>
             <a:endParaRPr lang="en-AU"/>
           </a:p>
@@ -1824,7 +1873,7 @@
           <a:p>
             <a:fld id="{EB741852-085B-4304-A0BB-F6C62D9D1BEF}" type="datetimeFigureOut">
               <a:rPr lang="en-AU" smtClean="0"/>
-              <a:t>19/03/2014</a:t>
+              <a:t>3/05/2014</a:t>
             </a:fld>
             <a:endParaRPr lang="en-AU"/>
           </a:p>
@@ -2101,7 +2150,7 @@
           <a:p>
             <a:fld id="{EB741852-085B-4304-A0BB-F6C62D9D1BEF}" type="datetimeFigureOut">
               <a:rPr lang="en-AU" smtClean="0"/>
-              <a:t>19/03/2014</a:t>
+              <a:t>3/05/2014</a:t>
             </a:fld>
             <a:endParaRPr lang="en-AU"/>
           </a:p>
@@ -2354,7 +2403,7 @@
           <a:p>
             <a:fld id="{EB741852-085B-4304-A0BB-F6C62D9D1BEF}" type="datetimeFigureOut">
               <a:rPr lang="en-AU" smtClean="0"/>
-              <a:t>19/03/2014</a:t>
+              <a:t>3/05/2014</a:t>
             </a:fld>
             <a:endParaRPr lang="en-AU"/>
           </a:p>
@@ -2567,7 +2616,7 @@
           <a:p>
             <a:fld id="{EB741852-085B-4304-A0BB-F6C62D9D1BEF}" type="datetimeFigureOut">
               <a:rPr lang="en-AU" smtClean="0"/>
-              <a:t>19/03/2014</a:t>
+              <a:t>3/05/2014</a:t>
             </a:fld>
             <a:endParaRPr lang="en-AU"/>
           </a:p>
@@ -3012,7 +3061,11 @@
           <a:p>
             <a:r>
               <a:rPr lang="en-AU" dirty="0" smtClean="0"/>
-              <a:t>In 4 Easy Steps</a:t>
+              <a:t>In 4 Easy </a:t>
+            </a:r>
+            <a:r>
+              <a:rPr lang="en-AU" dirty="0" smtClean="0"/>
+              <a:t>Steps</a:t>
             </a:r>
           </a:p>
           <a:p>
@@ -3031,6 +3084,546 @@
     <p:extLst>
       <p:ext uri="{BB962C8B-B14F-4D97-AF65-F5344CB8AC3E}">
         <p14:creationId xmlns:p14="http://schemas.microsoft.com/office/powerpoint/2010/main" val="1142713171"/>
+      </p:ext>
+    </p:extLst>
+  </p:cSld>
+  <p:clrMapOvr>
+    <a:masterClrMapping/>
+  </p:clrMapOvr>
+</p:sld>
+</file>
+
+<file path=ppt/slides/slide10.xml><?xml version="1.0" encoding="utf-8"?>
+<p:sld xmlns:a="http://schemas.openxmlformats.org/drawingml/2006/main" xmlns:r="http://schemas.openxmlformats.org/officeDocument/2006/relationships" xmlns:p="http://schemas.openxmlformats.org/presentationml/2006/main">
+  <p:cSld>
+    <p:spTree>
+      <p:nvGrpSpPr>
+        <p:cNvPr id="1" name=""/>
+        <p:cNvGrpSpPr/>
+        <p:nvPr/>
+      </p:nvGrpSpPr>
+      <p:grpSpPr>
+        <a:xfrm>
+          <a:off x="0" y="0"/>
+          <a:ext cx="0" cy="0"/>
+          <a:chOff x="0" y="0"/>
+          <a:chExt cx="0" cy="0"/>
+        </a:xfrm>
+      </p:grpSpPr>
+      <p:sp>
+        <p:nvSpPr>
+          <p:cNvPr id="2" name="Title 1"/>
+          <p:cNvSpPr>
+            <a:spLocks noGrp="1"/>
+          </p:cNvSpPr>
+          <p:nvPr>
+            <p:ph type="title"/>
+          </p:nvPr>
+        </p:nvSpPr>
+        <p:spPr/>
+        <p:txBody>
+          <a:bodyPr/>
+          <a:lstStyle/>
+          <a:p>
+            <a:r>
+              <a:rPr lang="en-AU" dirty="0" smtClean="0"/>
+              <a:t>Step 4 – Windows 8 Features</a:t>
+            </a:r>
+            <a:endParaRPr lang="en-AU" dirty="0"/>
+          </a:p>
+        </p:txBody>
+      </p:sp>
+      <p:sp>
+        <p:nvSpPr>
+          <p:cNvPr id="5" name="Content Placeholder 4"/>
+          <p:cNvSpPr>
+            <a:spLocks noGrp="1"/>
+          </p:cNvSpPr>
+          <p:nvPr>
+            <p:ph idx="1"/>
+          </p:nvPr>
+        </p:nvSpPr>
+        <p:spPr/>
+        <p:txBody>
+          <a:bodyPr/>
+          <a:lstStyle/>
+          <a:p>
+            <a:r>
+              <a:rPr lang="en-AU" dirty="0" smtClean="0"/>
+              <a:t>Resizable screen (needs to be responsive)</a:t>
+            </a:r>
+          </a:p>
+          <a:p>
+            <a:pPr lvl="1"/>
+            <a:r>
+              <a:rPr lang="en-AU" dirty="0" smtClean="0"/>
+              <a:t>Choose from 320px or 500px minimum</a:t>
+            </a:r>
+          </a:p>
+          <a:p>
+            <a:r>
+              <a:rPr lang="en-AU" dirty="0" smtClean="0"/>
+              <a:t>Connect game to App Lifecycle (if required)</a:t>
+            </a:r>
+          </a:p>
+          <a:p>
+            <a:r>
+              <a:rPr lang="en-AU" dirty="0" smtClean="0"/>
+              <a:t>Live Tiles</a:t>
+            </a:r>
+          </a:p>
+          <a:p>
+            <a:r>
+              <a:rPr lang="en-AU" dirty="0" smtClean="0"/>
+              <a:t>Share Charm</a:t>
+            </a:r>
+          </a:p>
+          <a:p>
+            <a:r>
+              <a:rPr lang="en-AU" dirty="0" smtClean="0"/>
+              <a:t>Keyboard &amp; Mouse Support</a:t>
+            </a:r>
+          </a:p>
+          <a:p>
+            <a:r>
+              <a:rPr lang="en-AU" dirty="0" smtClean="0"/>
+              <a:t>Required Icon Assets (Small/Medium/Large tiles + Splash Screen)</a:t>
+            </a:r>
+          </a:p>
+        </p:txBody>
+      </p:sp>
+    </p:spTree>
+    <p:extLst>
+      <p:ext uri="{BB962C8B-B14F-4D97-AF65-F5344CB8AC3E}">
+        <p14:creationId xmlns:p14="http://schemas.microsoft.com/office/powerpoint/2010/main" val="3441485953"/>
+      </p:ext>
+    </p:extLst>
+  </p:cSld>
+  <p:clrMapOvr>
+    <a:masterClrMapping/>
+  </p:clrMapOvr>
+</p:sld>
+</file>
+
+<file path=ppt/slides/slide11.xml><?xml version="1.0" encoding="utf-8"?>
+<p:sld xmlns:a="http://schemas.openxmlformats.org/drawingml/2006/main" xmlns:r="http://schemas.openxmlformats.org/officeDocument/2006/relationships" xmlns:p="http://schemas.openxmlformats.org/presentationml/2006/main">
+  <p:cSld>
+    <p:spTree>
+      <p:nvGrpSpPr>
+        <p:cNvPr id="1" name=""/>
+        <p:cNvGrpSpPr/>
+        <p:nvPr/>
+      </p:nvGrpSpPr>
+      <p:grpSpPr>
+        <a:xfrm>
+          <a:off x="0" y="0"/>
+          <a:ext cx="0" cy="0"/>
+          <a:chOff x="0" y="0"/>
+          <a:chExt cx="0" cy="0"/>
+        </a:xfrm>
+      </p:grpSpPr>
+      <p:sp>
+        <p:nvSpPr>
+          <p:cNvPr id="2" name="Title 1"/>
+          <p:cNvSpPr>
+            <a:spLocks noGrp="1"/>
+          </p:cNvSpPr>
+          <p:nvPr>
+            <p:ph type="title"/>
+          </p:nvPr>
+        </p:nvSpPr>
+        <p:spPr/>
+        <p:txBody>
+          <a:bodyPr/>
+          <a:lstStyle/>
+          <a:p>
+            <a:r>
+              <a:rPr lang="en-AU" dirty="0" smtClean="0"/>
+              <a:t>Finishing Touches</a:t>
+            </a:r>
+            <a:endParaRPr lang="en-AU" dirty="0"/>
+          </a:p>
+        </p:txBody>
+      </p:sp>
+      <p:sp>
+        <p:nvSpPr>
+          <p:cNvPr id="3" name="Content Placeholder 2"/>
+          <p:cNvSpPr>
+            <a:spLocks noGrp="1"/>
+          </p:cNvSpPr>
+          <p:nvPr>
+            <p:ph idx="1"/>
+          </p:nvPr>
+        </p:nvSpPr>
+        <p:spPr/>
+        <p:txBody>
+          <a:bodyPr/>
+          <a:lstStyle/>
+          <a:p>
+            <a:r>
+              <a:rPr lang="en-AU" dirty="0" smtClean="0"/>
+              <a:t>Polish your game</a:t>
+            </a:r>
+          </a:p>
+          <a:p>
+            <a:pPr lvl="1"/>
+            <a:r>
+              <a:rPr lang="en-AU" dirty="0" smtClean="0"/>
+              <a:t>Fluid loading experience</a:t>
+            </a:r>
+          </a:p>
+          <a:p>
+            <a:pPr lvl="1"/>
+            <a:r>
+              <a:rPr lang="en-AU" dirty="0" smtClean="0"/>
+              <a:t>Gamepad support</a:t>
+            </a:r>
+          </a:p>
+          <a:p>
+            <a:r>
+              <a:rPr lang="en-AU" dirty="0" smtClean="0"/>
+              <a:t>Check your assets</a:t>
+            </a:r>
+          </a:p>
+          <a:p>
+            <a:pPr lvl="1"/>
+            <a:r>
+              <a:rPr lang="en-AU" dirty="0" smtClean="0"/>
+              <a:t>PVR textures will not work, convert to DXT</a:t>
+            </a:r>
+          </a:p>
+          <a:p>
+            <a:r>
+              <a:rPr lang="en-AU" dirty="0" smtClean="0"/>
+              <a:t>Check your Materials</a:t>
+            </a:r>
+          </a:p>
+          <a:p>
+            <a:pPr lvl="1"/>
+            <a:r>
+              <a:rPr lang="en-AU" dirty="0" smtClean="0"/>
+              <a:t>Defaults will work, custom may not, check for Direct3D</a:t>
+            </a:r>
+          </a:p>
+          <a:p>
+            <a:pPr lvl="1"/>
+            <a:r>
+              <a:rPr lang="en-AU" dirty="0" smtClean="0"/>
+              <a:t>New PCs are D3D 11, some ARM devices are D3D 9.3 (equivalent)</a:t>
+            </a:r>
+          </a:p>
+          <a:p>
+            <a:r>
+              <a:rPr lang="en-AU" dirty="0" smtClean="0"/>
+              <a:t>Test your game</a:t>
+            </a:r>
+          </a:p>
+        </p:txBody>
+      </p:sp>
+    </p:spTree>
+    <p:extLst>
+      <p:ext uri="{BB962C8B-B14F-4D97-AF65-F5344CB8AC3E}">
+        <p14:creationId xmlns:p14="http://schemas.microsoft.com/office/powerpoint/2010/main" val="690564962"/>
+      </p:ext>
+    </p:extLst>
+  </p:cSld>
+  <p:clrMapOvr>
+    <a:masterClrMapping/>
+  </p:clrMapOvr>
+</p:sld>
+</file>
+
+<file path=ppt/slides/slide12.xml><?xml version="1.0" encoding="utf-8"?>
+<p:sld xmlns:a="http://schemas.openxmlformats.org/drawingml/2006/main" xmlns:r="http://schemas.openxmlformats.org/officeDocument/2006/relationships" xmlns:p="http://schemas.openxmlformats.org/presentationml/2006/main">
+  <p:cSld>
+    <p:spTree>
+      <p:nvGrpSpPr>
+        <p:cNvPr id="1" name=""/>
+        <p:cNvGrpSpPr/>
+        <p:nvPr/>
+      </p:nvGrpSpPr>
+      <p:grpSpPr>
+        <a:xfrm>
+          <a:off x="0" y="0"/>
+          <a:ext cx="0" cy="0"/>
+          <a:chOff x="0" y="0"/>
+          <a:chExt cx="0" cy="0"/>
+        </a:xfrm>
+      </p:grpSpPr>
+      <p:sp>
+        <p:nvSpPr>
+          <p:cNvPr id="2" name="Title 1"/>
+          <p:cNvSpPr>
+            <a:spLocks noGrp="1"/>
+          </p:cNvSpPr>
+          <p:nvPr>
+            <p:ph type="title"/>
+          </p:nvPr>
+        </p:nvSpPr>
+        <p:spPr/>
+        <p:txBody>
+          <a:bodyPr/>
+          <a:lstStyle/>
+          <a:p>
+            <a:r>
+              <a:rPr lang="en-AU" dirty="0" smtClean="0"/>
+              <a:t>Debugging with Visual Studio</a:t>
+            </a:r>
+            <a:endParaRPr lang="en-AU" dirty="0"/>
+          </a:p>
+        </p:txBody>
+      </p:sp>
+      <p:sp>
+        <p:nvSpPr>
+          <p:cNvPr id="3" name="Content Placeholder 2"/>
+          <p:cNvSpPr>
+            <a:spLocks noGrp="1"/>
+          </p:cNvSpPr>
+          <p:nvPr>
+            <p:ph idx="1"/>
+          </p:nvPr>
+        </p:nvSpPr>
+        <p:spPr/>
+        <p:txBody>
+          <a:bodyPr/>
+          <a:lstStyle/>
+          <a:p>
+            <a:r>
+              <a:rPr lang="en-AU" dirty="0" smtClean="0"/>
+              <a:t>Build for Windows Store (WSA)</a:t>
+            </a:r>
+          </a:p>
+          <a:p>
+            <a:r>
+              <a:rPr lang="en-AU" dirty="0" smtClean="0"/>
+              <a:t>Generate </a:t>
+            </a:r>
+            <a:r>
+              <a:rPr lang="en-AU" dirty="0" err="1" smtClean="0"/>
+              <a:t>MonoDevelop</a:t>
+            </a:r>
+            <a:r>
+              <a:rPr lang="en-AU" dirty="0" smtClean="0"/>
+              <a:t>/</a:t>
+            </a:r>
+            <a:r>
+              <a:rPr lang="en-AU" dirty="0" err="1" smtClean="0"/>
+              <a:t>UnityVS</a:t>
+            </a:r>
+            <a:r>
+              <a:rPr lang="en-AU" dirty="0" smtClean="0"/>
+              <a:t> projects</a:t>
+            </a:r>
+          </a:p>
+          <a:p>
+            <a:r>
+              <a:rPr lang="en-AU" dirty="0" smtClean="0"/>
+              <a:t>Add generated </a:t>
+            </a:r>
+            <a:r>
+              <a:rPr lang="en-AU" dirty="0" err="1" smtClean="0"/>
+              <a:t>Csharp</a:t>
+            </a:r>
+            <a:r>
+              <a:rPr lang="en-AU" dirty="0" smtClean="0"/>
+              <a:t> projects to WSA solution</a:t>
+            </a:r>
+          </a:p>
+          <a:p>
+            <a:r>
+              <a:rPr lang="en-AU" dirty="0" smtClean="0"/>
+              <a:t>Edit Build </a:t>
+            </a:r>
+            <a:r>
+              <a:rPr lang="en-AU" dirty="0" err="1" smtClean="0"/>
+              <a:t>Config</a:t>
+            </a:r>
+            <a:r>
+              <a:rPr lang="en-AU" dirty="0" smtClean="0"/>
+              <a:t> and remove those projects (to avoid compile errors)</a:t>
+            </a:r>
+          </a:p>
+          <a:p>
+            <a:r>
+              <a:rPr lang="en-AU" dirty="0" smtClean="0"/>
+              <a:t>Edit and Rebuild in Unity</a:t>
+            </a:r>
+          </a:p>
+          <a:p>
+            <a:pPr lvl="1"/>
+            <a:r>
+              <a:rPr lang="en-AU" dirty="0" smtClean="0"/>
+              <a:t>This will change in future versions</a:t>
+            </a:r>
+          </a:p>
+          <a:p>
+            <a:r>
+              <a:rPr lang="en-AU" dirty="0" smtClean="0"/>
+              <a:t>Rinse &amp; Repeat</a:t>
+            </a:r>
+          </a:p>
+        </p:txBody>
+      </p:sp>
+    </p:spTree>
+    <p:extLst>
+      <p:ext uri="{BB962C8B-B14F-4D97-AF65-F5344CB8AC3E}">
+        <p14:creationId xmlns:p14="http://schemas.microsoft.com/office/powerpoint/2010/main" val="560916964"/>
+      </p:ext>
+    </p:extLst>
+  </p:cSld>
+  <p:clrMapOvr>
+    <a:masterClrMapping/>
+  </p:clrMapOvr>
+</p:sld>
+</file>
+
+<file path=ppt/slides/slide13.xml><?xml version="1.0" encoding="utf-8"?>
+<p:sld xmlns:a="http://schemas.openxmlformats.org/drawingml/2006/main" xmlns:r="http://schemas.openxmlformats.org/officeDocument/2006/relationships" xmlns:p="http://schemas.openxmlformats.org/presentationml/2006/main">
+  <p:cSld>
+    <p:spTree>
+      <p:nvGrpSpPr>
+        <p:cNvPr id="1" name=""/>
+        <p:cNvGrpSpPr/>
+        <p:nvPr/>
+      </p:nvGrpSpPr>
+      <p:grpSpPr>
+        <a:xfrm>
+          <a:off x="0" y="0"/>
+          <a:ext cx="0" cy="0"/>
+          <a:chOff x="0" y="0"/>
+          <a:chExt cx="0" cy="0"/>
+        </a:xfrm>
+      </p:grpSpPr>
+      <p:sp>
+        <p:nvSpPr>
+          <p:cNvPr id="2" name="Title 1"/>
+          <p:cNvSpPr>
+            <a:spLocks noGrp="1"/>
+          </p:cNvSpPr>
+          <p:nvPr>
+            <p:ph type="title"/>
+          </p:nvPr>
+        </p:nvSpPr>
+        <p:spPr/>
+        <p:txBody>
+          <a:bodyPr/>
+          <a:lstStyle/>
+          <a:p>
+            <a:r>
+              <a:rPr lang="en-AU" dirty="0" smtClean="0"/>
+              <a:t>One More Thing…</a:t>
+            </a:r>
+            <a:endParaRPr lang="en-AU" dirty="0"/>
+          </a:p>
+        </p:txBody>
+      </p:sp>
+      <p:sp>
+        <p:nvSpPr>
+          <p:cNvPr id="3" name="Content Placeholder 2"/>
+          <p:cNvSpPr>
+            <a:spLocks noGrp="1"/>
+          </p:cNvSpPr>
+          <p:nvPr>
+            <p:ph idx="1"/>
+          </p:nvPr>
+        </p:nvSpPr>
+        <p:spPr>
+          <a:xfrm>
+            <a:off x="838200" y="1825625"/>
+            <a:ext cx="7273954" cy="4351338"/>
+          </a:xfrm>
+        </p:spPr>
+        <p:txBody>
+          <a:bodyPr/>
+          <a:lstStyle/>
+          <a:p>
+            <a:pPr marL="0" indent="0">
+              <a:buNone/>
+            </a:pPr>
+            <a:r>
+              <a:rPr lang="en-AU" dirty="0" smtClean="0"/>
+              <a:t>If you have this ticked -&gt;</a:t>
+            </a:r>
+          </a:p>
+          <a:p>
+            <a:pPr marL="0" indent="0">
+              <a:buNone/>
+            </a:pPr>
+            <a:r>
+              <a:rPr lang="en-AU" dirty="0" smtClean="0"/>
+              <a:t>(</a:t>
+            </a:r>
+            <a:r>
+              <a:rPr lang="en-AU" smtClean="0"/>
+              <a:t>Internet Client)</a:t>
+            </a:r>
+            <a:endParaRPr lang="en-AU" dirty="0"/>
+          </a:p>
+          <a:p>
+            <a:pPr marL="0" indent="0">
+              <a:buNone/>
+            </a:pPr>
+            <a:endParaRPr lang="en-AU" dirty="0" smtClean="0"/>
+          </a:p>
+          <a:p>
+            <a:pPr marL="0" indent="0">
+              <a:buNone/>
+            </a:pPr>
+            <a:endParaRPr lang="en-AU" dirty="0"/>
+          </a:p>
+          <a:p>
+            <a:pPr marL="0" indent="0">
+              <a:buNone/>
+            </a:pPr>
+            <a:r>
+              <a:rPr lang="en-AU" dirty="0" smtClean="0"/>
+              <a:t>Add a link to your Privacy Policy within the game.</a:t>
+            </a:r>
+          </a:p>
+          <a:p>
+            <a:pPr marL="0" indent="0">
+              <a:buNone/>
+            </a:pPr>
+            <a:r>
+              <a:rPr lang="en-AU" dirty="0" smtClean="0"/>
+              <a:t>(You can use the settings menu for this in XAML)</a:t>
+            </a:r>
+          </a:p>
+        </p:txBody>
+      </p:sp>
+      <p:pic>
+        <p:nvPicPr>
+          <p:cNvPr id="4" name="Picture 3" descr="Unity - Untitled - unity - PC, Mac &amp; Linux Standalone &lt;DX11&gt;"/>
+          <p:cNvPicPr>
+            <a:picLocks noChangeAspect="1"/>
+          </p:cNvPicPr>
+          <p:nvPr/>
+        </p:nvPicPr>
+        <p:blipFill rotWithShape="1">
+          <a:blip r:embed="rId2" cstate="print">
+            <a:extLst>
+              <a:ext uri="{28A0092B-C50C-407E-A947-70E740481C1C}">
+                <a14:useLocalDpi xmlns:a14="http://schemas.microsoft.com/office/drawing/2010/main" val="0"/>
+              </a:ext>
+            </a:extLst>
+          </a:blip>
+          <a:srcRect/>
+          <a:stretch/>
+        </p:blipFill>
+        <p:spPr>
+          <a:xfrm>
+            <a:off x="5771624" y="1439731"/>
+            <a:ext cx="3942311" cy="1890698"/>
+          </a:xfrm>
+          <a:prstGeom prst="rect">
+            <a:avLst/>
+          </a:prstGeom>
+        </p:spPr>
+      </p:pic>
+    </p:spTree>
+    <p:extLst>
+      <p:ext uri="{BB962C8B-B14F-4D97-AF65-F5344CB8AC3E}">
+        <p14:creationId xmlns:p14="http://schemas.microsoft.com/office/powerpoint/2010/main" val="2237506171"/>
       </p:ext>
     </p:extLst>
   </p:cSld>
@@ -3074,7 +3667,11 @@
           <a:p>
             <a:r>
               <a:rPr lang="en-AU" dirty="0" smtClean="0"/>
-              <a:t>Step 1 – Upgrade Unity (optional)</a:t>
+              <a:t>Step 1 – Upgrade Unity </a:t>
+            </a:r>
+            <a:r>
+              <a:rPr lang="en-AU" dirty="0" smtClean="0"/>
+              <a:t>(as required)</a:t>
             </a:r>
             <a:endParaRPr lang="en-AU" dirty="0"/>
           </a:p>
@@ -3446,6 +4043,13 @@
               <a:rPr lang="en-AU" dirty="0" smtClean="0"/>
               <a:t>Assets\Plugins\Metro</a:t>
             </a:r>
+          </a:p>
+          <a:p>
+            <a:pPr lvl="1"/>
+            <a:r>
+              <a:rPr lang="en-AU" dirty="0" smtClean="0"/>
+              <a:t>Assets\Plugins\WP8</a:t>
+            </a:r>
             <a:endParaRPr lang="en-AU" dirty="0"/>
           </a:p>
         </p:txBody>
@@ -3497,7 +4101,7 @@
           <a:p>
             <a:r>
               <a:rPr lang="en-AU" dirty="0" smtClean="0"/>
-              <a:t>Step 3 - WACK</a:t>
+              <a:t>Plugin Build Errors</a:t>
             </a:r>
             <a:endParaRPr lang="en-AU" dirty="0"/>
           </a:p>
@@ -3510,114 +4114,108 @@
             <a:spLocks noGrp="1"/>
           </p:cNvSpPr>
           <p:nvPr>
-            <p:ph sz="half" idx="1"/>
-          </p:nvPr>
-        </p:nvSpPr>
-        <p:spPr/>
-        <p:txBody>
-          <a:bodyPr/>
-          <a:lstStyle/>
-          <a:p>
-            <a:r>
-              <a:rPr lang="en-AU" dirty="0" smtClean="0"/>
-              <a:t>Build your Windows 8 solution</a:t>
-            </a:r>
-          </a:p>
-          <a:p>
-            <a:r>
-              <a:rPr lang="en-AU" dirty="0" smtClean="0"/>
-              <a:t>If the game runs fine:</a:t>
+            <p:ph idx="1"/>
+          </p:nvPr>
+        </p:nvSpPr>
+        <p:spPr/>
+        <p:txBody>
+          <a:bodyPr/>
+          <a:lstStyle/>
+          <a:p>
+            <a:r>
+              <a:rPr lang="en-AU" dirty="0" smtClean="0"/>
+              <a:t>Unity still wants to use an incompatible DLL?</a:t>
             </a:r>
           </a:p>
           <a:p>
             <a:pPr lvl="1"/>
             <a:r>
               <a:rPr lang="en-AU" dirty="0" smtClean="0"/>
-              <a:t>Deploy in Release mode</a:t>
+              <a:t>Mark as Unprocessed</a:t>
             </a:r>
           </a:p>
           <a:p>
             <a:pPr lvl="1"/>
             <a:r>
               <a:rPr lang="en-AU" dirty="0" smtClean="0"/>
-              <a:t>Run the Windows App Cert Kit (WACK 3.1 *)</a:t>
-            </a:r>
-          </a:p>
-          <a:p>
-            <a:pPr lvl="1"/>
-            <a:r>
-              <a:rPr lang="en-AU" dirty="0" smtClean="0"/>
-              <a:t>Check results and fix any issues</a:t>
-            </a:r>
-          </a:p>
-          <a:p>
-            <a:r>
-              <a:rPr lang="en-AU" dirty="0" smtClean="0"/>
-              <a:t>Check WACK on ARM if possible</a:t>
-            </a:r>
-          </a:p>
-          <a:p>
-            <a:pPr lvl="1"/>
-            <a:r>
-              <a:rPr lang="en-AU" dirty="0" smtClean="0"/>
-              <a:t>Performance</a:t>
-            </a:r>
-          </a:p>
-        </p:txBody>
-      </p:sp>
-      <p:sp>
-        <p:nvSpPr>
-          <p:cNvPr id="4" name="Content Placeholder 3"/>
-          <p:cNvSpPr>
-            <a:spLocks noGrp="1"/>
-          </p:cNvSpPr>
-          <p:nvPr>
-            <p:ph sz="half" idx="2"/>
-          </p:nvPr>
-        </p:nvSpPr>
-        <p:spPr/>
-        <p:txBody>
-          <a:bodyPr/>
-          <a:lstStyle/>
-          <a:p>
-            <a:endParaRPr lang="en-AU"/>
-          </a:p>
-        </p:txBody>
-      </p:sp>
-      <p:sp>
-        <p:nvSpPr>
-          <p:cNvPr id="5" name="TextBox 4"/>
-          <p:cNvSpPr txBox="1"/>
+              <a:t>Delete from build output</a:t>
+            </a:r>
+            <a:endParaRPr lang="en-AU" dirty="0"/>
+          </a:p>
+        </p:txBody>
+      </p:sp>
+      <p:pic>
+        <p:nvPicPr>
+          <p:cNvPr id="4" name="Picture 3" descr="Unity - Untitled - LD29 - PC, Mac &amp; Linux Standalone &lt;DX11&gt;"/>
+          <p:cNvPicPr>
+            <a:picLocks noChangeAspect="1"/>
+          </p:cNvPicPr>
           <p:nvPr/>
-        </p:nvSpPr>
+        </p:nvPicPr>
+        <p:blipFill rotWithShape="1">
+          <a:blip r:embed="rId2">
+            <a:extLst>
+              <a:ext uri="{28A0092B-C50C-407E-A947-70E740481C1C}">
+                <a14:useLocalDpi xmlns:a14="http://schemas.microsoft.com/office/drawing/2010/main" val="0"/>
+              </a:ext>
+            </a:extLst>
+          </a:blip>
+          <a:srcRect l="42764" t="48406" r="47499" b="42028"/>
+          <a:stretch/>
+        </p:blipFill>
         <p:spPr>
           <a:xfrm>
-            <a:off x="7698056" y="6311900"/>
-            <a:ext cx="3655744" cy="369332"/>
+            <a:off x="1608991" y="3719939"/>
+            <a:ext cx="3174023" cy="1692811"/>
           </a:xfrm>
           <a:prstGeom prst="rect">
             <a:avLst/>
           </a:prstGeom>
-          <a:noFill/>
         </p:spPr>
-        <p:txBody>
-          <a:bodyPr wrap="none" rtlCol="0">
-            <a:spAutoFit/>
-          </a:bodyPr>
-          <a:lstStyle/>
-          <a:p>
-            <a:r>
-              <a:rPr lang="en-AU" dirty="0" smtClean="0"/>
-              <a:t>* Versions are valid as of 19/03/2014</a:t>
-            </a:r>
-            <a:endParaRPr lang="en-AU" dirty="0"/>
-          </a:p>
-        </p:txBody>
-      </p:sp>
+      </p:pic>
+      <mc:AlternateContent xmlns:mc="http://schemas.openxmlformats.org/markup-compatibility/2006">
+        <mc:Choice xmlns:p14="http://schemas.microsoft.com/office/powerpoint/2010/main" Requires="p14">
+          <p:contentPart p14:bwMode="auto" r:id="rId3">
+            <p14:nvContentPartPr>
+              <p14:cNvPr id="6" name="Ink 5"/>
+              <p14:cNvContentPartPr/>
+              <p14:nvPr/>
+            </p14:nvContentPartPr>
+            <p14:xfrm>
+              <a:off x="1101960" y="4527083"/>
+              <a:ext cx="3265560" cy="1033200"/>
+            </p14:xfrm>
+          </p:contentPart>
+        </mc:Choice>
+        <mc:Fallback>
+          <p:pic>
+            <p:nvPicPr>
+              <p:cNvPr id="6" name="Ink 5"/>
+              <p:cNvPicPr/>
+              <p:nvPr/>
+            </p:nvPicPr>
+            <p:blipFill>
+              <a:blip r:embed="rId4"/>
+              <a:stretch>
+                <a:fillRect/>
+              </a:stretch>
+            </p:blipFill>
+            <p:spPr>
+              <a:xfrm>
+                <a:off x="1086120" y="4511603"/>
+                <a:ext cx="3299040" cy="1064880"/>
+              </a:xfrm>
+              <a:prstGeom prst="rect">
+                <a:avLst/>
+              </a:prstGeom>
+            </p:spPr>
+          </p:pic>
+        </mc:Fallback>
+      </mc:AlternateContent>
     </p:spTree>
     <p:extLst>
       <p:ext uri="{BB962C8B-B14F-4D97-AF65-F5344CB8AC3E}">
-        <p14:creationId xmlns:p14="http://schemas.microsoft.com/office/powerpoint/2010/main" val="4111779873"/>
+        <p14:creationId xmlns:p14="http://schemas.microsoft.com/office/powerpoint/2010/main" val="2898556444"/>
       </p:ext>
     </p:extLst>
   </p:cSld>
@@ -3661,7 +4259,7 @@
           <a:p>
             <a:r>
               <a:rPr lang="en-AU" dirty="0" smtClean="0"/>
-              <a:t>Possible WACK Issues</a:t>
+              <a:t>Platform Macros</a:t>
             </a:r>
             <a:endParaRPr lang="en-AU" dirty="0"/>
           </a:p>
@@ -3684,70 +4282,35 @@
           <a:p>
             <a:r>
               <a:rPr lang="en-AU" dirty="0" smtClean="0"/>
-              <a:t>Trim() required on suspend</a:t>
+              <a:t>Unity 4.3.4</a:t>
             </a:r>
           </a:p>
           <a:p>
             <a:pPr lvl="1"/>
             <a:r>
               <a:rPr lang="en-AU" dirty="0" smtClean="0"/>
-              <a:t>Stop using WACK 3.2, it’s broken and was accidentally included in VS 2013 Update 1 – use WACK 3.1*</a:t>
-            </a:r>
-          </a:p>
-          <a:p>
-            <a:r>
-              <a:rPr lang="en-AU" dirty="0" smtClean="0"/>
-              <a:t>Illegal APIs</a:t>
+              <a:t>UNITY_METRO</a:t>
             </a:r>
           </a:p>
           <a:p>
             <a:pPr lvl="1"/>
             <a:r>
               <a:rPr lang="en-AU" dirty="0" smtClean="0"/>
-              <a:t>Replace or remove</a:t>
+              <a:t>UNITY_WP8</a:t>
             </a:r>
           </a:p>
           <a:p>
             <a:pPr lvl="1"/>
             <a:r>
               <a:rPr lang="en-AU" dirty="0" smtClean="0"/>
-              <a:t>Usually a native plugin</a:t>
+              <a:t>UNITY_WINRT = (UNITY_METRO || UNITY_WP8)</a:t>
             </a:r>
           </a:p>
           <a:p>
             <a:pPr lvl="1"/>
             <a:r>
               <a:rPr lang="en-AU" dirty="0" smtClean="0"/>
-              <a:t>Ensure you compiled with .NET Core enabled (forced)</a:t>
-            </a:r>
-          </a:p>
-        </p:txBody>
-      </p:sp>
-      <p:sp>
-        <p:nvSpPr>
-          <p:cNvPr id="4" name="TextBox 3"/>
-          <p:cNvSpPr txBox="1"/>
-          <p:nvPr/>
-        </p:nvSpPr>
-        <p:spPr>
-          <a:xfrm>
-            <a:off x="7698056" y="6311900"/>
-            <a:ext cx="3655744" cy="369332"/>
-          </a:xfrm>
-          <a:prstGeom prst="rect">
-            <a:avLst/>
-          </a:prstGeom>
-          <a:noFill/>
-        </p:spPr>
-        <p:txBody>
-          <a:bodyPr wrap="none" rtlCol="0">
-            <a:spAutoFit/>
-          </a:bodyPr>
-          <a:lstStyle/>
-          <a:p>
-            <a:r>
-              <a:rPr lang="en-AU" dirty="0" smtClean="0"/>
-              <a:t>* Versions are valid as of 19/03/2014</a:t>
+              <a:t>UNITY_EDITOR</a:t>
             </a:r>
             <a:endParaRPr lang="en-AU" dirty="0"/>
           </a:p>
@@ -3756,7 +4319,7 @@
     </p:spTree>
     <p:extLst>
       <p:ext uri="{BB962C8B-B14F-4D97-AF65-F5344CB8AC3E}">
-        <p14:creationId xmlns:p14="http://schemas.microsoft.com/office/powerpoint/2010/main" val="475539485"/>
+        <p14:creationId xmlns:p14="http://schemas.microsoft.com/office/powerpoint/2010/main" val="856175786"/>
       </p:ext>
     </p:extLst>
   </p:cSld>
@@ -3800,7 +4363,7 @@
           <a:p>
             <a:r>
               <a:rPr lang="en-AU" dirty="0" smtClean="0"/>
-              <a:t>Step 4 – Windows 8 Features</a:t>
+              <a:t>Common Missing APIs</a:t>
             </a:r>
             <a:endParaRPr lang="en-AU" dirty="0"/>
           </a:p>
@@ -3808,7 +4371,7 @@
       </p:sp>
       <p:sp>
         <p:nvSpPr>
-          <p:cNvPr id="5" name="Content Placeholder 4"/>
+          <p:cNvPr id="3" name="Content Placeholder 2"/>
           <p:cNvSpPr>
             <a:spLocks noGrp="1"/>
           </p:cNvSpPr>
@@ -3822,45 +4385,99 @@
           <a:lstStyle/>
           <a:p>
             <a:r>
-              <a:rPr lang="en-AU" dirty="0" smtClean="0"/>
-              <a:t>Resizable screen (needs to be responsive)</a:t>
-            </a:r>
+              <a:rPr lang="en-AU" dirty="0" err="1" smtClean="0"/>
+              <a:t>Hashtable</a:t>
+            </a:r>
+            <a:endParaRPr lang="en-AU" dirty="0" smtClean="0"/>
           </a:p>
           <a:p>
             <a:pPr lvl="1"/>
             <a:r>
               <a:rPr lang="en-AU" dirty="0" smtClean="0"/>
-              <a:t>Choose from 320px or 500px minimum</a:t>
-            </a:r>
-          </a:p>
-          <a:p>
-            <a:r>
-              <a:rPr lang="en-AU" dirty="0" smtClean="0"/>
-              <a:t>Connect game to App Lifecycle (if required)</a:t>
-            </a:r>
-          </a:p>
-          <a:p>
-            <a:r>
-              <a:rPr lang="en-AU" dirty="0" smtClean="0"/>
-              <a:t>Live Tiles</a:t>
-            </a:r>
-          </a:p>
-          <a:p>
-            <a:r>
-              <a:rPr lang="en-AU" dirty="0" smtClean="0"/>
-              <a:t>Share Charm</a:t>
-            </a:r>
-          </a:p>
-          <a:p>
-            <a:r>
-              <a:rPr lang="en-AU" dirty="0" smtClean="0"/>
-              <a:t>Keyboard &amp; Mouse Support</a:t>
-            </a:r>
-          </a:p>
-          <a:p>
-            <a:r>
-              <a:rPr lang="en-AU" dirty="0" smtClean="0"/>
-              <a:t>Required Icon Assets (Small/Medium/Large tiles + Splash Screen)</a:t>
+              <a:t>Implemented by Unity post 4.2 in WinRTLegacy.dll</a:t>
+            </a:r>
+          </a:p>
+          <a:p>
+            <a:pPr lvl="1"/>
+            <a:r>
+              <a:rPr lang="en-AU" dirty="0" smtClean="0"/>
+              <a:t>new WWW() wants Dictionary&lt;</a:t>
+            </a:r>
+            <a:r>
+              <a:rPr lang="en-AU" dirty="0" err="1" smtClean="0"/>
+              <a:t>string,string</a:t>
+            </a:r>
+            <a:r>
+              <a:rPr lang="en-AU" dirty="0" smtClean="0"/>
+              <a:t>&gt; instead</a:t>
+            </a:r>
+          </a:p>
+          <a:p>
+            <a:pPr lvl="2"/>
+            <a:r>
+              <a:rPr lang="en-AU" dirty="0" smtClean="0"/>
+              <a:t>Just replace your </a:t>
+            </a:r>
+            <a:r>
+              <a:rPr lang="en-AU" dirty="0" err="1" smtClean="0"/>
+              <a:t>Hashtables</a:t>
+            </a:r>
+            <a:r>
+              <a:rPr lang="en-AU" dirty="0" smtClean="0"/>
+              <a:t> (same interface)</a:t>
+            </a:r>
+          </a:p>
+          <a:p>
+            <a:r>
+              <a:rPr lang="en-AU" dirty="0" smtClean="0"/>
+              <a:t>Reflection</a:t>
+            </a:r>
+          </a:p>
+          <a:p>
+            <a:pPr lvl="1"/>
+            <a:r>
+              <a:rPr lang="en-AU" dirty="0" smtClean="0"/>
+              <a:t>Type methods are now in </a:t>
+            </a:r>
+            <a:r>
+              <a:rPr lang="en-AU" dirty="0" err="1" smtClean="0"/>
+              <a:t>TypeInfo</a:t>
+            </a:r>
+            <a:endParaRPr lang="en-AU" dirty="0" smtClean="0"/>
+          </a:p>
+          <a:p>
+            <a:pPr lvl="2"/>
+            <a:r>
+              <a:rPr lang="en-AU" dirty="0" smtClean="0"/>
+              <a:t>Porting sample has partial implementation of Type</a:t>
+            </a:r>
+          </a:p>
+          <a:p>
+            <a:pPr lvl="1"/>
+            <a:r>
+              <a:rPr lang="en-AU" dirty="0" err="1" smtClean="0"/>
+              <a:t>Codegen</a:t>
+            </a:r>
+            <a:r>
+              <a:rPr lang="en-AU" dirty="0"/>
+              <a:t> </a:t>
+            </a:r>
+            <a:r>
+              <a:rPr lang="en-AU" dirty="0" smtClean="0"/>
+              <a:t>not permitted</a:t>
+            </a:r>
+          </a:p>
+          <a:p>
+            <a:r>
+              <a:rPr lang="en-AU" dirty="0" smtClean="0"/>
+              <a:t>File/Directory</a:t>
+            </a:r>
+          </a:p>
+          <a:p>
+            <a:pPr lvl="1"/>
+            <a:r>
+              <a:rPr lang="en-AU" dirty="0" smtClean="0"/>
+              <a:t>Same as Reflection</a:t>
             </a:r>
           </a:p>
         </p:txBody>
@@ -3868,7 +4485,7 @@
     </p:spTree>
     <p:extLst>
       <p:ext uri="{BB962C8B-B14F-4D97-AF65-F5344CB8AC3E}">
-        <p14:creationId xmlns:p14="http://schemas.microsoft.com/office/powerpoint/2010/main" val="3441485953"/>
+        <p14:creationId xmlns:p14="http://schemas.microsoft.com/office/powerpoint/2010/main" val="3583505864"/>
       </p:ext>
     </p:extLst>
   </p:cSld>
@@ -3912,7 +4529,7 @@
           <a:p>
             <a:r>
               <a:rPr lang="en-AU" dirty="0" smtClean="0"/>
-              <a:t>Finishing Touches</a:t>
+              <a:t>Step 3 - WACK</a:t>
             </a:r>
             <a:endParaRPr lang="en-AU" dirty="0"/>
           </a:p>
@@ -3925,78 +4542,114 @@
             <a:spLocks noGrp="1"/>
           </p:cNvSpPr>
           <p:nvPr>
-            <p:ph idx="1"/>
-          </p:nvPr>
-        </p:nvSpPr>
-        <p:spPr/>
-        <p:txBody>
-          <a:bodyPr/>
-          <a:lstStyle/>
-          <a:p>
-            <a:r>
-              <a:rPr lang="en-AU" dirty="0" smtClean="0"/>
-              <a:t>Polish your game</a:t>
+            <p:ph sz="half" idx="1"/>
+          </p:nvPr>
+        </p:nvSpPr>
+        <p:spPr/>
+        <p:txBody>
+          <a:bodyPr/>
+          <a:lstStyle/>
+          <a:p>
+            <a:r>
+              <a:rPr lang="en-AU" dirty="0" smtClean="0"/>
+              <a:t>Build your Windows 8 solution</a:t>
+            </a:r>
+          </a:p>
+          <a:p>
+            <a:r>
+              <a:rPr lang="en-AU" dirty="0" smtClean="0"/>
+              <a:t>If the game runs fine:</a:t>
             </a:r>
           </a:p>
           <a:p>
             <a:pPr lvl="1"/>
             <a:r>
               <a:rPr lang="en-AU" dirty="0" smtClean="0"/>
-              <a:t>Fluid loading experience</a:t>
+              <a:t>Deploy in Release mode</a:t>
             </a:r>
           </a:p>
           <a:p>
             <a:pPr lvl="1"/>
             <a:r>
               <a:rPr lang="en-AU" dirty="0" smtClean="0"/>
-              <a:t>Gamepad support</a:t>
-            </a:r>
-          </a:p>
-          <a:p>
-            <a:r>
-              <a:rPr lang="en-AU" dirty="0" smtClean="0"/>
-              <a:t>Check your assets</a:t>
+              <a:t>Run the Windows App Cert Kit (WACK 3.1 *)</a:t>
             </a:r>
           </a:p>
           <a:p>
             <a:pPr lvl="1"/>
             <a:r>
               <a:rPr lang="en-AU" dirty="0" smtClean="0"/>
-              <a:t>PVR textures will not work, convert to DXT</a:t>
-            </a:r>
-          </a:p>
-          <a:p>
-            <a:r>
-              <a:rPr lang="en-AU" dirty="0" smtClean="0"/>
-              <a:t>Check your Materials</a:t>
+              <a:t>Check results and fix any issues</a:t>
+            </a:r>
+          </a:p>
+          <a:p>
+            <a:r>
+              <a:rPr lang="en-AU" dirty="0" smtClean="0"/>
+              <a:t>Check WACK on ARM if possible</a:t>
             </a:r>
           </a:p>
           <a:p>
             <a:pPr lvl="1"/>
             <a:r>
               <a:rPr lang="en-AU" dirty="0" smtClean="0"/>
-              <a:t>Defaults will work, custom may not, check for Direct3D</a:t>
-            </a:r>
-          </a:p>
-          <a:p>
-            <a:pPr lvl="1"/>
-            <a:r>
-              <a:rPr lang="en-AU" dirty="0" smtClean="0"/>
-              <a:t>New PCs are D3D 11, some ARM devices are D3D 9.3 (equivalent)</a:t>
-            </a:r>
-          </a:p>
-          <a:p>
-            <a:r>
-              <a:rPr lang="en-AU" dirty="0" smtClean="0"/>
-              <a:t>Test your game</a:t>
-            </a:r>
+              <a:t>Performance</a:t>
+            </a:r>
+          </a:p>
+        </p:txBody>
+      </p:sp>
+      <p:sp>
+        <p:nvSpPr>
+          <p:cNvPr id="4" name="Content Placeholder 3"/>
+          <p:cNvSpPr>
+            <a:spLocks noGrp="1"/>
+          </p:cNvSpPr>
+          <p:nvPr>
+            <p:ph sz="half" idx="2"/>
+          </p:nvPr>
+        </p:nvSpPr>
+        <p:spPr/>
+        <p:txBody>
+          <a:bodyPr/>
+          <a:lstStyle/>
+          <a:p>
+            <a:endParaRPr lang="en-AU"/>
+          </a:p>
+        </p:txBody>
+      </p:sp>
+      <p:sp>
+        <p:nvSpPr>
+          <p:cNvPr id="5" name="TextBox 4"/>
+          <p:cNvSpPr txBox="1"/>
+          <p:nvPr/>
+        </p:nvSpPr>
+        <p:spPr>
+          <a:xfrm>
+            <a:off x="7698056" y="6311900"/>
+            <a:ext cx="3655744" cy="369332"/>
+          </a:xfrm>
+          <a:prstGeom prst="rect">
+            <a:avLst/>
+          </a:prstGeom>
+          <a:noFill/>
+        </p:spPr>
+        <p:txBody>
+          <a:bodyPr wrap="none" rtlCol="0">
+            <a:spAutoFit/>
+          </a:bodyPr>
+          <a:lstStyle/>
+          <a:p>
+            <a:r>
+              <a:rPr lang="en-AU" dirty="0" smtClean="0"/>
+              <a:t>* Versions are valid as of 19/03/2014</a:t>
+            </a:r>
+            <a:endParaRPr lang="en-AU" dirty="0"/>
           </a:p>
         </p:txBody>
       </p:sp>
     </p:spTree>
     <p:extLst>
       <p:ext uri="{BB962C8B-B14F-4D97-AF65-F5344CB8AC3E}">
-        <p14:creationId xmlns:p14="http://schemas.microsoft.com/office/powerpoint/2010/main" val="690564962"/>
+        <p14:creationId xmlns:p14="http://schemas.microsoft.com/office/powerpoint/2010/main" val="4111779873"/>
       </p:ext>
     </p:extLst>
   </p:cSld>
@@ -4040,7 +4693,7 @@
           <a:p>
             <a:r>
               <a:rPr lang="en-AU" dirty="0" smtClean="0"/>
-              <a:t>One More Thing…</a:t>
+              <a:t>Possible WACK Issues</a:t>
             </a:r>
             <a:endParaRPr lang="en-AU" dirty="0"/>
           </a:p>
@@ -4055,104 +4708,92 @@
           <p:nvPr>
             <p:ph idx="1"/>
           </p:nvPr>
+        </p:nvSpPr>
+        <p:spPr/>
+        <p:txBody>
+          <a:bodyPr/>
+          <a:lstStyle/>
+          <a:p>
+            <a:r>
+              <a:rPr lang="en-AU" dirty="0" smtClean="0"/>
+              <a:t>Trim() required on suspend</a:t>
+            </a:r>
+          </a:p>
+          <a:p>
+            <a:pPr lvl="1"/>
+            <a:r>
+              <a:rPr lang="en-AU" dirty="0" smtClean="0"/>
+              <a:t>You may have WACK 3.2, update to VS 2013 update 2 for WACK 3.3</a:t>
+            </a:r>
+            <a:endParaRPr lang="en-AU" dirty="0" smtClean="0"/>
+          </a:p>
+          <a:p>
+            <a:r>
+              <a:rPr lang="en-AU" dirty="0" smtClean="0"/>
+              <a:t>Illegal APIs</a:t>
+            </a:r>
+          </a:p>
+          <a:p>
+            <a:pPr lvl="1"/>
+            <a:r>
+              <a:rPr lang="en-AU" dirty="0" smtClean="0"/>
+              <a:t>Replace or remove</a:t>
+            </a:r>
+          </a:p>
+          <a:p>
+            <a:pPr lvl="1"/>
+            <a:r>
+              <a:rPr lang="en-AU" dirty="0" smtClean="0"/>
+              <a:t>Usually a native plugin</a:t>
+            </a:r>
+          </a:p>
+          <a:p>
+            <a:pPr lvl="1"/>
+            <a:r>
+              <a:rPr lang="en-AU" dirty="0" smtClean="0"/>
+              <a:t>Ensure you compiled with .NET Core enabled (forced)</a:t>
+            </a:r>
+          </a:p>
+        </p:txBody>
+      </p:sp>
+      <p:sp>
+        <p:nvSpPr>
+          <p:cNvPr id="4" name="TextBox 3"/>
+          <p:cNvSpPr txBox="1"/>
+          <p:nvPr/>
         </p:nvSpPr>
         <p:spPr>
           <a:xfrm>
-            <a:off x="838200" y="1825625"/>
-            <a:ext cx="7273954" cy="4351338"/>
-          </a:xfrm>
-        </p:spPr>
-        <p:txBody>
-          <a:bodyPr/>
-          <a:lstStyle/>
-          <a:p>
-            <a:pPr marL="0" indent="0">
-              <a:buNone/>
-            </a:pPr>
-            <a:r>
-              <a:rPr lang="en-AU" dirty="0" smtClean="0"/>
-              <a:t>If you have this ticked -&gt;</a:t>
-            </a:r>
-          </a:p>
-          <a:p>
-            <a:pPr marL="0" indent="0">
-              <a:buNone/>
-            </a:pPr>
-            <a:r>
-              <a:rPr lang="en-AU" dirty="0" smtClean="0"/>
-              <a:t>(</a:t>
-            </a:r>
-            <a:r>
-              <a:rPr lang="en-AU" smtClean="0"/>
-              <a:t>Internet Client)</a:t>
-            </a:r>
-            <a:endParaRPr lang="en-AU" dirty="0"/>
-          </a:p>
-          <a:p>
-            <a:pPr marL="0" indent="0">
-              <a:buNone/>
-            </a:pPr>
-            <a:endParaRPr lang="en-AU" dirty="0" smtClean="0"/>
-          </a:p>
-          <a:p>
-            <a:pPr marL="0" indent="0">
-              <a:buNone/>
-            </a:pPr>
-            <a:endParaRPr lang="en-AU" dirty="0"/>
-          </a:p>
-          <a:p>
-            <a:pPr marL="0" indent="0">
-              <a:buNone/>
-            </a:pPr>
-            <a:r>
-              <a:rPr lang="en-AU" dirty="0" smtClean="0"/>
-              <a:t>Add a link to your Privacy Policy within the game.</a:t>
-            </a:r>
-          </a:p>
-          <a:p>
-            <a:pPr marL="0" indent="0">
-              <a:buNone/>
-            </a:pPr>
-            <a:r>
-              <a:rPr lang="en-AU" dirty="0" smtClean="0"/>
-              <a:t>(You can use the settings menu for this in XAML)</a:t>
-            </a:r>
-          </a:p>
-        </p:txBody>
-      </p:sp>
-      <p:pic>
-        <p:nvPicPr>
-          <p:cNvPr id="4" name="Picture 3" descr="Unity - Untitled - unity - PC, Mac &amp; Linux Standalone &lt;DX11&gt;"/>
-          <p:cNvPicPr>
-            <a:picLocks noChangeAspect="1"/>
-          </p:cNvPicPr>
-          <p:nvPr/>
-        </p:nvPicPr>
-        <p:blipFill rotWithShape="1">
-          <a:blip r:embed="rId2" cstate="print">
-            <a:extLst>
-              <a:ext uri="{28A0092B-C50C-407E-A947-70E740481C1C}">
-                <a14:useLocalDpi xmlns:a14="http://schemas.microsoft.com/office/drawing/2010/main" val="0"/>
-              </a:ext>
-            </a:extLst>
-          </a:blip>
-          <a:srcRect/>
-          <a:stretch/>
-        </p:blipFill>
-        <p:spPr>
-          <a:xfrm>
-            <a:off x="5771624" y="1439731"/>
-            <a:ext cx="3942311" cy="1890698"/>
+            <a:off x="7706848" y="6311900"/>
+            <a:ext cx="3655744" cy="369332"/>
           </a:xfrm>
           <a:prstGeom prst="rect">
             <a:avLst/>
           </a:prstGeom>
+          <a:noFill/>
         </p:spPr>
-      </p:pic>
+        <p:txBody>
+          <a:bodyPr wrap="none" rtlCol="0">
+            <a:spAutoFit/>
+          </a:bodyPr>
+          <a:lstStyle/>
+          <a:p>
+            <a:r>
+              <a:rPr lang="en-AU" dirty="0" smtClean="0"/>
+              <a:t>* Versions are valid as of </a:t>
+            </a:r>
+            <a:r>
+              <a:rPr lang="en-AU" dirty="0" smtClean="0"/>
+              <a:t>03/05/2014</a:t>
+            </a:r>
+            <a:endParaRPr lang="en-AU" dirty="0"/>
+          </a:p>
+        </p:txBody>
+      </p:sp>
     </p:spTree>
     <p:extLst>
       <p:ext uri="{BB962C8B-B14F-4D97-AF65-F5344CB8AC3E}">
-        <p14:creationId xmlns:p14="http://schemas.microsoft.com/office/powerpoint/2010/main" val="2237506171"/>
+        <p14:creationId xmlns:p14="http://schemas.microsoft.com/office/powerpoint/2010/main" val="475539485"/>
       </p:ext>
     </p:extLst>
   </p:cSld>

--- a/PortingUnity_Win8.pptx
+++ b/PortingUnity_Win8.pptx
@@ -18,6 +18,7 @@
     <p:sldId id="263" r:id="rId12"/>
     <p:sldId id="267" r:id="rId13"/>
     <p:sldId id="264" r:id="rId14"/>
+    <p:sldId id="270" r:id="rId15"/>
   </p:sldIdLst>
   <p:sldSz cx="12192000" cy="6858000"/>
   <p:notesSz cx="6858000" cy="9144000"/>
@@ -3061,11 +3062,7 @@
           <a:p>
             <a:r>
               <a:rPr lang="en-AU" dirty="0" smtClean="0"/>
-              <a:t>In 4 Easy </a:t>
-            </a:r>
-            <a:r>
-              <a:rPr lang="en-AU" dirty="0" smtClean="0"/>
-              <a:t>Steps</a:t>
+              <a:t>In 4 Easy Steps</a:t>
             </a:r>
           </a:p>
           <a:p>
@@ -3090,6 +3087,13 @@
   <p:clrMapOvr>
     <a:masterClrMapping/>
   </p:clrMapOvr>
+  <p:timing>
+    <p:tnLst>
+      <p:par>
+        <p:cTn id="1" dur="indefinite" restart="never" nodeType="tmRoot"/>
+      </p:par>
+    </p:tnLst>
+  </p:timing>
 </p:sld>
 </file>
 
@@ -3202,6 +3206,13 @@
   <p:clrMapOvr>
     <a:masterClrMapping/>
   </p:clrMapOvr>
+  <p:timing>
+    <p:tnLst>
+      <p:par>
+        <p:cTn id="1" dur="indefinite" restart="never" nodeType="tmRoot"/>
+      </p:par>
+    </p:tnLst>
+  </p:timing>
 </p:sld>
 </file>
 
@@ -3330,6 +3341,13 @@
   <p:clrMapOvr>
     <a:masterClrMapping/>
   </p:clrMapOvr>
+  <p:timing>
+    <p:tnLst>
+      <p:par>
+        <p:cTn id="1" dur="indefinite" restart="never" nodeType="tmRoot"/>
+      </p:par>
+    </p:tnLst>
+  </p:timing>
 </p:sld>
 </file>
 
@@ -3474,6 +3492,13 @@
   <p:clrMapOvr>
     <a:masterClrMapping/>
   </p:clrMapOvr>
+  <p:timing>
+    <p:tnLst>
+      <p:par>
+        <p:cTn id="1" dur="indefinite" restart="never" nodeType="tmRoot"/>
+      </p:par>
+    </p:tnLst>
+  </p:timing>
 </p:sld>
 </file>
 
@@ -3630,6 +3655,96 @@
   <p:clrMapOvr>
     <a:masterClrMapping/>
   </p:clrMapOvr>
+  <p:timing>
+    <p:tnLst>
+      <p:par>
+        <p:cTn id="1" dur="indefinite" restart="never" nodeType="tmRoot"/>
+      </p:par>
+    </p:tnLst>
+  </p:timing>
+</p:sld>
+</file>
+
+<file path=ppt/slides/slide14.xml><?xml version="1.0" encoding="utf-8"?>
+<p:sld xmlns:a="http://schemas.openxmlformats.org/drawingml/2006/main" xmlns:r="http://schemas.openxmlformats.org/officeDocument/2006/relationships" xmlns:p="http://schemas.openxmlformats.org/presentationml/2006/main">
+  <p:cSld>
+    <p:spTree>
+      <p:nvGrpSpPr>
+        <p:cNvPr id="1" name=""/>
+        <p:cNvGrpSpPr/>
+        <p:nvPr/>
+      </p:nvGrpSpPr>
+      <p:grpSpPr>
+        <a:xfrm>
+          <a:off x="0" y="0"/>
+          <a:ext cx="0" cy="0"/>
+          <a:chOff x="0" y="0"/>
+          <a:chExt cx="0" cy="0"/>
+        </a:xfrm>
+      </p:grpSpPr>
+      <p:sp>
+        <p:nvSpPr>
+          <p:cNvPr id="2" name="Title 1"/>
+          <p:cNvSpPr>
+            <a:spLocks noGrp="1"/>
+          </p:cNvSpPr>
+          <p:nvPr>
+            <p:ph type="title"/>
+          </p:nvPr>
+        </p:nvSpPr>
+        <p:spPr/>
+        <p:txBody>
+          <a:bodyPr/>
+          <a:lstStyle/>
+          <a:p>
+            <a:endParaRPr lang="en-AU" dirty="0"/>
+          </a:p>
+        </p:txBody>
+      </p:sp>
+      <p:sp>
+        <p:nvSpPr>
+          <p:cNvPr id="3" name="Content Placeholder 2"/>
+          <p:cNvSpPr>
+            <a:spLocks noGrp="1"/>
+          </p:cNvSpPr>
+          <p:nvPr>
+            <p:ph idx="1"/>
+          </p:nvPr>
+        </p:nvSpPr>
+        <p:spPr/>
+        <p:txBody>
+          <a:bodyPr>
+            <a:normAutofit/>
+          </a:bodyPr>
+          <a:lstStyle/>
+          <a:p>
+            <a:pPr marL="0" indent="0">
+              <a:buNone/>
+            </a:pPr>
+            <a:r>
+              <a:rPr lang="en-AU" sz="4000" dirty="0"/>
+              <a:t>http://unity3d.com/pages/windows/porting</a:t>
+            </a:r>
+          </a:p>
+        </p:txBody>
+      </p:sp>
+    </p:spTree>
+    <p:extLst>
+      <p:ext uri="{BB962C8B-B14F-4D97-AF65-F5344CB8AC3E}">
+        <p14:creationId xmlns:p14="http://schemas.microsoft.com/office/powerpoint/2010/main" val="1839997852"/>
+      </p:ext>
+    </p:extLst>
+  </p:cSld>
+  <p:clrMapOvr>
+    <a:masterClrMapping/>
+  </p:clrMapOvr>
+  <p:timing>
+    <p:tnLst>
+      <p:par>
+        <p:cTn id="1" dur="indefinite" restart="never" nodeType="tmRoot"/>
+      </p:par>
+    </p:tnLst>
+  </p:timing>
 </p:sld>
 </file>
 
@@ -3667,11 +3782,7 @@
           <a:p>
             <a:r>
               <a:rPr lang="en-AU" dirty="0" smtClean="0"/>
-              <a:t>Step 1 – Upgrade Unity </a:t>
-            </a:r>
-            <a:r>
-              <a:rPr lang="en-AU" dirty="0" smtClean="0"/>
-              <a:t>(as required)</a:t>
+              <a:t>Step 1 – Upgrade Unity (as required)</a:t>
             </a:r>
             <a:endParaRPr lang="en-AU" dirty="0"/>
           </a:p>
@@ -3752,6 +3863,13 @@
   <p:clrMapOvr>
     <a:masterClrMapping/>
   </p:clrMapOvr>
+  <p:timing>
+    <p:tnLst>
+      <p:par>
+        <p:cTn id="1" dur="indefinite" restart="never" nodeType="tmRoot"/>
+      </p:par>
+    </p:tnLst>
+  </p:timing>
 </p:sld>
 </file>
 
@@ -3911,6 +4029,13 @@
   <p:clrMapOvr>
     <a:masterClrMapping/>
   </p:clrMapOvr>
+  <p:timing>
+    <p:tnLst>
+      <p:par>
+        <p:cTn id="1" dur="indefinite" restart="never" nodeType="tmRoot"/>
+      </p:par>
+    </p:tnLst>
+  </p:timing>
 </p:sld>
 </file>
 
@@ -4064,6 +4189,13 @@
   <p:clrMapOvr>
     <a:masterClrMapping/>
   </p:clrMapOvr>
+  <p:timing>
+    <p:tnLst>
+      <p:par>
+        <p:cTn id="1" dur="indefinite" restart="never" nodeType="tmRoot"/>
+      </p:par>
+    </p:tnLst>
+  </p:timing>
 </p:sld>
 </file>
 
@@ -4173,8 +4305,8 @@
           </a:prstGeom>
         </p:spPr>
       </p:pic>
-      <mc:AlternateContent xmlns:mc="http://schemas.openxmlformats.org/markup-compatibility/2006">
-        <mc:Choice xmlns:p14="http://schemas.microsoft.com/office/powerpoint/2010/main" Requires="p14">
+      <mc:AlternateContent xmlns:mc="http://schemas.openxmlformats.org/markup-compatibility/2006" xmlns:p14="http://schemas.microsoft.com/office/powerpoint/2010/main">
+        <mc:Choice Requires="p14">
           <p:contentPart p14:bwMode="auto" r:id="rId3">
             <p14:nvContentPartPr>
               <p14:cNvPr id="6" name="Ink 5"/>
@@ -4187,7 +4319,7 @@
             </p14:xfrm>
           </p:contentPart>
         </mc:Choice>
-        <mc:Fallback>
+        <mc:Fallback xmlns="">
           <p:pic>
             <p:nvPicPr>
               <p:cNvPr id="6" name="Ink 5"/>
@@ -4222,6 +4354,13 @@
   <p:clrMapOvr>
     <a:masterClrMapping/>
   </p:clrMapOvr>
+  <p:timing>
+    <p:tnLst>
+      <p:par>
+        <p:cTn id="1" dur="indefinite" restart="never" nodeType="tmRoot"/>
+      </p:par>
+    </p:tnLst>
+  </p:timing>
 </p:sld>
 </file>
 
@@ -4326,6 +4465,13 @@
   <p:clrMapOvr>
     <a:masterClrMapping/>
   </p:clrMapOvr>
+  <p:timing>
+    <p:tnLst>
+      <p:par>
+        <p:cTn id="1" dur="indefinite" restart="never" nodeType="tmRoot"/>
+      </p:par>
+    </p:tnLst>
+  </p:timing>
 </p:sld>
 </file>
 
@@ -4492,6 +4638,13 @@
   <p:clrMapOvr>
     <a:masterClrMapping/>
   </p:clrMapOvr>
+  <p:timing>
+    <p:tnLst>
+      <p:par>
+        <p:cTn id="1" dur="indefinite" restart="never" nodeType="tmRoot"/>
+      </p:par>
+    </p:tnLst>
+  </p:timing>
 </p:sld>
 </file>
 
@@ -4656,6 +4809,13 @@
   <p:clrMapOvr>
     <a:masterClrMapping/>
   </p:clrMapOvr>
+  <p:timing>
+    <p:tnLst>
+      <p:par>
+        <p:cTn id="1" dur="indefinite" restart="never" nodeType="tmRoot"/>
+      </p:par>
+    </p:tnLst>
+  </p:timing>
 </p:sld>
 </file>
 
@@ -4725,7 +4885,6 @@
               <a:rPr lang="en-AU" dirty="0" smtClean="0"/>
               <a:t>You may have WACK 3.2, update to VS 2013 update 2 for WACK 3.3</a:t>
             </a:r>
-            <a:endParaRPr lang="en-AU" dirty="0" smtClean="0"/>
           </a:p>
           <a:p>
             <a:r>
@@ -4780,11 +4939,7 @@
           <a:p>
             <a:r>
               <a:rPr lang="en-AU" dirty="0" smtClean="0"/>
-              <a:t>* Versions are valid as of </a:t>
-            </a:r>
-            <a:r>
-              <a:rPr lang="en-AU" dirty="0" smtClean="0"/>
-              <a:t>03/05/2014</a:t>
+              <a:t>* Versions are valid as of 03/05/2014</a:t>
             </a:r>
             <a:endParaRPr lang="en-AU" dirty="0"/>
           </a:p>
@@ -4800,6 +4955,13 @@
   <p:clrMapOvr>
     <a:masterClrMapping/>
   </p:clrMapOvr>
+  <p:timing>
+    <p:tnLst>
+      <p:par>
+        <p:cTn id="1" dur="indefinite" restart="never" nodeType="tmRoot"/>
+      </p:par>
+    </p:tnLst>
+  </p:timing>
 </p:sld>
 </file>
 

--- a/PortingUnity_Win8.pptx
+++ b/PortingUnity_Win8.pptx
@@ -296,7 +296,7 @@
           <a:p>
             <a:fld id="{EB741852-085B-4304-A0BB-F6C62D9D1BEF}" type="datetimeFigureOut">
               <a:rPr lang="en-AU" smtClean="0"/>
-              <a:t>3/05/2014</a:t>
+              <a:t>5/05/2014</a:t>
             </a:fld>
             <a:endParaRPr lang="en-AU"/>
           </a:p>
@@ -466,7 +466,7 @@
           <a:p>
             <a:fld id="{EB741852-085B-4304-A0BB-F6C62D9D1BEF}" type="datetimeFigureOut">
               <a:rPr lang="en-AU" smtClean="0"/>
-              <a:t>3/05/2014</a:t>
+              <a:t>5/05/2014</a:t>
             </a:fld>
             <a:endParaRPr lang="en-AU"/>
           </a:p>
@@ -646,7 +646,7 @@
           <a:p>
             <a:fld id="{EB741852-085B-4304-A0BB-F6C62D9D1BEF}" type="datetimeFigureOut">
               <a:rPr lang="en-AU" smtClean="0"/>
-              <a:t>3/05/2014</a:t>
+              <a:t>5/05/2014</a:t>
             </a:fld>
             <a:endParaRPr lang="en-AU"/>
           </a:p>
@@ -816,7 +816,7 @@
           <a:p>
             <a:fld id="{EB741852-085B-4304-A0BB-F6C62D9D1BEF}" type="datetimeFigureOut">
               <a:rPr lang="en-AU" smtClean="0"/>
-              <a:t>3/05/2014</a:t>
+              <a:t>5/05/2014</a:t>
             </a:fld>
             <a:endParaRPr lang="en-AU"/>
           </a:p>
@@ -1062,7 +1062,7 @@
           <a:p>
             <a:fld id="{EB741852-085B-4304-A0BB-F6C62D9D1BEF}" type="datetimeFigureOut">
               <a:rPr lang="en-AU" smtClean="0"/>
-              <a:t>3/05/2014</a:t>
+              <a:t>5/05/2014</a:t>
             </a:fld>
             <a:endParaRPr lang="en-AU"/>
           </a:p>
@@ -1294,7 +1294,7 @@
           <a:p>
             <a:fld id="{EB741852-085B-4304-A0BB-F6C62D9D1BEF}" type="datetimeFigureOut">
               <a:rPr lang="en-AU" smtClean="0"/>
-              <a:t>3/05/2014</a:t>
+              <a:t>5/05/2014</a:t>
             </a:fld>
             <a:endParaRPr lang="en-AU"/>
           </a:p>
@@ -1661,7 +1661,7 @@
           <a:p>
             <a:fld id="{EB741852-085B-4304-A0BB-F6C62D9D1BEF}" type="datetimeFigureOut">
               <a:rPr lang="en-AU" smtClean="0"/>
-              <a:t>3/05/2014</a:t>
+              <a:t>5/05/2014</a:t>
             </a:fld>
             <a:endParaRPr lang="en-AU"/>
           </a:p>
@@ -1779,7 +1779,7 @@
           <a:p>
             <a:fld id="{EB741852-085B-4304-A0BB-F6C62D9D1BEF}" type="datetimeFigureOut">
               <a:rPr lang="en-AU" smtClean="0"/>
-              <a:t>3/05/2014</a:t>
+              <a:t>5/05/2014</a:t>
             </a:fld>
             <a:endParaRPr lang="en-AU"/>
           </a:p>
@@ -1874,7 +1874,7 @@
           <a:p>
             <a:fld id="{EB741852-085B-4304-A0BB-F6C62D9D1BEF}" type="datetimeFigureOut">
               <a:rPr lang="en-AU" smtClean="0"/>
-              <a:t>3/05/2014</a:t>
+              <a:t>5/05/2014</a:t>
             </a:fld>
             <a:endParaRPr lang="en-AU"/>
           </a:p>
@@ -2151,7 +2151,7 @@
           <a:p>
             <a:fld id="{EB741852-085B-4304-A0BB-F6C62D9D1BEF}" type="datetimeFigureOut">
               <a:rPr lang="en-AU" smtClean="0"/>
-              <a:t>3/05/2014</a:t>
+              <a:t>5/05/2014</a:t>
             </a:fld>
             <a:endParaRPr lang="en-AU"/>
           </a:p>
@@ -2404,7 +2404,7 @@
           <a:p>
             <a:fld id="{EB741852-085B-4304-A0BB-F6C62D9D1BEF}" type="datetimeFigureOut">
               <a:rPr lang="en-AU" smtClean="0"/>
-              <a:t>3/05/2014</a:t>
+              <a:t>5/05/2014</a:t>
             </a:fld>
             <a:endParaRPr lang="en-AU"/>
           </a:p>
@@ -2617,7 +2617,7 @@
           <a:p>
             <a:fld id="{EB741852-085B-4304-A0BB-F6C62D9D1BEF}" type="datetimeFigureOut">
               <a:rPr lang="en-AU" smtClean="0"/>
-              <a:t>3/05/2014</a:t>
+              <a:t>5/05/2014</a:t>
             </a:fld>
             <a:endParaRPr lang="en-AU"/>
           </a:p>
@@ -3722,9 +3722,42 @@
               <a:buNone/>
             </a:pPr>
             <a:r>
-              <a:rPr lang="en-AU" sz="4000" dirty="0"/>
-              <a:t>http://unity3d.com/pages/windows/porting</a:t>
-            </a:r>
+              <a:rPr lang="en-AU" sz="4000" dirty="0">
+                <a:hlinkClick r:id="rId2"/>
+              </a:rPr>
+              <a:t>http://</a:t>
+            </a:r>
+            <a:r>
+              <a:rPr lang="en-AU" sz="4000" dirty="0" smtClean="0">
+                <a:hlinkClick r:id="rId2"/>
+              </a:rPr>
+              <a:t>unity3d.com/pages/windows/porting</a:t>
+            </a:r>
+            <a:endParaRPr lang="en-AU" sz="4000" dirty="0" smtClean="0"/>
+          </a:p>
+          <a:p>
+            <a:pPr marL="0" indent="0">
+              <a:buNone/>
+            </a:pPr>
+            <a:r>
+              <a:rPr lang="en-AU" sz="4000" dirty="0">
+                <a:hlinkClick r:id="rId3"/>
+              </a:rPr>
+              <a:t>http://</a:t>
+            </a:r>
+            <a:r>
+              <a:rPr lang="en-AU" sz="4000" dirty="0" smtClean="0">
+                <a:hlinkClick r:id="rId3"/>
+              </a:rPr>
+              <a:t>bit.ly/missingwinrttypes</a:t>
+            </a:r>
+            <a:endParaRPr lang="en-AU" sz="4000" dirty="0" smtClean="0"/>
+          </a:p>
+          <a:p>
+            <a:pPr marL="0" indent="0">
+              <a:buNone/>
+            </a:pPr>
+            <a:endParaRPr lang="en-AU" sz="4000" dirty="0"/>
           </a:p>
         </p:txBody>
       </p:sp>
@@ -4527,7 +4560,9 @@
         </p:nvSpPr>
         <p:spPr/>
         <p:txBody>
-          <a:bodyPr/>
+          <a:bodyPr>
+            <a:normAutofit lnSpcReduction="10000"/>
+          </a:bodyPr>
           <a:lstStyle/>
           <a:p>
             <a:r>
@@ -4623,8 +4658,27 @@
             <a:pPr lvl="1"/>
             <a:r>
               <a:rPr lang="en-AU" dirty="0" smtClean="0"/>
-              <a:t>Same as Reflection</a:t>
-            </a:r>
+              <a:t>Same as </a:t>
+            </a:r>
+            <a:r>
+              <a:rPr lang="en-AU" dirty="0" smtClean="0"/>
+              <a:t>Reflection</a:t>
+            </a:r>
+          </a:p>
+          <a:p>
+            <a:r>
+              <a:rPr lang="en-AU" dirty="0">
+                <a:hlinkClick r:id="rId2"/>
+              </a:rPr>
+              <a:t>http://</a:t>
+            </a:r>
+            <a:r>
+              <a:rPr lang="en-AU" dirty="0" smtClean="0">
+                <a:hlinkClick r:id="rId2"/>
+              </a:rPr>
+              <a:t>bit.ly/missingwinrttypes</a:t>
+            </a:r>
+            <a:endParaRPr lang="en-AU" dirty="0" smtClean="0"/>
           </a:p>
         </p:txBody>
       </p:sp>

--- a/PortingUnity_Win8.pptx
+++ b/PortingUnity_Win8.pptx
@@ -9,8 +9,8 @@
     <p:sldId id="258" r:id="rId3"/>
     <p:sldId id="257" r:id="rId4"/>
     <p:sldId id="260" r:id="rId5"/>
-    <p:sldId id="269" r:id="rId6"/>
-    <p:sldId id="268" r:id="rId7"/>
+    <p:sldId id="268" r:id="rId6"/>
+    <p:sldId id="269" r:id="rId7"/>
     <p:sldId id="265" r:id="rId8"/>
     <p:sldId id="259" r:id="rId9"/>
     <p:sldId id="262" r:id="rId10"/>
@@ -296,7 +296,7 @@
           <a:p>
             <a:fld id="{EB741852-085B-4304-A0BB-F6C62D9D1BEF}" type="datetimeFigureOut">
               <a:rPr lang="en-AU" smtClean="0"/>
-              <a:t>5/05/2014</a:t>
+              <a:t>17/05/2014</a:t>
             </a:fld>
             <a:endParaRPr lang="en-AU"/>
           </a:p>
@@ -466,7 +466,7 @@
           <a:p>
             <a:fld id="{EB741852-085B-4304-A0BB-F6C62D9D1BEF}" type="datetimeFigureOut">
               <a:rPr lang="en-AU" smtClean="0"/>
-              <a:t>5/05/2014</a:t>
+              <a:t>17/05/2014</a:t>
             </a:fld>
             <a:endParaRPr lang="en-AU"/>
           </a:p>
@@ -646,7 +646,7 @@
           <a:p>
             <a:fld id="{EB741852-085B-4304-A0BB-F6C62D9D1BEF}" type="datetimeFigureOut">
               <a:rPr lang="en-AU" smtClean="0"/>
-              <a:t>5/05/2014</a:t>
+              <a:t>17/05/2014</a:t>
             </a:fld>
             <a:endParaRPr lang="en-AU"/>
           </a:p>
@@ -816,7 +816,7 @@
           <a:p>
             <a:fld id="{EB741852-085B-4304-A0BB-F6C62D9D1BEF}" type="datetimeFigureOut">
               <a:rPr lang="en-AU" smtClean="0"/>
-              <a:t>5/05/2014</a:t>
+              <a:t>17/05/2014</a:t>
             </a:fld>
             <a:endParaRPr lang="en-AU"/>
           </a:p>
@@ -1062,7 +1062,7 @@
           <a:p>
             <a:fld id="{EB741852-085B-4304-A0BB-F6C62D9D1BEF}" type="datetimeFigureOut">
               <a:rPr lang="en-AU" smtClean="0"/>
-              <a:t>5/05/2014</a:t>
+              <a:t>17/05/2014</a:t>
             </a:fld>
             <a:endParaRPr lang="en-AU"/>
           </a:p>
@@ -1294,7 +1294,7 @@
           <a:p>
             <a:fld id="{EB741852-085B-4304-A0BB-F6C62D9D1BEF}" type="datetimeFigureOut">
               <a:rPr lang="en-AU" smtClean="0"/>
-              <a:t>5/05/2014</a:t>
+              <a:t>17/05/2014</a:t>
             </a:fld>
             <a:endParaRPr lang="en-AU"/>
           </a:p>
@@ -1661,7 +1661,7 @@
           <a:p>
             <a:fld id="{EB741852-085B-4304-A0BB-F6C62D9D1BEF}" type="datetimeFigureOut">
               <a:rPr lang="en-AU" smtClean="0"/>
-              <a:t>5/05/2014</a:t>
+              <a:t>17/05/2014</a:t>
             </a:fld>
             <a:endParaRPr lang="en-AU"/>
           </a:p>
@@ -1779,7 +1779,7 @@
           <a:p>
             <a:fld id="{EB741852-085B-4304-A0BB-F6C62D9D1BEF}" type="datetimeFigureOut">
               <a:rPr lang="en-AU" smtClean="0"/>
-              <a:t>5/05/2014</a:t>
+              <a:t>17/05/2014</a:t>
             </a:fld>
             <a:endParaRPr lang="en-AU"/>
           </a:p>
@@ -1874,7 +1874,7 @@
           <a:p>
             <a:fld id="{EB741852-085B-4304-A0BB-F6C62D9D1BEF}" type="datetimeFigureOut">
               <a:rPr lang="en-AU" smtClean="0"/>
-              <a:t>5/05/2014</a:t>
+              <a:t>17/05/2014</a:t>
             </a:fld>
             <a:endParaRPr lang="en-AU"/>
           </a:p>
@@ -2151,7 +2151,7 @@
           <a:p>
             <a:fld id="{EB741852-085B-4304-A0BB-F6C62D9D1BEF}" type="datetimeFigureOut">
               <a:rPr lang="en-AU" smtClean="0"/>
-              <a:t>5/05/2014</a:t>
+              <a:t>17/05/2014</a:t>
             </a:fld>
             <a:endParaRPr lang="en-AU"/>
           </a:p>
@@ -2404,7 +2404,7 @@
           <a:p>
             <a:fld id="{EB741852-085B-4304-A0BB-F6C62D9D1BEF}" type="datetimeFigureOut">
               <a:rPr lang="en-AU" smtClean="0"/>
-              <a:t>5/05/2014</a:t>
+              <a:t>17/05/2014</a:t>
             </a:fld>
             <a:endParaRPr lang="en-AU"/>
           </a:p>
@@ -2617,7 +2617,7 @@
           <a:p>
             <a:fld id="{EB741852-085B-4304-A0BB-F6C62D9D1BEF}" type="datetimeFigureOut">
               <a:rPr lang="en-AU" smtClean="0"/>
-              <a:t>5/05/2014</a:t>
+              <a:t>17/05/2014</a:t>
             </a:fld>
             <a:endParaRPr lang="en-AU"/>
           </a:p>
@@ -3697,6 +3697,10 @@
           <a:bodyPr/>
           <a:lstStyle/>
           <a:p>
+            <a:r>
+              <a:rPr lang="en-AU" smtClean="0"/>
+              <a:t>Useful Links</a:t>
+            </a:r>
             <a:endParaRPr lang="en-AU" dirty="0"/>
           </a:p>
         </p:txBody>
@@ -3722,17 +3726,38 @@
               <a:buNone/>
             </a:pPr>
             <a:r>
-              <a:rPr lang="en-AU" sz="4000" dirty="0">
-                <a:hlinkClick r:id="rId2"/>
-              </a:rPr>
-              <a:t>http://</a:t>
-            </a:r>
-            <a:r>
-              <a:rPr lang="en-AU" sz="4000" dirty="0" smtClean="0">
-                <a:hlinkClick r:id="rId2"/>
-              </a:rPr>
+              <a:rPr lang="en-AU" sz="4000" dirty="0" smtClean="0"/>
+              <a:t>Porting Guides</a:t>
+            </a:r>
+            <a:endParaRPr lang="en-AU" sz="4000" dirty="0" smtClean="0">
+              <a:hlinkClick r:id="rId2"/>
+            </a:endParaRPr>
+          </a:p>
+          <a:p>
+            <a:pPr marL="0" indent="0">
+              <a:buNone/>
+            </a:pPr>
+            <a:r>
+              <a:rPr lang="en-AU" sz="4000" dirty="0" smtClean="0"/>
+              <a:t>	http</a:t>
+            </a:r>
+            <a:r>
+              <a:rPr lang="en-AU" sz="4000" dirty="0"/>
+              <a:t>://</a:t>
+            </a:r>
+            <a:r>
+              <a:rPr lang="en-AU" sz="4000" dirty="0" smtClean="0"/>
               <a:t>unity3d.com/pages/windows/porting</a:t>
             </a:r>
+          </a:p>
+          <a:p>
+            <a:pPr marL="0" indent="0">
+              <a:buNone/>
+            </a:pPr>
+            <a:r>
+              <a:rPr lang="en-AU" sz="4000" dirty="0" smtClean="0"/>
+              <a:t>List of Missing Types</a:t>
+            </a:r>
             <a:endParaRPr lang="en-AU" sz="4000" dirty="0" smtClean="0"/>
           </a:p>
           <a:p>
@@ -3740,16 +3765,38 @@
               <a:buNone/>
             </a:pPr>
             <a:r>
-              <a:rPr lang="en-AU" sz="4000" dirty="0">
-                <a:hlinkClick r:id="rId3"/>
-              </a:rPr>
-              <a:t>http://</a:t>
-            </a:r>
-            <a:r>
-              <a:rPr lang="en-AU" sz="4000" dirty="0" smtClean="0">
-                <a:hlinkClick r:id="rId3"/>
-              </a:rPr>
+              <a:rPr lang="en-AU" sz="4000" dirty="0" smtClean="0"/>
+              <a:t>	http</a:t>
+            </a:r>
+            <a:r>
+              <a:rPr lang="en-AU" sz="4000" dirty="0"/>
+              <a:t>://</a:t>
+            </a:r>
+            <a:r>
+              <a:rPr lang="en-AU" sz="4000" dirty="0" smtClean="0"/>
               <a:t>bit.ly/missingwinrttypes</a:t>
+            </a:r>
+          </a:p>
+          <a:p>
+            <a:pPr marL="0" indent="0">
+              <a:buNone/>
+            </a:pPr>
+            <a:r>
+              <a:rPr lang="en-AU" sz="4000" dirty="0" smtClean="0"/>
+              <a:t>Store Tokens</a:t>
+            </a:r>
+          </a:p>
+          <a:p>
+            <a:pPr marL="0" indent="0">
+              <a:buNone/>
+            </a:pPr>
+            <a:r>
+              <a:rPr lang="en-AU" sz="4000" dirty="0"/>
+              <a:t>	</a:t>
+            </a:r>
+            <a:r>
+              <a:rPr lang="en-AU" sz="4000" dirty="0" smtClean="0"/>
+              <a:t>w8.msdeveloper.com.au</a:t>
             </a:r>
             <a:endParaRPr lang="en-AU" sz="4000" dirty="0" smtClean="0"/>
           </a:p>
@@ -4233,6 +4280,132 @@
 </file>
 
 <file path=ppt/slides/slide5.xml><?xml version="1.0" encoding="utf-8"?>
+<p:sld xmlns:a="http://schemas.openxmlformats.org/drawingml/2006/main" xmlns:r="http://schemas.openxmlformats.org/officeDocument/2006/relationships" xmlns:p="http://schemas.openxmlformats.org/presentationml/2006/main">
+  <p:cSld>
+    <p:spTree>
+      <p:nvGrpSpPr>
+        <p:cNvPr id="1" name=""/>
+        <p:cNvGrpSpPr/>
+        <p:nvPr/>
+      </p:nvGrpSpPr>
+      <p:grpSpPr>
+        <a:xfrm>
+          <a:off x="0" y="0"/>
+          <a:ext cx="0" cy="0"/>
+          <a:chOff x="0" y="0"/>
+          <a:chExt cx="0" cy="0"/>
+        </a:xfrm>
+      </p:grpSpPr>
+      <p:sp>
+        <p:nvSpPr>
+          <p:cNvPr id="2" name="Title 1"/>
+          <p:cNvSpPr>
+            <a:spLocks noGrp="1"/>
+          </p:cNvSpPr>
+          <p:nvPr>
+            <p:ph type="title"/>
+          </p:nvPr>
+        </p:nvSpPr>
+        <p:spPr/>
+        <p:txBody>
+          <a:bodyPr/>
+          <a:lstStyle/>
+          <a:p>
+            <a:r>
+              <a:rPr lang="en-AU" dirty="0" smtClean="0"/>
+              <a:t>Platform Macros</a:t>
+            </a:r>
+            <a:endParaRPr lang="en-AU" dirty="0"/>
+          </a:p>
+        </p:txBody>
+      </p:sp>
+      <p:sp>
+        <p:nvSpPr>
+          <p:cNvPr id="3" name="Content Placeholder 2"/>
+          <p:cNvSpPr>
+            <a:spLocks noGrp="1"/>
+          </p:cNvSpPr>
+          <p:nvPr>
+            <p:ph idx="1"/>
+          </p:nvPr>
+        </p:nvSpPr>
+        <p:spPr/>
+        <p:txBody>
+          <a:bodyPr/>
+          <a:lstStyle/>
+          <a:p>
+            <a:r>
+              <a:rPr lang="en-AU" dirty="0" smtClean="0"/>
+              <a:t>Unity 4.3.4</a:t>
+            </a:r>
+          </a:p>
+          <a:p>
+            <a:pPr lvl="1"/>
+            <a:r>
+              <a:rPr lang="en-AU" dirty="0" smtClean="0"/>
+              <a:t>UNITY_METRO</a:t>
+            </a:r>
+          </a:p>
+          <a:p>
+            <a:pPr lvl="1"/>
+            <a:r>
+              <a:rPr lang="en-AU" dirty="0" smtClean="0"/>
+              <a:t>UNITY_WP8</a:t>
+            </a:r>
+          </a:p>
+          <a:p>
+            <a:pPr lvl="1"/>
+            <a:r>
+              <a:rPr lang="en-AU" dirty="0" smtClean="0"/>
+              <a:t>UNITY_WINRT = (UNITY_METRO || UNITY_WP8)</a:t>
+            </a:r>
+          </a:p>
+          <a:p>
+            <a:pPr lvl="1"/>
+            <a:r>
+              <a:rPr lang="en-AU" dirty="0" smtClean="0"/>
+              <a:t>UNITY_EDITOR</a:t>
+            </a:r>
+          </a:p>
+          <a:p>
+            <a:endParaRPr lang="en-AU" dirty="0"/>
+          </a:p>
+          <a:p>
+            <a:r>
+              <a:rPr lang="en-AU" dirty="0" smtClean="0"/>
+              <a:t>Plugins\Metro</a:t>
+            </a:r>
+          </a:p>
+          <a:p>
+            <a:r>
+              <a:rPr lang="en-AU" dirty="0" smtClean="0"/>
+              <a:t>Plugins\WP8</a:t>
+            </a:r>
+            <a:endParaRPr lang="en-AU" dirty="0"/>
+          </a:p>
+        </p:txBody>
+      </p:sp>
+    </p:spTree>
+    <p:extLst>
+      <p:ext uri="{BB962C8B-B14F-4D97-AF65-F5344CB8AC3E}">
+        <p14:creationId xmlns:p14="http://schemas.microsoft.com/office/powerpoint/2010/main" val="856175786"/>
+      </p:ext>
+    </p:extLst>
+  </p:cSld>
+  <p:clrMapOvr>
+    <a:masterClrMapping/>
+  </p:clrMapOvr>
+  <p:timing>
+    <p:tnLst>
+      <p:par>
+        <p:cTn id="1" dur="indefinite" restart="never" nodeType="tmRoot"/>
+      </p:par>
+    </p:tnLst>
+  </p:timing>
+</p:sld>
+</file>
+
+<file path=ppt/slides/slide6.xml><?xml version="1.0" encoding="utf-8"?>
 <p:sld xmlns:a="http://schemas.openxmlformats.org/drawingml/2006/main" xmlns:r="http://schemas.openxmlformats.org/officeDocument/2006/relationships" xmlns:p="http://schemas.openxmlformats.org/presentationml/2006/main">
   <p:cSld>
     <p:spTree>
@@ -4397,117 +4570,6 @@
 </p:sld>
 </file>
 
-<file path=ppt/slides/slide6.xml><?xml version="1.0" encoding="utf-8"?>
-<p:sld xmlns:a="http://schemas.openxmlformats.org/drawingml/2006/main" xmlns:r="http://schemas.openxmlformats.org/officeDocument/2006/relationships" xmlns:p="http://schemas.openxmlformats.org/presentationml/2006/main">
-  <p:cSld>
-    <p:spTree>
-      <p:nvGrpSpPr>
-        <p:cNvPr id="1" name=""/>
-        <p:cNvGrpSpPr/>
-        <p:nvPr/>
-      </p:nvGrpSpPr>
-      <p:grpSpPr>
-        <a:xfrm>
-          <a:off x="0" y="0"/>
-          <a:ext cx="0" cy="0"/>
-          <a:chOff x="0" y="0"/>
-          <a:chExt cx="0" cy="0"/>
-        </a:xfrm>
-      </p:grpSpPr>
-      <p:sp>
-        <p:nvSpPr>
-          <p:cNvPr id="2" name="Title 1"/>
-          <p:cNvSpPr>
-            <a:spLocks noGrp="1"/>
-          </p:cNvSpPr>
-          <p:nvPr>
-            <p:ph type="title"/>
-          </p:nvPr>
-        </p:nvSpPr>
-        <p:spPr/>
-        <p:txBody>
-          <a:bodyPr/>
-          <a:lstStyle/>
-          <a:p>
-            <a:r>
-              <a:rPr lang="en-AU" dirty="0" smtClean="0"/>
-              <a:t>Platform Macros</a:t>
-            </a:r>
-            <a:endParaRPr lang="en-AU" dirty="0"/>
-          </a:p>
-        </p:txBody>
-      </p:sp>
-      <p:sp>
-        <p:nvSpPr>
-          <p:cNvPr id="3" name="Content Placeholder 2"/>
-          <p:cNvSpPr>
-            <a:spLocks noGrp="1"/>
-          </p:cNvSpPr>
-          <p:nvPr>
-            <p:ph idx="1"/>
-          </p:nvPr>
-        </p:nvSpPr>
-        <p:spPr/>
-        <p:txBody>
-          <a:bodyPr/>
-          <a:lstStyle/>
-          <a:p>
-            <a:r>
-              <a:rPr lang="en-AU" dirty="0" smtClean="0"/>
-              <a:t>Unity 4.3.4</a:t>
-            </a:r>
-          </a:p>
-          <a:p>
-            <a:pPr lvl="1"/>
-            <a:r>
-              <a:rPr lang="en-AU" dirty="0" smtClean="0"/>
-              <a:t>UNITY_METRO</a:t>
-            </a:r>
-          </a:p>
-          <a:p>
-            <a:pPr lvl="1"/>
-            <a:r>
-              <a:rPr lang="en-AU" dirty="0" smtClean="0"/>
-              <a:t>UNITY_WP8</a:t>
-            </a:r>
-          </a:p>
-          <a:p>
-            <a:pPr lvl="1"/>
-            <a:r>
-              <a:rPr lang="en-AU" dirty="0" smtClean="0"/>
-              <a:t>UNITY_WINRT = (UNITY_METRO || UNITY_WP8)</a:t>
-            </a:r>
-          </a:p>
-          <a:p>
-            <a:pPr lvl="1"/>
-            <a:r>
-              <a:rPr lang="en-AU" dirty="0" smtClean="0"/>
-              <a:t>UNITY_EDITOR</a:t>
-            </a:r>
-            <a:endParaRPr lang="en-AU" dirty="0"/>
-          </a:p>
-        </p:txBody>
-      </p:sp>
-    </p:spTree>
-    <p:extLst>
-      <p:ext uri="{BB962C8B-B14F-4D97-AF65-F5344CB8AC3E}">
-        <p14:creationId xmlns:p14="http://schemas.microsoft.com/office/powerpoint/2010/main" val="856175786"/>
-      </p:ext>
-    </p:extLst>
-  </p:cSld>
-  <p:clrMapOvr>
-    <a:masterClrMapping/>
-  </p:clrMapOvr>
-  <p:timing>
-    <p:tnLst>
-      <p:par>
-        <p:cTn id="1" dur="indefinite" restart="never" nodeType="tmRoot"/>
-      </p:par>
-    </p:tnLst>
-  </p:timing>
-</p:sld>
-</file>
-
 <file path=ppt/slides/slide7.xml><?xml version="1.0" encoding="utf-8"?>
 <p:sld xmlns:a="http://schemas.openxmlformats.org/drawingml/2006/main" xmlns:r="http://schemas.openxmlformats.org/officeDocument/2006/relationships" xmlns:p="http://schemas.openxmlformats.org/presentationml/2006/main">
   <p:cSld>
@@ -4658,11 +4720,7 @@
             <a:pPr lvl="1"/>
             <a:r>
               <a:rPr lang="en-AU" dirty="0" smtClean="0"/>
-              <a:t>Same as </a:t>
-            </a:r>
-            <a:r>
-              <a:rPr lang="en-AU" dirty="0" smtClean="0"/>
-              <a:t>Reflection</a:t>
+              <a:t>Same as Reflection</a:t>
             </a:r>
           </a:p>
           <a:p>

--- a/PortingUnity_Win8.pptx
+++ b/PortingUnity_Win8.pptx
@@ -11,14 +11,16 @@
     <p:sldId id="260" r:id="rId5"/>
     <p:sldId id="268" r:id="rId6"/>
     <p:sldId id="269" r:id="rId7"/>
-    <p:sldId id="265" r:id="rId8"/>
-    <p:sldId id="259" r:id="rId9"/>
-    <p:sldId id="262" r:id="rId10"/>
-    <p:sldId id="261" r:id="rId11"/>
-    <p:sldId id="263" r:id="rId12"/>
-    <p:sldId id="267" r:id="rId13"/>
-    <p:sldId id="264" r:id="rId14"/>
-    <p:sldId id="270" r:id="rId15"/>
+    <p:sldId id="273" r:id="rId8"/>
+    <p:sldId id="274" r:id="rId9"/>
+    <p:sldId id="265" r:id="rId10"/>
+    <p:sldId id="259" r:id="rId11"/>
+    <p:sldId id="262" r:id="rId12"/>
+    <p:sldId id="261" r:id="rId13"/>
+    <p:sldId id="263" r:id="rId14"/>
+    <p:sldId id="267" r:id="rId15"/>
+    <p:sldId id="264" r:id="rId16"/>
+    <p:sldId id="270" r:id="rId17"/>
   </p:sldIdLst>
   <p:sldSz cx="12192000" cy="6858000"/>
   <p:notesSz cx="6858000" cy="9144000"/>
@@ -125,6 +127,5515 @@
 </p:presentation>
 </file>
 
+<file path=ppt/diagrams/colors1.xml><?xml version="1.0" encoding="utf-8"?>
+<dgm:colorsDef xmlns:dgm="http://schemas.openxmlformats.org/drawingml/2006/diagram" xmlns:a="http://schemas.openxmlformats.org/drawingml/2006/main" uniqueId="urn:microsoft.com/office/officeart/2005/8/colors/accent1_2">
+  <dgm:title val=""/>
+  <dgm:desc val=""/>
+  <dgm:catLst>
+    <dgm:cat type="accent1" pri="11200"/>
+  </dgm:catLst>
+  <dgm:styleLbl name="node0">
+    <dgm:fillClrLst meth="repeat">
+      <a:schemeClr val="accent1"/>
+    </dgm:fillClrLst>
+    <dgm:linClrLst meth="repeat">
+      <a:schemeClr val="lt1"/>
+    </dgm:linClrLst>
+    <dgm:effectClrLst/>
+    <dgm:txLinClrLst/>
+    <dgm:txFillClrLst/>
+    <dgm:txEffectClrLst/>
+  </dgm:styleLbl>
+  <dgm:styleLbl name="alignNode1">
+    <dgm:fillClrLst meth="repeat">
+      <a:schemeClr val="accent1"/>
+    </dgm:fillClrLst>
+    <dgm:linClrLst meth="repeat">
+      <a:schemeClr val="accent1"/>
+    </dgm:linClrLst>
+    <dgm:effectClrLst/>
+    <dgm:txLinClrLst/>
+    <dgm:txFillClrLst/>
+    <dgm:txEffectClrLst/>
+  </dgm:styleLbl>
+  <dgm:styleLbl name="node1">
+    <dgm:fillClrLst meth="repeat">
+      <a:schemeClr val="accent1"/>
+    </dgm:fillClrLst>
+    <dgm:linClrLst meth="repeat">
+      <a:schemeClr val="lt1"/>
+    </dgm:linClrLst>
+    <dgm:effectClrLst/>
+    <dgm:txLinClrLst/>
+    <dgm:txFillClrLst/>
+    <dgm:txEffectClrLst/>
+  </dgm:styleLbl>
+  <dgm:styleLbl name="lnNode1">
+    <dgm:fillClrLst meth="repeat">
+      <a:schemeClr val="accent1"/>
+    </dgm:fillClrLst>
+    <dgm:linClrLst meth="repeat">
+      <a:schemeClr val="lt1"/>
+    </dgm:linClrLst>
+    <dgm:effectClrLst/>
+    <dgm:txLinClrLst/>
+    <dgm:txFillClrLst/>
+    <dgm:txEffectClrLst/>
+  </dgm:styleLbl>
+  <dgm:styleLbl name="vennNode1">
+    <dgm:fillClrLst meth="repeat">
+      <a:schemeClr val="accent1">
+        <a:alpha val="50000"/>
+      </a:schemeClr>
+    </dgm:fillClrLst>
+    <dgm:linClrLst meth="repeat">
+      <a:schemeClr val="lt1"/>
+    </dgm:linClrLst>
+    <dgm:effectClrLst/>
+    <dgm:txLinClrLst/>
+    <dgm:txFillClrLst/>
+    <dgm:txEffectClrLst/>
+  </dgm:styleLbl>
+  <dgm:styleLbl name="node2">
+    <dgm:fillClrLst meth="repeat">
+      <a:schemeClr val="accent1"/>
+    </dgm:fillClrLst>
+    <dgm:linClrLst meth="repeat">
+      <a:schemeClr val="lt1"/>
+    </dgm:linClrLst>
+    <dgm:effectClrLst/>
+    <dgm:txLinClrLst/>
+    <dgm:txFillClrLst/>
+    <dgm:txEffectClrLst/>
+  </dgm:styleLbl>
+  <dgm:styleLbl name="node3">
+    <dgm:fillClrLst meth="repeat">
+      <a:schemeClr val="accent1"/>
+    </dgm:fillClrLst>
+    <dgm:linClrLst meth="repeat">
+      <a:schemeClr val="lt1"/>
+    </dgm:linClrLst>
+    <dgm:effectClrLst/>
+    <dgm:txLinClrLst/>
+    <dgm:txFillClrLst/>
+    <dgm:txEffectClrLst/>
+  </dgm:styleLbl>
+  <dgm:styleLbl name="node4">
+    <dgm:fillClrLst meth="repeat">
+      <a:schemeClr val="accent1"/>
+    </dgm:fillClrLst>
+    <dgm:linClrLst meth="repeat">
+      <a:schemeClr val="lt1"/>
+    </dgm:linClrLst>
+    <dgm:effectClrLst/>
+    <dgm:txLinClrLst/>
+    <dgm:txFillClrLst/>
+    <dgm:txEffectClrLst/>
+  </dgm:styleLbl>
+  <dgm:styleLbl name="fgImgPlace1">
+    <dgm:fillClrLst meth="repeat">
+      <a:schemeClr val="accent1">
+        <a:tint val="50000"/>
+      </a:schemeClr>
+    </dgm:fillClrLst>
+    <dgm:linClrLst meth="repeat">
+      <a:schemeClr val="lt1"/>
+    </dgm:linClrLst>
+    <dgm:effectClrLst/>
+    <dgm:txLinClrLst/>
+    <dgm:txFillClrLst meth="repeat">
+      <a:schemeClr val="lt1"/>
+    </dgm:txFillClrLst>
+    <dgm:txEffectClrLst/>
+  </dgm:styleLbl>
+  <dgm:styleLbl name="alignImgPlace1">
+    <dgm:fillClrLst meth="repeat">
+      <a:schemeClr val="accent1">
+        <a:tint val="50000"/>
+      </a:schemeClr>
+    </dgm:fillClrLst>
+    <dgm:linClrLst meth="repeat">
+      <a:schemeClr val="lt1"/>
+    </dgm:linClrLst>
+    <dgm:effectClrLst/>
+    <dgm:txLinClrLst/>
+    <dgm:txFillClrLst meth="repeat">
+      <a:schemeClr val="lt1"/>
+    </dgm:txFillClrLst>
+    <dgm:txEffectClrLst/>
+  </dgm:styleLbl>
+  <dgm:styleLbl name="bgImgPlace1">
+    <dgm:fillClrLst meth="repeat">
+      <a:schemeClr val="accent1">
+        <a:tint val="50000"/>
+      </a:schemeClr>
+    </dgm:fillClrLst>
+    <dgm:linClrLst meth="repeat">
+      <a:schemeClr val="lt1"/>
+    </dgm:linClrLst>
+    <dgm:effectClrLst/>
+    <dgm:txLinClrLst/>
+    <dgm:txFillClrLst meth="repeat">
+      <a:schemeClr val="lt1"/>
+    </dgm:txFillClrLst>
+    <dgm:txEffectClrLst/>
+  </dgm:styleLbl>
+  <dgm:styleLbl name="sibTrans2D1">
+    <dgm:fillClrLst meth="repeat">
+      <a:schemeClr val="accent1">
+        <a:tint val="60000"/>
+      </a:schemeClr>
+    </dgm:fillClrLst>
+    <dgm:linClrLst meth="repeat">
+      <a:schemeClr val="accent1">
+        <a:tint val="60000"/>
+      </a:schemeClr>
+    </dgm:linClrLst>
+    <dgm:effectClrLst/>
+    <dgm:txLinClrLst/>
+    <dgm:txFillClrLst/>
+    <dgm:txEffectClrLst/>
+  </dgm:styleLbl>
+  <dgm:styleLbl name="fgSibTrans2D1">
+    <dgm:fillClrLst meth="repeat">
+      <a:schemeClr val="accent1">
+        <a:tint val="60000"/>
+      </a:schemeClr>
+    </dgm:fillClrLst>
+    <dgm:linClrLst meth="repeat">
+      <a:schemeClr val="accent1">
+        <a:tint val="60000"/>
+      </a:schemeClr>
+    </dgm:linClrLst>
+    <dgm:effectClrLst/>
+    <dgm:txLinClrLst/>
+    <dgm:txFillClrLst/>
+    <dgm:txEffectClrLst/>
+  </dgm:styleLbl>
+  <dgm:styleLbl name="bgSibTrans2D1">
+    <dgm:fillClrLst meth="repeat">
+      <a:schemeClr val="accent1">
+        <a:tint val="60000"/>
+      </a:schemeClr>
+    </dgm:fillClrLst>
+    <dgm:linClrLst meth="repeat">
+      <a:schemeClr val="accent1">
+        <a:tint val="60000"/>
+      </a:schemeClr>
+    </dgm:linClrLst>
+    <dgm:effectClrLst/>
+    <dgm:txLinClrLst/>
+    <dgm:txFillClrLst/>
+    <dgm:txEffectClrLst/>
+  </dgm:styleLbl>
+  <dgm:styleLbl name="sibTrans1D1">
+    <dgm:fillClrLst meth="repeat">
+      <a:schemeClr val="accent1"/>
+    </dgm:fillClrLst>
+    <dgm:linClrLst meth="repeat">
+      <a:schemeClr val="accent1"/>
+    </dgm:linClrLst>
+    <dgm:effectClrLst/>
+    <dgm:txLinClrLst/>
+    <dgm:txFillClrLst meth="repeat">
+      <a:schemeClr val="tx1"/>
+    </dgm:txFillClrLst>
+    <dgm:txEffectClrLst/>
+  </dgm:styleLbl>
+  <dgm:styleLbl name="callout">
+    <dgm:fillClrLst meth="repeat">
+      <a:schemeClr val="accent1"/>
+    </dgm:fillClrLst>
+    <dgm:linClrLst meth="repeat">
+      <a:schemeClr val="accent1">
+        <a:tint val="50000"/>
+      </a:schemeClr>
+    </dgm:linClrLst>
+    <dgm:effectClrLst/>
+    <dgm:txLinClrLst/>
+    <dgm:txFillClrLst meth="repeat">
+      <a:schemeClr val="tx1"/>
+    </dgm:txFillClrLst>
+    <dgm:txEffectClrLst/>
+  </dgm:styleLbl>
+  <dgm:styleLbl name="asst0">
+    <dgm:fillClrLst meth="repeat">
+      <a:schemeClr val="accent1"/>
+    </dgm:fillClrLst>
+    <dgm:linClrLst meth="repeat">
+      <a:schemeClr val="lt1"/>
+    </dgm:linClrLst>
+    <dgm:effectClrLst/>
+    <dgm:txLinClrLst/>
+    <dgm:txFillClrLst/>
+    <dgm:txEffectClrLst/>
+  </dgm:styleLbl>
+  <dgm:styleLbl name="asst1">
+    <dgm:fillClrLst meth="repeat">
+      <a:schemeClr val="accent1"/>
+    </dgm:fillClrLst>
+    <dgm:linClrLst meth="repeat">
+      <a:schemeClr val="lt1"/>
+    </dgm:linClrLst>
+    <dgm:effectClrLst/>
+    <dgm:txLinClrLst/>
+    <dgm:txFillClrLst/>
+    <dgm:txEffectClrLst/>
+  </dgm:styleLbl>
+  <dgm:styleLbl name="asst2">
+    <dgm:fillClrLst meth="repeat">
+      <a:schemeClr val="accent1"/>
+    </dgm:fillClrLst>
+    <dgm:linClrLst meth="repeat">
+      <a:schemeClr val="lt1"/>
+    </dgm:linClrLst>
+    <dgm:effectClrLst/>
+    <dgm:txLinClrLst/>
+    <dgm:txFillClrLst/>
+    <dgm:txEffectClrLst/>
+  </dgm:styleLbl>
+  <dgm:styleLbl name="asst3">
+    <dgm:fillClrLst meth="repeat">
+      <a:schemeClr val="accent1"/>
+    </dgm:fillClrLst>
+    <dgm:linClrLst meth="repeat">
+      <a:schemeClr val="lt1"/>
+    </dgm:linClrLst>
+    <dgm:effectClrLst/>
+    <dgm:txLinClrLst/>
+    <dgm:txFillClrLst/>
+    <dgm:txEffectClrLst/>
+  </dgm:styleLbl>
+  <dgm:styleLbl name="asst4">
+    <dgm:fillClrLst meth="repeat">
+      <a:schemeClr val="accent1"/>
+    </dgm:fillClrLst>
+    <dgm:linClrLst meth="repeat">
+      <a:schemeClr val="lt1"/>
+    </dgm:linClrLst>
+    <dgm:effectClrLst/>
+    <dgm:txLinClrLst/>
+    <dgm:txFillClrLst/>
+    <dgm:txEffectClrLst/>
+  </dgm:styleLbl>
+  <dgm:styleLbl name="parChTrans2D1">
+    <dgm:fillClrLst meth="repeat">
+      <a:schemeClr val="accent1">
+        <a:tint val="60000"/>
+      </a:schemeClr>
+    </dgm:fillClrLst>
+    <dgm:linClrLst meth="repeat">
+      <a:schemeClr val="accent1">
+        <a:tint val="60000"/>
+      </a:schemeClr>
+    </dgm:linClrLst>
+    <dgm:effectClrLst/>
+    <dgm:txLinClrLst/>
+    <dgm:txFillClrLst meth="repeat">
+      <a:schemeClr val="lt1"/>
+    </dgm:txFillClrLst>
+    <dgm:txEffectClrLst/>
+  </dgm:styleLbl>
+  <dgm:styleLbl name="parChTrans2D2">
+    <dgm:fillClrLst meth="repeat">
+      <a:schemeClr val="accent1"/>
+    </dgm:fillClrLst>
+    <dgm:linClrLst meth="repeat">
+      <a:schemeClr val="accent1"/>
+    </dgm:linClrLst>
+    <dgm:effectClrLst/>
+    <dgm:txLinClrLst/>
+    <dgm:txFillClrLst meth="repeat">
+      <a:schemeClr val="lt1"/>
+    </dgm:txFillClrLst>
+    <dgm:txEffectClrLst/>
+  </dgm:styleLbl>
+  <dgm:styleLbl name="parChTrans2D3">
+    <dgm:fillClrLst meth="repeat">
+      <a:schemeClr val="accent1"/>
+    </dgm:fillClrLst>
+    <dgm:linClrLst meth="repeat">
+      <a:schemeClr val="accent1"/>
+    </dgm:linClrLst>
+    <dgm:effectClrLst/>
+    <dgm:txLinClrLst/>
+    <dgm:txFillClrLst meth="repeat">
+      <a:schemeClr val="lt1"/>
+    </dgm:txFillClrLst>
+    <dgm:txEffectClrLst/>
+  </dgm:styleLbl>
+  <dgm:styleLbl name="parChTrans2D4">
+    <dgm:fillClrLst meth="repeat">
+      <a:schemeClr val="accent1"/>
+    </dgm:fillClrLst>
+    <dgm:linClrLst meth="repeat">
+      <a:schemeClr val="accent1"/>
+    </dgm:linClrLst>
+    <dgm:effectClrLst/>
+    <dgm:txLinClrLst/>
+    <dgm:txFillClrLst meth="repeat">
+      <a:schemeClr val="lt1"/>
+    </dgm:txFillClrLst>
+    <dgm:txEffectClrLst/>
+  </dgm:styleLbl>
+  <dgm:styleLbl name="parChTrans1D1">
+    <dgm:fillClrLst meth="repeat">
+      <a:schemeClr val="accent1"/>
+    </dgm:fillClrLst>
+    <dgm:linClrLst meth="repeat">
+      <a:schemeClr val="accent1">
+        <a:shade val="60000"/>
+      </a:schemeClr>
+    </dgm:linClrLst>
+    <dgm:effectClrLst/>
+    <dgm:txLinClrLst/>
+    <dgm:txFillClrLst meth="repeat">
+      <a:schemeClr val="tx1"/>
+    </dgm:txFillClrLst>
+    <dgm:txEffectClrLst/>
+  </dgm:styleLbl>
+  <dgm:styleLbl name="parChTrans1D2">
+    <dgm:fillClrLst meth="repeat">
+      <a:schemeClr val="accent1"/>
+    </dgm:fillClrLst>
+    <dgm:linClrLst meth="repeat">
+      <a:schemeClr val="accent1">
+        <a:shade val="60000"/>
+      </a:schemeClr>
+    </dgm:linClrLst>
+    <dgm:effectClrLst/>
+    <dgm:txLinClrLst/>
+    <dgm:txFillClrLst meth="repeat">
+      <a:schemeClr val="tx1"/>
+    </dgm:txFillClrLst>
+    <dgm:txEffectClrLst/>
+  </dgm:styleLbl>
+  <dgm:styleLbl name="parChTrans1D3">
+    <dgm:fillClrLst meth="repeat">
+      <a:schemeClr val="accent1"/>
+    </dgm:fillClrLst>
+    <dgm:linClrLst meth="repeat">
+      <a:schemeClr val="accent1">
+        <a:shade val="80000"/>
+      </a:schemeClr>
+    </dgm:linClrLst>
+    <dgm:effectClrLst/>
+    <dgm:txLinClrLst/>
+    <dgm:txFillClrLst meth="repeat">
+      <a:schemeClr val="tx1"/>
+    </dgm:txFillClrLst>
+    <dgm:txEffectClrLst/>
+  </dgm:styleLbl>
+  <dgm:styleLbl name="parChTrans1D4">
+    <dgm:fillClrLst meth="repeat">
+      <a:schemeClr val="accent1"/>
+    </dgm:fillClrLst>
+    <dgm:linClrLst meth="repeat">
+      <a:schemeClr val="accent1">
+        <a:shade val="80000"/>
+      </a:schemeClr>
+    </dgm:linClrLst>
+    <dgm:effectClrLst/>
+    <dgm:txLinClrLst/>
+    <dgm:txFillClrLst meth="repeat">
+      <a:schemeClr val="tx1"/>
+    </dgm:txFillClrLst>
+    <dgm:txEffectClrLst/>
+  </dgm:styleLbl>
+  <dgm:styleLbl name="fgAcc1">
+    <dgm:fillClrLst meth="repeat">
+      <a:schemeClr val="lt1">
+        <a:alpha val="90000"/>
+      </a:schemeClr>
+    </dgm:fillClrLst>
+    <dgm:linClrLst meth="repeat">
+      <a:schemeClr val="accent1"/>
+    </dgm:linClrLst>
+    <dgm:effectClrLst/>
+    <dgm:txLinClrLst/>
+    <dgm:txFillClrLst meth="repeat">
+      <a:schemeClr val="dk1"/>
+    </dgm:txFillClrLst>
+    <dgm:txEffectClrLst/>
+  </dgm:styleLbl>
+  <dgm:styleLbl name="conFgAcc1">
+    <dgm:fillClrLst meth="repeat">
+      <a:schemeClr val="lt1">
+        <a:alpha val="90000"/>
+      </a:schemeClr>
+    </dgm:fillClrLst>
+    <dgm:linClrLst meth="repeat">
+      <a:schemeClr val="accent1"/>
+    </dgm:linClrLst>
+    <dgm:effectClrLst/>
+    <dgm:txLinClrLst/>
+    <dgm:txFillClrLst meth="repeat">
+      <a:schemeClr val="dk1"/>
+    </dgm:txFillClrLst>
+    <dgm:txEffectClrLst/>
+  </dgm:styleLbl>
+  <dgm:styleLbl name="alignAcc1">
+    <dgm:fillClrLst meth="repeat">
+      <a:schemeClr val="lt1">
+        <a:alpha val="90000"/>
+      </a:schemeClr>
+    </dgm:fillClrLst>
+    <dgm:linClrLst meth="repeat">
+      <a:schemeClr val="accent1"/>
+    </dgm:linClrLst>
+    <dgm:effectClrLst/>
+    <dgm:txLinClrLst/>
+    <dgm:txFillClrLst meth="repeat">
+      <a:schemeClr val="dk1"/>
+    </dgm:txFillClrLst>
+    <dgm:txEffectClrLst/>
+  </dgm:styleLbl>
+  <dgm:styleLbl name="trAlignAcc1">
+    <dgm:fillClrLst meth="repeat">
+      <a:schemeClr val="lt1">
+        <a:alpha val="40000"/>
+      </a:schemeClr>
+    </dgm:fillClrLst>
+    <dgm:linClrLst meth="repeat">
+      <a:schemeClr val="accent1"/>
+    </dgm:linClrLst>
+    <dgm:effectClrLst/>
+    <dgm:txLinClrLst/>
+    <dgm:txFillClrLst meth="repeat">
+      <a:schemeClr val="dk1"/>
+    </dgm:txFillClrLst>
+    <dgm:txEffectClrLst/>
+  </dgm:styleLbl>
+  <dgm:styleLbl name="bgAcc1">
+    <dgm:fillClrLst meth="repeat">
+      <a:schemeClr val="lt1">
+        <a:alpha val="90000"/>
+      </a:schemeClr>
+    </dgm:fillClrLst>
+    <dgm:linClrLst meth="repeat">
+      <a:schemeClr val="accent1"/>
+    </dgm:linClrLst>
+    <dgm:effectClrLst/>
+    <dgm:txLinClrLst/>
+    <dgm:txFillClrLst meth="repeat">
+      <a:schemeClr val="dk1"/>
+    </dgm:txFillClrLst>
+    <dgm:txEffectClrLst/>
+  </dgm:styleLbl>
+  <dgm:styleLbl name="solidFgAcc1">
+    <dgm:fillClrLst meth="repeat">
+      <a:schemeClr val="lt1"/>
+    </dgm:fillClrLst>
+    <dgm:linClrLst meth="repeat">
+      <a:schemeClr val="accent1"/>
+    </dgm:linClrLst>
+    <dgm:effectClrLst/>
+    <dgm:txLinClrLst/>
+    <dgm:txFillClrLst meth="repeat">
+      <a:schemeClr val="dk1"/>
+    </dgm:txFillClrLst>
+    <dgm:txEffectClrLst/>
+  </dgm:styleLbl>
+  <dgm:styleLbl name="solidAlignAcc1">
+    <dgm:fillClrLst meth="repeat">
+      <a:schemeClr val="lt1"/>
+    </dgm:fillClrLst>
+    <dgm:linClrLst meth="repeat">
+      <a:schemeClr val="accent1"/>
+    </dgm:linClrLst>
+    <dgm:effectClrLst/>
+    <dgm:txLinClrLst/>
+    <dgm:txFillClrLst meth="repeat">
+      <a:schemeClr val="dk1"/>
+    </dgm:txFillClrLst>
+    <dgm:txEffectClrLst/>
+  </dgm:styleLbl>
+  <dgm:styleLbl name="solidBgAcc1">
+    <dgm:fillClrLst meth="repeat">
+      <a:schemeClr val="lt1"/>
+    </dgm:fillClrLst>
+    <dgm:linClrLst meth="repeat">
+      <a:schemeClr val="accent1"/>
+    </dgm:linClrLst>
+    <dgm:effectClrLst/>
+    <dgm:txLinClrLst/>
+    <dgm:txFillClrLst meth="repeat">
+      <a:schemeClr val="dk1"/>
+    </dgm:txFillClrLst>
+    <dgm:txEffectClrLst/>
+  </dgm:styleLbl>
+  <dgm:styleLbl name="fgAccFollowNode1">
+    <dgm:fillClrLst meth="repeat">
+      <a:schemeClr val="accent1">
+        <a:alpha val="90000"/>
+        <a:tint val="40000"/>
+      </a:schemeClr>
+    </dgm:fillClrLst>
+    <dgm:linClrLst meth="repeat">
+      <a:schemeClr val="accent1">
+        <a:alpha val="90000"/>
+        <a:tint val="40000"/>
+      </a:schemeClr>
+    </dgm:linClrLst>
+    <dgm:effectClrLst/>
+    <dgm:txLinClrLst/>
+    <dgm:txFillClrLst meth="repeat">
+      <a:schemeClr val="dk1"/>
+    </dgm:txFillClrLst>
+    <dgm:txEffectClrLst/>
+  </dgm:styleLbl>
+  <dgm:styleLbl name="alignAccFollowNode1">
+    <dgm:fillClrLst meth="repeat">
+      <a:schemeClr val="accent1">
+        <a:alpha val="90000"/>
+        <a:tint val="40000"/>
+      </a:schemeClr>
+    </dgm:fillClrLst>
+    <dgm:linClrLst meth="repeat">
+      <a:schemeClr val="accent1">
+        <a:alpha val="90000"/>
+        <a:tint val="40000"/>
+      </a:schemeClr>
+    </dgm:linClrLst>
+    <dgm:effectClrLst/>
+    <dgm:txLinClrLst/>
+    <dgm:txFillClrLst meth="repeat">
+      <a:schemeClr val="dk1"/>
+    </dgm:txFillClrLst>
+    <dgm:txEffectClrLst/>
+  </dgm:styleLbl>
+  <dgm:styleLbl name="bgAccFollowNode1">
+    <dgm:fillClrLst meth="repeat">
+      <a:schemeClr val="accent1">
+        <a:alpha val="90000"/>
+        <a:tint val="40000"/>
+      </a:schemeClr>
+    </dgm:fillClrLst>
+    <dgm:linClrLst meth="repeat">
+      <a:schemeClr val="accent1">
+        <a:alpha val="90000"/>
+        <a:tint val="40000"/>
+      </a:schemeClr>
+    </dgm:linClrLst>
+    <dgm:effectClrLst/>
+    <dgm:txLinClrLst/>
+    <dgm:txFillClrLst meth="repeat">
+      <a:schemeClr val="dk1"/>
+    </dgm:txFillClrLst>
+    <dgm:txEffectClrLst/>
+  </dgm:styleLbl>
+  <dgm:styleLbl name="fgAcc0">
+    <dgm:fillClrLst meth="repeat">
+      <a:schemeClr val="lt1">
+        <a:alpha val="90000"/>
+      </a:schemeClr>
+    </dgm:fillClrLst>
+    <dgm:linClrLst meth="repeat">
+      <a:schemeClr val="accent1"/>
+    </dgm:linClrLst>
+    <dgm:effectClrLst/>
+    <dgm:txLinClrLst/>
+    <dgm:txFillClrLst meth="repeat">
+      <a:schemeClr val="dk1"/>
+    </dgm:txFillClrLst>
+    <dgm:txEffectClrLst/>
+  </dgm:styleLbl>
+  <dgm:styleLbl name="fgAcc2">
+    <dgm:fillClrLst meth="repeat">
+      <a:schemeClr val="lt1">
+        <a:alpha val="90000"/>
+      </a:schemeClr>
+    </dgm:fillClrLst>
+    <dgm:linClrLst meth="repeat">
+      <a:schemeClr val="accent1"/>
+    </dgm:linClrLst>
+    <dgm:effectClrLst/>
+    <dgm:txLinClrLst/>
+    <dgm:txFillClrLst meth="repeat">
+      <a:schemeClr val="dk1"/>
+    </dgm:txFillClrLst>
+    <dgm:txEffectClrLst/>
+  </dgm:styleLbl>
+  <dgm:styleLbl name="fgAcc3">
+    <dgm:fillClrLst meth="repeat">
+      <a:schemeClr val="lt1">
+        <a:alpha val="90000"/>
+      </a:schemeClr>
+    </dgm:fillClrLst>
+    <dgm:linClrLst meth="repeat">
+      <a:schemeClr val="accent1"/>
+    </dgm:linClrLst>
+    <dgm:effectClrLst/>
+    <dgm:txLinClrLst/>
+    <dgm:txFillClrLst meth="repeat">
+      <a:schemeClr val="dk1"/>
+    </dgm:txFillClrLst>
+    <dgm:txEffectClrLst/>
+  </dgm:styleLbl>
+  <dgm:styleLbl name="fgAcc4">
+    <dgm:fillClrLst meth="repeat">
+      <a:schemeClr val="lt1">
+        <a:alpha val="90000"/>
+      </a:schemeClr>
+    </dgm:fillClrLst>
+    <dgm:linClrLst meth="repeat">
+      <a:schemeClr val="accent1"/>
+    </dgm:linClrLst>
+    <dgm:effectClrLst/>
+    <dgm:txLinClrLst/>
+    <dgm:txFillClrLst meth="repeat">
+      <a:schemeClr val="dk1"/>
+    </dgm:txFillClrLst>
+    <dgm:txEffectClrLst/>
+  </dgm:styleLbl>
+  <dgm:styleLbl name="bgShp">
+    <dgm:fillClrLst meth="repeat">
+      <a:schemeClr val="accent1">
+        <a:tint val="40000"/>
+      </a:schemeClr>
+    </dgm:fillClrLst>
+    <dgm:linClrLst meth="repeat">
+      <a:schemeClr val="accent1"/>
+    </dgm:linClrLst>
+    <dgm:effectClrLst/>
+    <dgm:txLinClrLst/>
+    <dgm:txFillClrLst meth="repeat">
+      <a:schemeClr val="dk1"/>
+    </dgm:txFillClrLst>
+    <dgm:txEffectClrLst/>
+  </dgm:styleLbl>
+  <dgm:styleLbl name="dkBgShp">
+    <dgm:fillClrLst meth="repeat">
+      <a:schemeClr val="accent1">
+        <a:shade val="80000"/>
+      </a:schemeClr>
+    </dgm:fillClrLst>
+    <dgm:linClrLst meth="repeat">
+      <a:schemeClr val="accent1"/>
+    </dgm:linClrLst>
+    <dgm:effectClrLst/>
+    <dgm:txLinClrLst/>
+    <dgm:txFillClrLst meth="repeat">
+      <a:schemeClr val="lt1"/>
+    </dgm:txFillClrLst>
+    <dgm:txEffectClrLst/>
+  </dgm:styleLbl>
+  <dgm:styleLbl name="trBgShp">
+    <dgm:fillClrLst meth="repeat">
+      <a:schemeClr val="accent1">
+        <a:tint val="50000"/>
+        <a:alpha val="40000"/>
+      </a:schemeClr>
+    </dgm:fillClrLst>
+    <dgm:linClrLst meth="repeat">
+      <a:schemeClr val="accent1"/>
+    </dgm:linClrLst>
+    <dgm:effectClrLst/>
+    <dgm:txLinClrLst/>
+    <dgm:txFillClrLst meth="repeat">
+      <a:schemeClr val="lt1"/>
+    </dgm:txFillClrLst>
+    <dgm:txEffectClrLst/>
+  </dgm:styleLbl>
+  <dgm:styleLbl name="fgShp">
+    <dgm:fillClrLst meth="repeat">
+      <a:schemeClr val="accent1">
+        <a:tint val="60000"/>
+      </a:schemeClr>
+    </dgm:fillClrLst>
+    <dgm:linClrLst meth="repeat">
+      <a:schemeClr val="lt1"/>
+    </dgm:linClrLst>
+    <dgm:effectClrLst/>
+    <dgm:txLinClrLst/>
+    <dgm:txFillClrLst meth="repeat">
+      <a:schemeClr val="dk1"/>
+    </dgm:txFillClrLst>
+    <dgm:txEffectClrLst/>
+  </dgm:styleLbl>
+  <dgm:styleLbl name="revTx">
+    <dgm:fillClrLst meth="repeat">
+      <a:schemeClr val="lt1">
+        <a:alpha val="0"/>
+      </a:schemeClr>
+    </dgm:fillClrLst>
+    <dgm:linClrLst meth="repeat">
+      <a:schemeClr val="dk1">
+        <a:alpha val="0"/>
+      </a:schemeClr>
+    </dgm:linClrLst>
+    <dgm:effectClrLst/>
+    <dgm:txLinClrLst/>
+    <dgm:txFillClrLst meth="repeat">
+      <a:schemeClr val="tx1"/>
+    </dgm:txFillClrLst>
+    <dgm:txEffectClrLst/>
+  </dgm:styleLbl>
+</dgm:colorsDef>
+</file>
+
+<file path=ppt/diagrams/colors2.xml><?xml version="1.0" encoding="utf-8"?>
+<dgm:colorsDef xmlns:dgm="http://schemas.openxmlformats.org/drawingml/2006/diagram" xmlns:a="http://schemas.openxmlformats.org/drawingml/2006/main" uniqueId="urn:microsoft.com/office/officeart/2005/8/colors/accent1_2">
+  <dgm:title val=""/>
+  <dgm:desc val=""/>
+  <dgm:catLst>
+    <dgm:cat type="accent1" pri="11200"/>
+  </dgm:catLst>
+  <dgm:styleLbl name="node0">
+    <dgm:fillClrLst meth="repeat">
+      <a:schemeClr val="accent1"/>
+    </dgm:fillClrLst>
+    <dgm:linClrLst meth="repeat">
+      <a:schemeClr val="lt1"/>
+    </dgm:linClrLst>
+    <dgm:effectClrLst/>
+    <dgm:txLinClrLst/>
+    <dgm:txFillClrLst/>
+    <dgm:txEffectClrLst/>
+  </dgm:styleLbl>
+  <dgm:styleLbl name="alignNode1">
+    <dgm:fillClrLst meth="repeat">
+      <a:schemeClr val="accent1"/>
+    </dgm:fillClrLst>
+    <dgm:linClrLst meth="repeat">
+      <a:schemeClr val="accent1"/>
+    </dgm:linClrLst>
+    <dgm:effectClrLst/>
+    <dgm:txLinClrLst/>
+    <dgm:txFillClrLst/>
+    <dgm:txEffectClrLst/>
+  </dgm:styleLbl>
+  <dgm:styleLbl name="node1">
+    <dgm:fillClrLst meth="repeat">
+      <a:schemeClr val="accent1"/>
+    </dgm:fillClrLst>
+    <dgm:linClrLst meth="repeat">
+      <a:schemeClr val="lt1"/>
+    </dgm:linClrLst>
+    <dgm:effectClrLst/>
+    <dgm:txLinClrLst/>
+    <dgm:txFillClrLst/>
+    <dgm:txEffectClrLst/>
+  </dgm:styleLbl>
+  <dgm:styleLbl name="lnNode1">
+    <dgm:fillClrLst meth="repeat">
+      <a:schemeClr val="accent1"/>
+    </dgm:fillClrLst>
+    <dgm:linClrLst meth="repeat">
+      <a:schemeClr val="lt1"/>
+    </dgm:linClrLst>
+    <dgm:effectClrLst/>
+    <dgm:txLinClrLst/>
+    <dgm:txFillClrLst/>
+    <dgm:txEffectClrLst/>
+  </dgm:styleLbl>
+  <dgm:styleLbl name="vennNode1">
+    <dgm:fillClrLst meth="repeat">
+      <a:schemeClr val="accent1">
+        <a:alpha val="50000"/>
+      </a:schemeClr>
+    </dgm:fillClrLst>
+    <dgm:linClrLst meth="repeat">
+      <a:schemeClr val="lt1"/>
+    </dgm:linClrLst>
+    <dgm:effectClrLst/>
+    <dgm:txLinClrLst/>
+    <dgm:txFillClrLst/>
+    <dgm:txEffectClrLst/>
+  </dgm:styleLbl>
+  <dgm:styleLbl name="node2">
+    <dgm:fillClrLst meth="repeat">
+      <a:schemeClr val="accent1"/>
+    </dgm:fillClrLst>
+    <dgm:linClrLst meth="repeat">
+      <a:schemeClr val="lt1"/>
+    </dgm:linClrLst>
+    <dgm:effectClrLst/>
+    <dgm:txLinClrLst/>
+    <dgm:txFillClrLst/>
+    <dgm:txEffectClrLst/>
+  </dgm:styleLbl>
+  <dgm:styleLbl name="node3">
+    <dgm:fillClrLst meth="repeat">
+      <a:schemeClr val="accent1"/>
+    </dgm:fillClrLst>
+    <dgm:linClrLst meth="repeat">
+      <a:schemeClr val="lt1"/>
+    </dgm:linClrLst>
+    <dgm:effectClrLst/>
+    <dgm:txLinClrLst/>
+    <dgm:txFillClrLst/>
+    <dgm:txEffectClrLst/>
+  </dgm:styleLbl>
+  <dgm:styleLbl name="node4">
+    <dgm:fillClrLst meth="repeat">
+      <a:schemeClr val="accent1"/>
+    </dgm:fillClrLst>
+    <dgm:linClrLst meth="repeat">
+      <a:schemeClr val="lt1"/>
+    </dgm:linClrLst>
+    <dgm:effectClrLst/>
+    <dgm:txLinClrLst/>
+    <dgm:txFillClrLst/>
+    <dgm:txEffectClrLst/>
+  </dgm:styleLbl>
+  <dgm:styleLbl name="fgImgPlace1">
+    <dgm:fillClrLst meth="repeat">
+      <a:schemeClr val="accent1">
+        <a:tint val="50000"/>
+      </a:schemeClr>
+    </dgm:fillClrLst>
+    <dgm:linClrLst meth="repeat">
+      <a:schemeClr val="lt1"/>
+    </dgm:linClrLst>
+    <dgm:effectClrLst/>
+    <dgm:txLinClrLst/>
+    <dgm:txFillClrLst meth="repeat">
+      <a:schemeClr val="lt1"/>
+    </dgm:txFillClrLst>
+    <dgm:txEffectClrLst/>
+  </dgm:styleLbl>
+  <dgm:styleLbl name="alignImgPlace1">
+    <dgm:fillClrLst meth="repeat">
+      <a:schemeClr val="accent1">
+        <a:tint val="50000"/>
+      </a:schemeClr>
+    </dgm:fillClrLst>
+    <dgm:linClrLst meth="repeat">
+      <a:schemeClr val="lt1"/>
+    </dgm:linClrLst>
+    <dgm:effectClrLst/>
+    <dgm:txLinClrLst/>
+    <dgm:txFillClrLst meth="repeat">
+      <a:schemeClr val="lt1"/>
+    </dgm:txFillClrLst>
+    <dgm:txEffectClrLst/>
+  </dgm:styleLbl>
+  <dgm:styleLbl name="bgImgPlace1">
+    <dgm:fillClrLst meth="repeat">
+      <a:schemeClr val="accent1">
+        <a:tint val="50000"/>
+      </a:schemeClr>
+    </dgm:fillClrLst>
+    <dgm:linClrLst meth="repeat">
+      <a:schemeClr val="lt1"/>
+    </dgm:linClrLst>
+    <dgm:effectClrLst/>
+    <dgm:txLinClrLst/>
+    <dgm:txFillClrLst meth="repeat">
+      <a:schemeClr val="lt1"/>
+    </dgm:txFillClrLst>
+    <dgm:txEffectClrLst/>
+  </dgm:styleLbl>
+  <dgm:styleLbl name="sibTrans2D1">
+    <dgm:fillClrLst meth="repeat">
+      <a:schemeClr val="accent1">
+        <a:tint val="60000"/>
+      </a:schemeClr>
+    </dgm:fillClrLst>
+    <dgm:linClrLst meth="repeat">
+      <a:schemeClr val="accent1">
+        <a:tint val="60000"/>
+      </a:schemeClr>
+    </dgm:linClrLst>
+    <dgm:effectClrLst/>
+    <dgm:txLinClrLst/>
+    <dgm:txFillClrLst/>
+    <dgm:txEffectClrLst/>
+  </dgm:styleLbl>
+  <dgm:styleLbl name="fgSibTrans2D1">
+    <dgm:fillClrLst meth="repeat">
+      <a:schemeClr val="accent1">
+        <a:tint val="60000"/>
+      </a:schemeClr>
+    </dgm:fillClrLst>
+    <dgm:linClrLst meth="repeat">
+      <a:schemeClr val="accent1">
+        <a:tint val="60000"/>
+      </a:schemeClr>
+    </dgm:linClrLst>
+    <dgm:effectClrLst/>
+    <dgm:txLinClrLst/>
+    <dgm:txFillClrLst/>
+    <dgm:txEffectClrLst/>
+  </dgm:styleLbl>
+  <dgm:styleLbl name="bgSibTrans2D1">
+    <dgm:fillClrLst meth="repeat">
+      <a:schemeClr val="accent1">
+        <a:tint val="60000"/>
+      </a:schemeClr>
+    </dgm:fillClrLst>
+    <dgm:linClrLst meth="repeat">
+      <a:schemeClr val="accent1">
+        <a:tint val="60000"/>
+      </a:schemeClr>
+    </dgm:linClrLst>
+    <dgm:effectClrLst/>
+    <dgm:txLinClrLst/>
+    <dgm:txFillClrLst/>
+    <dgm:txEffectClrLst/>
+  </dgm:styleLbl>
+  <dgm:styleLbl name="sibTrans1D1">
+    <dgm:fillClrLst meth="repeat">
+      <a:schemeClr val="accent1"/>
+    </dgm:fillClrLst>
+    <dgm:linClrLst meth="repeat">
+      <a:schemeClr val="accent1"/>
+    </dgm:linClrLst>
+    <dgm:effectClrLst/>
+    <dgm:txLinClrLst/>
+    <dgm:txFillClrLst meth="repeat">
+      <a:schemeClr val="tx1"/>
+    </dgm:txFillClrLst>
+    <dgm:txEffectClrLst/>
+  </dgm:styleLbl>
+  <dgm:styleLbl name="callout">
+    <dgm:fillClrLst meth="repeat">
+      <a:schemeClr val="accent1"/>
+    </dgm:fillClrLst>
+    <dgm:linClrLst meth="repeat">
+      <a:schemeClr val="accent1">
+        <a:tint val="50000"/>
+      </a:schemeClr>
+    </dgm:linClrLst>
+    <dgm:effectClrLst/>
+    <dgm:txLinClrLst/>
+    <dgm:txFillClrLst meth="repeat">
+      <a:schemeClr val="tx1"/>
+    </dgm:txFillClrLst>
+    <dgm:txEffectClrLst/>
+  </dgm:styleLbl>
+  <dgm:styleLbl name="asst0">
+    <dgm:fillClrLst meth="repeat">
+      <a:schemeClr val="accent1"/>
+    </dgm:fillClrLst>
+    <dgm:linClrLst meth="repeat">
+      <a:schemeClr val="lt1"/>
+    </dgm:linClrLst>
+    <dgm:effectClrLst/>
+    <dgm:txLinClrLst/>
+    <dgm:txFillClrLst/>
+    <dgm:txEffectClrLst/>
+  </dgm:styleLbl>
+  <dgm:styleLbl name="asst1">
+    <dgm:fillClrLst meth="repeat">
+      <a:schemeClr val="accent1"/>
+    </dgm:fillClrLst>
+    <dgm:linClrLst meth="repeat">
+      <a:schemeClr val="lt1"/>
+    </dgm:linClrLst>
+    <dgm:effectClrLst/>
+    <dgm:txLinClrLst/>
+    <dgm:txFillClrLst/>
+    <dgm:txEffectClrLst/>
+  </dgm:styleLbl>
+  <dgm:styleLbl name="asst2">
+    <dgm:fillClrLst meth="repeat">
+      <a:schemeClr val="accent1"/>
+    </dgm:fillClrLst>
+    <dgm:linClrLst meth="repeat">
+      <a:schemeClr val="lt1"/>
+    </dgm:linClrLst>
+    <dgm:effectClrLst/>
+    <dgm:txLinClrLst/>
+    <dgm:txFillClrLst/>
+    <dgm:txEffectClrLst/>
+  </dgm:styleLbl>
+  <dgm:styleLbl name="asst3">
+    <dgm:fillClrLst meth="repeat">
+      <a:schemeClr val="accent1"/>
+    </dgm:fillClrLst>
+    <dgm:linClrLst meth="repeat">
+      <a:schemeClr val="lt1"/>
+    </dgm:linClrLst>
+    <dgm:effectClrLst/>
+    <dgm:txLinClrLst/>
+    <dgm:txFillClrLst/>
+    <dgm:txEffectClrLst/>
+  </dgm:styleLbl>
+  <dgm:styleLbl name="asst4">
+    <dgm:fillClrLst meth="repeat">
+      <a:schemeClr val="accent1"/>
+    </dgm:fillClrLst>
+    <dgm:linClrLst meth="repeat">
+      <a:schemeClr val="lt1"/>
+    </dgm:linClrLst>
+    <dgm:effectClrLst/>
+    <dgm:txLinClrLst/>
+    <dgm:txFillClrLst/>
+    <dgm:txEffectClrLst/>
+  </dgm:styleLbl>
+  <dgm:styleLbl name="parChTrans2D1">
+    <dgm:fillClrLst meth="repeat">
+      <a:schemeClr val="accent1">
+        <a:tint val="60000"/>
+      </a:schemeClr>
+    </dgm:fillClrLst>
+    <dgm:linClrLst meth="repeat">
+      <a:schemeClr val="accent1">
+        <a:tint val="60000"/>
+      </a:schemeClr>
+    </dgm:linClrLst>
+    <dgm:effectClrLst/>
+    <dgm:txLinClrLst/>
+    <dgm:txFillClrLst meth="repeat">
+      <a:schemeClr val="lt1"/>
+    </dgm:txFillClrLst>
+    <dgm:txEffectClrLst/>
+  </dgm:styleLbl>
+  <dgm:styleLbl name="parChTrans2D2">
+    <dgm:fillClrLst meth="repeat">
+      <a:schemeClr val="accent1"/>
+    </dgm:fillClrLst>
+    <dgm:linClrLst meth="repeat">
+      <a:schemeClr val="accent1"/>
+    </dgm:linClrLst>
+    <dgm:effectClrLst/>
+    <dgm:txLinClrLst/>
+    <dgm:txFillClrLst meth="repeat">
+      <a:schemeClr val="lt1"/>
+    </dgm:txFillClrLst>
+    <dgm:txEffectClrLst/>
+  </dgm:styleLbl>
+  <dgm:styleLbl name="parChTrans2D3">
+    <dgm:fillClrLst meth="repeat">
+      <a:schemeClr val="accent1"/>
+    </dgm:fillClrLst>
+    <dgm:linClrLst meth="repeat">
+      <a:schemeClr val="accent1"/>
+    </dgm:linClrLst>
+    <dgm:effectClrLst/>
+    <dgm:txLinClrLst/>
+    <dgm:txFillClrLst meth="repeat">
+      <a:schemeClr val="lt1"/>
+    </dgm:txFillClrLst>
+    <dgm:txEffectClrLst/>
+  </dgm:styleLbl>
+  <dgm:styleLbl name="parChTrans2D4">
+    <dgm:fillClrLst meth="repeat">
+      <a:schemeClr val="accent1"/>
+    </dgm:fillClrLst>
+    <dgm:linClrLst meth="repeat">
+      <a:schemeClr val="accent1"/>
+    </dgm:linClrLst>
+    <dgm:effectClrLst/>
+    <dgm:txLinClrLst/>
+    <dgm:txFillClrLst meth="repeat">
+      <a:schemeClr val="lt1"/>
+    </dgm:txFillClrLst>
+    <dgm:txEffectClrLst/>
+  </dgm:styleLbl>
+  <dgm:styleLbl name="parChTrans1D1">
+    <dgm:fillClrLst meth="repeat">
+      <a:schemeClr val="accent1"/>
+    </dgm:fillClrLst>
+    <dgm:linClrLst meth="repeat">
+      <a:schemeClr val="accent1">
+        <a:shade val="60000"/>
+      </a:schemeClr>
+    </dgm:linClrLst>
+    <dgm:effectClrLst/>
+    <dgm:txLinClrLst/>
+    <dgm:txFillClrLst meth="repeat">
+      <a:schemeClr val="tx1"/>
+    </dgm:txFillClrLst>
+    <dgm:txEffectClrLst/>
+  </dgm:styleLbl>
+  <dgm:styleLbl name="parChTrans1D2">
+    <dgm:fillClrLst meth="repeat">
+      <a:schemeClr val="accent1"/>
+    </dgm:fillClrLst>
+    <dgm:linClrLst meth="repeat">
+      <a:schemeClr val="accent1">
+        <a:shade val="60000"/>
+      </a:schemeClr>
+    </dgm:linClrLst>
+    <dgm:effectClrLst/>
+    <dgm:txLinClrLst/>
+    <dgm:txFillClrLst meth="repeat">
+      <a:schemeClr val="tx1"/>
+    </dgm:txFillClrLst>
+    <dgm:txEffectClrLst/>
+  </dgm:styleLbl>
+  <dgm:styleLbl name="parChTrans1D3">
+    <dgm:fillClrLst meth="repeat">
+      <a:schemeClr val="accent1"/>
+    </dgm:fillClrLst>
+    <dgm:linClrLst meth="repeat">
+      <a:schemeClr val="accent1">
+        <a:shade val="80000"/>
+      </a:schemeClr>
+    </dgm:linClrLst>
+    <dgm:effectClrLst/>
+    <dgm:txLinClrLst/>
+    <dgm:txFillClrLst meth="repeat">
+      <a:schemeClr val="tx1"/>
+    </dgm:txFillClrLst>
+    <dgm:txEffectClrLst/>
+  </dgm:styleLbl>
+  <dgm:styleLbl name="parChTrans1D4">
+    <dgm:fillClrLst meth="repeat">
+      <a:schemeClr val="accent1"/>
+    </dgm:fillClrLst>
+    <dgm:linClrLst meth="repeat">
+      <a:schemeClr val="accent1">
+        <a:shade val="80000"/>
+      </a:schemeClr>
+    </dgm:linClrLst>
+    <dgm:effectClrLst/>
+    <dgm:txLinClrLst/>
+    <dgm:txFillClrLst meth="repeat">
+      <a:schemeClr val="tx1"/>
+    </dgm:txFillClrLst>
+    <dgm:txEffectClrLst/>
+  </dgm:styleLbl>
+  <dgm:styleLbl name="fgAcc1">
+    <dgm:fillClrLst meth="repeat">
+      <a:schemeClr val="lt1">
+        <a:alpha val="90000"/>
+      </a:schemeClr>
+    </dgm:fillClrLst>
+    <dgm:linClrLst meth="repeat">
+      <a:schemeClr val="accent1"/>
+    </dgm:linClrLst>
+    <dgm:effectClrLst/>
+    <dgm:txLinClrLst/>
+    <dgm:txFillClrLst meth="repeat">
+      <a:schemeClr val="dk1"/>
+    </dgm:txFillClrLst>
+    <dgm:txEffectClrLst/>
+  </dgm:styleLbl>
+  <dgm:styleLbl name="conFgAcc1">
+    <dgm:fillClrLst meth="repeat">
+      <a:schemeClr val="lt1">
+        <a:alpha val="90000"/>
+      </a:schemeClr>
+    </dgm:fillClrLst>
+    <dgm:linClrLst meth="repeat">
+      <a:schemeClr val="accent1"/>
+    </dgm:linClrLst>
+    <dgm:effectClrLst/>
+    <dgm:txLinClrLst/>
+    <dgm:txFillClrLst meth="repeat">
+      <a:schemeClr val="dk1"/>
+    </dgm:txFillClrLst>
+    <dgm:txEffectClrLst/>
+  </dgm:styleLbl>
+  <dgm:styleLbl name="alignAcc1">
+    <dgm:fillClrLst meth="repeat">
+      <a:schemeClr val="lt1">
+        <a:alpha val="90000"/>
+      </a:schemeClr>
+    </dgm:fillClrLst>
+    <dgm:linClrLst meth="repeat">
+      <a:schemeClr val="accent1"/>
+    </dgm:linClrLst>
+    <dgm:effectClrLst/>
+    <dgm:txLinClrLst/>
+    <dgm:txFillClrLst meth="repeat">
+      <a:schemeClr val="dk1"/>
+    </dgm:txFillClrLst>
+    <dgm:txEffectClrLst/>
+  </dgm:styleLbl>
+  <dgm:styleLbl name="trAlignAcc1">
+    <dgm:fillClrLst meth="repeat">
+      <a:schemeClr val="lt1">
+        <a:alpha val="40000"/>
+      </a:schemeClr>
+    </dgm:fillClrLst>
+    <dgm:linClrLst meth="repeat">
+      <a:schemeClr val="accent1"/>
+    </dgm:linClrLst>
+    <dgm:effectClrLst/>
+    <dgm:txLinClrLst/>
+    <dgm:txFillClrLst meth="repeat">
+      <a:schemeClr val="dk1"/>
+    </dgm:txFillClrLst>
+    <dgm:txEffectClrLst/>
+  </dgm:styleLbl>
+  <dgm:styleLbl name="bgAcc1">
+    <dgm:fillClrLst meth="repeat">
+      <a:schemeClr val="lt1">
+        <a:alpha val="90000"/>
+      </a:schemeClr>
+    </dgm:fillClrLst>
+    <dgm:linClrLst meth="repeat">
+      <a:schemeClr val="accent1"/>
+    </dgm:linClrLst>
+    <dgm:effectClrLst/>
+    <dgm:txLinClrLst/>
+    <dgm:txFillClrLst meth="repeat">
+      <a:schemeClr val="dk1"/>
+    </dgm:txFillClrLst>
+    <dgm:txEffectClrLst/>
+  </dgm:styleLbl>
+  <dgm:styleLbl name="solidFgAcc1">
+    <dgm:fillClrLst meth="repeat">
+      <a:schemeClr val="lt1"/>
+    </dgm:fillClrLst>
+    <dgm:linClrLst meth="repeat">
+      <a:schemeClr val="accent1"/>
+    </dgm:linClrLst>
+    <dgm:effectClrLst/>
+    <dgm:txLinClrLst/>
+    <dgm:txFillClrLst meth="repeat">
+      <a:schemeClr val="dk1"/>
+    </dgm:txFillClrLst>
+    <dgm:txEffectClrLst/>
+  </dgm:styleLbl>
+  <dgm:styleLbl name="solidAlignAcc1">
+    <dgm:fillClrLst meth="repeat">
+      <a:schemeClr val="lt1"/>
+    </dgm:fillClrLst>
+    <dgm:linClrLst meth="repeat">
+      <a:schemeClr val="accent1"/>
+    </dgm:linClrLst>
+    <dgm:effectClrLst/>
+    <dgm:txLinClrLst/>
+    <dgm:txFillClrLst meth="repeat">
+      <a:schemeClr val="dk1"/>
+    </dgm:txFillClrLst>
+    <dgm:txEffectClrLst/>
+  </dgm:styleLbl>
+  <dgm:styleLbl name="solidBgAcc1">
+    <dgm:fillClrLst meth="repeat">
+      <a:schemeClr val="lt1"/>
+    </dgm:fillClrLst>
+    <dgm:linClrLst meth="repeat">
+      <a:schemeClr val="accent1"/>
+    </dgm:linClrLst>
+    <dgm:effectClrLst/>
+    <dgm:txLinClrLst/>
+    <dgm:txFillClrLst meth="repeat">
+      <a:schemeClr val="dk1"/>
+    </dgm:txFillClrLst>
+    <dgm:txEffectClrLst/>
+  </dgm:styleLbl>
+  <dgm:styleLbl name="fgAccFollowNode1">
+    <dgm:fillClrLst meth="repeat">
+      <a:schemeClr val="accent1">
+        <a:alpha val="90000"/>
+        <a:tint val="40000"/>
+      </a:schemeClr>
+    </dgm:fillClrLst>
+    <dgm:linClrLst meth="repeat">
+      <a:schemeClr val="accent1">
+        <a:alpha val="90000"/>
+        <a:tint val="40000"/>
+      </a:schemeClr>
+    </dgm:linClrLst>
+    <dgm:effectClrLst/>
+    <dgm:txLinClrLst/>
+    <dgm:txFillClrLst meth="repeat">
+      <a:schemeClr val="dk1"/>
+    </dgm:txFillClrLst>
+    <dgm:txEffectClrLst/>
+  </dgm:styleLbl>
+  <dgm:styleLbl name="alignAccFollowNode1">
+    <dgm:fillClrLst meth="repeat">
+      <a:schemeClr val="accent1">
+        <a:alpha val="90000"/>
+        <a:tint val="40000"/>
+      </a:schemeClr>
+    </dgm:fillClrLst>
+    <dgm:linClrLst meth="repeat">
+      <a:schemeClr val="accent1">
+        <a:alpha val="90000"/>
+        <a:tint val="40000"/>
+      </a:schemeClr>
+    </dgm:linClrLst>
+    <dgm:effectClrLst/>
+    <dgm:txLinClrLst/>
+    <dgm:txFillClrLst meth="repeat">
+      <a:schemeClr val="dk1"/>
+    </dgm:txFillClrLst>
+    <dgm:txEffectClrLst/>
+  </dgm:styleLbl>
+  <dgm:styleLbl name="bgAccFollowNode1">
+    <dgm:fillClrLst meth="repeat">
+      <a:schemeClr val="accent1">
+        <a:alpha val="90000"/>
+        <a:tint val="40000"/>
+      </a:schemeClr>
+    </dgm:fillClrLst>
+    <dgm:linClrLst meth="repeat">
+      <a:schemeClr val="accent1">
+        <a:alpha val="90000"/>
+        <a:tint val="40000"/>
+      </a:schemeClr>
+    </dgm:linClrLst>
+    <dgm:effectClrLst/>
+    <dgm:txLinClrLst/>
+    <dgm:txFillClrLst meth="repeat">
+      <a:schemeClr val="dk1"/>
+    </dgm:txFillClrLst>
+    <dgm:txEffectClrLst/>
+  </dgm:styleLbl>
+  <dgm:styleLbl name="fgAcc0">
+    <dgm:fillClrLst meth="repeat">
+      <a:schemeClr val="lt1">
+        <a:alpha val="90000"/>
+      </a:schemeClr>
+    </dgm:fillClrLst>
+    <dgm:linClrLst meth="repeat">
+      <a:schemeClr val="accent1"/>
+    </dgm:linClrLst>
+    <dgm:effectClrLst/>
+    <dgm:txLinClrLst/>
+    <dgm:txFillClrLst meth="repeat">
+      <a:schemeClr val="dk1"/>
+    </dgm:txFillClrLst>
+    <dgm:txEffectClrLst/>
+  </dgm:styleLbl>
+  <dgm:styleLbl name="fgAcc2">
+    <dgm:fillClrLst meth="repeat">
+      <a:schemeClr val="lt1">
+        <a:alpha val="90000"/>
+      </a:schemeClr>
+    </dgm:fillClrLst>
+    <dgm:linClrLst meth="repeat">
+      <a:schemeClr val="accent1"/>
+    </dgm:linClrLst>
+    <dgm:effectClrLst/>
+    <dgm:txLinClrLst/>
+    <dgm:txFillClrLst meth="repeat">
+      <a:schemeClr val="dk1"/>
+    </dgm:txFillClrLst>
+    <dgm:txEffectClrLst/>
+  </dgm:styleLbl>
+  <dgm:styleLbl name="fgAcc3">
+    <dgm:fillClrLst meth="repeat">
+      <a:schemeClr val="lt1">
+        <a:alpha val="90000"/>
+      </a:schemeClr>
+    </dgm:fillClrLst>
+    <dgm:linClrLst meth="repeat">
+      <a:schemeClr val="accent1"/>
+    </dgm:linClrLst>
+    <dgm:effectClrLst/>
+    <dgm:txLinClrLst/>
+    <dgm:txFillClrLst meth="repeat">
+      <a:schemeClr val="dk1"/>
+    </dgm:txFillClrLst>
+    <dgm:txEffectClrLst/>
+  </dgm:styleLbl>
+  <dgm:styleLbl name="fgAcc4">
+    <dgm:fillClrLst meth="repeat">
+      <a:schemeClr val="lt1">
+        <a:alpha val="90000"/>
+      </a:schemeClr>
+    </dgm:fillClrLst>
+    <dgm:linClrLst meth="repeat">
+      <a:schemeClr val="accent1"/>
+    </dgm:linClrLst>
+    <dgm:effectClrLst/>
+    <dgm:txLinClrLst/>
+    <dgm:txFillClrLst meth="repeat">
+      <a:schemeClr val="dk1"/>
+    </dgm:txFillClrLst>
+    <dgm:txEffectClrLst/>
+  </dgm:styleLbl>
+  <dgm:styleLbl name="bgShp">
+    <dgm:fillClrLst meth="repeat">
+      <a:schemeClr val="accent1">
+        <a:tint val="40000"/>
+      </a:schemeClr>
+    </dgm:fillClrLst>
+    <dgm:linClrLst meth="repeat">
+      <a:schemeClr val="accent1"/>
+    </dgm:linClrLst>
+    <dgm:effectClrLst/>
+    <dgm:txLinClrLst/>
+    <dgm:txFillClrLst meth="repeat">
+      <a:schemeClr val="dk1"/>
+    </dgm:txFillClrLst>
+    <dgm:txEffectClrLst/>
+  </dgm:styleLbl>
+  <dgm:styleLbl name="dkBgShp">
+    <dgm:fillClrLst meth="repeat">
+      <a:schemeClr val="accent1">
+        <a:shade val="80000"/>
+      </a:schemeClr>
+    </dgm:fillClrLst>
+    <dgm:linClrLst meth="repeat">
+      <a:schemeClr val="accent1"/>
+    </dgm:linClrLst>
+    <dgm:effectClrLst/>
+    <dgm:txLinClrLst/>
+    <dgm:txFillClrLst meth="repeat">
+      <a:schemeClr val="lt1"/>
+    </dgm:txFillClrLst>
+    <dgm:txEffectClrLst/>
+  </dgm:styleLbl>
+  <dgm:styleLbl name="trBgShp">
+    <dgm:fillClrLst meth="repeat">
+      <a:schemeClr val="accent1">
+        <a:tint val="50000"/>
+        <a:alpha val="40000"/>
+      </a:schemeClr>
+    </dgm:fillClrLst>
+    <dgm:linClrLst meth="repeat">
+      <a:schemeClr val="accent1"/>
+    </dgm:linClrLst>
+    <dgm:effectClrLst/>
+    <dgm:txLinClrLst/>
+    <dgm:txFillClrLst meth="repeat">
+      <a:schemeClr val="lt1"/>
+    </dgm:txFillClrLst>
+    <dgm:txEffectClrLst/>
+  </dgm:styleLbl>
+  <dgm:styleLbl name="fgShp">
+    <dgm:fillClrLst meth="repeat">
+      <a:schemeClr val="accent1">
+        <a:tint val="60000"/>
+      </a:schemeClr>
+    </dgm:fillClrLst>
+    <dgm:linClrLst meth="repeat">
+      <a:schemeClr val="lt1"/>
+    </dgm:linClrLst>
+    <dgm:effectClrLst/>
+    <dgm:txLinClrLst/>
+    <dgm:txFillClrLst meth="repeat">
+      <a:schemeClr val="dk1"/>
+    </dgm:txFillClrLst>
+    <dgm:txEffectClrLst/>
+  </dgm:styleLbl>
+  <dgm:styleLbl name="revTx">
+    <dgm:fillClrLst meth="repeat">
+      <a:schemeClr val="lt1">
+        <a:alpha val="0"/>
+      </a:schemeClr>
+    </dgm:fillClrLst>
+    <dgm:linClrLst meth="repeat">
+      <a:schemeClr val="dk1">
+        <a:alpha val="0"/>
+      </a:schemeClr>
+    </dgm:linClrLst>
+    <dgm:effectClrLst/>
+    <dgm:txLinClrLst/>
+    <dgm:txFillClrLst meth="repeat">
+      <a:schemeClr val="tx1"/>
+    </dgm:txFillClrLst>
+    <dgm:txEffectClrLst/>
+  </dgm:styleLbl>
+</dgm:colorsDef>
+</file>
+
+<file path=ppt/diagrams/data1.xml><?xml version="1.0" encoding="utf-8"?>
+<dgm:dataModel xmlns:dgm="http://schemas.openxmlformats.org/drawingml/2006/diagram" xmlns:a="http://schemas.openxmlformats.org/drawingml/2006/main">
+  <dgm:ptLst>
+    <dgm:pt modelId="{CEBABEB0-2C13-4F12-8C4E-275F151E67F1}" type="doc">
+      <dgm:prSet loTypeId="urn:microsoft.com/office/officeart/2005/8/layout/process1" loCatId="process" qsTypeId="urn:microsoft.com/office/officeart/2005/8/quickstyle/simple1" qsCatId="simple" csTypeId="urn:microsoft.com/office/officeart/2005/8/colors/accent1_2" csCatId="accent1" phldr="1"/>
+      <dgm:spPr/>
+    </dgm:pt>
+    <dgm:pt modelId="{E7668963-B566-4C46-991A-01683BCA0BB6}">
+      <dgm:prSet phldrT="[Text]"/>
+      <dgm:spPr/>
+      <dgm:t>
+        <a:bodyPr/>
+        <a:lstStyle/>
+        <a:p>
+          <a:r>
+            <a:rPr lang="en-AU" dirty="0" smtClean="0"/>
+            <a:t>.</a:t>
+          </a:r>
+          <a:r>
+            <a:rPr lang="en-AU" dirty="0" err="1" smtClean="0"/>
+            <a:t>cs</a:t>
+          </a:r>
+          <a:endParaRPr lang="en-AU" dirty="0"/>
+        </a:p>
+      </dgm:t>
+    </dgm:pt>
+    <dgm:pt modelId="{02B62BEB-B129-448B-97F2-98D4A5709DC4}" type="parTrans" cxnId="{9334E532-0185-484F-9900-88E0DEFA63BA}">
+      <dgm:prSet/>
+      <dgm:spPr/>
+      <dgm:t>
+        <a:bodyPr/>
+        <a:lstStyle/>
+        <a:p>
+          <a:endParaRPr lang="en-AU"/>
+        </a:p>
+      </dgm:t>
+    </dgm:pt>
+    <dgm:pt modelId="{ED233C9C-3E74-47EA-99A4-89D365E539AB}" type="sibTrans" cxnId="{9334E532-0185-484F-9900-88E0DEFA63BA}">
+      <dgm:prSet/>
+      <dgm:spPr/>
+      <dgm:t>
+        <a:bodyPr/>
+        <a:lstStyle/>
+        <a:p>
+          <a:endParaRPr lang="en-AU"/>
+        </a:p>
+      </dgm:t>
+    </dgm:pt>
+    <dgm:pt modelId="{4985378B-A9A7-4415-8AFC-DFACD62FC794}">
+      <dgm:prSet phldrT="[Text]"/>
+      <dgm:spPr/>
+      <dgm:t>
+        <a:bodyPr/>
+        <a:lstStyle/>
+        <a:p>
+          <a:r>
+            <a:rPr lang="en-AU" dirty="0" smtClean="0"/>
+            <a:t>Mono Compiler</a:t>
+          </a:r>
+          <a:endParaRPr lang="en-AU" dirty="0"/>
+        </a:p>
+      </dgm:t>
+    </dgm:pt>
+    <dgm:pt modelId="{B7566629-FFB5-4E2B-BD7D-A528301B247C}" type="parTrans" cxnId="{F6C3577D-453C-4113-A306-AAF6BEE35448}">
+      <dgm:prSet/>
+      <dgm:spPr/>
+      <dgm:t>
+        <a:bodyPr/>
+        <a:lstStyle/>
+        <a:p>
+          <a:endParaRPr lang="en-AU"/>
+        </a:p>
+      </dgm:t>
+    </dgm:pt>
+    <dgm:pt modelId="{15F75AC5-8860-4725-BC00-48AEA1E8F9E7}" type="sibTrans" cxnId="{F6C3577D-453C-4113-A306-AAF6BEE35448}">
+      <dgm:prSet/>
+      <dgm:spPr/>
+      <dgm:t>
+        <a:bodyPr/>
+        <a:lstStyle/>
+        <a:p>
+          <a:endParaRPr lang="en-AU"/>
+        </a:p>
+      </dgm:t>
+    </dgm:pt>
+    <dgm:pt modelId="{5E261CC5-9E6B-44FA-91EB-ED98C8C02A6D}">
+      <dgm:prSet phldrT="[Text]"/>
+      <dgm:spPr/>
+      <dgm:t>
+        <a:bodyPr/>
+        <a:lstStyle/>
+        <a:p>
+          <a:r>
+            <a:rPr lang="en-AU" dirty="0" smtClean="0"/>
+            <a:t>Reference Rewriter</a:t>
+          </a:r>
+          <a:endParaRPr lang="en-AU" dirty="0"/>
+        </a:p>
+      </dgm:t>
+    </dgm:pt>
+    <dgm:pt modelId="{F3A52668-4F8B-424D-A424-D5B1EDF35F8C}" type="parTrans" cxnId="{BF4B7359-BF7C-4BCA-B621-664A3571D3EB}">
+      <dgm:prSet/>
+      <dgm:spPr/>
+      <dgm:t>
+        <a:bodyPr/>
+        <a:lstStyle/>
+        <a:p>
+          <a:endParaRPr lang="en-AU"/>
+        </a:p>
+      </dgm:t>
+    </dgm:pt>
+    <dgm:pt modelId="{1665D38F-7760-4AE2-9652-56FFCAF7BC43}" type="sibTrans" cxnId="{BF4B7359-BF7C-4BCA-B621-664A3571D3EB}">
+      <dgm:prSet/>
+      <dgm:spPr/>
+      <dgm:t>
+        <a:bodyPr/>
+        <a:lstStyle/>
+        <a:p>
+          <a:endParaRPr lang="en-AU"/>
+        </a:p>
+      </dgm:t>
+    </dgm:pt>
+    <dgm:pt modelId="{9E77AAC2-366B-4E52-B804-0E2D62D92A2E}">
+      <dgm:prSet phldrT="[Text]"/>
+      <dgm:spPr/>
+      <dgm:t>
+        <a:bodyPr/>
+        <a:lstStyle/>
+        <a:p>
+          <a:r>
+            <a:rPr lang="en-AU" dirty="0" smtClean="0"/>
+            <a:t>Final DLL</a:t>
+          </a:r>
+          <a:endParaRPr lang="en-AU" dirty="0"/>
+        </a:p>
+      </dgm:t>
+    </dgm:pt>
+    <dgm:pt modelId="{C9B3741C-5651-4609-9EAB-543E54DC9619}" type="parTrans" cxnId="{32562BE8-2D9B-4529-8D18-DD76EBDE1FD8}">
+      <dgm:prSet/>
+      <dgm:spPr/>
+      <dgm:t>
+        <a:bodyPr/>
+        <a:lstStyle/>
+        <a:p>
+          <a:endParaRPr lang="en-AU"/>
+        </a:p>
+      </dgm:t>
+    </dgm:pt>
+    <dgm:pt modelId="{949CD23A-5F93-471E-9F74-16E8DE461A32}" type="sibTrans" cxnId="{32562BE8-2D9B-4529-8D18-DD76EBDE1FD8}">
+      <dgm:prSet/>
+      <dgm:spPr/>
+      <dgm:t>
+        <a:bodyPr/>
+        <a:lstStyle/>
+        <a:p>
+          <a:endParaRPr lang="en-AU"/>
+        </a:p>
+      </dgm:t>
+    </dgm:pt>
+    <dgm:pt modelId="{8445073F-C196-46E4-9EBE-08A23634364F}" type="pres">
+      <dgm:prSet presAssocID="{CEBABEB0-2C13-4F12-8C4E-275F151E67F1}" presName="Name0" presStyleCnt="0">
+        <dgm:presLayoutVars>
+          <dgm:dir/>
+          <dgm:resizeHandles val="exact"/>
+        </dgm:presLayoutVars>
+      </dgm:prSet>
+      <dgm:spPr/>
+    </dgm:pt>
+    <dgm:pt modelId="{70849ED2-E017-4CBB-ACA5-C89EA5D8FE40}" type="pres">
+      <dgm:prSet presAssocID="{E7668963-B566-4C46-991A-01683BCA0BB6}" presName="node" presStyleLbl="node1" presStyleIdx="0" presStyleCnt="4">
+        <dgm:presLayoutVars>
+          <dgm:bulletEnabled val="1"/>
+        </dgm:presLayoutVars>
+      </dgm:prSet>
+      <dgm:spPr/>
+    </dgm:pt>
+    <dgm:pt modelId="{2F5EF8DC-ABB7-48D8-A84D-6499236032E5}" type="pres">
+      <dgm:prSet presAssocID="{ED233C9C-3E74-47EA-99A4-89D365E539AB}" presName="sibTrans" presStyleLbl="sibTrans2D1" presStyleIdx="0" presStyleCnt="3"/>
+      <dgm:spPr/>
+    </dgm:pt>
+    <dgm:pt modelId="{EB8DC4EE-977E-4B26-8C4F-8AB07BCF5527}" type="pres">
+      <dgm:prSet presAssocID="{ED233C9C-3E74-47EA-99A4-89D365E539AB}" presName="connectorText" presStyleLbl="sibTrans2D1" presStyleIdx="0" presStyleCnt="3"/>
+      <dgm:spPr/>
+    </dgm:pt>
+    <dgm:pt modelId="{BE3588F2-8CEE-4B3A-810A-D422B82300B5}" type="pres">
+      <dgm:prSet presAssocID="{4985378B-A9A7-4415-8AFC-DFACD62FC794}" presName="node" presStyleLbl="node1" presStyleIdx="1" presStyleCnt="4">
+        <dgm:presLayoutVars>
+          <dgm:bulletEnabled val="1"/>
+        </dgm:presLayoutVars>
+      </dgm:prSet>
+      <dgm:spPr/>
+      <dgm:t>
+        <a:bodyPr/>
+        <a:lstStyle/>
+        <a:p>
+          <a:endParaRPr lang="en-AU"/>
+        </a:p>
+      </dgm:t>
+    </dgm:pt>
+    <dgm:pt modelId="{C763DED8-01B5-49A5-B195-AB8A6AB9B624}" type="pres">
+      <dgm:prSet presAssocID="{15F75AC5-8860-4725-BC00-48AEA1E8F9E7}" presName="sibTrans" presStyleLbl="sibTrans2D1" presStyleIdx="1" presStyleCnt="3"/>
+      <dgm:spPr/>
+    </dgm:pt>
+    <dgm:pt modelId="{F1A6C336-CFEA-49CC-8F32-109572D583DD}" type="pres">
+      <dgm:prSet presAssocID="{15F75AC5-8860-4725-BC00-48AEA1E8F9E7}" presName="connectorText" presStyleLbl="sibTrans2D1" presStyleIdx="1" presStyleCnt="3"/>
+      <dgm:spPr/>
+    </dgm:pt>
+    <dgm:pt modelId="{5564E169-E74C-44FA-A656-9C1AC9A7D3EB}" type="pres">
+      <dgm:prSet presAssocID="{5E261CC5-9E6B-44FA-91EB-ED98C8C02A6D}" presName="node" presStyleLbl="node1" presStyleIdx="2" presStyleCnt="4">
+        <dgm:presLayoutVars>
+          <dgm:bulletEnabled val="1"/>
+        </dgm:presLayoutVars>
+      </dgm:prSet>
+      <dgm:spPr/>
+    </dgm:pt>
+    <dgm:pt modelId="{708FECE1-AC0A-4926-B0C6-0D0E22EB422F}" type="pres">
+      <dgm:prSet presAssocID="{1665D38F-7760-4AE2-9652-56FFCAF7BC43}" presName="sibTrans" presStyleLbl="sibTrans2D1" presStyleIdx="2" presStyleCnt="3"/>
+      <dgm:spPr/>
+    </dgm:pt>
+    <dgm:pt modelId="{69BCE002-1571-4652-B0BF-B4B4E22E665B}" type="pres">
+      <dgm:prSet presAssocID="{1665D38F-7760-4AE2-9652-56FFCAF7BC43}" presName="connectorText" presStyleLbl="sibTrans2D1" presStyleIdx="2" presStyleCnt="3"/>
+      <dgm:spPr/>
+    </dgm:pt>
+    <dgm:pt modelId="{F2590070-CEA6-4AD9-90C8-2E9BE24A1C46}" type="pres">
+      <dgm:prSet presAssocID="{9E77AAC2-366B-4E52-B804-0E2D62D92A2E}" presName="node" presStyleLbl="node1" presStyleIdx="3" presStyleCnt="4">
+        <dgm:presLayoutVars>
+          <dgm:bulletEnabled val="1"/>
+        </dgm:presLayoutVars>
+      </dgm:prSet>
+      <dgm:spPr/>
+    </dgm:pt>
+  </dgm:ptLst>
+  <dgm:cxnLst>
+    <dgm:cxn modelId="{9334E532-0185-484F-9900-88E0DEFA63BA}" srcId="{CEBABEB0-2C13-4F12-8C4E-275F151E67F1}" destId="{E7668963-B566-4C46-991A-01683BCA0BB6}" srcOrd="0" destOrd="0" parTransId="{02B62BEB-B129-448B-97F2-98D4A5709DC4}" sibTransId="{ED233C9C-3E74-47EA-99A4-89D365E539AB}"/>
+    <dgm:cxn modelId="{5E6DDCF2-35D7-4959-88C3-5CB4C179574D}" type="presOf" srcId="{E7668963-B566-4C46-991A-01683BCA0BB6}" destId="{70849ED2-E017-4CBB-ACA5-C89EA5D8FE40}" srcOrd="0" destOrd="0" presId="urn:microsoft.com/office/officeart/2005/8/layout/process1"/>
+    <dgm:cxn modelId="{FDAE96D3-D5F4-48FE-ABF7-7B4B078D5C80}" type="presOf" srcId="{5E261CC5-9E6B-44FA-91EB-ED98C8C02A6D}" destId="{5564E169-E74C-44FA-A656-9C1AC9A7D3EB}" srcOrd="0" destOrd="0" presId="urn:microsoft.com/office/officeart/2005/8/layout/process1"/>
+    <dgm:cxn modelId="{7DDB20EB-DE7C-4730-8DE4-43E316E52857}" type="presOf" srcId="{15F75AC5-8860-4725-BC00-48AEA1E8F9E7}" destId="{C763DED8-01B5-49A5-B195-AB8A6AB9B624}" srcOrd="0" destOrd="0" presId="urn:microsoft.com/office/officeart/2005/8/layout/process1"/>
+    <dgm:cxn modelId="{32562BE8-2D9B-4529-8D18-DD76EBDE1FD8}" srcId="{CEBABEB0-2C13-4F12-8C4E-275F151E67F1}" destId="{9E77AAC2-366B-4E52-B804-0E2D62D92A2E}" srcOrd="3" destOrd="0" parTransId="{C9B3741C-5651-4609-9EAB-543E54DC9619}" sibTransId="{949CD23A-5F93-471E-9F74-16E8DE461A32}"/>
+    <dgm:cxn modelId="{BF4B7359-BF7C-4BCA-B621-664A3571D3EB}" srcId="{CEBABEB0-2C13-4F12-8C4E-275F151E67F1}" destId="{5E261CC5-9E6B-44FA-91EB-ED98C8C02A6D}" srcOrd="2" destOrd="0" parTransId="{F3A52668-4F8B-424D-A424-D5B1EDF35F8C}" sibTransId="{1665D38F-7760-4AE2-9652-56FFCAF7BC43}"/>
+    <dgm:cxn modelId="{AA17CB06-F97B-49E1-A0BB-070575EE1272}" type="presOf" srcId="{1665D38F-7760-4AE2-9652-56FFCAF7BC43}" destId="{69BCE002-1571-4652-B0BF-B4B4E22E665B}" srcOrd="1" destOrd="0" presId="urn:microsoft.com/office/officeart/2005/8/layout/process1"/>
+    <dgm:cxn modelId="{18EE3429-8252-4C32-A7F0-37A8F359A5A6}" type="presOf" srcId="{9E77AAC2-366B-4E52-B804-0E2D62D92A2E}" destId="{F2590070-CEA6-4AD9-90C8-2E9BE24A1C46}" srcOrd="0" destOrd="0" presId="urn:microsoft.com/office/officeart/2005/8/layout/process1"/>
+    <dgm:cxn modelId="{F6C3577D-453C-4113-A306-AAF6BEE35448}" srcId="{CEBABEB0-2C13-4F12-8C4E-275F151E67F1}" destId="{4985378B-A9A7-4415-8AFC-DFACD62FC794}" srcOrd="1" destOrd="0" parTransId="{B7566629-FFB5-4E2B-BD7D-A528301B247C}" sibTransId="{15F75AC5-8860-4725-BC00-48AEA1E8F9E7}"/>
+    <dgm:cxn modelId="{E98E1136-31CA-4C10-8D46-991708886F57}" type="presOf" srcId="{ED233C9C-3E74-47EA-99A4-89D365E539AB}" destId="{EB8DC4EE-977E-4B26-8C4F-8AB07BCF5527}" srcOrd="1" destOrd="0" presId="urn:microsoft.com/office/officeart/2005/8/layout/process1"/>
+    <dgm:cxn modelId="{F758ECBC-61EE-4A66-9A88-C8D8443FB96F}" type="presOf" srcId="{15F75AC5-8860-4725-BC00-48AEA1E8F9E7}" destId="{F1A6C336-CFEA-49CC-8F32-109572D583DD}" srcOrd="1" destOrd="0" presId="urn:microsoft.com/office/officeart/2005/8/layout/process1"/>
+    <dgm:cxn modelId="{B1E2C957-E447-42A3-86B8-386ACEB44DE1}" type="presOf" srcId="{CEBABEB0-2C13-4F12-8C4E-275F151E67F1}" destId="{8445073F-C196-46E4-9EBE-08A23634364F}" srcOrd="0" destOrd="0" presId="urn:microsoft.com/office/officeart/2005/8/layout/process1"/>
+    <dgm:cxn modelId="{F3283421-7870-4407-B776-797EDB8C411F}" type="presOf" srcId="{4985378B-A9A7-4415-8AFC-DFACD62FC794}" destId="{BE3588F2-8CEE-4B3A-810A-D422B82300B5}" srcOrd="0" destOrd="0" presId="urn:microsoft.com/office/officeart/2005/8/layout/process1"/>
+    <dgm:cxn modelId="{ADB85FE7-9C10-4D13-957A-ACD019E02899}" type="presOf" srcId="{ED233C9C-3E74-47EA-99A4-89D365E539AB}" destId="{2F5EF8DC-ABB7-48D8-A84D-6499236032E5}" srcOrd="0" destOrd="0" presId="urn:microsoft.com/office/officeart/2005/8/layout/process1"/>
+    <dgm:cxn modelId="{DAFDAE2E-5D5E-4874-8058-572A9E88F10C}" type="presOf" srcId="{1665D38F-7760-4AE2-9652-56FFCAF7BC43}" destId="{708FECE1-AC0A-4926-B0C6-0D0E22EB422F}" srcOrd="0" destOrd="0" presId="urn:microsoft.com/office/officeart/2005/8/layout/process1"/>
+    <dgm:cxn modelId="{EFFDC646-3340-4AF0-A87C-3ADF0A60B98D}" type="presParOf" srcId="{8445073F-C196-46E4-9EBE-08A23634364F}" destId="{70849ED2-E017-4CBB-ACA5-C89EA5D8FE40}" srcOrd="0" destOrd="0" presId="urn:microsoft.com/office/officeart/2005/8/layout/process1"/>
+    <dgm:cxn modelId="{8A5ECCAF-4FAA-4010-9DEA-2A2362460CD2}" type="presParOf" srcId="{8445073F-C196-46E4-9EBE-08A23634364F}" destId="{2F5EF8DC-ABB7-48D8-A84D-6499236032E5}" srcOrd="1" destOrd="0" presId="urn:microsoft.com/office/officeart/2005/8/layout/process1"/>
+    <dgm:cxn modelId="{DE387A83-1DA3-4BFA-9A99-31665D878154}" type="presParOf" srcId="{2F5EF8DC-ABB7-48D8-A84D-6499236032E5}" destId="{EB8DC4EE-977E-4B26-8C4F-8AB07BCF5527}" srcOrd="0" destOrd="0" presId="urn:microsoft.com/office/officeart/2005/8/layout/process1"/>
+    <dgm:cxn modelId="{68D5DA15-B566-47E1-9D3E-2393BB5E484F}" type="presParOf" srcId="{8445073F-C196-46E4-9EBE-08A23634364F}" destId="{BE3588F2-8CEE-4B3A-810A-D422B82300B5}" srcOrd="2" destOrd="0" presId="urn:microsoft.com/office/officeart/2005/8/layout/process1"/>
+    <dgm:cxn modelId="{4287622D-4AA3-4788-A0A7-AFDBDD9F5FCA}" type="presParOf" srcId="{8445073F-C196-46E4-9EBE-08A23634364F}" destId="{C763DED8-01B5-49A5-B195-AB8A6AB9B624}" srcOrd="3" destOrd="0" presId="urn:microsoft.com/office/officeart/2005/8/layout/process1"/>
+    <dgm:cxn modelId="{5DEB7B2B-3FEE-4996-A188-985CC4AD42D6}" type="presParOf" srcId="{C763DED8-01B5-49A5-B195-AB8A6AB9B624}" destId="{F1A6C336-CFEA-49CC-8F32-109572D583DD}" srcOrd="0" destOrd="0" presId="urn:microsoft.com/office/officeart/2005/8/layout/process1"/>
+    <dgm:cxn modelId="{5096E0E6-E061-4183-8A7E-C65D69CCE769}" type="presParOf" srcId="{8445073F-C196-46E4-9EBE-08A23634364F}" destId="{5564E169-E74C-44FA-A656-9C1AC9A7D3EB}" srcOrd="4" destOrd="0" presId="urn:microsoft.com/office/officeart/2005/8/layout/process1"/>
+    <dgm:cxn modelId="{666A641C-A91C-47BE-950D-3BF7C572990E}" type="presParOf" srcId="{8445073F-C196-46E4-9EBE-08A23634364F}" destId="{708FECE1-AC0A-4926-B0C6-0D0E22EB422F}" srcOrd="5" destOrd="0" presId="urn:microsoft.com/office/officeart/2005/8/layout/process1"/>
+    <dgm:cxn modelId="{B90BFB19-0FAE-41F4-9745-839D3464C513}" type="presParOf" srcId="{708FECE1-AC0A-4926-B0C6-0D0E22EB422F}" destId="{69BCE002-1571-4652-B0BF-B4B4E22E665B}" srcOrd="0" destOrd="0" presId="urn:microsoft.com/office/officeart/2005/8/layout/process1"/>
+    <dgm:cxn modelId="{82191BC4-2A09-4A88-BE22-D38CFBB04292}" type="presParOf" srcId="{8445073F-C196-46E4-9EBE-08A23634364F}" destId="{F2590070-CEA6-4AD9-90C8-2E9BE24A1C46}" srcOrd="6" destOrd="0" presId="urn:microsoft.com/office/officeart/2005/8/layout/process1"/>
+  </dgm:cxnLst>
+  <dgm:bg/>
+  <dgm:whole/>
+  <dgm:extLst>
+    <a:ext uri="http://schemas.microsoft.com/office/drawing/2008/diagram">
+      <dsp:dataModelExt xmlns:dsp="http://schemas.microsoft.com/office/drawing/2008/diagram" relId="rId6" minVer="http://schemas.openxmlformats.org/drawingml/2006/diagram"/>
+    </a:ext>
+  </dgm:extLst>
+</dgm:dataModel>
+</file>
+
+<file path=ppt/diagrams/data2.xml><?xml version="1.0" encoding="utf-8"?>
+<dgm:dataModel xmlns:dgm="http://schemas.openxmlformats.org/drawingml/2006/diagram" xmlns:a="http://schemas.openxmlformats.org/drawingml/2006/main">
+  <dgm:ptLst>
+    <dgm:pt modelId="{7F505CFC-2691-4282-8614-125CD47E3B23}" type="doc">
+      <dgm:prSet loTypeId="urn:microsoft.com/office/officeart/2005/8/layout/process1" loCatId="process" qsTypeId="urn:microsoft.com/office/officeart/2005/8/quickstyle/simple1" qsCatId="simple" csTypeId="urn:microsoft.com/office/officeart/2005/8/colors/accent1_2" csCatId="accent1" phldr="1"/>
+      <dgm:spPr/>
+    </dgm:pt>
+    <dgm:pt modelId="{8B004504-72EC-4555-BCBD-FA955468AC11}">
+      <dgm:prSet phldrT="[Text]"/>
+      <dgm:spPr/>
+      <dgm:t>
+        <a:bodyPr/>
+        <a:lstStyle/>
+        <a:p>
+          <a:r>
+            <a:rPr lang="en-AU" dirty="0" smtClean="0"/>
+            <a:t>.</a:t>
+          </a:r>
+          <a:r>
+            <a:rPr lang="en-AU" dirty="0" err="1" smtClean="0"/>
+            <a:t>cs</a:t>
+          </a:r>
+          <a:endParaRPr lang="en-AU" dirty="0"/>
+        </a:p>
+      </dgm:t>
+    </dgm:pt>
+    <dgm:pt modelId="{5B6ADC37-BE86-4EB0-97A3-5C2255BDDC91}" type="parTrans" cxnId="{BBDD4193-8699-4419-BD67-CDBD4395610A}">
+      <dgm:prSet/>
+      <dgm:spPr/>
+      <dgm:t>
+        <a:bodyPr/>
+        <a:lstStyle/>
+        <a:p>
+          <a:endParaRPr lang="en-AU"/>
+        </a:p>
+      </dgm:t>
+    </dgm:pt>
+    <dgm:pt modelId="{2DF753C0-ABB4-4397-B460-5FC2F2609F8D}" type="sibTrans" cxnId="{BBDD4193-8699-4419-BD67-CDBD4395610A}">
+      <dgm:prSet/>
+      <dgm:spPr/>
+      <dgm:t>
+        <a:bodyPr/>
+        <a:lstStyle/>
+        <a:p>
+          <a:endParaRPr lang="en-AU"/>
+        </a:p>
+      </dgm:t>
+    </dgm:pt>
+    <dgm:pt modelId="{A0D4E178-F5A4-4B72-B227-B416655048D8}">
+      <dgm:prSet phldrT="[Text]"/>
+      <dgm:spPr/>
+      <dgm:t>
+        <a:bodyPr/>
+        <a:lstStyle/>
+        <a:p>
+          <a:r>
+            <a:rPr lang="en-AU" dirty="0" err="1" smtClean="0"/>
+            <a:t>.Net</a:t>
+          </a:r>
+          <a:r>
+            <a:rPr lang="en-AU" dirty="0" smtClean="0"/>
+            <a:t> Compiler (</a:t>
+          </a:r>
+          <a:r>
+            <a:rPr lang="en-AU" dirty="0" err="1" smtClean="0"/>
+            <a:t>WinRT</a:t>
+          </a:r>
+          <a:r>
+            <a:rPr lang="en-AU" dirty="0" smtClean="0"/>
+            <a:t>)</a:t>
+          </a:r>
+          <a:endParaRPr lang="en-AU" dirty="0"/>
+        </a:p>
+      </dgm:t>
+    </dgm:pt>
+    <dgm:pt modelId="{5605E0FF-9E60-4C32-A473-F3FD4300490C}" type="parTrans" cxnId="{6E02148A-87EF-4237-9B4E-039587C3FEFB}">
+      <dgm:prSet/>
+      <dgm:spPr/>
+      <dgm:t>
+        <a:bodyPr/>
+        <a:lstStyle/>
+        <a:p>
+          <a:endParaRPr lang="en-AU"/>
+        </a:p>
+      </dgm:t>
+    </dgm:pt>
+    <dgm:pt modelId="{29E29E01-648A-465D-BE17-28A81F8974F9}" type="sibTrans" cxnId="{6E02148A-87EF-4237-9B4E-039587C3FEFB}">
+      <dgm:prSet/>
+      <dgm:spPr/>
+      <dgm:t>
+        <a:bodyPr/>
+        <a:lstStyle/>
+        <a:p>
+          <a:endParaRPr lang="en-AU"/>
+        </a:p>
+      </dgm:t>
+    </dgm:pt>
+    <dgm:pt modelId="{65F3412C-AD87-4CC5-9683-03AFAD9BFB57}">
+      <dgm:prSet phldrT="[Text]"/>
+      <dgm:spPr/>
+      <dgm:t>
+        <a:bodyPr/>
+        <a:lstStyle/>
+        <a:p>
+          <a:r>
+            <a:rPr lang="en-AU" dirty="0" smtClean="0"/>
+            <a:t>Assembly Processor</a:t>
+          </a:r>
+          <a:endParaRPr lang="en-AU" dirty="0"/>
+        </a:p>
+      </dgm:t>
+    </dgm:pt>
+    <dgm:pt modelId="{A16D733D-8EA5-4584-A453-122AEEF2D07C}" type="parTrans" cxnId="{F70082E3-43DB-409F-9F26-5E3A7F341414}">
+      <dgm:prSet/>
+      <dgm:spPr/>
+      <dgm:t>
+        <a:bodyPr/>
+        <a:lstStyle/>
+        <a:p>
+          <a:endParaRPr lang="en-AU"/>
+        </a:p>
+      </dgm:t>
+    </dgm:pt>
+    <dgm:pt modelId="{EF1148AF-E670-4ADF-A570-64934E4E3C38}" type="sibTrans" cxnId="{F70082E3-43DB-409F-9F26-5E3A7F341414}">
+      <dgm:prSet/>
+      <dgm:spPr/>
+      <dgm:t>
+        <a:bodyPr/>
+        <a:lstStyle/>
+        <a:p>
+          <a:endParaRPr lang="en-AU"/>
+        </a:p>
+      </dgm:t>
+    </dgm:pt>
+    <dgm:pt modelId="{E75F7BFB-25A3-41BD-AA47-D8016CD41FE8}">
+      <dgm:prSet phldrT="[Text]"/>
+      <dgm:spPr/>
+      <dgm:t>
+        <a:bodyPr/>
+        <a:lstStyle/>
+        <a:p>
+          <a:r>
+            <a:rPr lang="en-AU" dirty="0" smtClean="0"/>
+            <a:t>Final DLL</a:t>
+          </a:r>
+          <a:endParaRPr lang="en-AU" dirty="0"/>
+        </a:p>
+      </dgm:t>
+    </dgm:pt>
+    <dgm:pt modelId="{432C0E1E-B569-4522-9EDF-E87456E11894}" type="parTrans" cxnId="{F393CC9E-4368-4CD1-AFAA-614F33842581}">
+      <dgm:prSet/>
+      <dgm:spPr/>
+      <dgm:t>
+        <a:bodyPr/>
+        <a:lstStyle/>
+        <a:p>
+          <a:endParaRPr lang="en-AU"/>
+        </a:p>
+      </dgm:t>
+    </dgm:pt>
+    <dgm:pt modelId="{47568646-20C7-462E-8CE0-0F751AD53AA9}" type="sibTrans" cxnId="{F393CC9E-4368-4CD1-AFAA-614F33842581}">
+      <dgm:prSet/>
+      <dgm:spPr/>
+      <dgm:t>
+        <a:bodyPr/>
+        <a:lstStyle/>
+        <a:p>
+          <a:endParaRPr lang="en-AU"/>
+        </a:p>
+      </dgm:t>
+    </dgm:pt>
+    <dgm:pt modelId="{5A3F8091-3422-4660-B6E1-A20803E156E1}" type="pres">
+      <dgm:prSet presAssocID="{7F505CFC-2691-4282-8614-125CD47E3B23}" presName="Name0" presStyleCnt="0">
+        <dgm:presLayoutVars>
+          <dgm:dir/>
+          <dgm:resizeHandles val="exact"/>
+        </dgm:presLayoutVars>
+      </dgm:prSet>
+      <dgm:spPr/>
+    </dgm:pt>
+    <dgm:pt modelId="{1D9631EF-528D-4F1D-A309-676D7E1B52AC}" type="pres">
+      <dgm:prSet presAssocID="{8B004504-72EC-4555-BCBD-FA955468AC11}" presName="node" presStyleLbl="node1" presStyleIdx="0" presStyleCnt="4">
+        <dgm:presLayoutVars>
+          <dgm:bulletEnabled val="1"/>
+        </dgm:presLayoutVars>
+      </dgm:prSet>
+      <dgm:spPr/>
+    </dgm:pt>
+    <dgm:pt modelId="{04BA16D0-9A3C-48C1-87C6-2EBC5218B19C}" type="pres">
+      <dgm:prSet presAssocID="{2DF753C0-ABB4-4397-B460-5FC2F2609F8D}" presName="sibTrans" presStyleLbl="sibTrans2D1" presStyleIdx="0" presStyleCnt="3"/>
+      <dgm:spPr/>
+    </dgm:pt>
+    <dgm:pt modelId="{127B2EAB-D1C7-40AB-B748-57CC64CD09DD}" type="pres">
+      <dgm:prSet presAssocID="{2DF753C0-ABB4-4397-B460-5FC2F2609F8D}" presName="connectorText" presStyleLbl="sibTrans2D1" presStyleIdx="0" presStyleCnt="3"/>
+      <dgm:spPr/>
+    </dgm:pt>
+    <dgm:pt modelId="{8089C732-CA78-45CB-B984-C3E4D03D8AB6}" type="pres">
+      <dgm:prSet presAssocID="{A0D4E178-F5A4-4B72-B227-B416655048D8}" presName="node" presStyleLbl="node1" presStyleIdx="1" presStyleCnt="4">
+        <dgm:presLayoutVars>
+          <dgm:bulletEnabled val="1"/>
+        </dgm:presLayoutVars>
+      </dgm:prSet>
+      <dgm:spPr/>
+      <dgm:t>
+        <a:bodyPr/>
+        <a:lstStyle/>
+        <a:p>
+          <a:endParaRPr lang="en-AU"/>
+        </a:p>
+      </dgm:t>
+    </dgm:pt>
+    <dgm:pt modelId="{E5F83125-4E22-49B5-8A7A-D1E4CD22F27B}" type="pres">
+      <dgm:prSet presAssocID="{29E29E01-648A-465D-BE17-28A81F8974F9}" presName="sibTrans" presStyleLbl="sibTrans2D1" presStyleIdx="1" presStyleCnt="3"/>
+      <dgm:spPr/>
+    </dgm:pt>
+    <dgm:pt modelId="{C45AF601-54A3-478E-8F22-4110C046C048}" type="pres">
+      <dgm:prSet presAssocID="{29E29E01-648A-465D-BE17-28A81F8974F9}" presName="connectorText" presStyleLbl="sibTrans2D1" presStyleIdx="1" presStyleCnt="3"/>
+      <dgm:spPr/>
+    </dgm:pt>
+    <dgm:pt modelId="{2081C7BD-A0CD-4176-9290-484508056E70}" type="pres">
+      <dgm:prSet presAssocID="{65F3412C-AD87-4CC5-9683-03AFAD9BFB57}" presName="node" presStyleLbl="node1" presStyleIdx="2" presStyleCnt="4">
+        <dgm:presLayoutVars>
+          <dgm:bulletEnabled val="1"/>
+        </dgm:presLayoutVars>
+      </dgm:prSet>
+      <dgm:spPr/>
+      <dgm:t>
+        <a:bodyPr/>
+        <a:lstStyle/>
+        <a:p>
+          <a:endParaRPr lang="en-AU"/>
+        </a:p>
+      </dgm:t>
+    </dgm:pt>
+    <dgm:pt modelId="{96B3D506-DEEE-4B3B-980C-F9EF1326A732}" type="pres">
+      <dgm:prSet presAssocID="{EF1148AF-E670-4ADF-A570-64934E4E3C38}" presName="sibTrans" presStyleLbl="sibTrans2D1" presStyleIdx="2" presStyleCnt="3"/>
+      <dgm:spPr/>
+    </dgm:pt>
+    <dgm:pt modelId="{E8C9DA75-84E6-40F0-A2B7-1B5D509148D0}" type="pres">
+      <dgm:prSet presAssocID="{EF1148AF-E670-4ADF-A570-64934E4E3C38}" presName="connectorText" presStyleLbl="sibTrans2D1" presStyleIdx="2" presStyleCnt="3"/>
+      <dgm:spPr/>
+    </dgm:pt>
+    <dgm:pt modelId="{4264537D-1FBF-48A5-AC61-05B0E7B35EA7}" type="pres">
+      <dgm:prSet presAssocID="{E75F7BFB-25A3-41BD-AA47-D8016CD41FE8}" presName="node" presStyleLbl="node1" presStyleIdx="3" presStyleCnt="4">
+        <dgm:presLayoutVars>
+          <dgm:bulletEnabled val="1"/>
+        </dgm:presLayoutVars>
+      </dgm:prSet>
+      <dgm:spPr/>
+    </dgm:pt>
+  </dgm:ptLst>
+  <dgm:cxnLst>
+    <dgm:cxn modelId="{6E02148A-87EF-4237-9B4E-039587C3FEFB}" srcId="{7F505CFC-2691-4282-8614-125CD47E3B23}" destId="{A0D4E178-F5A4-4B72-B227-B416655048D8}" srcOrd="1" destOrd="0" parTransId="{5605E0FF-9E60-4C32-A473-F3FD4300490C}" sibTransId="{29E29E01-648A-465D-BE17-28A81F8974F9}"/>
+    <dgm:cxn modelId="{BBDD4193-8699-4419-BD67-CDBD4395610A}" srcId="{7F505CFC-2691-4282-8614-125CD47E3B23}" destId="{8B004504-72EC-4555-BCBD-FA955468AC11}" srcOrd="0" destOrd="0" parTransId="{5B6ADC37-BE86-4EB0-97A3-5C2255BDDC91}" sibTransId="{2DF753C0-ABB4-4397-B460-5FC2F2609F8D}"/>
+    <dgm:cxn modelId="{DDC523C9-8793-4C11-AC97-33D1DDA9156B}" type="presOf" srcId="{2DF753C0-ABB4-4397-B460-5FC2F2609F8D}" destId="{04BA16D0-9A3C-48C1-87C6-2EBC5218B19C}" srcOrd="0" destOrd="0" presId="urn:microsoft.com/office/officeart/2005/8/layout/process1"/>
+    <dgm:cxn modelId="{F70082E3-43DB-409F-9F26-5E3A7F341414}" srcId="{7F505CFC-2691-4282-8614-125CD47E3B23}" destId="{65F3412C-AD87-4CC5-9683-03AFAD9BFB57}" srcOrd="2" destOrd="0" parTransId="{A16D733D-8EA5-4584-A453-122AEEF2D07C}" sibTransId="{EF1148AF-E670-4ADF-A570-64934E4E3C38}"/>
+    <dgm:cxn modelId="{4CCCC9FB-F709-4A7A-AB3B-9209A8C4A3F0}" type="presOf" srcId="{2DF753C0-ABB4-4397-B460-5FC2F2609F8D}" destId="{127B2EAB-D1C7-40AB-B748-57CC64CD09DD}" srcOrd="1" destOrd="0" presId="urn:microsoft.com/office/officeart/2005/8/layout/process1"/>
+    <dgm:cxn modelId="{00C25E20-1470-4F62-8DFE-4634E2ED074E}" type="presOf" srcId="{A0D4E178-F5A4-4B72-B227-B416655048D8}" destId="{8089C732-CA78-45CB-B984-C3E4D03D8AB6}" srcOrd="0" destOrd="0" presId="urn:microsoft.com/office/officeart/2005/8/layout/process1"/>
+    <dgm:cxn modelId="{B5F8B6EC-601C-4BC8-8303-BE1EF9CC43A2}" type="presOf" srcId="{EF1148AF-E670-4ADF-A570-64934E4E3C38}" destId="{E8C9DA75-84E6-40F0-A2B7-1B5D509148D0}" srcOrd="1" destOrd="0" presId="urn:microsoft.com/office/officeart/2005/8/layout/process1"/>
+    <dgm:cxn modelId="{F12FB130-27A7-4C99-BA25-45EC7A053C2E}" type="presOf" srcId="{EF1148AF-E670-4ADF-A570-64934E4E3C38}" destId="{96B3D506-DEEE-4B3B-980C-F9EF1326A732}" srcOrd="0" destOrd="0" presId="urn:microsoft.com/office/officeart/2005/8/layout/process1"/>
+    <dgm:cxn modelId="{FDAC9946-41BE-4DA9-B1CE-639D7E3382AF}" type="presOf" srcId="{E75F7BFB-25A3-41BD-AA47-D8016CD41FE8}" destId="{4264537D-1FBF-48A5-AC61-05B0E7B35EA7}" srcOrd="0" destOrd="0" presId="urn:microsoft.com/office/officeart/2005/8/layout/process1"/>
+    <dgm:cxn modelId="{D15DF4DB-FF17-4A5D-A1F5-87510F078F08}" type="presOf" srcId="{7F505CFC-2691-4282-8614-125CD47E3B23}" destId="{5A3F8091-3422-4660-B6E1-A20803E156E1}" srcOrd="0" destOrd="0" presId="urn:microsoft.com/office/officeart/2005/8/layout/process1"/>
+    <dgm:cxn modelId="{0FEEEFE4-0B9D-4EC3-9B0B-E3532E3E6056}" type="presOf" srcId="{29E29E01-648A-465D-BE17-28A81F8974F9}" destId="{E5F83125-4E22-49B5-8A7A-D1E4CD22F27B}" srcOrd="0" destOrd="0" presId="urn:microsoft.com/office/officeart/2005/8/layout/process1"/>
+    <dgm:cxn modelId="{F393CC9E-4368-4CD1-AFAA-614F33842581}" srcId="{7F505CFC-2691-4282-8614-125CD47E3B23}" destId="{E75F7BFB-25A3-41BD-AA47-D8016CD41FE8}" srcOrd="3" destOrd="0" parTransId="{432C0E1E-B569-4522-9EDF-E87456E11894}" sibTransId="{47568646-20C7-462E-8CE0-0F751AD53AA9}"/>
+    <dgm:cxn modelId="{7B20FFF2-33F2-40B0-BC35-F04126F9451C}" type="presOf" srcId="{8B004504-72EC-4555-BCBD-FA955468AC11}" destId="{1D9631EF-528D-4F1D-A309-676D7E1B52AC}" srcOrd="0" destOrd="0" presId="urn:microsoft.com/office/officeart/2005/8/layout/process1"/>
+    <dgm:cxn modelId="{21BDF628-7BE8-4731-BE38-506CDF5721EC}" type="presOf" srcId="{65F3412C-AD87-4CC5-9683-03AFAD9BFB57}" destId="{2081C7BD-A0CD-4176-9290-484508056E70}" srcOrd="0" destOrd="0" presId="urn:microsoft.com/office/officeart/2005/8/layout/process1"/>
+    <dgm:cxn modelId="{E04BBE6C-D894-4062-9D12-F246FC10990D}" type="presOf" srcId="{29E29E01-648A-465D-BE17-28A81F8974F9}" destId="{C45AF601-54A3-478E-8F22-4110C046C048}" srcOrd="1" destOrd="0" presId="urn:microsoft.com/office/officeart/2005/8/layout/process1"/>
+    <dgm:cxn modelId="{386BBE83-C061-4FB1-AFD0-1D80E190AA4A}" type="presParOf" srcId="{5A3F8091-3422-4660-B6E1-A20803E156E1}" destId="{1D9631EF-528D-4F1D-A309-676D7E1B52AC}" srcOrd="0" destOrd="0" presId="urn:microsoft.com/office/officeart/2005/8/layout/process1"/>
+    <dgm:cxn modelId="{A0F8010B-49F2-4FDC-85B9-4C7FDBA5AC29}" type="presParOf" srcId="{5A3F8091-3422-4660-B6E1-A20803E156E1}" destId="{04BA16D0-9A3C-48C1-87C6-2EBC5218B19C}" srcOrd="1" destOrd="0" presId="urn:microsoft.com/office/officeart/2005/8/layout/process1"/>
+    <dgm:cxn modelId="{816123BE-5240-4CCD-8686-2D09D332CE9E}" type="presParOf" srcId="{04BA16D0-9A3C-48C1-87C6-2EBC5218B19C}" destId="{127B2EAB-D1C7-40AB-B748-57CC64CD09DD}" srcOrd="0" destOrd="0" presId="urn:microsoft.com/office/officeart/2005/8/layout/process1"/>
+    <dgm:cxn modelId="{F32448A4-C75C-4FD0-8960-BDA906D06049}" type="presParOf" srcId="{5A3F8091-3422-4660-B6E1-A20803E156E1}" destId="{8089C732-CA78-45CB-B984-C3E4D03D8AB6}" srcOrd="2" destOrd="0" presId="urn:microsoft.com/office/officeart/2005/8/layout/process1"/>
+    <dgm:cxn modelId="{12FB62E2-B125-487B-8652-165BEF71A814}" type="presParOf" srcId="{5A3F8091-3422-4660-B6E1-A20803E156E1}" destId="{E5F83125-4E22-49B5-8A7A-D1E4CD22F27B}" srcOrd="3" destOrd="0" presId="urn:microsoft.com/office/officeart/2005/8/layout/process1"/>
+    <dgm:cxn modelId="{28E69B3A-7466-4CB5-8D0C-68EFDF53E832}" type="presParOf" srcId="{E5F83125-4E22-49B5-8A7A-D1E4CD22F27B}" destId="{C45AF601-54A3-478E-8F22-4110C046C048}" srcOrd="0" destOrd="0" presId="urn:microsoft.com/office/officeart/2005/8/layout/process1"/>
+    <dgm:cxn modelId="{D2A1CCFE-B138-4153-978B-5EBB9009C797}" type="presParOf" srcId="{5A3F8091-3422-4660-B6E1-A20803E156E1}" destId="{2081C7BD-A0CD-4176-9290-484508056E70}" srcOrd="4" destOrd="0" presId="urn:microsoft.com/office/officeart/2005/8/layout/process1"/>
+    <dgm:cxn modelId="{77D72F24-B9E3-49F6-BE20-B58800A6A88F}" type="presParOf" srcId="{5A3F8091-3422-4660-B6E1-A20803E156E1}" destId="{96B3D506-DEEE-4B3B-980C-F9EF1326A732}" srcOrd="5" destOrd="0" presId="urn:microsoft.com/office/officeart/2005/8/layout/process1"/>
+    <dgm:cxn modelId="{45B1AF4E-347C-409D-8628-9F1D082D5DB6}" type="presParOf" srcId="{96B3D506-DEEE-4B3B-980C-F9EF1326A732}" destId="{E8C9DA75-84E6-40F0-A2B7-1B5D509148D0}" srcOrd="0" destOrd="0" presId="urn:microsoft.com/office/officeart/2005/8/layout/process1"/>
+    <dgm:cxn modelId="{49AB3336-7986-4030-B3D0-E202EED8B494}" type="presParOf" srcId="{5A3F8091-3422-4660-B6E1-A20803E156E1}" destId="{4264537D-1FBF-48A5-AC61-05B0E7B35EA7}" srcOrd="6" destOrd="0" presId="urn:microsoft.com/office/officeart/2005/8/layout/process1"/>
+  </dgm:cxnLst>
+  <dgm:bg/>
+  <dgm:whole/>
+  <dgm:extLst>
+    <a:ext uri="http://schemas.microsoft.com/office/drawing/2008/diagram">
+      <dsp:dataModelExt xmlns:dsp="http://schemas.microsoft.com/office/drawing/2008/diagram" relId="rId6" minVer="http://schemas.openxmlformats.org/drawingml/2006/diagram"/>
+    </a:ext>
+  </dgm:extLst>
+</dgm:dataModel>
+</file>
+
+<file path=ppt/diagrams/drawing1.xml><?xml version="1.0" encoding="utf-8"?>
+<dsp:drawing xmlns:dgm="http://schemas.openxmlformats.org/drawingml/2006/diagram" xmlns:dsp="http://schemas.microsoft.com/office/drawing/2008/diagram" xmlns:a="http://schemas.openxmlformats.org/drawingml/2006/main">
+  <dsp:spTree>
+    <dsp:nvGrpSpPr>
+      <dsp:cNvPr id="0" name=""/>
+      <dsp:cNvGrpSpPr/>
+    </dsp:nvGrpSpPr>
+    <dsp:grpSpPr/>
+    <dsp:sp modelId="{70849ED2-E017-4CBB-ACA5-C89EA5D8FE40}">
+      <dsp:nvSpPr>
+        <dsp:cNvPr id="0" name=""/>
+        <dsp:cNvSpPr/>
+      </dsp:nvSpPr>
+      <dsp:spPr>
+        <a:xfrm>
+          <a:off x="4526" y="1047283"/>
+          <a:ext cx="1978913" cy="1187348"/>
+        </a:xfrm>
+        <a:prstGeom prst="roundRect">
+          <a:avLst>
+            <a:gd name="adj" fmla="val 10000"/>
+          </a:avLst>
+        </a:prstGeom>
+        <a:solidFill>
+          <a:schemeClr val="accent1">
+            <a:hueOff val="0"/>
+            <a:satOff val="0"/>
+            <a:lumOff val="0"/>
+            <a:alphaOff val="0"/>
+          </a:schemeClr>
+        </a:solidFill>
+        <a:ln w="12700" cap="flat" cmpd="sng" algn="ctr">
+          <a:solidFill>
+            <a:schemeClr val="lt1">
+              <a:hueOff val="0"/>
+              <a:satOff val="0"/>
+              <a:lumOff val="0"/>
+              <a:alphaOff val="0"/>
+            </a:schemeClr>
+          </a:solidFill>
+          <a:prstDash val="solid"/>
+          <a:miter lim="800000"/>
+        </a:ln>
+        <a:effectLst/>
+      </dsp:spPr>
+      <dsp:style>
+        <a:lnRef idx="2">
+          <a:scrgbClr r="0" g="0" b="0"/>
+        </a:lnRef>
+        <a:fillRef idx="1">
+          <a:scrgbClr r="0" g="0" b="0"/>
+        </a:fillRef>
+        <a:effectRef idx="0">
+          <a:scrgbClr r="0" g="0" b="0"/>
+        </a:effectRef>
+        <a:fontRef idx="minor">
+          <a:schemeClr val="lt1"/>
+        </a:fontRef>
+      </dsp:style>
+      <dsp:txBody>
+        <a:bodyPr spcFirstLastPara="0" vert="horz" wrap="square" lIns="118110" tIns="118110" rIns="118110" bIns="118110" numCol="1" spcCol="1270" anchor="ctr" anchorCtr="0">
+          <a:noAutofit/>
+        </a:bodyPr>
+        <a:lstStyle/>
+        <a:p>
+          <a:pPr lvl="0" algn="ctr" defTabSz="1377950">
+            <a:lnSpc>
+              <a:spcPct val="90000"/>
+            </a:lnSpc>
+            <a:spcBef>
+              <a:spcPct val="0"/>
+            </a:spcBef>
+            <a:spcAft>
+              <a:spcPct val="35000"/>
+            </a:spcAft>
+          </a:pPr>
+          <a:r>
+            <a:rPr lang="en-AU" sz="3100" kern="1200" dirty="0" smtClean="0"/>
+            <a:t>.</a:t>
+          </a:r>
+          <a:r>
+            <a:rPr lang="en-AU" sz="3100" kern="1200" dirty="0" err="1" smtClean="0"/>
+            <a:t>cs</a:t>
+          </a:r>
+          <a:endParaRPr lang="en-AU" sz="3100" kern="1200" dirty="0"/>
+        </a:p>
+      </dsp:txBody>
+      <dsp:txXfrm>
+        <a:off x="39302" y="1082059"/>
+        <a:ext cx="1909361" cy="1117796"/>
+      </dsp:txXfrm>
+    </dsp:sp>
+    <dsp:sp modelId="{2F5EF8DC-ABB7-48D8-A84D-6499236032E5}">
+      <dsp:nvSpPr>
+        <dsp:cNvPr id="0" name=""/>
+        <dsp:cNvSpPr/>
+      </dsp:nvSpPr>
+      <dsp:spPr>
+        <a:xfrm>
+          <a:off x="2181331" y="1395572"/>
+          <a:ext cx="419529" cy="490770"/>
+        </a:xfrm>
+        <a:prstGeom prst="rightArrow">
+          <a:avLst>
+            <a:gd name="adj1" fmla="val 60000"/>
+            <a:gd name="adj2" fmla="val 50000"/>
+          </a:avLst>
+        </a:prstGeom>
+        <a:solidFill>
+          <a:schemeClr val="accent1">
+            <a:tint val="60000"/>
+            <a:hueOff val="0"/>
+            <a:satOff val="0"/>
+            <a:lumOff val="0"/>
+            <a:alphaOff val="0"/>
+          </a:schemeClr>
+        </a:solidFill>
+        <a:ln>
+          <a:noFill/>
+        </a:ln>
+        <a:effectLst/>
+      </dsp:spPr>
+      <dsp:style>
+        <a:lnRef idx="0">
+          <a:scrgbClr r="0" g="0" b="0"/>
+        </a:lnRef>
+        <a:fillRef idx="1">
+          <a:scrgbClr r="0" g="0" b="0"/>
+        </a:fillRef>
+        <a:effectRef idx="0">
+          <a:scrgbClr r="0" g="0" b="0"/>
+        </a:effectRef>
+        <a:fontRef idx="minor">
+          <a:schemeClr val="lt1"/>
+        </a:fontRef>
+      </dsp:style>
+      <dsp:txBody>
+        <a:bodyPr spcFirstLastPara="0" vert="horz" wrap="square" lIns="0" tIns="0" rIns="0" bIns="0" numCol="1" spcCol="1270" anchor="ctr" anchorCtr="0">
+          <a:noAutofit/>
+        </a:bodyPr>
+        <a:lstStyle/>
+        <a:p>
+          <a:pPr lvl="0" algn="ctr" defTabSz="933450">
+            <a:lnSpc>
+              <a:spcPct val="90000"/>
+            </a:lnSpc>
+            <a:spcBef>
+              <a:spcPct val="0"/>
+            </a:spcBef>
+            <a:spcAft>
+              <a:spcPct val="35000"/>
+            </a:spcAft>
+          </a:pPr>
+          <a:endParaRPr lang="en-AU" sz="2100" kern="1200"/>
+        </a:p>
+      </dsp:txBody>
+      <dsp:txXfrm>
+        <a:off x="2181331" y="1493726"/>
+        <a:ext cx="293670" cy="294462"/>
+      </dsp:txXfrm>
+    </dsp:sp>
+    <dsp:sp modelId="{BE3588F2-8CEE-4B3A-810A-D422B82300B5}">
+      <dsp:nvSpPr>
+        <dsp:cNvPr id="0" name=""/>
+        <dsp:cNvSpPr/>
+      </dsp:nvSpPr>
+      <dsp:spPr>
+        <a:xfrm>
+          <a:off x="2775005" y="1047283"/>
+          <a:ext cx="1978913" cy="1187348"/>
+        </a:xfrm>
+        <a:prstGeom prst="roundRect">
+          <a:avLst>
+            <a:gd name="adj" fmla="val 10000"/>
+          </a:avLst>
+        </a:prstGeom>
+        <a:solidFill>
+          <a:schemeClr val="accent1">
+            <a:hueOff val="0"/>
+            <a:satOff val="0"/>
+            <a:lumOff val="0"/>
+            <a:alphaOff val="0"/>
+          </a:schemeClr>
+        </a:solidFill>
+        <a:ln w="12700" cap="flat" cmpd="sng" algn="ctr">
+          <a:solidFill>
+            <a:schemeClr val="lt1">
+              <a:hueOff val="0"/>
+              <a:satOff val="0"/>
+              <a:lumOff val="0"/>
+              <a:alphaOff val="0"/>
+            </a:schemeClr>
+          </a:solidFill>
+          <a:prstDash val="solid"/>
+          <a:miter lim="800000"/>
+        </a:ln>
+        <a:effectLst/>
+      </dsp:spPr>
+      <dsp:style>
+        <a:lnRef idx="2">
+          <a:scrgbClr r="0" g="0" b="0"/>
+        </a:lnRef>
+        <a:fillRef idx="1">
+          <a:scrgbClr r="0" g="0" b="0"/>
+        </a:fillRef>
+        <a:effectRef idx="0">
+          <a:scrgbClr r="0" g="0" b="0"/>
+        </a:effectRef>
+        <a:fontRef idx="minor">
+          <a:schemeClr val="lt1"/>
+        </a:fontRef>
+      </dsp:style>
+      <dsp:txBody>
+        <a:bodyPr spcFirstLastPara="0" vert="horz" wrap="square" lIns="118110" tIns="118110" rIns="118110" bIns="118110" numCol="1" spcCol="1270" anchor="ctr" anchorCtr="0">
+          <a:noAutofit/>
+        </a:bodyPr>
+        <a:lstStyle/>
+        <a:p>
+          <a:pPr lvl="0" algn="ctr" defTabSz="1377950">
+            <a:lnSpc>
+              <a:spcPct val="90000"/>
+            </a:lnSpc>
+            <a:spcBef>
+              <a:spcPct val="0"/>
+            </a:spcBef>
+            <a:spcAft>
+              <a:spcPct val="35000"/>
+            </a:spcAft>
+          </a:pPr>
+          <a:r>
+            <a:rPr lang="en-AU" sz="3100" kern="1200" dirty="0" smtClean="0"/>
+            <a:t>Mono Compiler</a:t>
+          </a:r>
+          <a:endParaRPr lang="en-AU" sz="3100" kern="1200" dirty="0"/>
+        </a:p>
+      </dsp:txBody>
+      <dsp:txXfrm>
+        <a:off x="2809781" y="1082059"/>
+        <a:ext cx="1909361" cy="1117796"/>
+      </dsp:txXfrm>
+    </dsp:sp>
+    <dsp:sp modelId="{C763DED8-01B5-49A5-B195-AB8A6AB9B624}">
+      <dsp:nvSpPr>
+        <dsp:cNvPr id="0" name=""/>
+        <dsp:cNvSpPr/>
+      </dsp:nvSpPr>
+      <dsp:spPr>
+        <a:xfrm>
+          <a:off x="4951810" y="1395572"/>
+          <a:ext cx="419529" cy="490770"/>
+        </a:xfrm>
+        <a:prstGeom prst="rightArrow">
+          <a:avLst>
+            <a:gd name="adj1" fmla="val 60000"/>
+            <a:gd name="adj2" fmla="val 50000"/>
+          </a:avLst>
+        </a:prstGeom>
+        <a:solidFill>
+          <a:schemeClr val="accent1">
+            <a:tint val="60000"/>
+            <a:hueOff val="0"/>
+            <a:satOff val="0"/>
+            <a:lumOff val="0"/>
+            <a:alphaOff val="0"/>
+          </a:schemeClr>
+        </a:solidFill>
+        <a:ln>
+          <a:noFill/>
+        </a:ln>
+        <a:effectLst/>
+      </dsp:spPr>
+      <dsp:style>
+        <a:lnRef idx="0">
+          <a:scrgbClr r="0" g="0" b="0"/>
+        </a:lnRef>
+        <a:fillRef idx="1">
+          <a:scrgbClr r="0" g="0" b="0"/>
+        </a:fillRef>
+        <a:effectRef idx="0">
+          <a:scrgbClr r="0" g="0" b="0"/>
+        </a:effectRef>
+        <a:fontRef idx="minor">
+          <a:schemeClr val="lt1"/>
+        </a:fontRef>
+      </dsp:style>
+      <dsp:txBody>
+        <a:bodyPr spcFirstLastPara="0" vert="horz" wrap="square" lIns="0" tIns="0" rIns="0" bIns="0" numCol="1" spcCol="1270" anchor="ctr" anchorCtr="0">
+          <a:noAutofit/>
+        </a:bodyPr>
+        <a:lstStyle/>
+        <a:p>
+          <a:pPr lvl="0" algn="ctr" defTabSz="933450">
+            <a:lnSpc>
+              <a:spcPct val="90000"/>
+            </a:lnSpc>
+            <a:spcBef>
+              <a:spcPct val="0"/>
+            </a:spcBef>
+            <a:spcAft>
+              <a:spcPct val="35000"/>
+            </a:spcAft>
+          </a:pPr>
+          <a:endParaRPr lang="en-AU" sz="2100" kern="1200"/>
+        </a:p>
+      </dsp:txBody>
+      <dsp:txXfrm>
+        <a:off x="4951810" y="1493726"/>
+        <a:ext cx="293670" cy="294462"/>
+      </dsp:txXfrm>
+    </dsp:sp>
+    <dsp:sp modelId="{5564E169-E74C-44FA-A656-9C1AC9A7D3EB}">
+      <dsp:nvSpPr>
+        <dsp:cNvPr id="0" name=""/>
+        <dsp:cNvSpPr/>
+      </dsp:nvSpPr>
+      <dsp:spPr>
+        <a:xfrm>
+          <a:off x="5545484" y="1047283"/>
+          <a:ext cx="1978913" cy="1187348"/>
+        </a:xfrm>
+        <a:prstGeom prst="roundRect">
+          <a:avLst>
+            <a:gd name="adj" fmla="val 10000"/>
+          </a:avLst>
+        </a:prstGeom>
+        <a:solidFill>
+          <a:schemeClr val="accent1">
+            <a:hueOff val="0"/>
+            <a:satOff val="0"/>
+            <a:lumOff val="0"/>
+            <a:alphaOff val="0"/>
+          </a:schemeClr>
+        </a:solidFill>
+        <a:ln w="12700" cap="flat" cmpd="sng" algn="ctr">
+          <a:solidFill>
+            <a:schemeClr val="lt1">
+              <a:hueOff val="0"/>
+              <a:satOff val="0"/>
+              <a:lumOff val="0"/>
+              <a:alphaOff val="0"/>
+            </a:schemeClr>
+          </a:solidFill>
+          <a:prstDash val="solid"/>
+          <a:miter lim="800000"/>
+        </a:ln>
+        <a:effectLst/>
+      </dsp:spPr>
+      <dsp:style>
+        <a:lnRef idx="2">
+          <a:scrgbClr r="0" g="0" b="0"/>
+        </a:lnRef>
+        <a:fillRef idx="1">
+          <a:scrgbClr r="0" g="0" b="0"/>
+        </a:fillRef>
+        <a:effectRef idx="0">
+          <a:scrgbClr r="0" g="0" b="0"/>
+        </a:effectRef>
+        <a:fontRef idx="minor">
+          <a:schemeClr val="lt1"/>
+        </a:fontRef>
+      </dsp:style>
+      <dsp:txBody>
+        <a:bodyPr spcFirstLastPara="0" vert="horz" wrap="square" lIns="118110" tIns="118110" rIns="118110" bIns="118110" numCol="1" spcCol="1270" anchor="ctr" anchorCtr="0">
+          <a:noAutofit/>
+        </a:bodyPr>
+        <a:lstStyle/>
+        <a:p>
+          <a:pPr lvl="0" algn="ctr" defTabSz="1377950">
+            <a:lnSpc>
+              <a:spcPct val="90000"/>
+            </a:lnSpc>
+            <a:spcBef>
+              <a:spcPct val="0"/>
+            </a:spcBef>
+            <a:spcAft>
+              <a:spcPct val="35000"/>
+            </a:spcAft>
+          </a:pPr>
+          <a:r>
+            <a:rPr lang="en-AU" sz="3100" kern="1200" dirty="0" smtClean="0"/>
+            <a:t>Reference Rewriter</a:t>
+          </a:r>
+          <a:endParaRPr lang="en-AU" sz="3100" kern="1200" dirty="0"/>
+        </a:p>
+      </dsp:txBody>
+      <dsp:txXfrm>
+        <a:off x="5580260" y="1082059"/>
+        <a:ext cx="1909361" cy="1117796"/>
+      </dsp:txXfrm>
+    </dsp:sp>
+    <dsp:sp modelId="{708FECE1-AC0A-4926-B0C6-0D0E22EB422F}">
+      <dsp:nvSpPr>
+        <dsp:cNvPr id="0" name=""/>
+        <dsp:cNvSpPr/>
+      </dsp:nvSpPr>
+      <dsp:spPr>
+        <a:xfrm>
+          <a:off x="7722289" y="1395572"/>
+          <a:ext cx="419529" cy="490770"/>
+        </a:xfrm>
+        <a:prstGeom prst="rightArrow">
+          <a:avLst>
+            <a:gd name="adj1" fmla="val 60000"/>
+            <a:gd name="adj2" fmla="val 50000"/>
+          </a:avLst>
+        </a:prstGeom>
+        <a:solidFill>
+          <a:schemeClr val="accent1">
+            <a:tint val="60000"/>
+            <a:hueOff val="0"/>
+            <a:satOff val="0"/>
+            <a:lumOff val="0"/>
+            <a:alphaOff val="0"/>
+          </a:schemeClr>
+        </a:solidFill>
+        <a:ln>
+          <a:noFill/>
+        </a:ln>
+        <a:effectLst/>
+      </dsp:spPr>
+      <dsp:style>
+        <a:lnRef idx="0">
+          <a:scrgbClr r="0" g="0" b="0"/>
+        </a:lnRef>
+        <a:fillRef idx="1">
+          <a:scrgbClr r="0" g="0" b="0"/>
+        </a:fillRef>
+        <a:effectRef idx="0">
+          <a:scrgbClr r="0" g="0" b="0"/>
+        </a:effectRef>
+        <a:fontRef idx="minor">
+          <a:schemeClr val="lt1"/>
+        </a:fontRef>
+      </dsp:style>
+      <dsp:txBody>
+        <a:bodyPr spcFirstLastPara="0" vert="horz" wrap="square" lIns="0" tIns="0" rIns="0" bIns="0" numCol="1" spcCol="1270" anchor="ctr" anchorCtr="0">
+          <a:noAutofit/>
+        </a:bodyPr>
+        <a:lstStyle/>
+        <a:p>
+          <a:pPr lvl="0" algn="ctr" defTabSz="933450">
+            <a:lnSpc>
+              <a:spcPct val="90000"/>
+            </a:lnSpc>
+            <a:spcBef>
+              <a:spcPct val="0"/>
+            </a:spcBef>
+            <a:spcAft>
+              <a:spcPct val="35000"/>
+            </a:spcAft>
+          </a:pPr>
+          <a:endParaRPr lang="en-AU" sz="2100" kern="1200"/>
+        </a:p>
+      </dsp:txBody>
+      <dsp:txXfrm>
+        <a:off x="7722289" y="1493726"/>
+        <a:ext cx="293670" cy="294462"/>
+      </dsp:txXfrm>
+    </dsp:sp>
+    <dsp:sp modelId="{F2590070-CEA6-4AD9-90C8-2E9BE24A1C46}">
+      <dsp:nvSpPr>
+        <dsp:cNvPr id="0" name=""/>
+        <dsp:cNvSpPr/>
+      </dsp:nvSpPr>
+      <dsp:spPr>
+        <a:xfrm>
+          <a:off x="8315964" y="1047283"/>
+          <a:ext cx="1978913" cy="1187348"/>
+        </a:xfrm>
+        <a:prstGeom prst="roundRect">
+          <a:avLst>
+            <a:gd name="adj" fmla="val 10000"/>
+          </a:avLst>
+        </a:prstGeom>
+        <a:solidFill>
+          <a:schemeClr val="accent1">
+            <a:hueOff val="0"/>
+            <a:satOff val="0"/>
+            <a:lumOff val="0"/>
+            <a:alphaOff val="0"/>
+          </a:schemeClr>
+        </a:solidFill>
+        <a:ln w="12700" cap="flat" cmpd="sng" algn="ctr">
+          <a:solidFill>
+            <a:schemeClr val="lt1">
+              <a:hueOff val="0"/>
+              <a:satOff val="0"/>
+              <a:lumOff val="0"/>
+              <a:alphaOff val="0"/>
+            </a:schemeClr>
+          </a:solidFill>
+          <a:prstDash val="solid"/>
+          <a:miter lim="800000"/>
+        </a:ln>
+        <a:effectLst/>
+      </dsp:spPr>
+      <dsp:style>
+        <a:lnRef idx="2">
+          <a:scrgbClr r="0" g="0" b="0"/>
+        </a:lnRef>
+        <a:fillRef idx="1">
+          <a:scrgbClr r="0" g="0" b="0"/>
+        </a:fillRef>
+        <a:effectRef idx="0">
+          <a:scrgbClr r="0" g="0" b="0"/>
+        </a:effectRef>
+        <a:fontRef idx="minor">
+          <a:schemeClr val="lt1"/>
+        </a:fontRef>
+      </dsp:style>
+      <dsp:txBody>
+        <a:bodyPr spcFirstLastPara="0" vert="horz" wrap="square" lIns="118110" tIns="118110" rIns="118110" bIns="118110" numCol="1" spcCol="1270" anchor="ctr" anchorCtr="0">
+          <a:noAutofit/>
+        </a:bodyPr>
+        <a:lstStyle/>
+        <a:p>
+          <a:pPr lvl="0" algn="ctr" defTabSz="1377950">
+            <a:lnSpc>
+              <a:spcPct val="90000"/>
+            </a:lnSpc>
+            <a:spcBef>
+              <a:spcPct val="0"/>
+            </a:spcBef>
+            <a:spcAft>
+              <a:spcPct val="35000"/>
+            </a:spcAft>
+          </a:pPr>
+          <a:r>
+            <a:rPr lang="en-AU" sz="3100" kern="1200" dirty="0" smtClean="0"/>
+            <a:t>Final DLL</a:t>
+          </a:r>
+          <a:endParaRPr lang="en-AU" sz="3100" kern="1200" dirty="0"/>
+        </a:p>
+      </dsp:txBody>
+      <dsp:txXfrm>
+        <a:off x="8350740" y="1082059"/>
+        <a:ext cx="1909361" cy="1117796"/>
+      </dsp:txXfrm>
+    </dsp:sp>
+  </dsp:spTree>
+</dsp:drawing>
+</file>
+
+<file path=ppt/diagrams/drawing2.xml><?xml version="1.0" encoding="utf-8"?>
+<dsp:drawing xmlns:dgm="http://schemas.openxmlformats.org/drawingml/2006/diagram" xmlns:dsp="http://schemas.microsoft.com/office/drawing/2008/diagram" xmlns:a="http://schemas.openxmlformats.org/drawingml/2006/main">
+  <dsp:spTree>
+    <dsp:nvGrpSpPr>
+      <dsp:cNvPr id="0" name=""/>
+      <dsp:cNvGrpSpPr/>
+    </dsp:nvGrpSpPr>
+    <dsp:grpSpPr/>
+    <dsp:sp modelId="{1D9631EF-528D-4F1D-A309-676D7E1B52AC}">
+      <dsp:nvSpPr>
+        <dsp:cNvPr id="0" name=""/>
+        <dsp:cNvSpPr/>
+      </dsp:nvSpPr>
+      <dsp:spPr>
+        <a:xfrm>
+          <a:off x="4621" y="1569532"/>
+          <a:ext cx="2020453" cy="1212272"/>
+        </a:xfrm>
+        <a:prstGeom prst="roundRect">
+          <a:avLst>
+            <a:gd name="adj" fmla="val 10000"/>
+          </a:avLst>
+        </a:prstGeom>
+        <a:solidFill>
+          <a:schemeClr val="accent1">
+            <a:hueOff val="0"/>
+            <a:satOff val="0"/>
+            <a:lumOff val="0"/>
+            <a:alphaOff val="0"/>
+          </a:schemeClr>
+        </a:solidFill>
+        <a:ln w="12700" cap="flat" cmpd="sng" algn="ctr">
+          <a:solidFill>
+            <a:schemeClr val="lt1">
+              <a:hueOff val="0"/>
+              <a:satOff val="0"/>
+              <a:lumOff val="0"/>
+              <a:alphaOff val="0"/>
+            </a:schemeClr>
+          </a:solidFill>
+          <a:prstDash val="solid"/>
+          <a:miter lim="800000"/>
+        </a:ln>
+        <a:effectLst/>
+      </dsp:spPr>
+      <dsp:style>
+        <a:lnRef idx="2">
+          <a:scrgbClr r="0" g="0" b="0"/>
+        </a:lnRef>
+        <a:fillRef idx="1">
+          <a:scrgbClr r="0" g="0" b="0"/>
+        </a:fillRef>
+        <a:effectRef idx="0">
+          <a:scrgbClr r="0" g="0" b="0"/>
+        </a:effectRef>
+        <a:fontRef idx="minor">
+          <a:schemeClr val="lt1"/>
+        </a:fontRef>
+      </dsp:style>
+      <dsp:txBody>
+        <a:bodyPr spcFirstLastPara="0" vert="horz" wrap="square" lIns="91440" tIns="91440" rIns="91440" bIns="91440" numCol="1" spcCol="1270" anchor="ctr" anchorCtr="0">
+          <a:noAutofit/>
+        </a:bodyPr>
+        <a:lstStyle/>
+        <a:p>
+          <a:pPr lvl="0" algn="ctr" defTabSz="1066800">
+            <a:lnSpc>
+              <a:spcPct val="90000"/>
+            </a:lnSpc>
+            <a:spcBef>
+              <a:spcPct val="0"/>
+            </a:spcBef>
+            <a:spcAft>
+              <a:spcPct val="35000"/>
+            </a:spcAft>
+          </a:pPr>
+          <a:r>
+            <a:rPr lang="en-AU" sz="2400" kern="1200" dirty="0" smtClean="0"/>
+            <a:t>.</a:t>
+          </a:r>
+          <a:r>
+            <a:rPr lang="en-AU" sz="2400" kern="1200" dirty="0" err="1" smtClean="0"/>
+            <a:t>cs</a:t>
+          </a:r>
+          <a:endParaRPr lang="en-AU" sz="2400" kern="1200" dirty="0"/>
+        </a:p>
+      </dsp:txBody>
+      <dsp:txXfrm>
+        <a:off x="40127" y="1605038"/>
+        <a:ext cx="1949441" cy="1141260"/>
+      </dsp:txXfrm>
+    </dsp:sp>
+    <dsp:sp modelId="{04BA16D0-9A3C-48C1-87C6-2EBC5218B19C}">
+      <dsp:nvSpPr>
+        <dsp:cNvPr id="0" name=""/>
+        <dsp:cNvSpPr/>
+      </dsp:nvSpPr>
+      <dsp:spPr>
+        <a:xfrm>
+          <a:off x="2227119" y="1925132"/>
+          <a:ext cx="428336" cy="501072"/>
+        </a:xfrm>
+        <a:prstGeom prst="rightArrow">
+          <a:avLst>
+            <a:gd name="adj1" fmla="val 60000"/>
+            <a:gd name="adj2" fmla="val 50000"/>
+          </a:avLst>
+        </a:prstGeom>
+        <a:solidFill>
+          <a:schemeClr val="accent1">
+            <a:tint val="60000"/>
+            <a:hueOff val="0"/>
+            <a:satOff val="0"/>
+            <a:lumOff val="0"/>
+            <a:alphaOff val="0"/>
+          </a:schemeClr>
+        </a:solidFill>
+        <a:ln>
+          <a:noFill/>
+        </a:ln>
+        <a:effectLst/>
+      </dsp:spPr>
+      <dsp:style>
+        <a:lnRef idx="0">
+          <a:scrgbClr r="0" g="0" b="0"/>
+        </a:lnRef>
+        <a:fillRef idx="1">
+          <a:scrgbClr r="0" g="0" b="0"/>
+        </a:fillRef>
+        <a:effectRef idx="0">
+          <a:scrgbClr r="0" g="0" b="0"/>
+        </a:effectRef>
+        <a:fontRef idx="minor">
+          <a:schemeClr val="lt1"/>
+        </a:fontRef>
+      </dsp:style>
+      <dsp:txBody>
+        <a:bodyPr spcFirstLastPara="0" vert="horz" wrap="square" lIns="0" tIns="0" rIns="0" bIns="0" numCol="1" spcCol="1270" anchor="ctr" anchorCtr="0">
+          <a:noAutofit/>
+        </a:bodyPr>
+        <a:lstStyle/>
+        <a:p>
+          <a:pPr lvl="0" algn="ctr" defTabSz="844550">
+            <a:lnSpc>
+              <a:spcPct val="90000"/>
+            </a:lnSpc>
+            <a:spcBef>
+              <a:spcPct val="0"/>
+            </a:spcBef>
+            <a:spcAft>
+              <a:spcPct val="35000"/>
+            </a:spcAft>
+          </a:pPr>
+          <a:endParaRPr lang="en-AU" sz="1900" kern="1200"/>
+        </a:p>
+      </dsp:txBody>
+      <dsp:txXfrm>
+        <a:off x="2227119" y="2025346"/>
+        <a:ext cx="299835" cy="300644"/>
+      </dsp:txXfrm>
+    </dsp:sp>
+    <dsp:sp modelId="{8089C732-CA78-45CB-B984-C3E4D03D8AB6}">
+      <dsp:nvSpPr>
+        <dsp:cNvPr id="0" name=""/>
+        <dsp:cNvSpPr/>
+      </dsp:nvSpPr>
+      <dsp:spPr>
+        <a:xfrm>
+          <a:off x="2833255" y="1569532"/>
+          <a:ext cx="2020453" cy="1212272"/>
+        </a:xfrm>
+        <a:prstGeom prst="roundRect">
+          <a:avLst>
+            <a:gd name="adj" fmla="val 10000"/>
+          </a:avLst>
+        </a:prstGeom>
+        <a:solidFill>
+          <a:schemeClr val="accent1">
+            <a:hueOff val="0"/>
+            <a:satOff val="0"/>
+            <a:lumOff val="0"/>
+            <a:alphaOff val="0"/>
+          </a:schemeClr>
+        </a:solidFill>
+        <a:ln w="12700" cap="flat" cmpd="sng" algn="ctr">
+          <a:solidFill>
+            <a:schemeClr val="lt1">
+              <a:hueOff val="0"/>
+              <a:satOff val="0"/>
+              <a:lumOff val="0"/>
+              <a:alphaOff val="0"/>
+            </a:schemeClr>
+          </a:solidFill>
+          <a:prstDash val="solid"/>
+          <a:miter lim="800000"/>
+        </a:ln>
+        <a:effectLst/>
+      </dsp:spPr>
+      <dsp:style>
+        <a:lnRef idx="2">
+          <a:scrgbClr r="0" g="0" b="0"/>
+        </a:lnRef>
+        <a:fillRef idx="1">
+          <a:scrgbClr r="0" g="0" b="0"/>
+        </a:fillRef>
+        <a:effectRef idx="0">
+          <a:scrgbClr r="0" g="0" b="0"/>
+        </a:effectRef>
+        <a:fontRef idx="minor">
+          <a:schemeClr val="lt1"/>
+        </a:fontRef>
+      </dsp:style>
+      <dsp:txBody>
+        <a:bodyPr spcFirstLastPara="0" vert="horz" wrap="square" lIns="91440" tIns="91440" rIns="91440" bIns="91440" numCol="1" spcCol="1270" anchor="ctr" anchorCtr="0">
+          <a:noAutofit/>
+        </a:bodyPr>
+        <a:lstStyle/>
+        <a:p>
+          <a:pPr lvl="0" algn="ctr" defTabSz="1066800">
+            <a:lnSpc>
+              <a:spcPct val="90000"/>
+            </a:lnSpc>
+            <a:spcBef>
+              <a:spcPct val="0"/>
+            </a:spcBef>
+            <a:spcAft>
+              <a:spcPct val="35000"/>
+            </a:spcAft>
+          </a:pPr>
+          <a:r>
+            <a:rPr lang="en-AU" sz="2400" kern="1200" dirty="0" err="1" smtClean="0"/>
+            <a:t>.Net</a:t>
+          </a:r>
+          <a:r>
+            <a:rPr lang="en-AU" sz="2400" kern="1200" dirty="0" smtClean="0"/>
+            <a:t> Compiler (</a:t>
+          </a:r>
+          <a:r>
+            <a:rPr lang="en-AU" sz="2400" kern="1200" dirty="0" err="1" smtClean="0"/>
+            <a:t>WinRT</a:t>
+          </a:r>
+          <a:r>
+            <a:rPr lang="en-AU" sz="2400" kern="1200" dirty="0" smtClean="0"/>
+            <a:t>)</a:t>
+          </a:r>
+          <a:endParaRPr lang="en-AU" sz="2400" kern="1200" dirty="0"/>
+        </a:p>
+      </dsp:txBody>
+      <dsp:txXfrm>
+        <a:off x="2868761" y="1605038"/>
+        <a:ext cx="1949441" cy="1141260"/>
+      </dsp:txXfrm>
+    </dsp:sp>
+    <dsp:sp modelId="{E5F83125-4E22-49B5-8A7A-D1E4CD22F27B}">
+      <dsp:nvSpPr>
+        <dsp:cNvPr id="0" name=""/>
+        <dsp:cNvSpPr/>
+      </dsp:nvSpPr>
+      <dsp:spPr>
+        <a:xfrm>
+          <a:off x="5055754" y="1925132"/>
+          <a:ext cx="428336" cy="501072"/>
+        </a:xfrm>
+        <a:prstGeom prst="rightArrow">
+          <a:avLst>
+            <a:gd name="adj1" fmla="val 60000"/>
+            <a:gd name="adj2" fmla="val 50000"/>
+          </a:avLst>
+        </a:prstGeom>
+        <a:solidFill>
+          <a:schemeClr val="accent1">
+            <a:tint val="60000"/>
+            <a:hueOff val="0"/>
+            <a:satOff val="0"/>
+            <a:lumOff val="0"/>
+            <a:alphaOff val="0"/>
+          </a:schemeClr>
+        </a:solidFill>
+        <a:ln>
+          <a:noFill/>
+        </a:ln>
+        <a:effectLst/>
+      </dsp:spPr>
+      <dsp:style>
+        <a:lnRef idx="0">
+          <a:scrgbClr r="0" g="0" b="0"/>
+        </a:lnRef>
+        <a:fillRef idx="1">
+          <a:scrgbClr r="0" g="0" b="0"/>
+        </a:fillRef>
+        <a:effectRef idx="0">
+          <a:scrgbClr r="0" g="0" b="0"/>
+        </a:effectRef>
+        <a:fontRef idx="minor">
+          <a:schemeClr val="lt1"/>
+        </a:fontRef>
+      </dsp:style>
+      <dsp:txBody>
+        <a:bodyPr spcFirstLastPara="0" vert="horz" wrap="square" lIns="0" tIns="0" rIns="0" bIns="0" numCol="1" spcCol="1270" anchor="ctr" anchorCtr="0">
+          <a:noAutofit/>
+        </a:bodyPr>
+        <a:lstStyle/>
+        <a:p>
+          <a:pPr lvl="0" algn="ctr" defTabSz="844550">
+            <a:lnSpc>
+              <a:spcPct val="90000"/>
+            </a:lnSpc>
+            <a:spcBef>
+              <a:spcPct val="0"/>
+            </a:spcBef>
+            <a:spcAft>
+              <a:spcPct val="35000"/>
+            </a:spcAft>
+          </a:pPr>
+          <a:endParaRPr lang="en-AU" sz="1900" kern="1200"/>
+        </a:p>
+      </dsp:txBody>
+      <dsp:txXfrm>
+        <a:off x="5055754" y="2025346"/>
+        <a:ext cx="299835" cy="300644"/>
+      </dsp:txXfrm>
+    </dsp:sp>
+    <dsp:sp modelId="{2081C7BD-A0CD-4176-9290-484508056E70}">
+      <dsp:nvSpPr>
+        <dsp:cNvPr id="0" name=""/>
+        <dsp:cNvSpPr/>
+      </dsp:nvSpPr>
+      <dsp:spPr>
+        <a:xfrm>
+          <a:off x="5661890" y="1569532"/>
+          <a:ext cx="2020453" cy="1212272"/>
+        </a:xfrm>
+        <a:prstGeom prst="roundRect">
+          <a:avLst>
+            <a:gd name="adj" fmla="val 10000"/>
+          </a:avLst>
+        </a:prstGeom>
+        <a:solidFill>
+          <a:schemeClr val="accent1">
+            <a:hueOff val="0"/>
+            <a:satOff val="0"/>
+            <a:lumOff val="0"/>
+            <a:alphaOff val="0"/>
+          </a:schemeClr>
+        </a:solidFill>
+        <a:ln w="12700" cap="flat" cmpd="sng" algn="ctr">
+          <a:solidFill>
+            <a:schemeClr val="lt1">
+              <a:hueOff val="0"/>
+              <a:satOff val="0"/>
+              <a:lumOff val="0"/>
+              <a:alphaOff val="0"/>
+            </a:schemeClr>
+          </a:solidFill>
+          <a:prstDash val="solid"/>
+          <a:miter lim="800000"/>
+        </a:ln>
+        <a:effectLst/>
+      </dsp:spPr>
+      <dsp:style>
+        <a:lnRef idx="2">
+          <a:scrgbClr r="0" g="0" b="0"/>
+        </a:lnRef>
+        <a:fillRef idx="1">
+          <a:scrgbClr r="0" g="0" b="0"/>
+        </a:fillRef>
+        <a:effectRef idx="0">
+          <a:scrgbClr r="0" g="0" b="0"/>
+        </a:effectRef>
+        <a:fontRef idx="minor">
+          <a:schemeClr val="lt1"/>
+        </a:fontRef>
+      </dsp:style>
+      <dsp:txBody>
+        <a:bodyPr spcFirstLastPara="0" vert="horz" wrap="square" lIns="91440" tIns="91440" rIns="91440" bIns="91440" numCol="1" spcCol="1270" anchor="ctr" anchorCtr="0">
+          <a:noAutofit/>
+        </a:bodyPr>
+        <a:lstStyle/>
+        <a:p>
+          <a:pPr lvl="0" algn="ctr" defTabSz="1066800">
+            <a:lnSpc>
+              <a:spcPct val="90000"/>
+            </a:lnSpc>
+            <a:spcBef>
+              <a:spcPct val="0"/>
+            </a:spcBef>
+            <a:spcAft>
+              <a:spcPct val="35000"/>
+            </a:spcAft>
+          </a:pPr>
+          <a:r>
+            <a:rPr lang="en-AU" sz="2400" kern="1200" dirty="0" smtClean="0"/>
+            <a:t>Assembly Processor</a:t>
+          </a:r>
+          <a:endParaRPr lang="en-AU" sz="2400" kern="1200" dirty="0"/>
+        </a:p>
+      </dsp:txBody>
+      <dsp:txXfrm>
+        <a:off x="5697396" y="1605038"/>
+        <a:ext cx="1949441" cy="1141260"/>
+      </dsp:txXfrm>
+    </dsp:sp>
+    <dsp:sp modelId="{96B3D506-DEEE-4B3B-980C-F9EF1326A732}">
+      <dsp:nvSpPr>
+        <dsp:cNvPr id="0" name=""/>
+        <dsp:cNvSpPr/>
+      </dsp:nvSpPr>
+      <dsp:spPr>
+        <a:xfrm>
+          <a:off x="7884389" y="1925132"/>
+          <a:ext cx="428336" cy="501072"/>
+        </a:xfrm>
+        <a:prstGeom prst="rightArrow">
+          <a:avLst>
+            <a:gd name="adj1" fmla="val 60000"/>
+            <a:gd name="adj2" fmla="val 50000"/>
+          </a:avLst>
+        </a:prstGeom>
+        <a:solidFill>
+          <a:schemeClr val="accent1">
+            <a:tint val="60000"/>
+            <a:hueOff val="0"/>
+            <a:satOff val="0"/>
+            <a:lumOff val="0"/>
+            <a:alphaOff val="0"/>
+          </a:schemeClr>
+        </a:solidFill>
+        <a:ln>
+          <a:noFill/>
+        </a:ln>
+        <a:effectLst/>
+      </dsp:spPr>
+      <dsp:style>
+        <a:lnRef idx="0">
+          <a:scrgbClr r="0" g="0" b="0"/>
+        </a:lnRef>
+        <a:fillRef idx="1">
+          <a:scrgbClr r="0" g="0" b="0"/>
+        </a:fillRef>
+        <a:effectRef idx="0">
+          <a:scrgbClr r="0" g="0" b="0"/>
+        </a:effectRef>
+        <a:fontRef idx="minor">
+          <a:schemeClr val="lt1"/>
+        </a:fontRef>
+      </dsp:style>
+      <dsp:txBody>
+        <a:bodyPr spcFirstLastPara="0" vert="horz" wrap="square" lIns="0" tIns="0" rIns="0" bIns="0" numCol="1" spcCol="1270" anchor="ctr" anchorCtr="0">
+          <a:noAutofit/>
+        </a:bodyPr>
+        <a:lstStyle/>
+        <a:p>
+          <a:pPr lvl="0" algn="ctr" defTabSz="844550">
+            <a:lnSpc>
+              <a:spcPct val="90000"/>
+            </a:lnSpc>
+            <a:spcBef>
+              <a:spcPct val="0"/>
+            </a:spcBef>
+            <a:spcAft>
+              <a:spcPct val="35000"/>
+            </a:spcAft>
+          </a:pPr>
+          <a:endParaRPr lang="en-AU" sz="1900" kern="1200"/>
+        </a:p>
+      </dsp:txBody>
+      <dsp:txXfrm>
+        <a:off x="7884389" y="2025346"/>
+        <a:ext cx="299835" cy="300644"/>
+      </dsp:txXfrm>
+    </dsp:sp>
+    <dsp:sp modelId="{4264537D-1FBF-48A5-AC61-05B0E7B35EA7}">
+      <dsp:nvSpPr>
+        <dsp:cNvPr id="0" name=""/>
+        <dsp:cNvSpPr/>
+      </dsp:nvSpPr>
+      <dsp:spPr>
+        <a:xfrm>
+          <a:off x="8490525" y="1569532"/>
+          <a:ext cx="2020453" cy="1212272"/>
+        </a:xfrm>
+        <a:prstGeom prst="roundRect">
+          <a:avLst>
+            <a:gd name="adj" fmla="val 10000"/>
+          </a:avLst>
+        </a:prstGeom>
+        <a:solidFill>
+          <a:schemeClr val="accent1">
+            <a:hueOff val="0"/>
+            <a:satOff val="0"/>
+            <a:lumOff val="0"/>
+            <a:alphaOff val="0"/>
+          </a:schemeClr>
+        </a:solidFill>
+        <a:ln w="12700" cap="flat" cmpd="sng" algn="ctr">
+          <a:solidFill>
+            <a:schemeClr val="lt1">
+              <a:hueOff val="0"/>
+              <a:satOff val="0"/>
+              <a:lumOff val="0"/>
+              <a:alphaOff val="0"/>
+            </a:schemeClr>
+          </a:solidFill>
+          <a:prstDash val="solid"/>
+          <a:miter lim="800000"/>
+        </a:ln>
+        <a:effectLst/>
+      </dsp:spPr>
+      <dsp:style>
+        <a:lnRef idx="2">
+          <a:scrgbClr r="0" g="0" b="0"/>
+        </a:lnRef>
+        <a:fillRef idx="1">
+          <a:scrgbClr r="0" g="0" b="0"/>
+        </a:fillRef>
+        <a:effectRef idx="0">
+          <a:scrgbClr r="0" g="0" b="0"/>
+        </a:effectRef>
+        <a:fontRef idx="minor">
+          <a:schemeClr val="lt1"/>
+        </a:fontRef>
+      </dsp:style>
+      <dsp:txBody>
+        <a:bodyPr spcFirstLastPara="0" vert="horz" wrap="square" lIns="91440" tIns="91440" rIns="91440" bIns="91440" numCol="1" spcCol="1270" anchor="ctr" anchorCtr="0">
+          <a:noAutofit/>
+        </a:bodyPr>
+        <a:lstStyle/>
+        <a:p>
+          <a:pPr lvl="0" algn="ctr" defTabSz="1066800">
+            <a:lnSpc>
+              <a:spcPct val="90000"/>
+            </a:lnSpc>
+            <a:spcBef>
+              <a:spcPct val="0"/>
+            </a:spcBef>
+            <a:spcAft>
+              <a:spcPct val="35000"/>
+            </a:spcAft>
+          </a:pPr>
+          <a:r>
+            <a:rPr lang="en-AU" sz="2400" kern="1200" dirty="0" smtClean="0"/>
+            <a:t>Final DLL</a:t>
+          </a:r>
+          <a:endParaRPr lang="en-AU" sz="2400" kern="1200" dirty="0"/>
+        </a:p>
+      </dsp:txBody>
+      <dsp:txXfrm>
+        <a:off x="8526031" y="1605038"/>
+        <a:ext cx="1949441" cy="1141260"/>
+      </dsp:txXfrm>
+    </dsp:sp>
+  </dsp:spTree>
+</dsp:drawing>
+</file>
+
+<file path=ppt/diagrams/layout1.xml><?xml version="1.0" encoding="utf-8"?>
+<dgm:layoutDef xmlns:dgm="http://schemas.openxmlformats.org/drawingml/2006/diagram" xmlns:a="http://schemas.openxmlformats.org/drawingml/2006/main" uniqueId="urn:microsoft.com/office/officeart/2005/8/layout/process1">
+  <dgm:title val=""/>
+  <dgm:desc val=""/>
+  <dgm:catLst>
+    <dgm:cat type="process" pri="1000"/>
+    <dgm:cat type="convert" pri="15000"/>
+  </dgm:catLst>
+  <dgm:sampData useDef="1">
+    <dgm:dataModel>
+      <dgm:ptLst/>
+      <dgm:bg/>
+      <dgm:whole/>
+    </dgm:dataModel>
+  </dgm:sampData>
+  <dgm:styleData>
+    <dgm:dataModel>
+      <dgm:ptLst>
+        <dgm:pt modelId="0" type="doc"/>
+        <dgm:pt modelId="1"/>
+        <dgm:pt modelId="2"/>
+      </dgm:ptLst>
+      <dgm:cxnLst>
+        <dgm:cxn modelId="3" srcId="0" destId="1" srcOrd="0" destOrd="0"/>
+        <dgm:cxn modelId="4" srcId="0" destId="2" srcOrd="1" destOrd="0"/>
+      </dgm:cxnLst>
+      <dgm:bg/>
+      <dgm:whole/>
+    </dgm:dataModel>
+  </dgm:styleData>
+  <dgm:clrData>
+    <dgm:dataModel>
+      <dgm:ptLst>
+        <dgm:pt modelId="0" type="doc"/>
+        <dgm:pt modelId="1"/>
+        <dgm:pt modelId="2"/>
+        <dgm:pt modelId="3"/>
+        <dgm:pt modelId="4"/>
+      </dgm:ptLst>
+      <dgm:cxnLst>
+        <dgm:cxn modelId="5" srcId="0" destId="1" srcOrd="0" destOrd="0"/>
+        <dgm:cxn modelId="6" srcId="0" destId="2" srcOrd="1" destOrd="0"/>
+        <dgm:cxn modelId="7" srcId="0" destId="3" srcOrd="2" destOrd="0"/>
+        <dgm:cxn modelId="8" srcId="0" destId="4" srcOrd="3" destOrd="0"/>
+      </dgm:cxnLst>
+      <dgm:bg/>
+      <dgm:whole/>
+    </dgm:dataModel>
+  </dgm:clrData>
+  <dgm:layoutNode name="Name0">
+    <dgm:varLst>
+      <dgm:dir/>
+      <dgm:resizeHandles val="exact"/>
+    </dgm:varLst>
+    <dgm:choose name="Name1">
+      <dgm:if name="Name2" func="var" arg="dir" op="equ" val="norm">
+        <dgm:alg type="lin"/>
+      </dgm:if>
+      <dgm:else name="Name3">
+        <dgm:alg type="lin">
+          <dgm:param type="linDir" val="fromR"/>
+        </dgm:alg>
+      </dgm:else>
+    </dgm:choose>
+    <dgm:shape xmlns:r="http://schemas.openxmlformats.org/officeDocument/2006/relationships" r:blip="">
+      <dgm:adjLst/>
+    </dgm:shape>
+    <dgm:presOf/>
+    <dgm:constrLst>
+      <dgm:constr type="w" for="ch" ptType="node" refType="w"/>
+      <dgm:constr type="h" for="ch" ptType="node" op="equ"/>
+      <dgm:constr type="primFontSz" for="ch" ptType="node" op="equ" val="65"/>
+      <dgm:constr type="w" for="ch" ptType="sibTrans" refType="w" refFor="ch" refPtType="node" op="equ" fact="0.4"/>
+      <dgm:constr type="h" for="ch" ptType="sibTrans" op="equ"/>
+      <dgm:constr type="primFontSz" for="des" forName="connectorText" op="equ" val="55"/>
+      <dgm:constr type="primFontSz" for="des" forName="connectorText" refType="primFontSz" refFor="ch" refPtType="node" op="lte" fact="0.8"/>
+    </dgm:constrLst>
+    <dgm:ruleLst/>
+    <dgm:forEach name="nodesForEach" axis="ch" ptType="node">
+      <dgm:layoutNode name="node">
+        <dgm:varLst>
+          <dgm:bulletEnabled val="1"/>
+        </dgm:varLst>
+        <dgm:alg type="tx"/>
+        <dgm:shape xmlns:r="http://schemas.openxmlformats.org/officeDocument/2006/relationships" type="roundRect" r:blip="">
+          <dgm:adjLst>
+            <dgm:adj idx="1" val="0.1"/>
+          </dgm:adjLst>
+        </dgm:shape>
+        <dgm:presOf axis="desOrSelf" ptType="node"/>
+        <dgm:constrLst>
+          <dgm:constr type="h" refType="w" fact="0.6"/>
+          <dgm:constr type="tMarg" refType="primFontSz" fact="0.3"/>
+          <dgm:constr type="bMarg" refType="primFontSz" fact="0.3"/>
+          <dgm:constr type="lMarg" refType="primFontSz" fact="0.3"/>
+          <dgm:constr type="rMarg" refType="primFontSz" fact="0.3"/>
+        </dgm:constrLst>
+        <dgm:ruleLst>
+          <dgm:rule type="primFontSz" val="18" fact="NaN" max="NaN"/>
+          <dgm:rule type="h" val="NaN" fact="1.5" max="NaN"/>
+          <dgm:rule type="primFontSz" val="5" fact="NaN" max="NaN"/>
+          <dgm:rule type="h" val="INF" fact="NaN" max="NaN"/>
+        </dgm:ruleLst>
+      </dgm:layoutNode>
+      <dgm:forEach name="sibTransForEach" axis="followSib" ptType="sibTrans" cnt="1">
+        <dgm:layoutNode name="sibTrans">
+          <dgm:alg type="conn">
+            <dgm:param type="begPts" val="auto"/>
+            <dgm:param type="endPts" val="auto"/>
+          </dgm:alg>
+          <dgm:shape xmlns:r="http://schemas.openxmlformats.org/officeDocument/2006/relationships" type="conn" r:blip="">
+            <dgm:adjLst/>
+          </dgm:shape>
+          <dgm:presOf axis="self"/>
+          <dgm:constrLst>
+            <dgm:constr type="h" refType="w" fact="0.62"/>
+            <dgm:constr type="connDist"/>
+            <dgm:constr type="begPad" refType="connDist" fact="0.25"/>
+            <dgm:constr type="endPad" refType="connDist" fact="0.22"/>
+          </dgm:constrLst>
+          <dgm:ruleLst/>
+          <dgm:layoutNode name="connectorText">
+            <dgm:alg type="tx">
+              <dgm:param type="autoTxRot" val="grav"/>
+            </dgm:alg>
+            <dgm:shape xmlns:r="http://schemas.openxmlformats.org/officeDocument/2006/relationships" type="conn" r:blip="" hideGeom="1">
+              <dgm:adjLst/>
+            </dgm:shape>
+            <dgm:presOf axis="self"/>
+            <dgm:constrLst>
+              <dgm:constr type="lMarg"/>
+              <dgm:constr type="rMarg"/>
+              <dgm:constr type="tMarg"/>
+              <dgm:constr type="bMarg"/>
+            </dgm:constrLst>
+            <dgm:ruleLst>
+              <dgm:rule type="primFontSz" val="5" fact="NaN" max="NaN"/>
+            </dgm:ruleLst>
+          </dgm:layoutNode>
+        </dgm:layoutNode>
+      </dgm:forEach>
+    </dgm:forEach>
+  </dgm:layoutNode>
+</dgm:layoutDef>
+</file>
+
+<file path=ppt/diagrams/layout2.xml><?xml version="1.0" encoding="utf-8"?>
+<dgm:layoutDef xmlns:dgm="http://schemas.openxmlformats.org/drawingml/2006/diagram" xmlns:a="http://schemas.openxmlformats.org/drawingml/2006/main" uniqueId="urn:microsoft.com/office/officeart/2005/8/layout/process1">
+  <dgm:title val=""/>
+  <dgm:desc val=""/>
+  <dgm:catLst>
+    <dgm:cat type="process" pri="1000"/>
+    <dgm:cat type="convert" pri="15000"/>
+  </dgm:catLst>
+  <dgm:sampData useDef="1">
+    <dgm:dataModel>
+      <dgm:ptLst/>
+      <dgm:bg/>
+      <dgm:whole/>
+    </dgm:dataModel>
+  </dgm:sampData>
+  <dgm:styleData>
+    <dgm:dataModel>
+      <dgm:ptLst>
+        <dgm:pt modelId="0" type="doc"/>
+        <dgm:pt modelId="1"/>
+        <dgm:pt modelId="2"/>
+      </dgm:ptLst>
+      <dgm:cxnLst>
+        <dgm:cxn modelId="3" srcId="0" destId="1" srcOrd="0" destOrd="0"/>
+        <dgm:cxn modelId="4" srcId="0" destId="2" srcOrd="1" destOrd="0"/>
+      </dgm:cxnLst>
+      <dgm:bg/>
+      <dgm:whole/>
+    </dgm:dataModel>
+  </dgm:styleData>
+  <dgm:clrData>
+    <dgm:dataModel>
+      <dgm:ptLst>
+        <dgm:pt modelId="0" type="doc"/>
+        <dgm:pt modelId="1"/>
+        <dgm:pt modelId="2"/>
+        <dgm:pt modelId="3"/>
+        <dgm:pt modelId="4"/>
+      </dgm:ptLst>
+      <dgm:cxnLst>
+        <dgm:cxn modelId="5" srcId="0" destId="1" srcOrd="0" destOrd="0"/>
+        <dgm:cxn modelId="6" srcId="0" destId="2" srcOrd="1" destOrd="0"/>
+        <dgm:cxn modelId="7" srcId="0" destId="3" srcOrd="2" destOrd="0"/>
+        <dgm:cxn modelId="8" srcId="0" destId="4" srcOrd="3" destOrd="0"/>
+      </dgm:cxnLst>
+      <dgm:bg/>
+      <dgm:whole/>
+    </dgm:dataModel>
+  </dgm:clrData>
+  <dgm:layoutNode name="Name0">
+    <dgm:varLst>
+      <dgm:dir/>
+      <dgm:resizeHandles val="exact"/>
+    </dgm:varLst>
+    <dgm:choose name="Name1">
+      <dgm:if name="Name2" func="var" arg="dir" op="equ" val="norm">
+        <dgm:alg type="lin"/>
+      </dgm:if>
+      <dgm:else name="Name3">
+        <dgm:alg type="lin">
+          <dgm:param type="linDir" val="fromR"/>
+        </dgm:alg>
+      </dgm:else>
+    </dgm:choose>
+    <dgm:shape xmlns:r="http://schemas.openxmlformats.org/officeDocument/2006/relationships" r:blip="">
+      <dgm:adjLst/>
+    </dgm:shape>
+    <dgm:presOf/>
+    <dgm:constrLst>
+      <dgm:constr type="w" for="ch" ptType="node" refType="w"/>
+      <dgm:constr type="h" for="ch" ptType="node" op="equ"/>
+      <dgm:constr type="primFontSz" for="ch" ptType="node" op="equ" val="65"/>
+      <dgm:constr type="w" for="ch" ptType="sibTrans" refType="w" refFor="ch" refPtType="node" op="equ" fact="0.4"/>
+      <dgm:constr type="h" for="ch" ptType="sibTrans" op="equ"/>
+      <dgm:constr type="primFontSz" for="des" forName="connectorText" op="equ" val="55"/>
+      <dgm:constr type="primFontSz" for="des" forName="connectorText" refType="primFontSz" refFor="ch" refPtType="node" op="lte" fact="0.8"/>
+    </dgm:constrLst>
+    <dgm:ruleLst/>
+    <dgm:forEach name="nodesForEach" axis="ch" ptType="node">
+      <dgm:layoutNode name="node">
+        <dgm:varLst>
+          <dgm:bulletEnabled val="1"/>
+        </dgm:varLst>
+        <dgm:alg type="tx"/>
+        <dgm:shape xmlns:r="http://schemas.openxmlformats.org/officeDocument/2006/relationships" type="roundRect" r:blip="">
+          <dgm:adjLst>
+            <dgm:adj idx="1" val="0.1"/>
+          </dgm:adjLst>
+        </dgm:shape>
+        <dgm:presOf axis="desOrSelf" ptType="node"/>
+        <dgm:constrLst>
+          <dgm:constr type="h" refType="w" fact="0.6"/>
+          <dgm:constr type="tMarg" refType="primFontSz" fact="0.3"/>
+          <dgm:constr type="bMarg" refType="primFontSz" fact="0.3"/>
+          <dgm:constr type="lMarg" refType="primFontSz" fact="0.3"/>
+          <dgm:constr type="rMarg" refType="primFontSz" fact="0.3"/>
+        </dgm:constrLst>
+        <dgm:ruleLst>
+          <dgm:rule type="primFontSz" val="18" fact="NaN" max="NaN"/>
+          <dgm:rule type="h" val="NaN" fact="1.5" max="NaN"/>
+          <dgm:rule type="primFontSz" val="5" fact="NaN" max="NaN"/>
+          <dgm:rule type="h" val="INF" fact="NaN" max="NaN"/>
+        </dgm:ruleLst>
+      </dgm:layoutNode>
+      <dgm:forEach name="sibTransForEach" axis="followSib" ptType="sibTrans" cnt="1">
+        <dgm:layoutNode name="sibTrans">
+          <dgm:alg type="conn">
+            <dgm:param type="begPts" val="auto"/>
+            <dgm:param type="endPts" val="auto"/>
+          </dgm:alg>
+          <dgm:shape xmlns:r="http://schemas.openxmlformats.org/officeDocument/2006/relationships" type="conn" r:blip="">
+            <dgm:adjLst/>
+          </dgm:shape>
+          <dgm:presOf axis="self"/>
+          <dgm:constrLst>
+            <dgm:constr type="h" refType="w" fact="0.62"/>
+            <dgm:constr type="connDist"/>
+            <dgm:constr type="begPad" refType="connDist" fact="0.25"/>
+            <dgm:constr type="endPad" refType="connDist" fact="0.22"/>
+          </dgm:constrLst>
+          <dgm:ruleLst/>
+          <dgm:layoutNode name="connectorText">
+            <dgm:alg type="tx">
+              <dgm:param type="autoTxRot" val="grav"/>
+            </dgm:alg>
+            <dgm:shape xmlns:r="http://schemas.openxmlformats.org/officeDocument/2006/relationships" type="conn" r:blip="" hideGeom="1">
+              <dgm:adjLst/>
+            </dgm:shape>
+            <dgm:presOf axis="self"/>
+            <dgm:constrLst>
+              <dgm:constr type="lMarg"/>
+              <dgm:constr type="rMarg"/>
+              <dgm:constr type="tMarg"/>
+              <dgm:constr type="bMarg"/>
+            </dgm:constrLst>
+            <dgm:ruleLst>
+              <dgm:rule type="primFontSz" val="5" fact="NaN" max="NaN"/>
+            </dgm:ruleLst>
+          </dgm:layoutNode>
+        </dgm:layoutNode>
+      </dgm:forEach>
+    </dgm:forEach>
+  </dgm:layoutNode>
+</dgm:layoutDef>
+</file>
+
+<file path=ppt/diagrams/quickStyle1.xml><?xml version="1.0" encoding="utf-8"?>
+<dgm:styleDef xmlns:dgm="http://schemas.openxmlformats.org/drawingml/2006/diagram" xmlns:a="http://schemas.openxmlformats.org/drawingml/2006/main" uniqueId="urn:microsoft.com/office/officeart/2005/8/quickstyle/simple1">
+  <dgm:title val=""/>
+  <dgm:desc val=""/>
+  <dgm:catLst>
+    <dgm:cat type="simple" pri="10100"/>
+  </dgm:catLst>
+  <dgm:scene3d>
+    <a:camera prst="orthographicFront"/>
+    <a:lightRig rig="threePt" dir="t"/>
+  </dgm:scene3d>
+  <dgm:styleLbl name="node0">
+    <dgm:scene3d>
+      <a:camera prst="orthographicFront"/>
+      <a:lightRig rig="threePt" dir="t"/>
+    </dgm:scene3d>
+    <dgm:sp3d/>
+    <dgm:txPr/>
+    <dgm:style>
+      <a:lnRef idx="2">
+        <a:scrgbClr r="0" g="0" b="0"/>
+      </a:lnRef>
+      <a:fillRef idx="1">
+        <a:scrgbClr r="0" g="0" b="0"/>
+      </a:fillRef>
+      <a:effectRef idx="0">
+        <a:scrgbClr r="0" g="0" b="0"/>
+      </a:effectRef>
+      <a:fontRef idx="minor">
+        <a:schemeClr val="lt1"/>
+      </a:fontRef>
+    </dgm:style>
+  </dgm:styleLbl>
+  <dgm:styleLbl name="lnNode1">
+    <dgm:scene3d>
+      <a:camera prst="orthographicFront"/>
+      <a:lightRig rig="threePt" dir="t"/>
+    </dgm:scene3d>
+    <dgm:sp3d/>
+    <dgm:txPr/>
+    <dgm:style>
+      <a:lnRef idx="2">
+        <a:scrgbClr r="0" g="0" b="0"/>
+      </a:lnRef>
+      <a:fillRef idx="1">
+        <a:scrgbClr r="0" g="0" b="0"/>
+      </a:fillRef>
+      <a:effectRef idx="0">
+        <a:scrgbClr r="0" g="0" b="0"/>
+      </a:effectRef>
+      <a:fontRef idx="minor">
+        <a:schemeClr val="lt1"/>
+      </a:fontRef>
+    </dgm:style>
+  </dgm:styleLbl>
+  <dgm:styleLbl name="vennNode1">
+    <dgm:scene3d>
+      <a:camera prst="orthographicFront"/>
+      <a:lightRig rig="threePt" dir="t"/>
+    </dgm:scene3d>
+    <dgm:sp3d/>
+    <dgm:txPr/>
+    <dgm:style>
+      <a:lnRef idx="2">
+        <a:scrgbClr r="0" g="0" b="0"/>
+      </a:lnRef>
+      <a:fillRef idx="1">
+        <a:scrgbClr r="0" g="0" b="0"/>
+      </a:fillRef>
+      <a:effectRef idx="0">
+        <a:scrgbClr r="0" g="0" b="0"/>
+      </a:effectRef>
+      <a:fontRef idx="minor">
+        <a:schemeClr val="tx1"/>
+      </a:fontRef>
+    </dgm:style>
+  </dgm:styleLbl>
+  <dgm:styleLbl name="alignNode1">
+    <dgm:scene3d>
+      <a:camera prst="orthographicFront"/>
+      <a:lightRig rig="threePt" dir="t"/>
+    </dgm:scene3d>
+    <dgm:sp3d/>
+    <dgm:txPr/>
+    <dgm:style>
+      <a:lnRef idx="2">
+        <a:scrgbClr r="0" g="0" b="0"/>
+      </a:lnRef>
+      <a:fillRef idx="1">
+        <a:scrgbClr r="0" g="0" b="0"/>
+      </a:fillRef>
+      <a:effectRef idx="0">
+        <a:scrgbClr r="0" g="0" b="0"/>
+      </a:effectRef>
+      <a:fontRef idx="minor">
+        <a:schemeClr val="lt1"/>
+      </a:fontRef>
+    </dgm:style>
+  </dgm:styleLbl>
+  <dgm:styleLbl name="node1">
+    <dgm:scene3d>
+      <a:camera prst="orthographicFront"/>
+      <a:lightRig rig="threePt" dir="t"/>
+    </dgm:scene3d>
+    <dgm:sp3d/>
+    <dgm:txPr/>
+    <dgm:style>
+      <a:lnRef idx="2">
+        <a:scrgbClr r="0" g="0" b="0"/>
+      </a:lnRef>
+      <a:fillRef idx="1">
+        <a:scrgbClr r="0" g="0" b="0"/>
+      </a:fillRef>
+      <a:effectRef idx="0">
+        <a:scrgbClr r="0" g="0" b="0"/>
+      </a:effectRef>
+      <a:fontRef idx="minor">
+        <a:schemeClr val="lt1"/>
+      </a:fontRef>
+    </dgm:style>
+  </dgm:styleLbl>
+  <dgm:styleLbl name="node2">
+    <dgm:scene3d>
+      <a:camera prst="orthographicFront"/>
+      <a:lightRig rig="threePt" dir="t"/>
+    </dgm:scene3d>
+    <dgm:sp3d/>
+    <dgm:txPr/>
+    <dgm:style>
+      <a:lnRef idx="2">
+        <a:scrgbClr r="0" g="0" b="0"/>
+      </a:lnRef>
+      <a:fillRef idx="1">
+        <a:scrgbClr r="0" g="0" b="0"/>
+      </a:fillRef>
+      <a:effectRef idx="0">
+        <a:scrgbClr r="0" g="0" b="0"/>
+      </a:effectRef>
+      <a:fontRef idx="minor">
+        <a:schemeClr val="lt1"/>
+      </a:fontRef>
+    </dgm:style>
+  </dgm:styleLbl>
+  <dgm:styleLbl name="node3">
+    <dgm:scene3d>
+      <a:camera prst="orthographicFront"/>
+      <a:lightRig rig="threePt" dir="t"/>
+    </dgm:scene3d>
+    <dgm:sp3d/>
+    <dgm:txPr/>
+    <dgm:style>
+      <a:lnRef idx="2">
+        <a:scrgbClr r="0" g="0" b="0"/>
+      </a:lnRef>
+      <a:fillRef idx="1">
+        <a:scrgbClr r="0" g="0" b="0"/>
+      </a:fillRef>
+      <a:effectRef idx="0">
+        <a:scrgbClr r="0" g="0" b="0"/>
+      </a:effectRef>
+      <a:fontRef idx="minor">
+        <a:schemeClr val="lt1"/>
+      </a:fontRef>
+    </dgm:style>
+  </dgm:styleLbl>
+  <dgm:styleLbl name="node4">
+    <dgm:scene3d>
+      <a:camera prst="orthographicFront"/>
+      <a:lightRig rig="threePt" dir="t"/>
+    </dgm:scene3d>
+    <dgm:sp3d/>
+    <dgm:txPr/>
+    <dgm:style>
+      <a:lnRef idx="2">
+        <a:scrgbClr r="0" g="0" b="0"/>
+      </a:lnRef>
+      <a:fillRef idx="1">
+        <a:scrgbClr r="0" g="0" b="0"/>
+      </a:fillRef>
+      <a:effectRef idx="0">
+        <a:scrgbClr r="0" g="0" b="0"/>
+      </a:effectRef>
+      <a:fontRef idx="minor">
+        <a:schemeClr val="lt1"/>
+      </a:fontRef>
+    </dgm:style>
+  </dgm:styleLbl>
+  <dgm:styleLbl name="fgImgPlace1">
+    <dgm:scene3d>
+      <a:camera prst="orthographicFront"/>
+      <a:lightRig rig="threePt" dir="t"/>
+    </dgm:scene3d>
+    <dgm:sp3d/>
+    <dgm:txPr/>
+    <dgm:style>
+      <a:lnRef idx="2">
+        <a:scrgbClr r="0" g="0" b="0"/>
+      </a:lnRef>
+      <a:fillRef idx="1">
+        <a:scrgbClr r="0" g="0" b="0"/>
+      </a:fillRef>
+      <a:effectRef idx="0">
+        <a:scrgbClr r="0" g="0" b="0"/>
+      </a:effectRef>
+      <a:fontRef idx="minor"/>
+    </dgm:style>
+  </dgm:styleLbl>
+  <dgm:styleLbl name="alignImgPlace1">
+    <dgm:scene3d>
+      <a:camera prst="orthographicFront"/>
+      <a:lightRig rig="threePt" dir="t"/>
+    </dgm:scene3d>
+    <dgm:sp3d/>
+    <dgm:txPr/>
+    <dgm:style>
+      <a:lnRef idx="2">
+        <a:scrgbClr r="0" g="0" b="0"/>
+      </a:lnRef>
+      <a:fillRef idx="1">
+        <a:scrgbClr r="0" g="0" b="0"/>
+      </a:fillRef>
+      <a:effectRef idx="0">
+        <a:scrgbClr r="0" g="0" b="0"/>
+      </a:effectRef>
+      <a:fontRef idx="minor"/>
+    </dgm:style>
+  </dgm:styleLbl>
+  <dgm:styleLbl name="bgImgPlace1">
+    <dgm:scene3d>
+      <a:camera prst="orthographicFront"/>
+      <a:lightRig rig="threePt" dir="t"/>
+    </dgm:scene3d>
+    <dgm:sp3d/>
+    <dgm:txPr/>
+    <dgm:style>
+      <a:lnRef idx="2">
+        <a:scrgbClr r="0" g="0" b="0"/>
+      </a:lnRef>
+      <a:fillRef idx="1">
+        <a:scrgbClr r="0" g="0" b="0"/>
+      </a:fillRef>
+      <a:effectRef idx="0">
+        <a:scrgbClr r="0" g="0" b="0"/>
+      </a:effectRef>
+      <a:fontRef idx="minor"/>
+    </dgm:style>
+  </dgm:styleLbl>
+  <dgm:styleLbl name="sibTrans2D1">
+    <dgm:scene3d>
+      <a:camera prst="orthographicFront"/>
+      <a:lightRig rig="threePt" dir="t"/>
+    </dgm:scene3d>
+    <dgm:sp3d/>
+    <dgm:txPr/>
+    <dgm:style>
+      <a:lnRef idx="0">
+        <a:scrgbClr r="0" g="0" b="0"/>
+      </a:lnRef>
+      <a:fillRef idx="1">
+        <a:scrgbClr r="0" g="0" b="0"/>
+      </a:fillRef>
+      <a:effectRef idx="0">
+        <a:scrgbClr r="0" g="0" b="0"/>
+      </a:effectRef>
+      <a:fontRef idx="minor">
+        <a:schemeClr val="lt1"/>
+      </a:fontRef>
+    </dgm:style>
+  </dgm:styleLbl>
+  <dgm:styleLbl name="fgSibTrans2D1">
+    <dgm:scene3d>
+      <a:camera prst="orthographicFront"/>
+      <a:lightRig rig="threePt" dir="t"/>
+    </dgm:scene3d>
+    <dgm:sp3d/>
+    <dgm:txPr/>
+    <dgm:style>
+      <a:lnRef idx="0">
+        <a:scrgbClr r="0" g="0" b="0"/>
+      </a:lnRef>
+      <a:fillRef idx="1">
+        <a:scrgbClr r="0" g="0" b="0"/>
+      </a:fillRef>
+      <a:effectRef idx="0">
+        <a:scrgbClr r="0" g="0" b="0"/>
+      </a:effectRef>
+      <a:fontRef idx="minor">
+        <a:schemeClr val="lt1"/>
+      </a:fontRef>
+    </dgm:style>
+  </dgm:styleLbl>
+  <dgm:styleLbl name="bgSibTrans2D1">
+    <dgm:scene3d>
+      <a:camera prst="orthographicFront"/>
+      <a:lightRig rig="threePt" dir="t"/>
+    </dgm:scene3d>
+    <dgm:sp3d/>
+    <dgm:txPr/>
+    <dgm:style>
+      <a:lnRef idx="0">
+        <a:scrgbClr r="0" g="0" b="0"/>
+      </a:lnRef>
+      <a:fillRef idx="1">
+        <a:scrgbClr r="0" g="0" b="0"/>
+      </a:fillRef>
+      <a:effectRef idx="0">
+        <a:scrgbClr r="0" g="0" b="0"/>
+      </a:effectRef>
+      <a:fontRef idx="minor">
+        <a:schemeClr val="lt1"/>
+      </a:fontRef>
+    </dgm:style>
+  </dgm:styleLbl>
+  <dgm:styleLbl name="sibTrans1D1">
+    <dgm:scene3d>
+      <a:camera prst="orthographicFront"/>
+      <a:lightRig rig="threePt" dir="t"/>
+    </dgm:scene3d>
+    <dgm:sp3d/>
+    <dgm:txPr/>
+    <dgm:style>
+      <a:lnRef idx="1">
+        <a:scrgbClr r="0" g="0" b="0"/>
+      </a:lnRef>
+      <a:fillRef idx="0">
+        <a:scrgbClr r="0" g="0" b="0"/>
+      </a:fillRef>
+      <a:effectRef idx="0">
+        <a:scrgbClr r="0" g="0" b="0"/>
+      </a:effectRef>
+      <a:fontRef idx="minor"/>
+    </dgm:style>
+  </dgm:styleLbl>
+  <dgm:styleLbl name="callout">
+    <dgm:scene3d>
+      <a:camera prst="orthographicFront"/>
+      <a:lightRig rig="threePt" dir="t"/>
+    </dgm:scene3d>
+    <dgm:sp3d/>
+    <dgm:txPr/>
+    <dgm:style>
+      <a:lnRef idx="2">
+        <a:scrgbClr r="0" g="0" b="0"/>
+      </a:lnRef>
+      <a:fillRef idx="1">
+        <a:scrgbClr r="0" g="0" b="0"/>
+      </a:fillRef>
+      <a:effectRef idx="0">
+        <a:scrgbClr r="0" g="0" b="0"/>
+      </a:effectRef>
+      <a:fontRef idx="minor"/>
+    </dgm:style>
+  </dgm:styleLbl>
+  <dgm:styleLbl name="asst0">
+    <dgm:scene3d>
+      <a:camera prst="orthographicFront"/>
+      <a:lightRig rig="threePt" dir="t"/>
+    </dgm:scene3d>
+    <dgm:sp3d/>
+    <dgm:txPr/>
+    <dgm:style>
+      <a:lnRef idx="2">
+        <a:scrgbClr r="0" g="0" b="0"/>
+      </a:lnRef>
+      <a:fillRef idx="1">
+        <a:scrgbClr r="0" g="0" b="0"/>
+      </a:fillRef>
+      <a:effectRef idx="0">
+        <a:scrgbClr r="0" g="0" b="0"/>
+      </a:effectRef>
+      <a:fontRef idx="minor">
+        <a:schemeClr val="lt1"/>
+      </a:fontRef>
+    </dgm:style>
+  </dgm:styleLbl>
+  <dgm:styleLbl name="asst1">
+    <dgm:scene3d>
+      <a:camera prst="orthographicFront"/>
+      <a:lightRig rig="threePt" dir="t"/>
+    </dgm:scene3d>
+    <dgm:sp3d/>
+    <dgm:txPr/>
+    <dgm:style>
+      <a:lnRef idx="2">
+        <a:scrgbClr r="0" g="0" b="0"/>
+      </a:lnRef>
+      <a:fillRef idx="1">
+        <a:scrgbClr r="0" g="0" b="0"/>
+      </a:fillRef>
+      <a:effectRef idx="0">
+        <a:scrgbClr r="0" g="0" b="0"/>
+      </a:effectRef>
+      <a:fontRef idx="minor">
+        <a:schemeClr val="lt1"/>
+      </a:fontRef>
+    </dgm:style>
+  </dgm:styleLbl>
+  <dgm:styleLbl name="asst2">
+    <dgm:scene3d>
+      <a:camera prst="orthographicFront"/>
+      <a:lightRig rig="threePt" dir="t"/>
+    </dgm:scene3d>
+    <dgm:sp3d/>
+    <dgm:txPr/>
+    <dgm:style>
+      <a:lnRef idx="2">
+        <a:scrgbClr r="0" g="0" b="0"/>
+      </a:lnRef>
+      <a:fillRef idx="1">
+        <a:scrgbClr r="0" g="0" b="0"/>
+      </a:fillRef>
+      <a:effectRef idx="0">
+        <a:scrgbClr r="0" g="0" b="0"/>
+      </a:effectRef>
+      <a:fontRef idx="minor">
+        <a:schemeClr val="lt1"/>
+      </a:fontRef>
+    </dgm:style>
+  </dgm:styleLbl>
+  <dgm:styleLbl name="asst3">
+    <dgm:scene3d>
+      <a:camera prst="orthographicFront"/>
+      <a:lightRig rig="threePt" dir="t"/>
+    </dgm:scene3d>
+    <dgm:sp3d/>
+    <dgm:txPr/>
+    <dgm:style>
+      <a:lnRef idx="2">
+        <a:scrgbClr r="0" g="0" b="0"/>
+      </a:lnRef>
+      <a:fillRef idx="1">
+        <a:scrgbClr r="0" g="0" b="0"/>
+      </a:fillRef>
+      <a:effectRef idx="0">
+        <a:scrgbClr r="0" g="0" b="0"/>
+      </a:effectRef>
+      <a:fontRef idx="minor">
+        <a:schemeClr val="lt1"/>
+      </a:fontRef>
+    </dgm:style>
+  </dgm:styleLbl>
+  <dgm:styleLbl name="asst4">
+    <dgm:scene3d>
+      <a:camera prst="orthographicFront"/>
+      <a:lightRig rig="threePt" dir="t"/>
+    </dgm:scene3d>
+    <dgm:sp3d/>
+    <dgm:txPr/>
+    <dgm:style>
+      <a:lnRef idx="2">
+        <a:scrgbClr r="0" g="0" b="0"/>
+      </a:lnRef>
+      <a:fillRef idx="1">
+        <a:scrgbClr r="0" g="0" b="0"/>
+      </a:fillRef>
+      <a:effectRef idx="0">
+        <a:scrgbClr r="0" g="0" b="0"/>
+      </a:effectRef>
+      <a:fontRef idx="minor">
+        <a:schemeClr val="lt1"/>
+      </a:fontRef>
+    </dgm:style>
+  </dgm:styleLbl>
+  <dgm:styleLbl name="parChTrans2D1">
+    <dgm:scene3d>
+      <a:camera prst="orthographicFront"/>
+      <a:lightRig rig="threePt" dir="t"/>
+    </dgm:scene3d>
+    <dgm:sp3d/>
+    <dgm:txPr/>
+    <dgm:style>
+      <a:lnRef idx="2">
+        <a:scrgbClr r="0" g="0" b="0"/>
+      </a:lnRef>
+      <a:fillRef idx="1">
+        <a:scrgbClr r="0" g="0" b="0"/>
+      </a:fillRef>
+      <a:effectRef idx="0">
+        <a:scrgbClr r="0" g="0" b="0"/>
+      </a:effectRef>
+      <a:fontRef idx="minor">
+        <a:schemeClr val="lt1"/>
+      </a:fontRef>
+    </dgm:style>
+  </dgm:styleLbl>
+  <dgm:styleLbl name="parChTrans2D2">
+    <dgm:scene3d>
+      <a:camera prst="orthographicFront"/>
+      <a:lightRig rig="threePt" dir="t"/>
+    </dgm:scene3d>
+    <dgm:sp3d/>
+    <dgm:txPr/>
+    <dgm:style>
+      <a:lnRef idx="2">
+        <a:scrgbClr r="0" g="0" b="0"/>
+      </a:lnRef>
+      <a:fillRef idx="1">
+        <a:scrgbClr r="0" g="0" b="0"/>
+      </a:fillRef>
+      <a:effectRef idx="0">
+        <a:scrgbClr r="0" g="0" b="0"/>
+      </a:effectRef>
+      <a:fontRef idx="minor">
+        <a:schemeClr val="lt1"/>
+      </a:fontRef>
+    </dgm:style>
+  </dgm:styleLbl>
+  <dgm:styleLbl name="parChTrans2D3">
+    <dgm:scene3d>
+      <a:camera prst="orthographicFront"/>
+      <a:lightRig rig="threePt" dir="t"/>
+    </dgm:scene3d>
+    <dgm:sp3d/>
+    <dgm:txPr/>
+    <dgm:style>
+      <a:lnRef idx="2">
+        <a:scrgbClr r="0" g="0" b="0"/>
+      </a:lnRef>
+      <a:fillRef idx="1">
+        <a:scrgbClr r="0" g="0" b="0"/>
+      </a:fillRef>
+      <a:effectRef idx="0">
+        <a:scrgbClr r="0" g="0" b="0"/>
+      </a:effectRef>
+      <a:fontRef idx="minor">
+        <a:schemeClr val="lt1"/>
+      </a:fontRef>
+    </dgm:style>
+  </dgm:styleLbl>
+  <dgm:styleLbl name="parChTrans2D4">
+    <dgm:scene3d>
+      <a:camera prst="orthographicFront"/>
+      <a:lightRig rig="threePt" dir="t"/>
+    </dgm:scene3d>
+    <dgm:sp3d/>
+    <dgm:txPr/>
+    <dgm:style>
+      <a:lnRef idx="2">
+        <a:scrgbClr r="0" g="0" b="0"/>
+      </a:lnRef>
+      <a:fillRef idx="1">
+        <a:scrgbClr r="0" g="0" b="0"/>
+      </a:fillRef>
+      <a:effectRef idx="0">
+        <a:scrgbClr r="0" g="0" b="0"/>
+      </a:effectRef>
+      <a:fontRef idx="minor">
+        <a:schemeClr val="lt1"/>
+      </a:fontRef>
+    </dgm:style>
+  </dgm:styleLbl>
+  <dgm:styleLbl name="parChTrans1D1">
+    <dgm:scene3d>
+      <a:camera prst="orthographicFront"/>
+      <a:lightRig rig="threePt" dir="t"/>
+    </dgm:scene3d>
+    <dgm:sp3d/>
+    <dgm:txPr/>
+    <dgm:style>
+      <a:lnRef idx="2">
+        <a:scrgbClr r="0" g="0" b="0"/>
+      </a:lnRef>
+      <a:fillRef idx="0">
+        <a:scrgbClr r="0" g="0" b="0"/>
+      </a:fillRef>
+      <a:effectRef idx="0">
+        <a:scrgbClr r="0" g="0" b="0"/>
+      </a:effectRef>
+      <a:fontRef idx="minor"/>
+    </dgm:style>
+  </dgm:styleLbl>
+  <dgm:styleLbl name="parChTrans1D2">
+    <dgm:scene3d>
+      <a:camera prst="orthographicFront"/>
+      <a:lightRig rig="threePt" dir="t"/>
+    </dgm:scene3d>
+    <dgm:sp3d/>
+    <dgm:txPr/>
+    <dgm:style>
+      <a:lnRef idx="2">
+        <a:scrgbClr r="0" g="0" b="0"/>
+      </a:lnRef>
+      <a:fillRef idx="0">
+        <a:scrgbClr r="0" g="0" b="0"/>
+      </a:fillRef>
+      <a:effectRef idx="0">
+        <a:scrgbClr r="0" g="0" b="0"/>
+      </a:effectRef>
+      <a:fontRef idx="minor"/>
+    </dgm:style>
+  </dgm:styleLbl>
+  <dgm:styleLbl name="parChTrans1D3">
+    <dgm:scene3d>
+      <a:camera prst="orthographicFront"/>
+      <a:lightRig rig="threePt" dir="t"/>
+    </dgm:scene3d>
+    <dgm:sp3d/>
+    <dgm:txPr/>
+    <dgm:style>
+      <a:lnRef idx="2">
+        <a:scrgbClr r="0" g="0" b="0"/>
+      </a:lnRef>
+      <a:fillRef idx="0">
+        <a:scrgbClr r="0" g="0" b="0"/>
+      </a:fillRef>
+      <a:effectRef idx="0">
+        <a:scrgbClr r="0" g="0" b="0"/>
+      </a:effectRef>
+      <a:fontRef idx="minor"/>
+    </dgm:style>
+  </dgm:styleLbl>
+  <dgm:styleLbl name="parChTrans1D4">
+    <dgm:scene3d>
+      <a:camera prst="orthographicFront"/>
+      <a:lightRig rig="threePt" dir="t"/>
+    </dgm:scene3d>
+    <dgm:sp3d/>
+    <dgm:txPr/>
+    <dgm:style>
+      <a:lnRef idx="2">
+        <a:scrgbClr r="0" g="0" b="0"/>
+      </a:lnRef>
+      <a:fillRef idx="0">
+        <a:scrgbClr r="0" g="0" b="0"/>
+      </a:fillRef>
+      <a:effectRef idx="0">
+        <a:scrgbClr r="0" g="0" b="0"/>
+      </a:effectRef>
+      <a:fontRef idx="minor"/>
+    </dgm:style>
+  </dgm:styleLbl>
+  <dgm:styleLbl name="fgAcc1">
+    <dgm:scene3d>
+      <a:camera prst="orthographicFront"/>
+      <a:lightRig rig="threePt" dir="t"/>
+    </dgm:scene3d>
+    <dgm:sp3d/>
+    <dgm:txPr/>
+    <dgm:style>
+      <a:lnRef idx="2">
+        <a:scrgbClr r="0" g="0" b="0"/>
+      </a:lnRef>
+      <a:fillRef idx="1">
+        <a:scrgbClr r="0" g="0" b="0"/>
+      </a:fillRef>
+      <a:effectRef idx="0">
+        <a:scrgbClr r="0" g="0" b="0"/>
+      </a:effectRef>
+      <a:fontRef idx="minor"/>
+    </dgm:style>
+  </dgm:styleLbl>
+  <dgm:styleLbl name="conFgAcc1">
+    <dgm:scene3d>
+      <a:camera prst="orthographicFront"/>
+      <a:lightRig rig="threePt" dir="t"/>
+    </dgm:scene3d>
+    <dgm:sp3d/>
+    <dgm:txPr/>
+    <dgm:style>
+      <a:lnRef idx="2">
+        <a:scrgbClr r="0" g="0" b="0"/>
+      </a:lnRef>
+      <a:fillRef idx="1">
+        <a:scrgbClr r="0" g="0" b="0"/>
+      </a:fillRef>
+      <a:effectRef idx="0">
+        <a:scrgbClr r="0" g="0" b="0"/>
+      </a:effectRef>
+      <a:fontRef idx="minor"/>
+    </dgm:style>
+  </dgm:styleLbl>
+  <dgm:styleLbl name="alignAcc1">
+    <dgm:scene3d>
+      <a:camera prst="orthographicFront"/>
+      <a:lightRig rig="threePt" dir="t"/>
+    </dgm:scene3d>
+    <dgm:sp3d/>
+    <dgm:txPr/>
+    <dgm:style>
+      <a:lnRef idx="2">
+        <a:scrgbClr r="0" g="0" b="0"/>
+      </a:lnRef>
+      <a:fillRef idx="1">
+        <a:scrgbClr r="0" g="0" b="0"/>
+      </a:fillRef>
+      <a:effectRef idx="0">
+        <a:scrgbClr r="0" g="0" b="0"/>
+      </a:effectRef>
+      <a:fontRef idx="minor"/>
+    </dgm:style>
+  </dgm:styleLbl>
+  <dgm:styleLbl name="trAlignAcc1">
+    <dgm:scene3d>
+      <a:camera prst="orthographicFront"/>
+      <a:lightRig rig="threePt" dir="t"/>
+    </dgm:scene3d>
+    <dgm:sp3d/>
+    <dgm:txPr/>
+    <dgm:style>
+      <a:lnRef idx="1">
+        <a:scrgbClr r="0" g="0" b="0"/>
+      </a:lnRef>
+      <a:fillRef idx="1">
+        <a:scrgbClr r="0" g="0" b="0"/>
+      </a:fillRef>
+      <a:effectRef idx="0">
+        <a:scrgbClr r="0" g="0" b="0"/>
+      </a:effectRef>
+      <a:fontRef idx="minor"/>
+    </dgm:style>
+  </dgm:styleLbl>
+  <dgm:styleLbl name="bgAcc1">
+    <dgm:scene3d>
+      <a:camera prst="orthographicFront"/>
+      <a:lightRig rig="threePt" dir="t"/>
+    </dgm:scene3d>
+    <dgm:sp3d/>
+    <dgm:txPr/>
+    <dgm:style>
+      <a:lnRef idx="2">
+        <a:scrgbClr r="0" g="0" b="0"/>
+      </a:lnRef>
+      <a:fillRef idx="1">
+        <a:scrgbClr r="0" g="0" b="0"/>
+      </a:fillRef>
+      <a:effectRef idx="0">
+        <a:scrgbClr r="0" g="0" b="0"/>
+      </a:effectRef>
+      <a:fontRef idx="minor"/>
+    </dgm:style>
+  </dgm:styleLbl>
+  <dgm:styleLbl name="solidFgAcc1">
+    <dgm:scene3d>
+      <a:camera prst="orthographicFront"/>
+      <a:lightRig rig="threePt" dir="t"/>
+    </dgm:scene3d>
+    <dgm:sp3d/>
+    <dgm:txPr/>
+    <dgm:style>
+      <a:lnRef idx="2">
+        <a:scrgbClr r="0" g="0" b="0"/>
+      </a:lnRef>
+      <a:fillRef idx="1">
+        <a:scrgbClr r="0" g="0" b="0"/>
+      </a:fillRef>
+      <a:effectRef idx="0">
+        <a:scrgbClr r="0" g="0" b="0"/>
+      </a:effectRef>
+      <a:fontRef idx="minor"/>
+    </dgm:style>
+  </dgm:styleLbl>
+  <dgm:styleLbl name="solidAlignAcc1">
+    <dgm:scene3d>
+      <a:camera prst="orthographicFront"/>
+      <a:lightRig rig="threePt" dir="t"/>
+    </dgm:scene3d>
+    <dgm:sp3d/>
+    <dgm:txPr/>
+    <dgm:style>
+      <a:lnRef idx="2">
+        <a:scrgbClr r="0" g="0" b="0"/>
+      </a:lnRef>
+      <a:fillRef idx="1">
+        <a:scrgbClr r="0" g="0" b="0"/>
+      </a:fillRef>
+      <a:effectRef idx="0">
+        <a:scrgbClr r="0" g="0" b="0"/>
+      </a:effectRef>
+      <a:fontRef idx="minor"/>
+    </dgm:style>
+  </dgm:styleLbl>
+  <dgm:styleLbl name="solidBgAcc1">
+    <dgm:scene3d>
+      <a:camera prst="orthographicFront"/>
+      <a:lightRig rig="threePt" dir="t"/>
+    </dgm:scene3d>
+    <dgm:sp3d/>
+    <dgm:txPr/>
+    <dgm:style>
+      <a:lnRef idx="2">
+        <a:scrgbClr r="0" g="0" b="0"/>
+      </a:lnRef>
+      <a:fillRef idx="1">
+        <a:scrgbClr r="0" g="0" b="0"/>
+      </a:fillRef>
+      <a:effectRef idx="0">
+        <a:scrgbClr r="0" g="0" b="0"/>
+      </a:effectRef>
+      <a:fontRef idx="minor"/>
+    </dgm:style>
+  </dgm:styleLbl>
+  <dgm:styleLbl name="fgAccFollowNode1">
+    <dgm:scene3d>
+      <a:camera prst="orthographicFront"/>
+      <a:lightRig rig="threePt" dir="t"/>
+    </dgm:scene3d>
+    <dgm:sp3d/>
+    <dgm:txPr/>
+    <dgm:style>
+      <a:lnRef idx="2">
+        <a:scrgbClr r="0" g="0" b="0"/>
+      </a:lnRef>
+      <a:fillRef idx="1">
+        <a:scrgbClr r="0" g="0" b="0"/>
+      </a:fillRef>
+      <a:effectRef idx="0">
+        <a:scrgbClr r="0" g="0" b="0"/>
+      </a:effectRef>
+      <a:fontRef idx="minor"/>
+    </dgm:style>
+  </dgm:styleLbl>
+  <dgm:styleLbl name="alignAccFollowNode1">
+    <dgm:scene3d>
+      <a:camera prst="orthographicFront"/>
+      <a:lightRig rig="threePt" dir="t"/>
+    </dgm:scene3d>
+    <dgm:sp3d/>
+    <dgm:txPr/>
+    <dgm:style>
+      <a:lnRef idx="2">
+        <a:scrgbClr r="0" g="0" b="0"/>
+      </a:lnRef>
+      <a:fillRef idx="1">
+        <a:scrgbClr r="0" g="0" b="0"/>
+      </a:fillRef>
+      <a:effectRef idx="0">
+        <a:scrgbClr r="0" g="0" b="0"/>
+      </a:effectRef>
+      <a:fontRef idx="minor"/>
+    </dgm:style>
+  </dgm:styleLbl>
+  <dgm:styleLbl name="bgAccFollowNode1">
+    <dgm:scene3d>
+      <a:camera prst="orthographicFront"/>
+      <a:lightRig rig="threePt" dir="t"/>
+    </dgm:scene3d>
+    <dgm:sp3d/>
+    <dgm:txPr/>
+    <dgm:style>
+      <a:lnRef idx="2">
+        <a:scrgbClr r="0" g="0" b="0"/>
+      </a:lnRef>
+      <a:fillRef idx="1">
+        <a:scrgbClr r="0" g="0" b="0"/>
+      </a:fillRef>
+      <a:effectRef idx="0">
+        <a:scrgbClr r="0" g="0" b="0"/>
+      </a:effectRef>
+      <a:fontRef idx="minor"/>
+    </dgm:style>
+  </dgm:styleLbl>
+  <dgm:styleLbl name="fgAcc0">
+    <dgm:scene3d>
+      <a:camera prst="orthographicFront"/>
+      <a:lightRig rig="threePt" dir="t"/>
+    </dgm:scene3d>
+    <dgm:sp3d/>
+    <dgm:txPr/>
+    <dgm:style>
+      <a:lnRef idx="2">
+        <a:scrgbClr r="0" g="0" b="0"/>
+      </a:lnRef>
+      <a:fillRef idx="1">
+        <a:scrgbClr r="0" g="0" b="0"/>
+      </a:fillRef>
+      <a:effectRef idx="0">
+        <a:scrgbClr r="0" g="0" b="0"/>
+      </a:effectRef>
+      <a:fontRef idx="minor"/>
+    </dgm:style>
+  </dgm:styleLbl>
+  <dgm:styleLbl name="fgAcc2">
+    <dgm:scene3d>
+      <a:camera prst="orthographicFront"/>
+      <a:lightRig rig="threePt" dir="t"/>
+    </dgm:scene3d>
+    <dgm:sp3d/>
+    <dgm:txPr/>
+    <dgm:style>
+      <a:lnRef idx="2">
+        <a:scrgbClr r="0" g="0" b="0"/>
+      </a:lnRef>
+      <a:fillRef idx="1">
+        <a:scrgbClr r="0" g="0" b="0"/>
+      </a:fillRef>
+      <a:effectRef idx="0">
+        <a:scrgbClr r="0" g="0" b="0"/>
+      </a:effectRef>
+      <a:fontRef idx="minor"/>
+    </dgm:style>
+  </dgm:styleLbl>
+  <dgm:styleLbl name="fgAcc3">
+    <dgm:scene3d>
+      <a:camera prst="orthographicFront"/>
+      <a:lightRig rig="threePt" dir="t"/>
+    </dgm:scene3d>
+    <dgm:sp3d/>
+    <dgm:txPr/>
+    <dgm:style>
+      <a:lnRef idx="2">
+        <a:scrgbClr r="0" g="0" b="0"/>
+      </a:lnRef>
+      <a:fillRef idx="1">
+        <a:scrgbClr r="0" g="0" b="0"/>
+      </a:fillRef>
+      <a:effectRef idx="0">
+        <a:scrgbClr r="0" g="0" b="0"/>
+      </a:effectRef>
+      <a:fontRef idx="minor"/>
+    </dgm:style>
+  </dgm:styleLbl>
+  <dgm:styleLbl name="fgAcc4">
+    <dgm:scene3d>
+      <a:camera prst="orthographicFront"/>
+      <a:lightRig rig="threePt" dir="t"/>
+    </dgm:scene3d>
+    <dgm:sp3d/>
+    <dgm:txPr/>
+    <dgm:style>
+      <a:lnRef idx="2">
+        <a:scrgbClr r="0" g="0" b="0"/>
+      </a:lnRef>
+      <a:fillRef idx="1">
+        <a:scrgbClr r="0" g="0" b="0"/>
+      </a:fillRef>
+      <a:effectRef idx="0">
+        <a:scrgbClr r="0" g="0" b="0"/>
+      </a:effectRef>
+      <a:fontRef idx="minor"/>
+    </dgm:style>
+  </dgm:styleLbl>
+  <dgm:styleLbl name="bgShp">
+    <dgm:scene3d>
+      <a:camera prst="orthographicFront"/>
+      <a:lightRig rig="threePt" dir="t"/>
+    </dgm:scene3d>
+    <dgm:sp3d/>
+    <dgm:txPr/>
+    <dgm:style>
+      <a:lnRef idx="0">
+        <a:scrgbClr r="0" g="0" b="0"/>
+      </a:lnRef>
+      <a:fillRef idx="1">
+        <a:scrgbClr r="0" g="0" b="0"/>
+      </a:fillRef>
+      <a:effectRef idx="0">
+        <a:scrgbClr r="0" g="0" b="0"/>
+      </a:effectRef>
+      <a:fontRef idx="minor"/>
+    </dgm:style>
+  </dgm:styleLbl>
+  <dgm:styleLbl name="dkBgShp">
+    <dgm:scene3d>
+      <a:camera prst="orthographicFront"/>
+      <a:lightRig rig="threePt" dir="t"/>
+    </dgm:scene3d>
+    <dgm:sp3d/>
+    <dgm:txPr/>
+    <dgm:style>
+      <a:lnRef idx="0">
+        <a:scrgbClr r="0" g="0" b="0"/>
+      </a:lnRef>
+      <a:fillRef idx="1">
+        <a:scrgbClr r="0" g="0" b="0"/>
+      </a:fillRef>
+      <a:effectRef idx="0">
+        <a:scrgbClr r="0" g="0" b="0"/>
+      </a:effectRef>
+      <a:fontRef idx="minor"/>
+    </dgm:style>
+  </dgm:styleLbl>
+  <dgm:styleLbl name="trBgShp">
+    <dgm:scene3d>
+      <a:camera prst="orthographicFront"/>
+      <a:lightRig rig="threePt" dir="t"/>
+    </dgm:scene3d>
+    <dgm:sp3d/>
+    <dgm:txPr/>
+    <dgm:style>
+      <a:lnRef idx="0">
+        <a:scrgbClr r="0" g="0" b="0"/>
+      </a:lnRef>
+      <a:fillRef idx="1">
+        <a:scrgbClr r="0" g="0" b="0"/>
+      </a:fillRef>
+      <a:effectRef idx="0">
+        <a:scrgbClr r="0" g="0" b="0"/>
+      </a:effectRef>
+      <a:fontRef idx="minor"/>
+    </dgm:style>
+  </dgm:styleLbl>
+  <dgm:styleLbl name="fgShp">
+    <dgm:scene3d>
+      <a:camera prst="orthographicFront"/>
+      <a:lightRig rig="threePt" dir="t"/>
+    </dgm:scene3d>
+    <dgm:sp3d/>
+    <dgm:txPr/>
+    <dgm:style>
+      <a:lnRef idx="2">
+        <a:scrgbClr r="0" g="0" b="0"/>
+      </a:lnRef>
+      <a:fillRef idx="1">
+        <a:scrgbClr r="0" g="0" b="0"/>
+      </a:fillRef>
+      <a:effectRef idx="0">
+        <a:scrgbClr r="0" g="0" b="0"/>
+      </a:effectRef>
+      <a:fontRef idx="minor"/>
+    </dgm:style>
+  </dgm:styleLbl>
+  <dgm:styleLbl name="revTx">
+    <dgm:scene3d>
+      <a:camera prst="orthographicFront"/>
+      <a:lightRig rig="threePt" dir="t"/>
+    </dgm:scene3d>
+    <dgm:sp3d/>
+    <dgm:txPr/>
+    <dgm:style>
+      <a:lnRef idx="0">
+        <a:scrgbClr r="0" g="0" b="0"/>
+      </a:lnRef>
+      <a:fillRef idx="0">
+        <a:scrgbClr r="0" g="0" b="0"/>
+      </a:fillRef>
+      <a:effectRef idx="0">
+        <a:scrgbClr r="0" g="0" b="0"/>
+      </a:effectRef>
+      <a:fontRef idx="minor"/>
+    </dgm:style>
+  </dgm:styleLbl>
+</dgm:styleDef>
+</file>
+
+<file path=ppt/diagrams/quickStyle2.xml><?xml version="1.0" encoding="utf-8"?>
+<dgm:styleDef xmlns:dgm="http://schemas.openxmlformats.org/drawingml/2006/diagram" xmlns:a="http://schemas.openxmlformats.org/drawingml/2006/main" uniqueId="urn:microsoft.com/office/officeart/2005/8/quickstyle/simple1">
+  <dgm:title val=""/>
+  <dgm:desc val=""/>
+  <dgm:catLst>
+    <dgm:cat type="simple" pri="10100"/>
+  </dgm:catLst>
+  <dgm:scene3d>
+    <a:camera prst="orthographicFront"/>
+    <a:lightRig rig="threePt" dir="t"/>
+  </dgm:scene3d>
+  <dgm:styleLbl name="node0">
+    <dgm:scene3d>
+      <a:camera prst="orthographicFront"/>
+      <a:lightRig rig="threePt" dir="t"/>
+    </dgm:scene3d>
+    <dgm:sp3d/>
+    <dgm:txPr/>
+    <dgm:style>
+      <a:lnRef idx="2">
+        <a:scrgbClr r="0" g="0" b="0"/>
+      </a:lnRef>
+      <a:fillRef idx="1">
+        <a:scrgbClr r="0" g="0" b="0"/>
+      </a:fillRef>
+      <a:effectRef idx="0">
+        <a:scrgbClr r="0" g="0" b="0"/>
+      </a:effectRef>
+      <a:fontRef idx="minor">
+        <a:schemeClr val="lt1"/>
+      </a:fontRef>
+    </dgm:style>
+  </dgm:styleLbl>
+  <dgm:styleLbl name="lnNode1">
+    <dgm:scene3d>
+      <a:camera prst="orthographicFront"/>
+      <a:lightRig rig="threePt" dir="t"/>
+    </dgm:scene3d>
+    <dgm:sp3d/>
+    <dgm:txPr/>
+    <dgm:style>
+      <a:lnRef idx="2">
+        <a:scrgbClr r="0" g="0" b="0"/>
+      </a:lnRef>
+      <a:fillRef idx="1">
+        <a:scrgbClr r="0" g="0" b="0"/>
+      </a:fillRef>
+      <a:effectRef idx="0">
+        <a:scrgbClr r="0" g="0" b="0"/>
+      </a:effectRef>
+      <a:fontRef idx="minor">
+        <a:schemeClr val="lt1"/>
+      </a:fontRef>
+    </dgm:style>
+  </dgm:styleLbl>
+  <dgm:styleLbl name="vennNode1">
+    <dgm:scene3d>
+      <a:camera prst="orthographicFront"/>
+      <a:lightRig rig="threePt" dir="t"/>
+    </dgm:scene3d>
+    <dgm:sp3d/>
+    <dgm:txPr/>
+    <dgm:style>
+      <a:lnRef idx="2">
+        <a:scrgbClr r="0" g="0" b="0"/>
+      </a:lnRef>
+      <a:fillRef idx="1">
+        <a:scrgbClr r="0" g="0" b="0"/>
+      </a:fillRef>
+      <a:effectRef idx="0">
+        <a:scrgbClr r="0" g="0" b="0"/>
+      </a:effectRef>
+      <a:fontRef idx="minor">
+        <a:schemeClr val="tx1"/>
+      </a:fontRef>
+    </dgm:style>
+  </dgm:styleLbl>
+  <dgm:styleLbl name="alignNode1">
+    <dgm:scene3d>
+      <a:camera prst="orthographicFront"/>
+      <a:lightRig rig="threePt" dir="t"/>
+    </dgm:scene3d>
+    <dgm:sp3d/>
+    <dgm:txPr/>
+    <dgm:style>
+      <a:lnRef idx="2">
+        <a:scrgbClr r="0" g="0" b="0"/>
+      </a:lnRef>
+      <a:fillRef idx="1">
+        <a:scrgbClr r="0" g="0" b="0"/>
+      </a:fillRef>
+      <a:effectRef idx="0">
+        <a:scrgbClr r="0" g="0" b="0"/>
+      </a:effectRef>
+      <a:fontRef idx="minor">
+        <a:schemeClr val="lt1"/>
+      </a:fontRef>
+    </dgm:style>
+  </dgm:styleLbl>
+  <dgm:styleLbl name="node1">
+    <dgm:scene3d>
+      <a:camera prst="orthographicFront"/>
+      <a:lightRig rig="threePt" dir="t"/>
+    </dgm:scene3d>
+    <dgm:sp3d/>
+    <dgm:txPr/>
+    <dgm:style>
+      <a:lnRef idx="2">
+        <a:scrgbClr r="0" g="0" b="0"/>
+      </a:lnRef>
+      <a:fillRef idx="1">
+        <a:scrgbClr r="0" g="0" b="0"/>
+      </a:fillRef>
+      <a:effectRef idx="0">
+        <a:scrgbClr r="0" g="0" b="0"/>
+      </a:effectRef>
+      <a:fontRef idx="minor">
+        <a:schemeClr val="lt1"/>
+      </a:fontRef>
+    </dgm:style>
+  </dgm:styleLbl>
+  <dgm:styleLbl name="node2">
+    <dgm:scene3d>
+      <a:camera prst="orthographicFront"/>
+      <a:lightRig rig="threePt" dir="t"/>
+    </dgm:scene3d>
+    <dgm:sp3d/>
+    <dgm:txPr/>
+    <dgm:style>
+      <a:lnRef idx="2">
+        <a:scrgbClr r="0" g="0" b="0"/>
+      </a:lnRef>
+      <a:fillRef idx="1">
+        <a:scrgbClr r="0" g="0" b="0"/>
+      </a:fillRef>
+      <a:effectRef idx="0">
+        <a:scrgbClr r="0" g="0" b="0"/>
+      </a:effectRef>
+      <a:fontRef idx="minor">
+        <a:schemeClr val="lt1"/>
+      </a:fontRef>
+    </dgm:style>
+  </dgm:styleLbl>
+  <dgm:styleLbl name="node3">
+    <dgm:scene3d>
+      <a:camera prst="orthographicFront"/>
+      <a:lightRig rig="threePt" dir="t"/>
+    </dgm:scene3d>
+    <dgm:sp3d/>
+    <dgm:txPr/>
+    <dgm:style>
+      <a:lnRef idx="2">
+        <a:scrgbClr r="0" g="0" b="0"/>
+      </a:lnRef>
+      <a:fillRef idx="1">
+        <a:scrgbClr r="0" g="0" b="0"/>
+      </a:fillRef>
+      <a:effectRef idx="0">
+        <a:scrgbClr r="0" g="0" b="0"/>
+      </a:effectRef>
+      <a:fontRef idx="minor">
+        <a:schemeClr val="lt1"/>
+      </a:fontRef>
+    </dgm:style>
+  </dgm:styleLbl>
+  <dgm:styleLbl name="node4">
+    <dgm:scene3d>
+      <a:camera prst="orthographicFront"/>
+      <a:lightRig rig="threePt" dir="t"/>
+    </dgm:scene3d>
+    <dgm:sp3d/>
+    <dgm:txPr/>
+    <dgm:style>
+      <a:lnRef idx="2">
+        <a:scrgbClr r="0" g="0" b="0"/>
+      </a:lnRef>
+      <a:fillRef idx="1">
+        <a:scrgbClr r="0" g="0" b="0"/>
+      </a:fillRef>
+      <a:effectRef idx="0">
+        <a:scrgbClr r="0" g="0" b="0"/>
+      </a:effectRef>
+      <a:fontRef idx="minor">
+        <a:schemeClr val="lt1"/>
+      </a:fontRef>
+    </dgm:style>
+  </dgm:styleLbl>
+  <dgm:styleLbl name="fgImgPlace1">
+    <dgm:scene3d>
+      <a:camera prst="orthographicFront"/>
+      <a:lightRig rig="threePt" dir="t"/>
+    </dgm:scene3d>
+    <dgm:sp3d/>
+    <dgm:txPr/>
+    <dgm:style>
+      <a:lnRef idx="2">
+        <a:scrgbClr r="0" g="0" b="0"/>
+      </a:lnRef>
+      <a:fillRef idx="1">
+        <a:scrgbClr r="0" g="0" b="0"/>
+      </a:fillRef>
+      <a:effectRef idx="0">
+        <a:scrgbClr r="0" g="0" b="0"/>
+      </a:effectRef>
+      <a:fontRef idx="minor"/>
+    </dgm:style>
+  </dgm:styleLbl>
+  <dgm:styleLbl name="alignImgPlace1">
+    <dgm:scene3d>
+      <a:camera prst="orthographicFront"/>
+      <a:lightRig rig="threePt" dir="t"/>
+    </dgm:scene3d>
+    <dgm:sp3d/>
+    <dgm:txPr/>
+    <dgm:style>
+      <a:lnRef idx="2">
+        <a:scrgbClr r="0" g="0" b="0"/>
+      </a:lnRef>
+      <a:fillRef idx="1">
+        <a:scrgbClr r="0" g="0" b="0"/>
+      </a:fillRef>
+      <a:effectRef idx="0">
+        <a:scrgbClr r="0" g="0" b="0"/>
+      </a:effectRef>
+      <a:fontRef idx="minor"/>
+    </dgm:style>
+  </dgm:styleLbl>
+  <dgm:styleLbl name="bgImgPlace1">
+    <dgm:scene3d>
+      <a:camera prst="orthographicFront"/>
+      <a:lightRig rig="threePt" dir="t"/>
+    </dgm:scene3d>
+    <dgm:sp3d/>
+    <dgm:txPr/>
+    <dgm:style>
+      <a:lnRef idx="2">
+        <a:scrgbClr r="0" g="0" b="0"/>
+      </a:lnRef>
+      <a:fillRef idx="1">
+        <a:scrgbClr r="0" g="0" b="0"/>
+      </a:fillRef>
+      <a:effectRef idx="0">
+        <a:scrgbClr r="0" g="0" b="0"/>
+      </a:effectRef>
+      <a:fontRef idx="minor"/>
+    </dgm:style>
+  </dgm:styleLbl>
+  <dgm:styleLbl name="sibTrans2D1">
+    <dgm:scene3d>
+      <a:camera prst="orthographicFront"/>
+      <a:lightRig rig="threePt" dir="t"/>
+    </dgm:scene3d>
+    <dgm:sp3d/>
+    <dgm:txPr/>
+    <dgm:style>
+      <a:lnRef idx="0">
+        <a:scrgbClr r="0" g="0" b="0"/>
+      </a:lnRef>
+      <a:fillRef idx="1">
+        <a:scrgbClr r="0" g="0" b="0"/>
+      </a:fillRef>
+      <a:effectRef idx="0">
+        <a:scrgbClr r="0" g="0" b="0"/>
+      </a:effectRef>
+      <a:fontRef idx="minor">
+        <a:schemeClr val="lt1"/>
+      </a:fontRef>
+    </dgm:style>
+  </dgm:styleLbl>
+  <dgm:styleLbl name="fgSibTrans2D1">
+    <dgm:scene3d>
+      <a:camera prst="orthographicFront"/>
+      <a:lightRig rig="threePt" dir="t"/>
+    </dgm:scene3d>
+    <dgm:sp3d/>
+    <dgm:txPr/>
+    <dgm:style>
+      <a:lnRef idx="0">
+        <a:scrgbClr r="0" g="0" b="0"/>
+      </a:lnRef>
+      <a:fillRef idx="1">
+        <a:scrgbClr r="0" g="0" b="0"/>
+      </a:fillRef>
+      <a:effectRef idx="0">
+        <a:scrgbClr r="0" g="0" b="0"/>
+      </a:effectRef>
+      <a:fontRef idx="minor">
+        <a:schemeClr val="lt1"/>
+      </a:fontRef>
+    </dgm:style>
+  </dgm:styleLbl>
+  <dgm:styleLbl name="bgSibTrans2D1">
+    <dgm:scene3d>
+      <a:camera prst="orthographicFront"/>
+      <a:lightRig rig="threePt" dir="t"/>
+    </dgm:scene3d>
+    <dgm:sp3d/>
+    <dgm:txPr/>
+    <dgm:style>
+      <a:lnRef idx="0">
+        <a:scrgbClr r="0" g="0" b="0"/>
+      </a:lnRef>
+      <a:fillRef idx="1">
+        <a:scrgbClr r="0" g="0" b="0"/>
+      </a:fillRef>
+      <a:effectRef idx="0">
+        <a:scrgbClr r="0" g="0" b="0"/>
+      </a:effectRef>
+      <a:fontRef idx="minor">
+        <a:schemeClr val="lt1"/>
+      </a:fontRef>
+    </dgm:style>
+  </dgm:styleLbl>
+  <dgm:styleLbl name="sibTrans1D1">
+    <dgm:scene3d>
+      <a:camera prst="orthographicFront"/>
+      <a:lightRig rig="threePt" dir="t"/>
+    </dgm:scene3d>
+    <dgm:sp3d/>
+    <dgm:txPr/>
+    <dgm:style>
+      <a:lnRef idx="1">
+        <a:scrgbClr r="0" g="0" b="0"/>
+      </a:lnRef>
+      <a:fillRef idx="0">
+        <a:scrgbClr r="0" g="0" b="0"/>
+      </a:fillRef>
+      <a:effectRef idx="0">
+        <a:scrgbClr r="0" g="0" b="0"/>
+      </a:effectRef>
+      <a:fontRef idx="minor"/>
+    </dgm:style>
+  </dgm:styleLbl>
+  <dgm:styleLbl name="callout">
+    <dgm:scene3d>
+      <a:camera prst="orthographicFront"/>
+      <a:lightRig rig="threePt" dir="t"/>
+    </dgm:scene3d>
+    <dgm:sp3d/>
+    <dgm:txPr/>
+    <dgm:style>
+      <a:lnRef idx="2">
+        <a:scrgbClr r="0" g="0" b="0"/>
+      </a:lnRef>
+      <a:fillRef idx="1">
+        <a:scrgbClr r="0" g="0" b="0"/>
+      </a:fillRef>
+      <a:effectRef idx="0">
+        <a:scrgbClr r="0" g="0" b="0"/>
+      </a:effectRef>
+      <a:fontRef idx="minor"/>
+    </dgm:style>
+  </dgm:styleLbl>
+  <dgm:styleLbl name="asst0">
+    <dgm:scene3d>
+      <a:camera prst="orthographicFront"/>
+      <a:lightRig rig="threePt" dir="t"/>
+    </dgm:scene3d>
+    <dgm:sp3d/>
+    <dgm:txPr/>
+    <dgm:style>
+      <a:lnRef idx="2">
+        <a:scrgbClr r="0" g="0" b="0"/>
+      </a:lnRef>
+      <a:fillRef idx="1">
+        <a:scrgbClr r="0" g="0" b="0"/>
+      </a:fillRef>
+      <a:effectRef idx="0">
+        <a:scrgbClr r="0" g="0" b="0"/>
+      </a:effectRef>
+      <a:fontRef idx="minor">
+        <a:schemeClr val="lt1"/>
+      </a:fontRef>
+    </dgm:style>
+  </dgm:styleLbl>
+  <dgm:styleLbl name="asst1">
+    <dgm:scene3d>
+      <a:camera prst="orthographicFront"/>
+      <a:lightRig rig="threePt" dir="t"/>
+    </dgm:scene3d>
+    <dgm:sp3d/>
+    <dgm:txPr/>
+    <dgm:style>
+      <a:lnRef idx="2">
+        <a:scrgbClr r="0" g="0" b="0"/>
+      </a:lnRef>
+      <a:fillRef idx="1">
+        <a:scrgbClr r="0" g="0" b="0"/>
+      </a:fillRef>
+      <a:effectRef idx="0">
+        <a:scrgbClr r="0" g="0" b="0"/>
+      </a:effectRef>
+      <a:fontRef idx="minor">
+        <a:schemeClr val="lt1"/>
+      </a:fontRef>
+    </dgm:style>
+  </dgm:styleLbl>
+  <dgm:styleLbl name="asst2">
+    <dgm:scene3d>
+      <a:camera prst="orthographicFront"/>
+      <a:lightRig rig="threePt" dir="t"/>
+    </dgm:scene3d>
+    <dgm:sp3d/>
+    <dgm:txPr/>
+    <dgm:style>
+      <a:lnRef idx="2">
+        <a:scrgbClr r="0" g="0" b="0"/>
+      </a:lnRef>
+      <a:fillRef idx="1">
+        <a:scrgbClr r="0" g="0" b="0"/>
+      </a:fillRef>
+      <a:effectRef idx="0">
+        <a:scrgbClr r="0" g="0" b="0"/>
+      </a:effectRef>
+      <a:fontRef idx="minor">
+        <a:schemeClr val="lt1"/>
+      </a:fontRef>
+    </dgm:style>
+  </dgm:styleLbl>
+  <dgm:styleLbl name="asst3">
+    <dgm:scene3d>
+      <a:camera prst="orthographicFront"/>
+      <a:lightRig rig="threePt" dir="t"/>
+    </dgm:scene3d>
+    <dgm:sp3d/>
+    <dgm:txPr/>
+    <dgm:style>
+      <a:lnRef idx="2">
+        <a:scrgbClr r="0" g="0" b="0"/>
+      </a:lnRef>
+      <a:fillRef idx="1">
+        <a:scrgbClr r="0" g="0" b="0"/>
+      </a:fillRef>
+      <a:effectRef idx="0">
+        <a:scrgbClr r="0" g="0" b="0"/>
+      </a:effectRef>
+      <a:fontRef idx="minor">
+        <a:schemeClr val="lt1"/>
+      </a:fontRef>
+    </dgm:style>
+  </dgm:styleLbl>
+  <dgm:styleLbl name="asst4">
+    <dgm:scene3d>
+      <a:camera prst="orthographicFront"/>
+      <a:lightRig rig="threePt" dir="t"/>
+    </dgm:scene3d>
+    <dgm:sp3d/>
+    <dgm:txPr/>
+    <dgm:style>
+      <a:lnRef idx="2">
+        <a:scrgbClr r="0" g="0" b="0"/>
+      </a:lnRef>
+      <a:fillRef idx="1">
+        <a:scrgbClr r="0" g="0" b="0"/>
+      </a:fillRef>
+      <a:effectRef idx="0">
+        <a:scrgbClr r="0" g="0" b="0"/>
+      </a:effectRef>
+      <a:fontRef idx="minor">
+        <a:schemeClr val="lt1"/>
+      </a:fontRef>
+    </dgm:style>
+  </dgm:styleLbl>
+  <dgm:styleLbl name="parChTrans2D1">
+    <dgm:scene3d>
+      <a:camera prst="orthographicFront"/>
+      <a:lightRig rig="threePt" dir="t"/>
+    </dgm:scene3d>
+    <dgm:sp3d/>
+    <dgm:txPr/>
+    <dgm:style>
+      <a:lnRef idx="2">
+        <a:scrgbClr r="0" g="0" b="0"/>
+      </a:lnRef>
+      <a:fillRef idx="1">
+        <a:scrgbClr r="0" g="0" b="0"/>
+      </a:fillRef>
+      <a:effectRef idx="0">
+        <a:scrgbClr r="0" g="0" b="0"/>
+      </a:effectRef>
+      <a:fontRef idx="minor">
+        <a:schemeClr val="lt1"/>
+      </a:fontRef>
+    </dgm:style>
+  </dgm:styleLbl>
+  <dgm:styleLbl name="parChTrans2D2">
+    <dgm:scene3d>
+      <a:camera prst="orthographicFront"/>
+      <a:lightRig rig="threePt" dir="t"/>
+    </dgm:scene3d>
+    <dgm:sp3d/>
+    <dgm:txPr/>
+    <dgm:style>
+      <a:lnRef idx="2">
+        <a:scrgbClr r="0" g="0" b="0"/>
+      </a:lnRef>
+      <a:fillRef idx="1">
+        <a:scrgbClr r="0" g="0" b="0"/>
+      </a:fillRef>
+      <a:effectRef idx="0">
+        <a:scrgbClr r="0" g="0" b="0"/>
+      </a:effectRef>
+      <a:fontRef idx="minor">
+        <a:schemeClr val="lt1"/>
+      </a:fontRef>
+    </dgm:style>
+  </dgm:styleLbl>
+  <dgm:styleLbl name="parChTrans2D3">
+    <dgm:scene3d>
+      <a:camera prst="orthographicFront"/>
+      <a:lightRig rig="threePt" dir="t"/>
+    </dgm:scene3d>
+    <dgm:sp3d/>
+    <dgm:txPr/>
+    <dgm:style>
+      <a:lnRef idx="2">
+        <a:scrgbClr r="0" g="0" b="0"/>
+      </a:lnRef>
+      <a:fillRef idx="1">
+        <a:scrgbClr r="0" g="0" b="0"/>
+      </a:fillRef>
+      <a:effectRef idx="0">
+        <a:scrgbClr r="0" g="0" b="0"/>
+      </a:effectRef>
+      <a:fontRef idx="minor">
+        <a:schemeClr val="lt1"/>
+      </a:fontRef>
+    </dgm:style>
+  </dgm:styleLbl>
+  <dgm:styleLbl name="parChTrans2D4">
+    <dgm:scene3d>
+      <a:camera prst="orthographicFront"/>
+      <a:lightRig rig="threePt" dir="t"/>
+    </dgm:scene3d>
+    <dgm:sp3d/>
+    <dgm:txPr/>
+    <dgm:style>
+      <a:lnRef idx="2">
+        <a:scrgbClr r="0" g="0" b="0"/>
+      </a:lnRef>
+      <a:fillRef idx="1">
+        <a:scrgbClr r="0" g="0" b="0"/>
+      </a:fillRef>
+      <a:effectRef idx="0">
+        <a:scrgbClr r="0" g="0" b="0"/>
+      </a:effectRef>
+      <a:fontRef idx="minor">
+        <a:schemeClr val="lt1"/>
+      </a:fontRef>
+    </dgm:style>
+  </dgm:styleLbl>
+  <dgm:styleLbl name="parChTrans1D1">
+    <dgm:scene3d>
+      <a:camera prst="orthographicFront"/>
+      <a:lightRig rig="threePt" dir="t"/>
+    </dgm:scene3d>
+    <dgm:sp3d/>
+    <dgm:txPr/>
+    <dgm:style>
+      <a:lnRef idx="2">
+        <a:scrgbClr r="0" g="0" b="0"/>
+      </a:lnRef>
+      <a:fillRef idx="0">
+        <a:scrgbClr r="0" g="0" b="0"/>
+      </a:fillRef>
+      <a:effectRef idx="0">
+        <a:scrgbClr r="0" g="0" b="0"/>
+      </a:effectRef>
+      <a:fontRef idx="minor"/>
+    </dgm:style>
+  </dgm:styleLbl>
+  <dgm:styleLbl name="parChTrans1D2">
+    <dgm:scene3d>
+      <a:camera prst="orthographicFront"/>
+      <a:lightRig rig="threePt" dir="t"/>
+    </dgm:scene3d>
+    <dgm:sp3d/>
+    <dgm:txPr/>
+    <dgm:style>
+      <a:lnRef idx="2">
+        <a:scrgbClr r="0" g="0" b="0"/>
+      </a:lnRef>
+      <a:fillRef idx="0">
+        <a:scrgbClr r="0" g="0" b="0"/>
+      </a:fillRef>
+      <a:effectRef idx="0">
+        <a:scrgbClr r="0" g="0" b="0"/>
+      </a:effectRef>
+      <a:fontRef idx="minor"/>
+    </dgm:style>
+  </dgm:styleLbl>
+  <dgm:styleLbl name="parChTrans1D3">
+    <dgm:scene3d>
+      <a:camera prst="orthographicFront"/>
+      <a:lightRig rig="threePt" dir="t"/>
+    </dgm:scene3d>
+    <dgm:sp3d/>
+    <dgm:txPr/>
+    <dgm:style>
+      <a:lnRef idx="2">
+        <a:scrgbClr r="0" g="0" b="0"/>
+      </a:lnRef>
+      <a:fillRef idx="0">
+        <a:scrgbClr r="0" g="0" b="0"/>
+      </a:fillRef>
+      <a:effectRef idx="0">
+        <a:scrgbClr r="0" g="0" b="0"/>
+      </a:effectRef>
+      <a:fontRef idx="minor"/>
+    </dgm:style>
+  </dgm:styleLbl>
+  <dgm:styleLbl name="parChTrans1D4">
+    <dgm:scene3d>
+      <a:camera prst="orthographicFront"/>
+      <a:lightRig rig="threePt" dir="t"/>
+    </dgm:scene3d>
+    <dgm:sp3d/>
+    <dgm:txPr/>
+    <dgm:style>
+      <a:lnRef idx="2">
+        <a:scrgbClr r="0" g="0" b="0"/>
+      </a:lnRef>
+      <a:fillRef idx="0">
+        <a:scrgbClr r="0" g="0" b="0"/>
+      </a:fillRef>
+      <a:effectRef idx="0">
+        <a:scrgbClr r="0" g="0" b="0"/>
+      </a:effectRef>
+      <a:fontRef idx="minor"/>
+    </dgm:style>
+  </dgm:styleLbl>
+  <dgm:styleLbl name="fgAcc1">
+    <dgm:scene3d>
+      <a:camera prst="orthographicFront"/>
+      <a:lightRig rig="threePt" dir="t"/>
+    </dgm:scene3d>
+    <dgm:sp3d/>
+    <dgm:txPr/>
+    <dgm:style>
+      <a:lnRef idx="2">
+        <a:scrgbClr r="0" g="0" b="0"/>
+      </a:lnRef>
+      <a:fillRef idx="1">
+        <a:scrgbClr r="0" g="0" b="0"/>
+      </a:fillRef>
+      <a:effectRef idx="0">
+        <a:scrgbClr r="0" g="0" b="0"/>
+      </a:effectRef>
+      <a:fontRef idx="minor"/>
+    </dgm:style>
+  </dgm:styleLbl>
+  <dgm:styleLbl name="conFgAcc1">
+    <dgm:scene3d>
+      <a:camera prst="orthographicFront"/>
+      <a:lightRig rig="threePt" dir="t"/>
+    </dgm:scene3d>
+    <dgm:sp3d/>
+    <dgm:txPr/>
+    <dgm:style>
+      <a:lnRef idx="2">
+        <a:scrgbClr r="0" g="0" b="0"/>
+      </a:lnRef>
+      <a:fillRef idx="1">
+        <a:scrgbClr r="0" g="0" b="0"/>
+      </a:fillRef>
+      <a:effectRef idx="0">
+        <a:scrgbClr r="0" g="0" b="0"/>
+      </a:effectRef>
+      <a:fontRef idx="minor"/>
+    </dgm:style>
+  </dgm:styleLbl>
+  <dgm:styleLbl name="alignAcc1">
+    <dgm:scene3d>
+      <a:camera prst="orthographicFront"/>
+      <a:lightRig rig="threePt" dir="t"/>
+    </dgm:scene3d>
+    <dgm:sp3d/>
+    <dgm:txPr/>
+    <dgm:style>
+      <a:lnRef idx="2">
+        <a:scrgbClr r="0" g="0" b="0"/>
+      </a:lnRef>
+      <a:fillRef idx="1">
+        <a:scrgbClr r="0" g="0" b="0"/>
+      </a:fillRef>
+      <a:effectRef idx="0">
+        <a:scrgbClr r="0" g="0" b="0"/>
+      </a:effectRef>
+      <a:fontRef idx="minor"/>
+    </dgm:style>
+  </dgm:styleLbl>
+  <dgm:styleLbl name="trAlignAcc1">
+    <dgm:scene3d>
+      <a:camera prst="orthographicFront"/>
+      <a:lightRig rig="threePt" dir="t"/>
+    </dgm:scene3d>
+    <dgm:sp3d/>
+    <dgm:txPr/>
+    <dgm:style>
+      <a:lnRef idx="1">
+        <a:scrgbClr r="0" g="0" b="0"/>
+      </a:lnRef>
+      <a:fillRef idx="1">
+        <a:scrgbClr r="0" g="0" b="0"/>
+      </a:fillRef>
+      <a:effectRef idx="0">
+        <a:scrgbClr r="0" g="0" b="0"/>
+      </a:effectRef>
+      <a:fontRef idx="minor"/>
+    </dgm:style>
+  </dgm:styleLbl>
+  <dgm:styleLbl name="bgAcc1">
+    <dgm:scene3d>
+      <a:camera prst="orthographicFront"/>
+      <a:lightRig rig="threePt" dir="t"/>
+    </dgm:scene3d>
+    <dgm:sp3d/>
+    <dgm:txPr/>
+    <dgm:style>
+      <a:lnRef idx="2">
+        <a:scrgbClr r="0" g="0" b="0"/>
+      </a:lnRef>
+      <a:fillRef idx="1">
+        <a:scrgbClr r="0" g="0" b="0"/>
+      </a:fillRef>
+      <a:effectRef idx="0">
+        <a:scrgbClr r="0" g="0" b="0"/>
+      </a:effectRef>
+      <a:fontRef idx="minor"/>
+    </dgm:style>
+  </dgm:styleLbl>
+  <dgm:styleLbl name="solidFgAcc1">
+    <dgm:scene3d>
+      <a:camera prst="orthographicFront"/>
+      <a:lightRig rig="threePt" dir="t"/>
+    </dgm:scene3d>
+    <dgm:sp3d/>
+    <dgm:txPr/>
+    <dgm:style>
+      <a:lnRef idx="2">
+        <a:scrgbClr r="0" g="0" b="0"/>
+      </a:lnRef>
+      <a:fillRef idx="1">
+        <a:scrgbClr r="0" g="0" b="0"/>
+      </a:fillRef>
+      <a:effectRef idx="0">
+        <a:scrgbClr r="0" g="0" b="0"/>
+      </a:effectRef>
+      <a:fontRef idx="minor"/>
+    </dgm:style>
+  </dgm:styleLbl>
+  <dgm:styleLbl name="solidAlignAcc1">
+    <dgm:scene3d>
+      <a:camera prst="orthographicFront"/>
+      <a:lightRig rig="threePt" dir="t"/>
+    </dgm:scene3d>
+    <dgm:sp3d/>
+    <dgm:txPr/>
+    <dgm:style>
+      <a:lnRef idx="2">
+        <a:scrgbClr r="0" g="0" b="0"/>
+      </a:lnRef>
+      <a:fillRef idx="1">
+        <a:scrgbClr r="0" g="0" b="0"/>
+      </a:fillRef>
+      <a:effectRef idx="0">
+        <a:scrgbClr r="0" g="0" b="0"/>
+      </a:effectRef>
+      <a:fontRef idx="minor"/>
+    </dgm:style>
+  </dgm:styleLbl>
+  <dgm:styleLbl name="solidBgAcc1">
+    <dgm:scene3d>
+      <a:camera prst="orthographicFront"/>
+      <a:lightRig rig="threePt" dir="t"/>
+    </dgm:scene3d>
+    <dgm:sp3d/>
+    <dgm:txPr/>
+    <dgm:style>
+      <a:lnRef idx="2">
+        <a:scrgbClr r="0" g="0" b="0"/>
+      </a:lnRef>
+      <a:fillRef idx="1">
+        <a:scrgbClr r="0" g="0" b="0"/>
+      </a:fillRef>
+      <a:effectRef idx="0">
+        <a:scrgbClr r="0" g="0" b="0"/>
+      </a:effectRef>
+      <a:fontRef idx="minor"/>
+    </dgm:style>
+  </dgm:styleLbl>
+  <dgm:styleLbl name="fgAccFollowNode1">
+    <dgm:scene3d>
+      <a:camera prst="orthographicFront"/>
+      <a:lightRig rig="threePt" dir="t"/>
+    </dgm:scene3d>
+    <dgm:sp3d/>
+    <dgm:txPr/>
+    <dgm:style>
+      <a:lnRef idx="2">
+        <a:scrgbClr r="0" g="0" b="0"/>
+      </a:lnRef>
+      <a:fillRef idx="1">
+        <a:scrgbClr r="0" g="0" b="0"/>
+      </a:fillRef>
+      <a:effectRef idx="0">
+        <a:scrgbClr r="0" g="0" b="0"/>
+      </a:effectRef>
+      <a:fontRef idx="minor"/>
+    </dgm:style>
+  </dgm:styleLbl>
+  <dgm:styleLbl name="alignAccFollowNode1">
+    <dgm:scene3d>
+      <a:camera prst="orthographicFront"/>
+      <a:lightRig rig="threePt" dir="t"/>
+    </dgm:scene3d>
+    <dgm:sp3d/>
+    <dgm:txPr/>
+    <dgm:style>
+      <a:lnRef idx="2">
+        <a:scrgbClr r="0" g="0" b="0"/>
+      </a:lnRef>
+      <a:fillRef idx="1">
+        <a:scrgbClr r="0" g="0" b="0"/>
+      </a:fillRef>
+      <a:effectRef idx="0">
+        <a:scrgbClr r="0" g="0" b="0"/>
+      </a:effectRef>
+      <a:fontRef idx="minor"/>
+    </dgm:style>
+  </dgm:styleLbl>
+  <dgm:styleLbl name="bgAccFollowNode1">
+    <dgm:scene3d>
+      <a:camera prst="orthographicFront"/>
+      <a:lightRig rig="threePt" dir="t"/>
+    </dgm:scene3d>
+    <dgm:sp3d/>
+    <dgm:txPr/>
+    <dgm:style>
+      <a:lnRef idx="2">
+        <a:scrgbClr r="0" g="0" b="0"/>
+      </a:lnRef>
+      <a:fillRef idx="1">
+        <a:scrgbClr r="0" g="0" b="0"/>
+      </a:fillRef>
+      <a:effectRef idx="0">
+        <a:scrgbClr r="0" g="0" b="0"/>
+      </a:effectRef>
+      <a:fontRef idx="minor"/>
+    </dgm:style>
+  </dgm:styleLbl>
+  <dgm:styleLbl name="fgAcc0">
+    <dgm:scene3d>
+      <a:camera prst="orthographicFront"/>
+      <a:lightRig rig="threePt" dir="t"/>
+    </dgm:scene3d>
+    <dgm:sp3d/>
+    <dgm:txPr/>
+    <dgm:style>
+      <a:lnRef idx="2">
+        <a:scrgbClr r="0" g="0" b="0"/>
+      </a:lnRef>
+      <a:fillRef idx="1">
+        <a:scrgbClr r="0" g="0" b="0"/>
+      </a:fillRef>
+      <a:effectRef idx="0">
+        <a:scrgbClr r="0" g="0" b="0"/>
+      </a:effectRef>
+      <a:fontRef idx="minor"/>
+    </dgm:style>
+  </dgm:styleLbl>
+  <dgm:styleLbl name="fgAcc2">
+    <dgm:scene3d>
+      <a:camera prst="orthographicFront"/>
+      <a:lightRig rig="threePt" dir="t"/>
+    </dgm:scene3d>
+    <dgm:sp3d/>
+    <dgm:txPr/>
+    <dgm:style>
+      <a:lnRef idx="2">
+        <a:scrgbClr r="0" g="0" b="0"/>
+      </a:lnRef>
+      <a:fillRef idx="1">
+        <a:scrgbClr r="0" g="0" b="0"/>
+      </a:fillRef>
+      <a:effectRef idx="0">
+        <a:scrgbClr r="0" g="0" b="0"/>
+      </a:effectRef>
+      <a:fontRef idx="minor"/>
+    </dgm:style>
+  </dgm:styleLbl>
+  <dgm:styleLbl name="fgAcc3">
+    <dgm:scene3d>
+      <a:camera prst="orthographicFront"/>
+      <a:lightRig rig="threePt" dir="t"/>
+    </dgm:scene3d>
+    <dgm:sp3d/>
+    <dgm:txPr/>
+    <dgm:style>
+      <a:lnRef idx="2">
+        <a:scrgbClr r="0" g="0" b="0"/>
+      </a:lnRef>
+      <a:fillRef idx="1">
+        <a:scrgbClr r="0" g="0" b="0"/>
+      </a:fillRef>
+      <a:effectRef idx="0">
+        <a:scrgbClr r="0" g="0" b="0"/>
+      </a:effectRef>
+      <a:fontRef idx="minor"/>
+    </dgm:style>
+  </dgm:styleLbl>
+  <dgm:styleLbl name="fgAcc4">
+    <dgm:scene3d>
+      <a:camera prst="orthographicFront"/>
+      <a:lightRig rig="threePt" dir="t"/>
+    </dgm:scene3d>
+    <dgm:sp3d/>
+    <dgm:txPr/>
+    <dgm:style>
+      <a:lnRef idx="2">
+        <a:scrgbClr r="0" g="0" b="0"/>
+      </a:lnRef>
+      <a:fillRef idx="1">
+        <a:scrgbClr r="0" g="0" b="0"/>
+      </a:fillRef>
+      <a:effectRef idx="0">
+        <a:scrgbClr r="0" g="0" b="0"/>
+      </a:effectRef>
+      <a:fontRef idx="minor"/>
+    </dgm:style>
+  </dgm:styleLbl>
+  <dgm:styleLbl name="bgShp">
+    <dgm:scene3d>
+      <a:camera prst="orthographicFront"/>
+      <a:lightRig rig="threePt" dir="t"/>
+    </dgm:scene3d>
+    <dgm:sp3d/>
+    <dgm:txPr/>
+    <dgm:style>
+      <a:lnRef idx="0">
+        <a:scrgbClr r="0" g="0" b="0"/>
+      </a:lnRef>
+      <a:fillRef idx="1">
+        <a:scrgbClr r="0" g="0" b="0"/>
+      </a:fillRef>
+      <a:effectRef idx="0">
+        <a:scrgbClr r="0" g="0" b="0"/>
+      </a:effectRef>
+      <a:fontRef idx="minor"/>
+    </dgm:style>
+  </dgm:styleLbl>
+  <dgm:styleLbl name="dkBgShp">
+    <dgm:scene3d>
+      <a:camera prst="orthographicFront"/>
+      <a:lightRig rig="threePt" dir="t"/>
+    </dgm:scene3d>
+    <dgm:sp3d/>
+    <dgm:txPr/>
+    <dgm:style>
+      <a:lnRef idx="0">
+        <a:scrgbClr r="0" g="0" b="0"/>
+      </a:lnRef>
+      <a:fillRef idx="1">
+        <a:scrgbClr r="0" g="0" b="0"/>
+      </a:fillRef>
+      <a:effectRef idx="0">
+        <a:scrgbClr r="0" g="0" b="0"/>
+      </a:effectRef>
+      <a:fontRef idx="minor"/>
+    </dgm:style>
+  </dgm:styleLbl>
+  <dgm:styleLbl name="trBgShp">
+    <dgm:scene3d>
+      <a:camera prst="orthographicFront"/>
+      <a:lightRig rig="threePt" dir="t"/>
+    </dgm:scene3d>
+    <dgm:sp3d/>
+    <dgm:txPr/>
+    <dgm:style>
+      <a:lnRef idx="0">
+        <a:scrgbClr r="0" g="0" b="0"/>
+      </a:lnRef>
+      <a:fillRef idx="1">
+        <a:scrgbClr r="0" g="0" b="0"/>
+      </a:fillRef>
+      <a:effectRef idx="0">
+        <a:scrgbClr r="0" g="0" b="0"/>
+      </a:effectRef>
+      <a:fontRef idx="minor"/>
+    </dgm:style>
+  </dgm:styleLbl>
+  <dgm:styleLbl name="fgShp">
+    <dgm:scene3d>
+      <a:camera prst="orthographicFront"/>
+      <a:lightRig rig="threePt" dir="t"/>
+    </dgm:scene3d>
+    <dgm:sp3d/>
+    <dgm:txPr/>
+    <dgm:style>
+      <a:lnRef idx="2">
+        <a:scrgbClr r="0" g="0" b="0"/>
+      </a:lnRef>
+      <a:fillRef idx="1">
+        <a:scrgbClr r="0" g="0" b="0"/>
+      </a:fillRef>
+      <a:effectRef idx="0">
+        <a:scrgbClr r="0" g="0" b="0"/>
+      </a:effectRef>
+      <a:fontRef idx="minor"/>
+    </dgm:style>
+  </dgm:styleLbl>
+  <dgm:styleLbl name="revTx">
+    <dgm:scene3d>
+      <a:camera prst="orthographicFront"/>
+      <a:lightRig rig="threePt" dir="t"/>
+    </dgm:scene3d>
+    <dgm:sp3d/>
+    <dgm:txPr/>
+    <dgm:style>
+      <a:lnRef idx="0">
+        <a:scrgbClr r="0" g="0" b="0"/>
+      </a:lnRef>
+      <a:fillRef idx="0">
+        <a:scrgbClr r="0" g="0" b="0"/>
+      </a:fillRef>
+      <a:effectRef idx="0">
+        <a:scrgbClr r="0" g="0" b="0"/>
+      </a:effectRef>
+      <a:fontRef idx="minor"/>
+    </dgm:style>
+  </dgm:styleLbl>
+</dgm:styleDef>
+</file>
+
 <file path=ppt/ink/ink1.xml><?xml version="1.0" encoding="utf-8"?>
 <inkml:ink xmlns:inkml="http://www.w3.org/2003/InkML">
   <inkml:definitions>
@@ -296,7 +5807,7 @@
           <a:p>
             <a:fld id="{EB741852-085B-4304-A0BB-F6C62D9D1BEF}" type="datetimeFigureOut">
               <a:rPr lang="en-AU" smtClean="0"/>
-              <a:t>17/05/2014</a:t>
+              <a:t>26/09/2014</a:t>
             </a:fld>
             <a:endParaRPr lang="en-AU"/>
           </a:p>
@@ -466,7 +5977,7 @@
           <a:p>
             <a:fld id="{EB741852-085B-4304-A0BB-F6C62D9D1BEF}" type="datetimeFigureOut">
               <a:rPr lang="en-AU" smtClean="0"/>
-              <a:t>17/05/2014</a:t>
+              <a:t>26/09/2014</a:t>
             </a:fld>
             <a:endParaRPr lang="en-AU"/>
           </a:p>
@@ -646,7 +6157,7 @@
           <a:p>
             <a:fld id="{EB741852-085B-4304-A0BB-F6C62D9D1BEF}" type="datetimeFigureOut">
               <a:rPr lang="en-AU" smtClean="0"/>
-              <a:t>17/05/2014</a:t>
+              <a:t>26/09/2014</a:t>
             </a:fld>
             <a:endParaRPr lang="en-AU"/>
           </a:p>
@@ -816,7 +6327,7 @@
           <a:p>
             <a:fld id="{EB741852-085B-4304-A0BB-F6C62D9D1BEF}" type="datetimeFigureOut">
               <a:rPr lang="en-AU" smtClean="0"/>
-              <a:t>17/05/2014</a:t>
+              <a:t>26/09/2014</a:t>
             </a:fld>
             <a:endParaRPr lang="en-AU"/>
           </a:p>
@@ -1062,7 +6573,7 @@
           <a:p>
             <a:fld id="{EB741852-085B-4304-A0BB-F6C62D9D1BEF}" type="datetimeFigureOut">
               <a:rPr lang="en-AU" smtClean="0"/>
-              <a:t>17/05/2014</a:t>
+              <a:t>26/09/2014</a:t>
             </a:fld>
             <a:endParaRPr lang="en-AU"/>
           </a:p>
@@ -1294,7 +6805,7 @@
           <a:p>
             <a:fld id="{EB741852-085B-4304-A0BB-F6C62D9D1BEF}" type="datetimeFigureOut">
               <a:rPr lang="en-AU" smtClean="0"/>
-              <a:t>17/05/2014</a:t>
+              <a:t>26/09/2014</a:t>
             </a:fld>
             <a:endParaRPr lang="en-AU"/>
           </a:p>
@@ -1661,7 +7172,7 @@
           <a:p>
             <a:fld id="{EB741852-085B-4304-A0BB-F6C62D9D1BEF}" type="datetimeFigureOut">
               <a:rPr lang="en-AU" smtClean="0"/>
-              <a:t>17/05/2014</a:t>
+              <a:t>26/09/2014</a:t>
             </a:fld>
             <a:endParaRPr lang="en-AU"/>
           </a:p>
@@ -1779,7 +7290,7 @@
           <a:p>
             <a:fld id="{EB741852-085B-4304-A0BB-F6C62D9D1BEF}" type="datetimeFigureOut">
               <a:rPr lang="en-AU" smtClean="0"/>
-              <a:t>17/05/2014</a:t>
+              <a:t>26/09/2014</a:t>
             </a:fld>
             <a:endParaRPr lang="en-AU"/>
           </a:p>
@@ -1874,7 +7385,7 @@
           <a:p>
             <a:fld id="{EB741852-085B-4304-A0BB-F6C62D9D1BEF}" type="datetimeFigureOut">
               <a:rPr lang="en-AU" smtClean="0"/>
-              <a:t>17/05/2014</a:t>
+              <a:t>26/09/2014</a:t>
             </a:fld>
             <a:endParaRPr lang="en-AU"/>
           </a:p>
@@ -2151,7 +7662,7 @@
           <a:p>
             <a:fld id="{EB741852-085B-4304-A0BB-F6C62D9D1BEF}" type="datetimeFigureOut">
               <a:rPr lang="en-AU" smtClean="0"/>
-              <a:t>17/05/2014</a:t>
+              <a:t>26/09/2014</a:t>
             </a:fld>
             <a:endParaRPr lang="en-AU"/>
           </a:p>
@@ -2404,7 +7915,7 @@
           <a:p>
             <a:fld id="{EB741852-085B-4304-A0BB-F6C62D9D1BEF}" type="datetimeFigureOut">
               <a:rPr lang="en-AU" smtClean="0"/>
-              <a:t>17/05/2014</a:t>
+              <a:t>26/09/2014</a:t>
             </a:fld>
             <a:endParaRPr lang="en-AU"/>
           </a:p>
@@ -2617,7 +8128,7 @@
           <a:p>
             <a:fld id="{EB741852-085B-4304-A0BB-F6C62D9D1BEF}" type="datetimeFigureOut">
               <a:rPr lang="en-AU" smtClean="0"/>
-              <a:t>17/05/2014</a:t>
+              <a:t>26/09/2014</a:t>
             </a:fld>
             <a:endParaRPr lang="en-AU"/>
           </a:p>
@@ -3060,12 +8571,6 @@
           <a:bodyPr/>
           <a:lstStyle/>
           <a:p>
-            <a:r>
-              <a:rPr lang="en-AU" dirty="0" smtClean="0"/>
-              <a:t>In 4 Easy Steps</a:t>
-            </a:r>
-          </a:p>
-          <a:p>
             <a:endParaRPr lang="en-AU" dirty="0"/>
           </a:p>
           <a:p>
@@ -3131,7 +8636,7 @@
           <a:p>
             <a:r>
               <a:rPr lang="en-AU" dirty="0" smtClean="0"/>
-              <a:t>Step 4 – Windows 8 Features</a:t>
+              <a:t>Step 3 - WACK</a:t>
             </a:r>
             <a:endParaRPr lang="en-AU" dirty="0"/>
           </a:p>
@@ -3139,12 +8644,12 @@
       </p:sp>
       <p:sp>
         <p:nvSpPr>
-          <p:cNvPr id="5" name="Content Placeholder 4"/>
+          <p:cNvPr id="3" name="Content Placeholder 2"/>
           <p:cNvSpPr>
             <a:spLocks noGrp="1"/>
           </p:cNvSpPr>
           <p:nvPr>
-            <p:ph idx="1"/>
+            <p:ph sz="half" idx="1"/>
           </p:nvPr>
         </p:nvSpPr>
         <p:spPr/>
@@ -3154,52 +8659,74 @@
           <a:p>
             <a:r>
               <a:rPr lang="en-AU" dirty="0" smtClean="0"/>
-              <a:t>Resizable screen (needs to be responsive)</a:t>
+              <a:t>Build your Windows 8 solution</a:t>
+            </a:r>
+          </a:p>
+          <a:p>
+            <a:r>
+              <a:rPr lang="en-AU" dirty="0" smtClean="0"/>
+              <a:t>If the game runs fine:</a:t>
             </a:r>
           </a:p>
           <a:p>
             <a:pPr lvl="1"/>
             <a:r>
               <a:rPr lang="en-AU" dirty="0" smtClean="0"/>
-              <a:t>Choose from 320px or 500px minimum</a:t>
-            </a:r>
-          </a:p>
-          <a:p>
-            <a:r>
-              <a:rPr lang="en-AU" dirty="0" smtClean="0"/>
-              <a:t>Connect game to App Lifecycle (if required)</a:t>
-            </a:r>
-          </a:p>
-          <a:p>
-            <a:r>
-              <a:rPr lang="en-AU" dirty="0" smtClean="0"/>
-              <a:t>Live Tiles</a:t>
-            </a:r>
-          </a:p>
-          <a:p>
-            <a:r>
-              <a:rPr lang="en-AU" dirty="0" smtClean="0"/>
-              <a:t>Share Charm</a:t>
-            </a:r>
-          </a:p>
-          <a:p>
-            <a:r>
-              <a:rPr lang="en-AU" dirty="0" smtClean="0"/>
-              <a:t>Keyboard &amp; Mouse Support</a:t>
-            </a:r>
-          </a:p>
-          <a:p>
-            <a:r>
-              <a:rPr lang="en-AU" dirty="0" smtClean="0"/>
-              <a:t>Required Icon Assets (Small/Medium/Large tiles + Splash Screen)</a:t>
-            </a:r>
+              <a:t>Deploy in Release mode</a:t>
+            </a:r>
+          </a:p>
+          <a:p>
+            <a:pPr lvl="1"/>
+            <a:r>
+              <a:rPr lang="en-AU" dirty="0" smtClean="0"/>
+              <a:t>Run the Windows App Cert Kit</a:t>
+            </a:r>
+          </a:p>
+          <a:p>
+            <a:pPr lvl="1"/>
+            <a:r>
+              <a:rPr lang="en-AU" dirty="0" smtClean="0"/>
+              <a:t>Check results and fix any issues</a:t>
+            </a:r>
+          </a:p>
+          <a:p>
+            <a:r>
+              <a:rPr lang="en-AU" dirty="0" smtClean="0"/>
+              <a:t>Check WACK on ARM if possible</a:t>
+            </a:r>
+          </a:p>
+          <a:p>
+            <a:pPr lvl="1"/>
+            <a:r>
+              <a:rPr lang="en-AU" dirty="0" smtClean="0"/>
+              <a:t>Performance</a:t>
+            </a:r>
+          </a:p>
+        </p:txBody>
+      </p:sp>
+      <p:sp>
+        <p:nvSpPr>
+          <p:cNvPr id="4" name="Content Placeholder 3"/>
+          <p:cNvSpPr>
+            <a:spLocks noGrp="1"/>
+          </p:cNvSpPr>
+          <p:nvPr>
+            <p:ph sz="half" idx="2"/>
+          </p:nvPr>
+        </p:nvSpPr>
+        <p:spPr/>
+        <p:txBody>
+          <a:bodyPr/>
+          <a:lstStyle/>
+          <a:p>
+            <a:endParaRPr lang="en-AU"/>
           </a:p>
         </p:txBody>
       </p:sp>
     </p:spTree>
     <p:extLst>
       <p:ext uri="{BB962C8B-B14F-4D97-AF65-F5344CB8AC3E}">
-        <p14:creationId xmlns:p14="http://schemas.microsoft.com/office/powerpoint/2010/main" val="3441485953"/>
+        <p14:creationId xmlns:p14="http://schemas.microsoft.com/office/powerpoint/2010/main" val="4111779873"/>
       </p:ext>
     </p:extLst>
   </p:cSld>
@@ -3250,7 +8777,7 @@
           <a:p>
             <a:r>
               <a:rPr lang="en-AU" dirty="0" smtClean="0"/>
-              <a:t>Finishing Touches</a:t>
+              <a:t>Possible WACK Issues</a:t>
             </a:r>
             <a:endParaRPr lang="en-AU" dirty="0"/>
           </a:p>
@@ -3273,68 +8800,88 @@
           <a:p>
             <a:r>
               <a:rPr lang="en-AU" dirty="0" smtClean="0"/>
-              <a:t>Polish your game</a:t>
+              <a:t>Trim() required on suspend</a:t>
             </a:r>
           </a:p>
           <a:p>
             <a:pPr lvl="1"/>
             <a:r>
               <a:rPr lang="en-AU" dirty="0" smtClean="0"/>
-              <a:t>Fluid loading experience</a:t>
+              <a:t>You may have </a:t>
+            </a:r>
+            <a:r>
+              <a:rPr lang="en-AU" dirty="0" smtClean="0"/>
+              <a:t>an old version of WACK, update </a:t>
+            </a:r>
+            <a:r>
+              <a:rPr lang="en-AU" smtClean="0"/>
+              <a:t>Visual Studio/Windows SDK</a:t>
+            </a:r>
+            <a:endParaRPr lang="en-AU" dirty="0" smtClean="0"/>
+          </a:p>
+          <a:p>
+            <a:r>
+              <a:rPr lang="en-AU" dirty="0" smtClean="0"/>
+              <a:t>Illegal APIs</a:t>
             </a:r>
           </a:p>
           <a:p>
             <a:pPr lvl="1"/>
             <a:r>
               <a:rPr lang="en-AU" dirty="0" smtClean="0"/>
-              <a:t>Gamepad support</a:t>
-            </a:r>
-          </a:p>
-          <a:p>
-            <a:r>
-              <a:rPr lang="en-AU" dirty="0" smtClean="0"/>
-              <a:t>Check your assets</a:t>
+              <a:t>Replace or remove</a:t>
             </a:r>
           </a:p>
           <a:p>
             <a:pPr lvl="1"/>
             <a:r>
               <a:rPr lang="en-AU" dirty="0" smtClean="0"/>
-              <a:t>PVR textures will not work, convert to DXT</a:t>
-            </a:r>
-          </a:p>
-          <a:p>
-            <a:r>
-              <a:rPr lang="en-AU" dirty="0" smtClean="0"/>
-              <a:t>Check your Materials</a:t>
+              <a:t>Usually a native plugin</a:t>
             </a:r>
           </a:p>
           <a:p>
             <a:pPr lvl="1"/>
             <a:r>
               <a:rPr lang="en-AU" dirty="0" smtClean="0"/>
-              <a:t>Defaults will work, custom may not, check for Direct3D</a:t>
-            </a:r>
-          </a:p>
-          <a:p>
-            <a:pPr lvl="1"/>
-            <a:r>
-              <a:rPr lang="en-AU" dirty="0" smtClean="0"/>
-              <a:t>New PCs are D3D 11, some ARM devices are D3D 9.3 (equivalent)</a:t>
-            </a:r>
-          </a:p>
-          <a:p>
-            <a:r>
-              <a:rPr lang="en-AU" dirty="0" smtClean="0"/>
-              <a:t>Test your game</a:t>
-            </a:r>
+              <a:t>Ensure you compiled with .NET Core enabled (forced)</a:t>
+            </a:r>
+          </a:p>
+        </p:txBody>
+      </p:sp>
+      <p:sp>
+        <p:nvSpPr>
+          <p:cNvPr id="4" name="TextBox 3"/>
+          <p:cNvSpPr txBox="1"/>
+          <p:nvPr/>
+        </p:nvSpPr>
+        <p:spPr>
+          <a:xfrm>
+            <a:off x="7706848" y="6311900"/>
+            <a:ext cx="3655744" cy="369332"/>
+          </a:xfrm>
+          <a:prstGeom prst="rect">
+            <a:avLst/>
+          </a:prstGeom>
+          <a:noFill/>
+        </p:spPr>
+        <p:txBody>
+          <a:bodyPr wrap="none" rtlCol="0">
+            <a:spAutoFit/>
+          </a:bodyPr>
+          <a:lstStyle/>
+          <a:p>
+            <a:r>
+              <a:rPr lang="en-AU" dirty="0" smtClean="0"/>
+              <a:t>* Versions are valid as of 03/05/2014</a:t>
+            </a:r>
+            <a:endParaRPr lang="en-AU" dirty="0"/>
           </a:p>
         </p:txBody>
       </p:sp>
     </p:spTree>
     <p:extLst>
       <p:ext uri="{BB962C8B-B14F-4D97-AF65-F5344CB8AC3E}">
-        <p14:creationId xmlns:p14="http://schemas.microsoft.com/office/powerpoint/2010/main" val="690564962"/>
+        <p14:creationId xmlns:p14="http://schemas.microsoft.com/office/powerpoint/2010/main" val="475539485"/>
       </p:ext>
     </p:extLst>
   </p:cSld>
@@ -3385,6 +8932,260 @@
           <a:p>
             <a:r>
               <a:rPr lang="en-AU" dirty="0" smtClean="0"/>
+              <a:t>Step 4 – Windows 8 Features</a:t>
+            </a:r>
+            <a:endParaRPr lang="en-AU" dirty="0"/>
+          </a:p>
+        </p:txBody>
+      </p:sp>
+      <p:sp>
+        <p:nvSpPr>
+          <p:cNvPr id="5" name="Content Placeholder 4"/>
+          <p:cNvSpPr>
+            <a:spLocks noGrp="1"/>
+          </p:cNvSpPr>
+          <p:nvPr>
+            <p:ph idx="1"/>
+          </p:nvPr>
+        </p:nvSpPr>
+        <p:spPr/>
+        <p:txBody>
+          <a:bodyPr/>
+          <a:lstStyle/>
+          <a:p>
+            <a:r>
+              <a:rPr lang="en-AU" dirty="0" smtClean="0"/>
+              <a:t>Resizable screen (needs to be responsive)</a:t>
+            </a:r>
+          </a:p>
+          <a:p>
+            <a:pPr lvl="1"/>
+            <a:r>
+              <a:rPr lang="en-AU" dirty="0" smtClean="0"/>
+              <a:t>Choose from 320px or 500px minimum</a:t>
+            </a:r>
+          </a:p>
+          <a:p>
+            <a:r>
+              <a:rPr lang="en-AU" dirty="0" smtClean="0"/>
+              <a:t>Connect game to App Lifecycle (if required)</a:t>
+            </a:r>
+          </a:p>
+          <a:p>
+            <a:r>
+              <a:rPr lang="en-AU" dirty="0" smtClean="0"/>
+              <a:t>Live Tiles</a:t>
+            </a:r>
+          </a:p>
+          <a:p>
+            <a:r>
+              <a:rPr lang="en-AU" dirty="0" smtClean="0"/>
+              <a:t>Share Charm</a:t>
+            </a:r>
+          </a:p>
+          <a:p>
+            <a:r>
+              <a:rPr lang="en-AU" dirty="0" smtClean="0"/>
+              <a:t>Keyboard &amp; Mouse Support</a:t>
+            </a:r>
+          </a:p>
+          <a:p>
+            <a:r>
+              <a:rPr lang="en-AU" dirty="0" smtClean="0"/>
+              <a:t>Required Icon Assets (Small/Medium/Large tiles + Splash Screen)</a:t>
+            </a:r>
+          </a:p>
+        </p:txBody>
+      </p:sp>
+    </p:spTree>
+    <p:extLst>
+      <p:ext uri="{BB962C8B-B14F-4D97-AF65-F5344CB8AC3E}">
+        <p14:creationId xmlns:p14="http://schemas.microsoft.com/office/powerpoint/2010/main" val="3441485953"/>
+      </p:ext>
+    </p:extLst>
+  </p:cSld>
+  <p:clrMapOvr>
+    <a:masterClrMapping/>
+  </p:clrMapOvr>
+  <p:timing>
+    <p:tnLst>
+      <p:par>
+        <p:cTn id="1" dur="indefinite" restart="never" nodeType="tmRoot"/>
+      </p:par>
+    </p:tnLst>
+  </p:timing>
+</p:sld>
+</file>
+
+<file path=ppt/slides/slide13.xml><?xml version="1.0" encoding="utf-8"?>
+<p:sld xmlns:a="http://schemas.openxmlformats.org/drawingml/2006/main" xmlns:r="http://schemas.openxmlformats.org/officeDocument/2006/relationships" xmlns:p="http://schemas.openxmlformats.org/presentationml/2006/main">
+  <p:cSld>
+    <p:spTree>
+      <p:nvGrpSpPr>
+        <p:cNvPr id="1" name=""/>
+        <p:cNvGrpSpPr/>
+        <p:nvPr/>
+      </p:nvGrpSpPr>
+      <p:grpSpPr>
+        <a:xfrm>
+          <a:off x="0" y="0"/>
+          <a:ext cx="0" cy="0"/>
+          <a:chOff x="0" y="0"/>
+          <a:chExt cx="0" cy="0"/>
+        </a:xfrm>
+      </p:grpSpPr>
+      <p:sp>
+        <p:nvSpPr>
+          <p:cNvPr id="2" name="Title 1"/>
+          <p:cNvSpPr>
+            <a:spLocks noGrp="1"/>
+          </p:cNvSpPr>
+          <p:nvPr>
+            <p:ph type="title"/>
+          </p:nvPr>
+        </p:nvSpPr>
+        <p:spPr/>
+        <p:txBody>
+          <a:bodyPr/>
+          <a:lstStyle/>
+          <a:p>
+            <a:r>
+              <a:rPr lang="en-AU" dirty="0" smtClean="0"/>
+              <a:t>Finishing Touches</a:t>
+            </a:r>
+            <a:endParaRPr lang="en-AU" dirty="0"/>
+          </a:p>
+        </p:txBody>
+      </p:sp>
+      <p:sp>
+        <p:nvSpPr>
+          <p:cNvPr id="3" name="Content Placeholder 2"/>
+          <p:cNvSpPr>
+            <a:spLocks noGrp="1"/>
+          </p:cNvSpPr>
+          <p:nvPr>
+            <p:ph idx="1"/>
+          </p:nvPr>
+        </p:nvSpPr>
+        <p:spPr/>
+        <p:txBody>
+          <a:bodyPr/>
+          <a:lstStyle/>
+          <a:p>
+            <a:r>
+              <a:rPr lang="en-AU" dirty="0" smtClean="0"/>
+              <a:t>Polish your game</a:t>
+            </a:r>
+          </a:p>
+          <a:p>
+            <a:pPr lvl="1"/>
+            <a:r>
+              <a:rPr lang="en-AU" dirty="0" smtClean="0"/>
+              <a:t>Fluid loading experience</a:t>
+            </a:r>
+          </a:p>
+          <a:p>
+            <a:pPr lvl="1"/>
+            <a:r>
+              <a:rPr lang="en-AU" dirty="0" smtClean="0"/>
+              <a:t>Gamepad support</a:t>
+            </a:r>
+          </a:p>
+          <a:p>
+            <a:r>
+              <a:rPr lang="en-AU" dirty="0" smtClean="0"/>
+              <a:t>Check your assets</a:t>
+            </a:r>
+          </a:p>
+          <a:p>
+            <a:pPr lvl="1"/>
+            <a:r>
+              <a:rPr lang="en-AU" dirty="0" smtClean="0"/>
+              <a:t>PVR textures will not work, convert to DXT</a:t>
+            </a:r>
+          </a:p>
+          <a:p>
+            <a:r>
+              <a:rPr lang="en-AU" dirty="0" smtClean="0"/>
+              <a:t>Check your Materials</a:t>
+            </a:r>
+          </a:p>
+          <a:p>
+            <a:pPr lvl="1"/>
+            <a:r>
+              <a:rPr lang="en-AU" dirty="0" smtClean="0"/>
+              <a:t>Defaults will work, custom may not, check for Direct3D</a:t>
+            </a:r>
+          </a:p>
+          <a:p>
+            <a:pPr lvl="1"/>
+            <a:r>
+              <a:rPr lang="en-AU" dirty="0" smtClean="0"/>
+              <a:t>New PCs are D3D 11, some ARM devices are D3D 9.3 (equivalent)</a:t>
+            </a:r>
+          </a:p>
+          <a:p>
+            <a:r>
+              <a:rPr lang="en-AU" dirty="0" smtClean="0"/>
+              <a:t>Test your game</a:t>
+            </a:r>
+          </a:p>
+        </p:txBody>
+      </p:sp>
+    </p:spTree>
+    <p:extLst>
+      <p:ext uri="{BB962C8B-B14F-4D97-AF65-F5344CB8AC3E}">
+        <p14:creationId xmlns:p14="http://schemas.microsoft.com/office/powerpoint/2010/main" val="690564962"/>
+      </p:ext>
+    </p:extLst>
+  </p:cSld>
+  <p:clrMapOvr>
+    <a:masterClrMapping/>
+  </p:clrMapOvr>
+  <p:timing>
+    <p:tnLst>
+      <p:par>
+        <p:cTn id="1" dur="indefinite" restart="never" nodeType="tmRoot"/>
+      </p:par>
+    </p:tnLst>
+  </p:timing>
+</p:sld>
+</file>
+
+<file path=ppt/slides/slide14.xml><?xml version="1.0" encoding="utf-8"?>
+<p:sld xmlns:a="http://schemas.openxmlformats.org/drawingml/2006/main" xmlns:r="http://schemas.openxmlformats.org/officeDocument/2006/relationships" xmlns:p="http://schemas.openxmlformats.org/presentationml/2006/main">
+  <p:cSld>
+    <p:spTree>
+      <p:nvGrpSpPr>
+        <p:cNvPr id="1" name=""/>
+        <p:cNvGrpSpPr/>
+        <p:nvPr/>
+      </p:nvGrpSpPr>
+      <p:grpSpPr>
+        <a:xfrm>
+          <a:off x="0" y="0"/>
+          <a:ext cx="0" cy="0"/>
+          <a:chOff x="0" y="0"/>
+          <a:chExt cx="0" cy="0"/>
+        </a:xfrm>
+      </p:grpSpPr>
+      <p:sp>
+        <p:nvSpPr>
+          <p:cNvPr id="2" name="Title 1"/>
+          <p:cNvSpPr>
+            <a:spLocks noGrp="1"/>
+          </p:cNvSpPr>
+          <p:nvPr>
+            <p:ph type="title"/>
+          </p:nvPr>
+        </p:nvSpPr>
+        <p:spPr/>
+        <p:txBody>
+          <a:bodyPr/>
+          <a:lstStyle/>
+          <a:p>
+            <a:r>
+              <a:rPr lang="en-AU" dirty="0" smtClean="0"/>
               <a:t>Debugging with Visual Studio</a:t>
             </a:r>
             <a:endParaRPr lang="en-AU" dirty="0"/>
@@ -3502,7 +9303,7 @@
 </p:sld>
 </file>
 
-<file path=ppt/slides/slide13.xml><?xml version="1.0" encoding="utf-8"?>
+<file path=ppt/slides/slide15.xml><?xml version="1.0" encoding="utf-8"?>
 <p:sld xmlns:a="http://schemas.openxmlformats.org/drawingml/2006/main" xmlns:r="http://schemas.openxmlformats.org/officeDocument/2006/relationships" xmlns:p="http://schemas.openxmlformats.org/presentationml/2006/main">
   <p:cSld>
     <p:spTree>
@@ -3665,7 +9466,7 @@
 </p:sld>
 </file>
 
-<file path=ppt/slides/slide14.xml><?xml version="1.0" encoding="utf-8"?>
+<file path=ppt/slides/slide16.xml><?xml version="1.0" encoding="utf-8"?>
 <p:sld xmlns:a="http://schemas.openxmlformats.org/drawingml/2006/main" xmlns:r="http://schemas.openxmlformats.org/officeDocument/2006/relationships" xmlns:p="http://schemas.openxmlformats.org/presentationml/2006/main">
   <p:cSld>
     <p:spTree>
@@ -3758,7 +9559,6 @@
               <a:rPr lang="en-AU" sz="4000" dirty="0" smtClean="0"/>
               <a:t>List of Missing Types</a:t>
             </a:r>
-            <a:endParaRPr lang="en-AU" sz="4000" dirty="0" smtClean="0"/>
           </a:p>
           <a:p>
             <a:pPr marL="0" indent="0">
@@ -3798,7 +9598,6 @@
               <a:rPr lang="en-AU" sz="4000" dirty="0" smtClean="0"/>
               <a:t>w8.msdeveloper.com.au</a:t>
             </a:r>
-            <a:endParaRPr lang="en-AU" sz="4000" dirty="0" smtClean="0"/>
           </a:p>
           <a:p>
             <a:pPr marL="0" indent="0">
@@ -3885,13 +9684,13 @@
           <a:p>
             <a:r>
               <a:rPr lang="en-AU" dirty="0" smtClean="0"/>
-              <a:t>Upgrade to the latest version</a:t>
-            </a:r>
-          </a:p>
-          <a:p>
-            <a:r>
-              <a:rPr lang="en-AU" dirty="0" smtClean="0"/>
-              <a:t>4.3.4* at time of writing</a:t>
+              <a:t>Upgrade to the latest version (or as close to)</a:t>
+            </a:r>
+          </a:p>
+          <a:p>
+            <a:r>
+              <a:rPr lang="en-AU" dirty="0" smtClean="0"/>
+              <a:t>4.5.4* at time of writing</a:t>
             </a:r>
           </a:p>
           <a:p>
@@ -3927,7 +9726,7 @@
           <a:p>
             <a:r>
               <a:rPr lang="en-AU" dirty="0" smtClean="0"/>
-              <a:t>* Versions are valid as of 19/03/2014</a:t>
+              <a:t>* Versions are valid as of 26/09/2014</a:t>
             </a:r>
             <a:endParaRPr lang="en-AU" dirty="0"/>
           </a:p>
@@ -4336,7 +10135,7 @@
           <a:p>
             <a:r>
               <a:rPr lang="en-AU" dirty="0" smtClean="0"/>
-              <a:t>Unity 4.3.4</a:t>
+              <a:t>Unity 4.2+</a:t>
             </a:r>
           </a:p>
           <a:p>
@@ -4439,7 +10238,19 @@
           <a:p>
             <a:r>
               <a:rPr lang="en-AU" dirty="0" smtClean="0"/>
-              <a:t>Plugin Build Errors</a:t>
+              <a:t>Plugin Build </a:t>
+            </a:r>
+            <a:r>
+              <a:rPr lang="en-AU" dirty="0" smtClean="0"/>
+              <a:t>Errors (</a:t>
+            </a:r>
+            <a:r>
+              <a:rPr lang="en-AU" dirty="0" err="1" smtClean="0"/>
+              <a:t>WinRT</a:t>
+            </a:r>
+            <a:r>
+              <a:rPr lang="en-AU" dirty="0" smtClean="0"/>
+              <a:t>)</a:t>
             </a:r>
             <a:endParaRPr lang="en-AU" dirty="0"/>
           </a:p>
@@ -4604,159 +10415,170 @@
           <a:p>
             <a:r>
               <a:rPr lang="en-AU" dirty="0" smtClean="0"/>
-              <a:t>Common Missing APIs</a:t>
+              <a:t>Compile Process (WP8)</a:t>
             </a:r>
             <a:endParaRPr lang="en-AU" dirty="0"/>
           </a:p>
         </p:txBody>
       </p:sp>
+      <p:graphicFrame>
+        <p:nvGraphicFramePr>
+          <p:cNvPr id="4" name="Diagram 3"/>
+          <p:cNvGraphicFramePr/>
+          <p:nvPr>
+            <p:extLst>
+              <p:ext uri="{D42A27DB-BD31-4B8C-83A1-F6EECF244321}">
+                <p14:modId xmlns:p14="http://schemas.microsoft.com/office/powerpoint/2010/main" val="4271178938"/>
+              </p:ext>
+            </p:extLst>
+          </p:nvPr>
+        </p:nvGraphicFramePr>
+        <p:xfrm>
+          <a:off x="928577" y="1743741"/>
+          <a:ext cx="10299404" cy="3281916"/>
+        </p:xfrm>
+        <a:graphic>
+          <a:graphicData uri="http://schemas.openxmlformats.org/drawingml/2006/diagram">
+            <dgm:relIds xmlns:dgm="http://schemas.openxmlformats.org/drawingml/2006/diagram" xmlns:r="http://schemas.openxmlformats.org/officeDocument/2006/relationships" r:dm="rId2" r:lo="rId3" r:qs="rId4" r:cs="rId5"/>
+          </a:graphicData>
+        </a:graphic>
+      </p:graphicFrame>
       <p:sp>
         <p:nvSpPr>
-          <p:cNvPr id="3" name="Content Placeholder 2"/>
-          <p:cNvSpPr>
-            <a:spLocks noGrp="1"/>
-          </p:cNvSpPr>
-          <p:nvPr>
-            <p:ph idx="1"/>
-          </p:nvPr>
+          <p:cNvPr id="5" name="TextBox 4"/>
+          <p:cNvSpPr txBox="1"/>
+          <p:nvPr/>
         </p:nvSpPr>
-        <p:spPr/>
+        <p:spPr>
+          <a:xfrm>
+            <a:off x="3629359" y="4763386"/>
+            <a:ext cx="1467068" cy="369332"/>
+          </a:xfrm>
+          <a:prstGeom prst="rect">
+            <a:avLst/>
+          </a:prstGeom>
+          <a:noFill/>
+        </p:spPr>
         <p:txBody>
-          <a:bodyPr>
-            <a:normAutofit lnSpcReduction="10000"/>
+          <a:bodyPr wrap="none" rtlCol="0">
+            <a:spAutoFit/>
           </a:bodyPr>
           <a:lstStyle/>
           <a:p>
             <a:r>
-              <a:rPr lang="en-AU" dirty="0" err="1" smtClean="0"/>
-              <a:t>Hashtable</a:t>
-            </a:r>
-            <a:endParaRPr lang="en-AU" dirty="0" smtClean="0"/>
-          </a:p>
-          <a:p>
-            <a:pPr lvl="1"/>
-            <a:r>
-              <a:rPr lang="en-AU" dirty="0" smtClean="0"/>
-              <a:t>Implemented by Unity post 4.2 in WinRTLegacy.dll</a:t>
-            </a:r>
-          </a:p>
-          <a:p>
-            <a:pPr lvl="1"/>
-            <a:r>
-              <a:rPr lang="en-AU" dirty="0" smtClean="0"/>
-              <a:t>new WWW() wants Dictionary&lt;</a:t>
-            </a:r>
-            <a:r>
-              <a:rPr lang="en-AU" dirty="0" err="1" smtClean="0"/>
-              <a:t>string,string</a:t>
-            </a:r>
-            <a:r>
-              <a:rPr lang="en-AU" dirty="0" smtClean="0"/>
-              <a:t>&gt; instead</a:t>
-            </a:r>
-          </a:p>
-          <a:p>
-            <a:pPr lvl="2"/>
-            <a:r>
-              <a:rPr lang="en-AU" dirty="0" smtClean="0"/>
-              <a:t>Just replace your </a:t>
-            </a:r>
-            <a:r>
-              <a:rPr lang="en-AU" dirty="0" err="1" smtClean="0"/>
-              <a:t>Hashtables</a:t>
-            </a:r>
-            <a:r>
-              <a:rPr lang="en-AU" dirty="0" smtClean="0"/>
-              <a:t> (same interface)</a:t>
-            </a:r>
-          </a:p>
-          <a:p>
-            <a:r>
-              <a:rPr lang="en-AU" dirty="0" smtClean="0"/>
-              <a:t>Reflection</a:t>
-            </a:r>
-          </a:p>
-          <a:p>
-            <a:pPr lvl="1"/>
-            <a:r>
-              <a:rPr lang="en-AU" dirty="0" smtClean="0"/>
-              <a:t>Type methods are now in </a:t>
-            </a:r>
-            <a:r>
-              <a:rPr lang="en-AU" dirty="0" err="1" smtClean="0"/>
-              <a:t>TypeInfo</a:t>
-            </a:r>
-            <a:endParaRPr lang="en-AU" dirty="0" smtClean="0"/>
-          </a:p>
-          <a:p>
-            <a:pPr lvl="2"/>
-            <a:r>
-              <a:rPr lang="en-AU" dirty="0" smtClean="0"/>
-              <a:t>Porting sample has partial implementation of Type</a:t>
-            </a:r>
-          </a:p>
-          <a:p>
-            <a:pPr lvl="1"/>
-            <a:r>
-              <a:rPr lang="en-AU" dirty="0" err="1" smtClean="0"/>
-              <a:t>Codegen</a:t>
-            </a:r>
-            <a:r>
-              <a:rPr lang="en-AU" dirty="0"/>
-              <a:t> </a:t>
-            </a:r>
-            <a:r>
-              <a:rPr lang="en-AU" dirty="0" smtClean="0"/>
-              <a:t>not permitted</a:t>
-            </a:r>
-          </a:p>
-          <a:p>
-            <a:r>
-              <a:rPr lang="en-AU" dirty="0" smtClean="0"/>
-              <a:t>File/Directory</a:t>
-            </a:r>
-          </a:p>
-          <a:p>
-            <a:pPr lvl="1"/>
-            <a:r>
-              <a:rPr lang="en-AU" dirty="0" smtClean="0"/>
-              <a:t>Same as Reflection</a:t>
-            </a:r>
-          </a:p>
-          <a:p>
-            <a:r>
-              <a:rPr lang="en-AU" dirty="0">
-                <a:hlinkClick r:id="rId2"/>
-              </a:rPr>
-              <a:t>http://</a:t>
-            </a:r>
-            <a:r>
-              <a:rPr lang="en-AU" dirty="0" smtClean="0">
-                <a:hlinkClick r:id="rId2"/>
-              </a:rPr>
-              <a:t>bit.ly/missingwinrttypes</a:t>
-            </a:r>
-            <a:endParaRPr lang="en-AU" dirty="0" smtClean="0"/>
+              <a:rPr lang="en-AU" dirty="0" smtClean="0"/>
+              <a:t>Mono Plugins</a:t>
+            </a:r>
+            <a:endParaRPr lang="en-AU" dirty="0"/>
           </a:p>
         </p:txBody>
       </p:sp>
+      <p:cxnSp>
+        <p:nvCxnSpPr>
+          <p:cNvPr id="7" name="Straight Arrow Connector 6"/>
+          <p:cNvCxnSpPr/>
+          <p:nvPr/>
+        </p:nvCxnSpPr>
+        <p:spPr>
+          <a:xfrm flipV="1">
+            <a:off x="4323907" y="4054550"/>
+            <a:ext cx="77972" cy="652129"/>
+          </a:xfrm>
+          <a:prstGeom prst="straightConnector1">
+            <a:avLst/>
+          </a:prstGeom>
+          <a:ln w="38100">
+            <a:tailEnd type="triangle"/>
+          </a:ln>
+        </p:spPr>
+        <p:style>
+          <a:lnRef idx="1">
+            <a:schemeClr val="accent1"/>
+          </a:lnRef>
+          <a:fillRef idx="0">
+            <a:schemeClr val="accent1"/>
+          </a:fillRef>
+          <a:effectRef idx="0">
+            <a:schemeClr val="accent1"/>
+          </a:effectRef>
+          <a:fontRef idx="minor">
+            <a:schemeClr val="tx1"/>
+          </a:fontRef>
+        </p:style>
+      </p:cxnSp>
+      <p:sp>
+        <p:nvSpPr>
+          <p:cNvPr id="8" name="TextBox 7"/>
+          <p:cNvSpPr txBox="1"/>
+          <p:nvPr/>
+        </p:nvSpPr>
+        <p:spPr>
+          <a:xfrm>
+            <a:off x="6865864" y="4763386"/>
+            <a:ext cx="1345240" cy="369332"/>
+          </a:xfrm>
+          <a:prstGeom prst="rect">
+            <a:avLst/>
+          </a:prstGeom>
+          <a:noFill/>
+        </p:spPr>
+        <p:txBody>
+          <a:bodyPr wrap="none" rtlCol="0">
+            <a:spAutoFit/>
+          </a:bodyPr>
+          <a:lstStyle/>
+          <a:p>
+            <a:r>
+              <a:rPr lang="en-AU" dirty="0" smtClean="0"/>
+              <a:t>WP8 Plugins</a:t>
+            </a:r>
+            <a:endParaRPr lang="en-AU" dirty="0"/>
+          </a:p>
+        </p:txBody>
+      </p:sp>
+      <p:cxnSp>
+        <p:nvCxnSpPr>
+          <p:cNvPr id="10" name="Straight Arrow Connector 9"/>
+          <p:cNvCxnSpPr/>
+          <p:nvPr/>
+        </p:nvCxnSpPr>
+        <p:spPr>
+          <a:xfrm flipH="1" flipV="1">
+            <a:off x="7520763" y="4054549"/>
+            <a:ext cx="35442" cy="652130"/>
+          </a:xfrm>
+          <a:prstGeom prst="straightConnector1">
+            <a:avLst/>
+          </a:prstGeom>
+          <a:ln w="38100">
+            <a:tailEnd type="triangle"/>
+          </a:ln>
+        </p:spPr>
+        <p:style>
+          <a:lnRef idx="1">
+            <a:schemeClr val="accent1"/>
+          </a:lnRef>
+          <a:fillRef idx="0">
+            <a:schemeClr val="accent1"/>
+          </a:fillRef>
+          <a:effectRef idx="0">
+            <a:schemeClr val="accent1"/>
+          </a:effectRef>
+          <a:fontRef idx="minor">
+            <a:schemeClr val="tx1"/>
+          </a:fontRef>
+        </p:style>
+      </p:cxnSp>
     </p:spTree>
     <p:extLst>
       <p:ext uri="{BB962C8B-B14F-4D97-AF65-F5344CB8AC3E}">
-        <p14:creationId xmlns:p14="http://schemas.microsoft.com/office/powerpoint/2010/main" val="3583505864"/>
+        <p14:creationId xmlns:p14="http://schemas.microsoft.com/office/powerpoint/2010/main" val="2904784010"/>
       </p:ext>
     </p:extLst>
   </p:cSld>
   <p:clrMapOvr>
     <a:masterClrMapping/>
   </p:clrMapOvr>
-  <p:timing>
-    <p:tnLst>
-      <p:par>
-        <p:cTn id="1" dur="indefinite" restart="never" nodeType="tmRoot"/>
-      </p:par>
-    </p:tnLst>
-  </p:timing>
 </p:sld>
 </file>
 
@@ -4794,140 +10616,55 @@
           <a:p>
             <a:r>
               <a:rPr lang="en-AU" dirty="0" smtClean="0"/>
-              <a:t>Step 3 - WACK</a:t>
+              <a:t>Compile Process (</a:t>
+            </a:r>
+            <a:r>
+              <a:rPr lang="en-AU" dirty="0" err="1" smtClean="0"/>
+              <a:t>WinRT</a:t>
+            </a:r>
+            <a:r>
+              <a:rPr lang="en-AU" dirty="0" smtClean="0"/>
+              <a:t>)</a:t>
             </a:r>
             <a:endParaRPr lang="en-AU" dirty="0"/>
           </a:p>
         </p:txBody>
       </p:sp>
-      <p:sp>
-        <p:nvSpPr>
-          <p:cNvPr id="3" name="Content Placeholder 2"/>
-          <p:cNvSpPr>
-            <a:spLocks noGrp="1"/>
-          </p:cNvSpPr>
+      <p:graphicFrame>
+        <p:nvGraphicFramePr>
+          <p:cNvPr id="4" name="Content Placeholder 3"/>
+          <p:cNvGraphicFramePr>
+            <a:graphicFrameLocks noGrp="1"/>
+          </p:cNvGraphicFramePr>
           <p:nvPr>
-            <p:ph sz="half" idx="1"/>
+            <p:ph idx="1"/>
+            <p:extLst>
+              <p:ext uri="{D42A27DB-BD31-4B8C-83A1-F6EECF244321}">
+                <p14:modId xmlns:p14="http://schemas.microsoft.com/office/powerpoint/2010/main" val="3464995004"/>
+              </p:ext>
+            </p:extLst>
           </p:nvPr>
-        </p:nvSpPr>
-        <p:spPr/>
-        <p:txBody>
-          <a:bodyPr/>
-          <a:lstStyle/>
-          <a:p>
-            <a:r>
-              <a:rPr lang="en-AU" dirty="0" smtClean="0"/>
-              <a:t>Build your Windows 8 solution</a:t>
-            </a:r>
-          </a:p>
-          <a:p>
-            <a:r>
-              <a:rPr lang="en-AU" dirty="0" smtClean="0"/>
-              <a:t>If the game runs fine:</a:t>
-            </a:r>
-          </a:p>
-          <a:p>
-            <a:pPr lvl="1"/>
-            <a:r>
-              <a:rPr lang="en-AU" dirty="0" smtClean="0"/>
-              <a:t>Deploy in Release mode</a:t>
-            </a:r>
-          </a:p>
-          <a:p>
-            <a:pPr lvl="1"/>
-            <a:r>
-              <a:rPr lang="en-AU" dirty="0" smtClean="0"/>
-              <a:t>Run the Windows App Cert Kit (WACK 3.1 *)</a:t>
-            </a:r>
-          </a:p>
-          <a:p>
-            <a:pPr lvl="1"/>
-            <a:r>
-              <a:rPr lang="en-AU" dirty="0" smtClean="0"/>
-              <a:t>Check results and fix any issues</a:t>
-            </a:r>
-          </a:p>
-          <a:p>
-            <a:r>
-              <a:rPr lang="en-AU" dirty="0" smtClean="0"/>
-              <a:t>Check WACK on ARM if possible</a:t>
-            </a:r>
-          </a:p>
-          <a:p>
-            <a:pPr lvl="1"/>
-            <a:r>
-              <a:rPr lang="en-AU" dirty="0" smtClean="0"/>
-              <a:t>Performance</a:t>
-            </a:r>
-          </a:p>
-        </p:txBody>
-      </p:sp>
-      <p:sp>
-        <p:nvSpPr>
-          <p:cNvPr id="4" name="Content Placeholder 3"/>
-          <p:cNvSpPr>
-            <a:spLocks noGrp="1"/>
-          </p:cNvSpPr>
-          <p:nvPr>
-            <p:ph sz="half" idx="2"/>
-          </p:nvPr>
-        </p:nvSpPr>
-        <p:spPr/>
-        <p:txBody>
-          <a:bodyPr/>
-          <a:lstStyle/>
-          <a:p>
-            <a:endParaRPr lang="en-AU"/>
-          </a:p>
-        </p:txBody>
-      </p:sp>
-      <p:sp>
-        <p:nvSpPr>
-          <p:cNvPr id="5" name="TextBox 4"/>
-          <p:cNvSpPr txBox="1"/>
-          <p:nvPr/>
-        </p:nvSpPr>
-        <p:spPr>
-          <a:xfrm>
-            <a:off x="7698056" y="6311900"/>
-            <a:ext cx="3655744" cy="369332"/>
-          </a:xfrm>
-          <a:prstGeom prst="rect">
-            <a:avLst/>
-          </a:prstGeom>
-          <a:noFill/>
-        </p:spPr>
-        <p:txBody>
-          <a:bodyPr wrap="none" rtlCol="0">
-            <a:spAutoFit/>
-          </a:bodyPr>
-          <a:lstStyle/>
-          <a:p>
-            <a:r>
-              <a:rPr lang="en-AU" dirty="0" smtClean="0"/>
-              <a:t>* Versions are valid as of 19/03/2014</a:t>
-            </a:r>
-            <a:endParaRPr lang="en-AU" dirty="0"/>
-          </a:p>
-        </p:txBody>
-      </p:sp>
+        </p:nvGraphicFramePr>
+        <p:xfrm>
+          <a:off x="838200" y="1825625"/>
+          <a:ext cx="10515600" cy="4351338"/>
+        </p:xfrm>
+        <a:graphic>
+          <a:graphicData uri="http://schemas.openxmlformats.org/drawingml/2006/diagram">
+            <dgm:relIds xmlns:dgm="http://schemas.openxmlformats.org/drawingml/2006/diagram" xmlns:r="http://schemas.openxmlformats.org/officeDocument/2006/relationships" r:dm="rId2" r:lo="rId3" r:qs="rId4" r:cs="rId5"/>
+          </a:graphicData>
+        </a:graphic>
+      </p:graphicFrame>
     </p:spTree>
     <p:extLst>
       <p:ext uri="{BB962C8B-B14F-4D97-AF65-F5344CB8AC3E}">
-        <p14:creationId xmlns:p14="http://schemas.microsoft.com/office/powerpoint/2010/main" val="4111779873"/>
+        <p14:creationId xmlns:p14="http://schemas.microsoft.com/office/powerpoint/2010/main" val="812538331"/>
       </p:ext>
     </p:extLst>
   </p:cSld>
   <p:clrMapOvr>
     <a:masterClrMapping/>
   </p:clrMapOvr>
-  <p:timing>
-    <p:tnLst>
-      <p:par>
-        <p:cTn id="1" dur="indefinite" restart="never" nodeType="tmRoot"/>
-      </p:par>
-    </p:tnLst>
-  </p:timing>
 </p:sld>
 </file>
 
@@ -4965,7 +10702,7 @@
           <a:p>
             <a:r>
               <a:rPr lang="en-AU" dirty="0" smtClean="0"/>
-              <a:t>Possible WACK Issues</a:t>
+              <a:t>Common Missing APIs</a:t>
             </a:r>
             <a:endParaRPr lang="en-AU" dirty="0"/>
           </a:p>
@@ -4983,84 +10720,128 @@
         </p:nvSpPr>
         <p:spPr/>
         <p:txBody>
-          <a:bodyPr/>
-          <a:lstStyle/>
-          <a:p>
-            <a:r>
-              <a:rPr lang="en-AU" dirty="0" smtClean="0"/>
-              <a:t>Trim() required on suspend</a:t>
-            </a:r>
-          </a:p>
-          <a:p>
-            <a:pPr lvl="1"/>
-            <a:r>
-              <a:rPr lang="en-AU" dirty="0" smtClean="0"/>
-              <a:t>You may have WACK 3.2, update to VS 2013 update 2 for WACK 3.3</a:t>
-            </a:r>
-          </a:p>
-          <a:p>
-            <a:r>
-              <a:rPr lang="en-AU" dirty="0" smtClean="0"/>
-              <a:t>Illegal APIs</a:t>
-            </a:r>
-          </a:p>
-          <a:p>
-            <a:pPr lvl="1"/>
-            <a:r>
-              <a:rPr lang="en-AU" dirty="0" smtClean="0"/>
-              <a:t>Replace or remove</a:t>
-            </a:r>
-          </a:p>
-          <a:p>
-            <a:pPr lvl="1"/>
-            <a:r>
-              <a:rPr lang="en-AU" dirty="0" smtClean="0"/>
-              <a:t>Usually a native plugin</a:t>
-            </a:r>
-          </a:p>
-          <a:p>
-            <a:pPr lvl="1"/>
-            <a:r>
-              <a:rPr lang="en-AU" dirty="0" smtClean="0"/>
-              <a:t>Ensure you compiled with .NET Core enabled (forced)</a:t>
-            </a:r>
-          </a:p>
-        </p:txBody>
-      </p:sp>
-      <p:sp>
-        <p:nvSpPr>
-          <p:cNvPr id="4" name="TextBox 3"/>
-          <p:cNvSpPr txBox="1"/>
-          <p:nvPr/>
-        </p:nvSpPr>
-        <p:spPr>
-          <a:xfrm>
-            <a:off x="7706848" y="6311900"/>
-            <a:ext cx="3655744" cy="369332"/>
-          </a:xfrm>
-          <a:prstGeom prst="rect">
-            <a:avLst/>
-          </a:prstGeom>
-          <a:noFill/>
-        </p:spPr>
-        <p:txBody>
-          <a:bodyPr wrap="none" rtlCol="0">
-            <a:spAutoFit/>
+          <a:bodyPr>
+            <a:normAutofit lnSpcReduction="10000"/>
           </a:bodyPr>
           <a:lstStyle/>
           <a:p>
             <a:r>
-              <a:rPr lang="en-AU" dirty="0" smtClean="0"/>
-              <a:t>* Versions are valid as of 03/05/2014</a:t>
-            </a:r>
-            <a:endParaRPr lang="en-AU" dirty="0"/>
+              <a:rPr lang="en-AU" dirty="0" err="1" smtClean="0"/>
+              <a:t>Hashtable</a:t>
+            </a:r>
+            <a:endParaRPr lang="en-AU" dirty="0" smtClean="0"/>
+          </a:p>
+          <a:p>
+            <a:pPr lvl="1"/>
+            <a:r>
+              <a:rPr lang="en-AU" dirty="0" smtClean="0"/>
+              <a:t>Implemented by Unity post 4.2 in WinRTLegacy.dll</a:t>
+            </a:r>
+          </a:p>
+          <a:p>
+            <a:pPr lvl="1"/>
+            <a:r>
+              <a:rPr lang="en-AU" dirty="0" smtClean="0"/>
+              <a:t>new WWW() wants Dictionary&lt;</a:t>
+            </a:r>
+            <a:r>
+              <a:rPr lang="en-AU" dirty="0" err="1" smtClean="0"/>
+              <a:t>string,string</a:t>
+            </a:r>
+            <a:r>
+              <a:rPr lang="en-AU" dirty="0" smtClean="0"/>
+              <a:t>&gt; instead</a:t>
+            </a:r>
+          </a:p>
+          <a:p>
+            <a:pPr lvl="2"/>
+            <a:r>
+              <a:rPr lang="en-AU" dirty="0" smtClean="0"/>
+              <a:t>Just replace your </a:t>
+            </a:r>
+            <a:r>
+              <a:rPr lang="en-AU" dirty="0" err="1" smtClean="0"/>
+              <a:t>Hashtables</a:t>
+            </a:r>
+            <a:r>
+              <a:rPr lang="en-AU" dirty="0" smtClean="0"/>
+              <a:t> (same interface)</a:t>
+            </a:r>
+          </a:p>
+          <a:p>
+            <a:r>
+              <a:rPr lang="en-AU" dirty="0" smtClean="0"/>
+              <a:t>Reflection</a:t>
+            </a:r>
+          </a:p>
+          <a:p>
+            <a:pPr lvl="1"/>
+            <a:r>
+              <a:rPr lang="en-AU" dirty="0" smtClean="0"/>
+              <a:t>Type methods are now in </a:t>
+            </a:r>
+            <a:r>
+              <a:rPr lang="en-AU" dirty="0" err="1" smtClean="0"/>
+              <a:t>TypeInfo</a:t>
+            </a:r>
+            <a:endParaRPr lang="en-AU" dirty="0" smtClean="0"/>
+          </a:p>
+          <a:p>
+            <a:pPr lvl="2"/>
+            <a:r>
+              <a:rPr lang="en-AU" dirty="0" smtClean="0"/>
+              <a:t>Porting sample has partial implementation of Type</a:t>
+            </a:r>
+          </a:p>
+          <a:p>
+            <a:pPr lvl="1"/>
+            <a:r>
+              <a:rPr lang="en-AU" dirty="0" err="1" smtClean="0"/>
+              <a:t>Codegen</a:t>
+            </a:r>
+            <a:r>
+              <a:rPr lang="en-AU" dirty="0"/>
+              <a:t> </a:t>
+            </a:r>
+            <a:r>
+              <a:rPr lang="en-AU" dirty="0" smtClean="0"/>
+              <a:t>not permitted</a:t>
+            </a:r>
+          </a:p>
+          <a:p>
+            <a:r>
+              <a:rPr lang="en-AU" dirty="0" smtClean="0"/>
+              <a:t>File/Directory</a:t>
+            </a:r>
+          </a:p>
+          <a:p>
+            <a:pPr lvl="1"/>
+            <a:r>
+              <a:rPr lang="en-AU" dirty="0" smtClean="0"/>
+              <a:t>Same as Reflection</a:t>
+            </a:r>
+          </a:p>
+          <a:p>
+            <a:r>
+              <a:rPr lang="en-AU" dirty="0">
+                <a:hlinkClick r:id="rId2"/>
+              </a:rPr>
+              <a:t>http://</a:t>
+            </a:r>
+            <a:r>
+              <a:rPr lang="en-AU" dirty="0" smtClean="0">
+                <a:hlinkClick r:id="rId2"/>
+              </a:rPr>
+              <a:t>bit.ly/missingwinrttypes</a:t>
+            </a:r>
+            <a:endParaRPr lang="en-AU" dirty="0" smtClean="0"/>
           </a:p>
         </p:txBody>
       </p:sp>
     </p:spTree>
     <p:extLst>
       <p:ext uri="{BB962C8B-B14F-4D97-AF65-F5344CB8AC3E}">
-        <p14:creationId xmlns:p14="http://schemas.microsoft.com/office/powerpoint/2010/main" val="475539485"/>
+        <p14:creationId xmlns:p14="http://schemas.microsoft.com/office/powerpoint/2010/main" val="3583505864"/>
       </p:ext>
     </p:extLst>
   </p:cSld>
